--- a/angular2/slides/01_Introduction.pptx
+++ b/angular2/slides/01_Introduction.pptx
@@ -5,10 +5,10 @@
     <p:sldMasterId id="2147483772" r:id="rId1"/>
   </p:sldMasterIdLst>
   <p:notesMasterIdLst>
-    <p:notesMasterId r:id="rId10"/>
+    <p:notesMasterId r:id="rId11"/>
   </p:notesMasterIdLst>
   <p:handoutMasterIdLst>
-    <p:handoutMasterId r:id="rId11"/>
+    <p:handoutMasterId r:id="rId12"/>
   </p:handoutMasterIdLst>
   <p:sldIdLst>
     <p:sldId id="327" r:id="rId2"/>
@@ -19,6 +19,7 @@
     <p:sldId id="332" r:id="rId7"/>
     <p:sldId id="333" r:id="rId8"/>
     <p:sldId id="334" r:id="rId9"/>
+    <p:sldId id="335" r:id="rId10"/>
   </p:sldIdLst>
   <p:sldSz cx="9144000" cy="6858000" type="screen4x3"/>
   <p:notesSz cx="7302500" cy="9588500"/>
@@ -271,7 +272,7 @@
               <a:pPr>
                 <a:defRPr/>
               </a:pPr>
-              <a:t>12/12/2015</a:t>
+              <a:t>12/14/2015</a:t>
             </a:fld>
             <a:endParaRPr lang="en-US"/>
           </a:p>
@@ -2730,8 +2731,26 @@
                 </a:solidFill>
                 <a:latin typeface="Tekton Pro" pitchFamily="34" charset="0"/>
               </a:rPr>
-              <a:t>Separate</a:t>
-            </a:r>
+              <a:t>Separation</a:t>
+            </a:r>
+          </a:p>
+          <a:p>
+            <a:pPr algn="ctr"/>
+            <a:r>
+              <a:rPr lang="en-US" sz="2000" dirty="0" smtClean="0">
+                <a:solidFill>
+                  <a:schemeClr val="tx1"/>
+                </a:solidFill>
+                <a:latin typeface="Tekton Pro" pitchFamily="34" charset="0"/>
+              </a:rPr>
+              <a:t>of</a:t>
+            </a:r>
+            <a:endParaRPr lang="en-US" sz="2000" dirty="0" smtClean="0">
+              <a:solidFill>
+                <a:schemeClr val="tx1"/>
+              </a:solidFill>
+              <a:latin typeface="Tekton Pro" pitchFamily="34" charset="0"/>
+            </a:endParaRPr>
           </a:p>
           <a:p>
             <a:pPr algn="ctr"/>
@@ -3278,7 +3297,7 @@
         </p:blipFill>
         <p:spPr>
           <a:xfrm>
-            <a:off x="1143000" y="1971296"/>
+            <a:off x="1219200" y="2816180"/>
             <a:ext cx="2540131" cy="1759040"/>
           </a:xfrm>
           <a:prstGeom prst="rect">
@@ -3308,53 +3327,12 @@
         </p:blipFill>
         <p:spPr>
           <a:xfrm>
-            <a:off x="2514600" y="3695700"/>
+            <a:off x="5029200" y="2159192"/>
             <a:ext cx="3073016" cy="3073016"/>
           </a:xfrm>
           <a:prstGeom prst="rect">
             <a:avLst/>
           </a:prstGeom>
-        </p:spPr>
-      </p:pic>
-      <p:pic>
-        <p:nvPicPr>
-          <p:cNvPr id="2064" name="Picture 16" descr="https://raw.githubusercontent.com/gulpjs/artwork/master/gulp-2x.png"/>
-          <p:cNvPicPr>
-            <a:picLocks noChangeAspect="1" noChangeArrowheads="1"/>
-          </p:cNvPicPr>
-          <p:nvPr/>
-        </p:nvPicPr>
-        <p:blipFill>
-          <a:blip r:embed="rId4">
-            <a:extLst>
-              <a:ext uri="{28A0092B-C50C-407E-A947-70E740481C1C}">
-                <a14:useLocalDpi xmlns:a14="http://schemas.microsoft.com/office/drawing/2010/main" val="0"/>
-              </a:ext>
-            </a:extLst>
-          </a:blip>
-          <a:srcRect/>
-          <a:stretch>
-            <a:fillRect/>
-          </a:stretch>
-        </p:blipFill>
-        <p:spPr bwMode="auto">
-          <a:xfrm>
-            <a:off x="6051358" y="2286000"/>
-            <a:ext cx="1085850" cy="2428876"/>
-          </a:xfrm>
-          <a:prstGeom prst="rect">
-            <a:avLst/>
-          </a:prstGeom>
-          <a:noFill/>
-          <a:extLst>
-            <a:ext uri="{909E8E84-426E-40DD-AFC4-6F175D3DCCD1}">
-              <a14:hiddenFill xmlns:a14="http://schemas.microsoft.com/office/drawing/2010/main">
-                <a:solidFill>
-                  <a:srgbClr val="FFFFFF"/>
-                </a:solidFill>
-              </a14:hiddenFill>
-            </a:ext>
-          </a:extLst>
         </p:spPr>
       </p:pic>
     </p:spTree>
@@ -3472,59 +3450,6 @@
                                         <p:cTn id="12" dur="500"/>
                                         <p:tgtEl>
                                           <p:spTgt spid="10"/>
-                                        </p:tgtEl>
-                                      </p:cBhvr>
-                                    </p:animEffect>
-                                  </p:childTnLst>
-                                </p:cTn>
-                              </p:par>
-                            </p:childTnLst>
-                          </p:cTn>
-                        </p:par>
-                      </p:childTnLst>
-                    </p:cTn>
-                  </p:par>
-                  <p:par>
-                    <p:cTn id="13" fill="hold">
-                      <p:stCondLst>
-                        <p:cond delay="indefinite"/>
-                      </p:stCondLst>
-                      <p:childTnLst>
-                        <p:par>
-                          <p:cTn id="14" fill="hold">
-                            <p:stCondLst>
-                              <p:cond delay="0"/>
-                            </p:stCondLst>
-                            <p:childTnLst>
-                              <p:par>
-                                <p:cTn id="15" presetID="10" presetClass="entr" presetSubtype="0" fill="hold" nodeType="clickEffect">
-                                  <p:stCondLst>
-                                    <p:cond delay="0"/>
-                                  </p:stCondLst>
-                                  <p:childTnLst>
-                                    <p:set>
-                                      <p:cBhvr>
-                                        <p:cTn id="16" dur="1" fill="hold">
-                                          <p:stCondLst>
-                                            <p:cond delay="0"/>
-                                          </p:stCondLst>
-                                        </p:cTn>
-                                        <p:tgtEl>
-                                          <p:spTgt spid="2064"/>
-                                        </p:tgtEl>
-                                        <p:attrNameLst>
-                                          <p:attrName>style.visibility</p:attrName>
-                                        </p:attrNameLst>
-                                      </p:cBhvr>
-                                      <p:to>
-                                        <p:strVal val="visible"/>
-                                      </p:to>
-                                    </p:set>
-                                    <p:animEffect transition="in" filter="fade">
-                                      <p:cBhvr>
-                                        <p:cTn id="17" dur="500"/>
-                                        <p:tgtEl>
-                                          <p:spTgt spid="2064"/>
                                         </p:tgtEl>
                                       </p:cBhvr>
                                     </p:animEffect>
@@ -4287,7 +4212,11 @@
           <a:bodyPr/>
           <a:lstStyle/>
           <a:p>
-            <a:endParaRPr lang="en-US"/>
+            <a:r>
+              <a:rPr lang="en-US" dirty="0" smtClean="0"/>
+              <a:t>Other Starting Points</a:t>
+            </a:r>
+            <a:endParaRPr lang="en-US" dirty="0"/>
           </a:p>
         </p:txBody>
       </p:sp>
@@ -4306,6 +4235,605 @@
           <a:bodyPr/>
           <a:lstStyle/>
           <a:p>
+            <a:r>
+              <a:rPr lang="en-US" dirty="0" smtClean="0"/>
+              <a:t>Yeoman generators</a:t>
+            </a:r>
+          </a:p>
+          <a:p>
+            <a:pPr lvl="1"/>
+            <a:r>
+              <a:rPr lang="en-US" dirty="0" smtClean="0"/>
+              <a:t>generator-angular2</a:t>
+            </a:r>
+          </a:p>
+          <a:p>
+            <a:pPr lvl="1"/>
+            <a:r>
+              <a:rPr lang="en-US" dirty="0" smtClean="0"/>
+              <a:t>generator-angular2-gulp-webpack</a:t>
+            </a:r>
+          </a:p>
+          <a:p>
+            <a:r>
+              <a:rPr lang="en-US" dirty="0" smtClean="0"/>
+              <a:t>Seed projects</a:t>
+            </a:r>
+          </a:p>
+          <a:p>
+            <a:pPr lvl="1"/>
+            <a:r>
+              <a:rPr lang="en-US" dirty="0" smtClean="0"/>
+              <a:t>angular2-seed (</a:t>
+            </a:r>
+            <a:r>
+              <a:rPr lang="en-US" dirty="0" err="1" smtClean="0"/>
+              <a:t>npm</a:t>
+            </a:r>
+            <a:r>
+              <a:rPr lang="en-US" dirty="0" smtClean="0"/>
+              <a:t>)</a:t>
+            </a:r>
+          </a:p>
+          <a:p>
+            <a:pPr lvl="1"/>
+            <a:r>
+              <a:rPr lang="en-US" dirty="0" smtClean="0"/>
+              <a:t>ng2-play (</a:t>
+            </a:r>
+            <a:r>
+              <a:rPr lang="en-US" dirty="0" err="1" smtClean="0"/>
+              <a:t>github:pkozlowski-opensource</a:t>
+            </a:r>
+            <a:r>
+              <a:rPr lang="en-US" dirty="0" smtClean="0"/>
+              <a:t>)</a:t>
+            </a:r>
+          </a:p>
+          <a:p>
+            <a:pPr lvl="1"/>
+            <a:r>
+              <a:rPr lang="en-US" dirty="0" smtClean="0"/>
+              <a:t>angular-starter (</a:t>
+            </a:r>
+            <a:r>
+              <a:rPr lang="en-US" dirty="0" err="1" smtClean="0"/>
+              <a:t>github:eladrk</a:t>
+            </a:r>
+            <a:r>
+              <a:rPr lang="en-US" dirty="0" smtClean="0"/>
+              <a:t>)</a:t>
+            </a:r>
+          </a:p>
+          <a:p>
+            <a:pPr lvl="1"/>
+            <a:endParaRPr lang="en-US" dirty="0" smtClean="0"/>
+          </a:p>
+          <a:p>
+            <a:pPr lvl="1"/>
+            <a:endParaRPr lang="en-US" dirty="0"/>
+          </a:p>
+        </p:txBody>
+      </p:sp>
+      <p:pic>
+        <p:nvPicPr>
+          <p:cNvPr id="4" name="Picture 2" descr="http://yeoman.io/assets/img/yeoman-logo.png"/>
+          <p:cNvPicPr>
+            <a:picLocks noChangeAspect="1" noChangeArrowheads="1"/>
+          </p:cNvPicPr>
+          <p:nvPr/>
+        </p:nvPicPr>
+        <p:blipFill>
+          <a:blip r:embed="rId2">
+            <a:extLst>
+              <a:ext uri="{28A0092B-C50C-407E-A947-70E740481C1C}">
+                <a14:useLocalDpi xmlns:a14="http://schemas.microsoft.com/office/drawing/2010/main" val="0"/>
+              </a:ext>
+            </a:extLst>
+          </a:blip>
+          <a:srcRect/>
+          <a:stretch>
+            <a:fillRect/>
+          </a:stretch>
+        </p:blipFill>
+        <p:spPr bwMode="auto">
+          <a:xfrm>
+            <a:off x="6177854" y="1447800"/>
+            <a:ext cx="2512756" cy="2176827"/>
+          </a:xfrm>
+          <a:prstGeom prst="rect">
+            <a:avLst/>
+          </a:prstGeom>
+          <a:noFill/>
+          <a:extLst>
+            <a:ext uri="{909E8E84-426E-40DD-AFC4-6F175D3DCCD1}">
+              <a14:hiddenFill xmlns:a14="http://schemas.microsoft.com/office/drawing/2010/main">
+                <a:solidFill>
+                  <a:srgbClr val="FFFFFF"/>
+                </a:solidFill>
+              </a14:hiddenFill>
+            </a:ext>
+          </a:extLst>
+        </p:spPr>
+      </p:pic>
+    </p:spTree>
+    <p:extLst>
+      <p:ext uri="{BB962C8B-B14F-4D97-AF65-F5344CB8AC3E}">
+        <p14:creationId xmlns:p14="http://schemas.microsoft.com/office/powerpoint/2010/main" val="3300752119"/>
+      </p:ext>
+    </p:extLst>
+  </p:cSld>
+  <p:clrMapOvr>
+    <a:masterClrMapping/>
+  </p:clrMapOvr>
+  <p:transition>
+    <p:fade/>
+  </p:transition>
+  <p:timing>
+    <p:tnLst>
+      <p:par>
+        <p:cTn id="1" dur="indefinite" restart="never" nodeType="tmRoot">
+          <p:childTnLst>
+            <p:seq concurrent="1" nextAc="seek">
+              <p:cTn id="2" dur="indefinite" nodeType="mainSeq">
+                <p:childTnLst>
+                  <p:par>
+                    <p:cTn id="3" fill="hold">
+                      <p:stCondLst>
+                        <p:cond delay="indefinite"/>
+                      </p:stCondLst>
+                      <p:childTnLst>
+                        <p:par>
+                          <p:cTn id="4" fill="hold">
+                            <p:stCondLst>
+                              <p:cond delay="0"/>
+                            </p:stCondLst>
+                            <p:childTnLst>
+                              <p:par>
+                                <p:cTn id="5" presetID="10" presetClass="entr" presetSubtype="0" fill="hold" nodeType="clickEffect">
+                                  <p:stCondLst>
+                                    <p:cond delay="0"/>
+                                  </p:stCondLst>
+                                  <p:childTnLst>
+                                    <p:set>
+                                      <p:cBhvr>
+                                        <p:cTn id="6" dur="1" fill="hold">
+                                          <p:stCondLst>
+                                            <p:cond delay="0"/>
+                                          </p:stCondLst>
+                                        </p:cTn>
+                                        <p:tgtEl>
+                                          <p:spTgt spid="3">
+                                            <p:txEl>
+                                              <p:pRg st="0" end="0"/>
+                                            </p:txEl>
+                                          </p:spTgt>
+                                        </p:tgtEl>
+                                        <p:attrNameLst>
+                                          <p:attrName>style.visibility</p:attrName>
+                                        </p:attrNameLst>
+                                      </p:cBhvr>
+                                      <p:to>
+                                        <p:strVal val="visible"/>
+                                      </p:to>
+                                    </p:set>
+                                    <p:animEffect transition="in" filter="fade">
+                                      <p:cBhvr>
+                                        <p:cTn id="7" dur="500"/>
+                                        <p:tgtEl>
+                                          <p:spTgt spid="3">
+                                            <p:txEl>
+                                              <p:pRg st="0" end="0"/>
+                                            </p:txEl>
+                                          </p:spTgt>
+                                        </p:tgtEl>
+                                      </p:cBhvr>
+                                    </p:animEffect>
+                                  </p:childTnLst>
+                                </p:cTn>
+                              </p:par>
+                              <p:par>
+                                <p:cTn id="8" presetID="10" presetClass="entr" presetSubtype="0" fill="hold" nodeType="withEffect">
+                                  <p:stCondLst>
+                                    <p:cond delay="0"/>
+                                  </p:stCondLst>
+                                  <p:childTnLst>
+                                    <p:set>
+                                      <p:cBhvr>
+                                        <p:cTn id="9" dur="1" fill="hold">
+                                          <p:stCondLst>
+                                            <p:cond delay="0"/>
+                                          </p:stCondLst>
+                                        </p:cTn>
+                                        <p:tgtEl>
+                                          <p:spTgt spid="3">
+                                            <p:txEl>
+                                              <p:pRg st="1" end="1"/>
+                                            </p:txEl>
+                                          </p:spTgt>
+                                        </p:tgtEl>
+                                        <p:attrNameLst>
+                                          <p:attrName>style.visibility</p:attrName>
+                                        </p:attrNameLst>
+                                      </p:cBhvr>
+                                      <p:to>
+                                        <p:strVal val="visible"/>
+                                      </p:to>
+                                    </p:set>
+                                    <p:animEffect transition="in" filter="fade">
+                                      <p:cBhvr>
+                                        <p:cTn id="10" dur="500"/>
+                                        <p:tgtEl>
+                                          <p:spTgt spid="3">
+                                            <p:txEl>
+                                              <p:pRg st="1" end="1"/>
+                                            </p:txEl>
+                                          </p:spTgt>
+                                        </p:tgtEl>
+                                      </p:cBhvr>
+                                    </p:animEffect>
+                                  </p:childTnLst>
+                                </p:cTn>
+                              </p:par>
+                              <p:par>
+                                <p:cTn id="11" presetID="10" presetClass="entr" presetSubtype="0" fill="hold" nodeType="withEffect">
+                                  <p:stCondLst>
+                                    <p:cond delay="0"/>
+                                  </p:stCondLst>
+                                  <p:childTnLst>
+                                    <p:set>
+                                      <p:cBhvr>
+                                        <p:cTn id="12" dur="1" fill="hold">
+                                          <p:stCondLst>
+                                            <p:cond delay="0"/>
+                                          </p:stCondLst>
+                                        </p:cTn>
+                                        <p:tgtEl>
+                                          <p:spTgt spid="3">
+                                            <p:txEl>
+                                              <p:pRg st="2" end="2"/>
+                                            </p:txEl>
+                                          </p:spTgt>
+                                        </p:tgtEl>
+                                        <p:attrNameLst>
+                                          <p:attrName>style.visibility</p:attrName>
+                                        </p:attrNameLst>
+                                      </p:cBhvr>
+                                      <p:to>
+                                        <p:strVal val="visible"/>
+                                      </p:to>
+                                    </p:set>
+                                    <p:animEffect transition="in" filter="fade">
+                                      <p:cBhvr>
+                                        <p:cTn id="13" dur="500"/>
+                                        <p:tgtEl>
+                                          <p:spTgt spid="3">
+                                            <p:txEl>
+                                              <p:pRg st="2" end="2"/>
+                                            </p:txEl>
+                                          </p:spTgt>
+                                        </p:tgtEl>
+                                      </p:cBhvr>
+                                    </p:animEffect>
+                                  </p:childTnLst>
+                                </p:cTn>
+                              </p:par>
+                            </p:childTnLst>
+                          </p:cTn>
+                        </p:par>
+                        <p:par>
+                          <p:cTn id="14" fill="hold">
+                            <p:stCondLst>
+                              <p:cond delay="500"/>
+                            </p:stCondLst>
+                            <p:childTnLst>
+                              <p:par>
+                                <p:cTn id="15" presetID="10" presetClass="entr" presetSubtype="0" fill="hold" nodeType="afterEffect">
+                                  <p:stCondLst>
+                                    <p:cond delay="0"/>
+                                  </p:stCondLst>
+                                  <p:childTnLst>
+                                    <p:set>
+                                      <p:cBhvr>
+                                        <p:cTn id="16" dur="1" fill="hold">
+                                          <p:stCondLst>
+                                            <p:cond delay="0"/>
+                                          </p:stCondLst>
+                                        </p:cTn>
+                                        <p:tgtEl>
+                                          <p:spTgt spid="4"/>
+                                        </p:tgtEl>
+                                        <p:attrNameLst>
+                                          <p:attrName>style.visibility</p:attrName>
+                                        </p:attrNameLst>
+                                      </p:cBhvr>
+                                      <p:to>
+                                        <p:strVal val="visible"/>
+                                      </p:to>
+                                    </p:set>
+                                    <p:animEffect transition="in" filter="fade">
+                                      <p:cBhvr>
+                                        <p:cTn id="17" dur="500"/>
+                                        <p:tgtEl>
+                                          <p:spTgt spid="4"/>
+                                        </p:tgtEl>
+                                      </p:cBhvr>
+                                    </p:animEffect>
+                                  </p:childTnLst>
+                                </p:cTn>
+                              </p:par>
+                            </p:childTnLst>
+                          </p:cTn>
+                        </p:par>
+                      </p:childTnLst>
+                    </p:cTn>
+                  </p:par>
+                  <p:par>
+                    <p:cTn id="18" fill="hold">
+                      <p:stCondLst>
+                        <p:cond delay="indefinite"/>
+                      </p:stCondLst>
+                      <p:childTnLst>
+                        <p:par>
+                          <p:cTn id="19" fill="hold">
+                            <p:stCondLst>
+                              <p:cond delay="0"/>
+                            </p:stCondLst>
+                            <p:childTnLst>
+                              <p:par>
+                                <p:cTn id="20" presetID="10" presetClass="entr" presetSubtype="0" fill="hold" nodeType="clickEffect">
+                                  <p:stCondLst>
+                                    <p:cond delay="0"/>
+                                  </p:stCondLst>
+                                  <p:childTnLst>
+                                    <p:set>
+                                      <p:cBhvr>
+                                        <p:cTn id="21" dur="1" fill="hold">
+                                          <p:stCondLst>
+                                            <p:cond delay="0"/>
+                                          </p:stCondLst>
+                                        </p:cTn>
+                                        <p:tgtEl>
+                                          <p:spTgt spid="3">
+                                            <p:txEl>
+                                              <p:pRg st="3" end="3"/>
+                                            </p:txEl>
+                                          </p:spTgt>
+                                        </p:tgtEl>
+                                        <p:attrNameLst>
+                                          <p:attrName>style.visibility</p:attrName>
+                                        </p:attrNameLst>
+                                      </p:cBhvr>
+                                      <p:to>
+                                        <p:strVal val="visible"/>
+                                      </p:to>
+                                    </p:set>
+                                    <p:animEffect transition="in" filter="fade">
+                                      <p:cBhvr>
+                                        <p:cTn id="22" dur="500"/>
+                                        <p:tgtEl>
+                                          <p:spTgt spid="3">
+                                            <p:txEl>
+                                              <p:pRg st="3" end="3"/>
+                                            </p:txEl>
+                                          </p:spTgt>
+                                        </p:tgtEl>
+                                      </p:cBhvr>
+                                    </p:animEffect>
+                                  </p:childTnLst>
+                                </p:cTn>
+                              </p:par>
+                              <p:par>
+                                <p:cTn id="23" presetID="10" presetClass="entr" presetSubtype="0" fill="hold" nodeType="withEffect">
+                                  <p:stCondLst>
+                                    <p:cond delay="0"/>
+                                  </p:stCondLst>
+                                  <p:childTnLst>
+                                    <p:set>
+                                      <p:cBhvr>
+                                        <p:cTn id="24" dur="1" fill="hold">
+                                          <p:stCondLst>
+                                            <p:cond delay="0"/>
+                                          </p:stCondLst>
+                                        </p:cTn>
+                                        <p:tgtEl>
+                                          <p:spTgt spid="3">
+                                            <p:txEl>
+                                              <p:pRg st="4" end="4"/>
+                                            </p:txEl>
+                                          </p:spTgt>
+                                        </p:tgtEl>
+                                        <p:attrNameLst>
+                                          <p:attrName>style.visibility</p:attrName>
+                                        </p:attrNameLst>
+                                      </p:cBhvr>
+                                      <p:to>
+                                        <p:strVal val="visible"/>
+                                      </p:to>
+                                    </p:set>
+                                    <p:animEffect transition="in" filter="fade">
+                                      <p:cBhvr>
+                                        <p:cTn id="25" dur="500"/>
+                                        <p:tgtEl>
+                                          <p:spTgt spid="3">
+                                            <p:txEl>
+                                              <p:pRg st="4" end="4"/>
+                                            </p:txEl>
+                                          </p:spTgt>
+                                        </p:tgtEl>
+                                      </p:cBhvr>
+                                    </p:animEffect>
+                                  </p:childTnLst>
+                                </p:cTn>
+                              </p:par>
+                              <p:par>
+                                <p:cTn id="26" presetID="10" presetClass="entr" presetSubtype="0" fill="hold" nodeType="withEffect">
+                                  <p:stCondLst>
+                                    <p:cond delay="0"/>
+                                  </p:stCondLst>
+                                  <p:childTnLst>
+                                    <p:set>
+                                      <p:cBhvr>
+                                        <p:cTn id="27" dur="1" fill="hold">
+                                          <p:stCondLst>
+                                            <p:cond delay="0"/>
+                                          </p:stCondLst>
+                                        </p:cTn>
+                                        <p:tgtEl>
+                                          <p:spTgt spid="3">
+                                            <p:txEl>
+                                              <p:pRg st="5" end="5"/>
+                                            </p:txEl>
+                                          </p:spTgt>
+                                        </p:tgtEl>
+                                        <p:attrNameLst>
+                                          <p:attrName>style.visibility</p:attrName>
+                                        </p:attrNameLst>
+                                      </p:cBhvr>
+                                      <p:to>
+                                        <p:strVal val="visible"/>
+                                      </p:to>
+                                    </p:set>
+                                    <p:animEffect transition="in" filter="fade">
+                                      <p:cBhvr>
+                                        <p:cTn id="28" dur="500"/>
+                                        <p:tgtEl>
+                                          <p:spTgt spid="3">
+                                            <p:txEl>
+                                              <p:pRg st="5" end="5"/>
+                                            </p:txEl>
+                                          </p:spTgt>
+                                        </p:tgtEl>
+                                      </p:cBhvr>
+                                    </p:animEffect>
+                                  </p:childTnLst>
+                                </p:cTn>
+                              </p:par>
+                              <p:par>
+                                <p:cTn id="29" presetID="10" presetClass="entr" presetSubtype="0" fill="hold" nodeType="withEffect">
+                                  <p:stCondLst>
+                                    <p:cond delay="0"/>
+                                  </p:stCondLst>
+                                  <p:childTnLst>
+                                    <p:set>
+                                      <p:cBhvr>
+                                        <p:cTn id="30" dur="1" fill="hold">
+                                          <p:stCondLst>
+                                            <p:cond delay="0"/>
+                                          </p:stCondLst>
+                                        </p:cTn>
+                                        <p:tgtEl>
+                                          <p:spTgt spid="3">
+                                            <p:txEl>
+                                              <p:pRg st="6" end="6"/>
+                                            </p:txEl>
+                                          </p:spTgt>
+                                        </p:tgtEl>
+                                        <p:attrNameLst>
+                                          <p:attrName>style.visibility</p:attrName>
+                                        </p:attrNameLst>
+                                      </p:cBhvr>
+                                      <p:to>
+                                        <p:strVal val="visible"/>
+                                      </p:to>
+                                    </p:set>
+                                    <p:animEffect transition="in" filter="fade">
+                                      <p:cBhvr>
+                                        <p:cTn id="31" dur="500"/>
+                                        <p:tgtEl>
+                                          <p:spTgt spid="3">
+                                            <p:txEl>
+                                              <p:pRg st="6" end="6"/>
+                                            </p:txEl>
+                                          </p:spTgt>
+                                        </p:tgtEl>
+                                      </p:cBhvr>
+                                    </p:animEffect>
+                                  </p:childTnLst>
+                                </p:cTn>
+                              </p:par>
+                            </p:childTnLst>
+                          </p:cTn>
+                        </p:par>
+                      </p:childTnLst>
+                    </p:cTn>
+                  </p:par>
+                </p:childTnLst>
+              </p:cTn>
+              <p:prevCondLst>
+                <p:cond evt="onPrev" delay="0">
+                  <p:tgtEl>
+                    <p:sldTgt/>
+                  </p:tgtEl>
+                </p:cond>
+              </p:prevCondLst>
+              <p:nextCondLst>
+                <p:cond evt="onNext" delay="0">
+                  <p:tgtEl>
+                    <p:sldTgt/>
+                  </p:tgtEl>
+                </p:cond>
+              </p:nextCondLst>
+            </p:seq>
+          </p:childTnLst>
+        </p:cTn>
+      </p:par>
+    </p:tnLst>
+  </p:timing>
+</p:sld>
+</file>
+
+<file path=ppt/slides/slide9.xml><?xml version="1.0" encoding="utf-8"?>
+<p:sld xmlns:a="http://schemas.openxmlformats.org/drawingml/2006/main" xmlns:r="http://schemas.openxmlformats.org/officeDocument/2006/relationships" xmlns:p="http://schemas.openxmlformats.org/presentationml/2006/main">
+  <p:cSld>
+    <p:spTree>
+      <p:nvGrpSpPr>
+        <p:cNvPr id="1" name=""/>
+        <p:cNvGrpSpPr/>
+        <p:nvPr/>
+      </p:nvGrpSpPr>
+      <p:grpSpPr>
+        <a:xfrm>
+          <a:off x="0" y="0"/>
+          <a:ext cx="0" cy="0"/>
+          <a:chOff x="0" y="0"/>
+          <a:chExt cx="0" cy="0"/>
+        </a:xfrm>
+      </p:grpSpPr>
+      <p:sp>
+        <p:nvSpPr>
+          <p:cNvPr id="2" name="Title 1"/>
+          <p:cNvSpPr>
+            <a:spLocks noGrp="1"/>
+          </p:cNvSpPr>
+          <p:nvPr>
+            <p:ph type="title"/>
+          </p:nvPr>
+        </p:nvSpPr>
+        <p:spPr/>
+        <p:txBody>
+          <a:bodyPr/>
+          <a:lstStyle/>
+          <a:p>
+            <a:endParaRPr lang="en-US"/>
+          </a:p>
+        </p:txBody>
+      </p:sp>
+      <p:sp>
+        <p:nvSpPr>
+          <p:cNvPr id="3" name="Text Placeholder 2"/>
+          <p:cNvSpPr>
+            <a:spLocks noGrp="1"/>
+          </p:cNvSpPr>
+          <p:nvPr>
+            <p:ph type="body" idx="1"/>
+          </p:nvPr>
+        </p:nvSpPr>
+        <p:spPr/>
+        <p:txBody>
+          <a:bodyPr/>
+          <a:lstStyle/>
+          <a:p>
             <a:endParaRPr lang="en-US"/>
           </a:p>
         </p:txBody>
@@ -4313,7 +4841,7 @@
     </p:spTree>
     <p:extLst>
       <p:ext uri="{BB962C8B-B14F-4D97-AF65-F5344CB8AC3E}">
-        <p14:creationId xmlns:p14="http://schemas.microsoft.com/office/powerpoint/2010/main" val="3300752119"/>
+        <p14:creationId xmlns:p14="http://schemas.microsoft.com/office/powerpoint/2010/main" val="318770962"/>
       </p:ext>
     </p:extLst>
   </p:cSld>

--- a/angular2/slides/01_Introduction.pptx
+++ b/angular2/slides/01_Introduction.pptx
@@ -5,10 +5,10 @@
     <p:sldMasterId id="2147483772" r:id="rId1"/>
   </p:sldMasterIdLst>
   <p:notesMasterIdLst>
-    <p:notesMasterId r:id="rId11"/>
+    <p:notesMasterId r:id="rId24"/>
   </p:notesMasterIdLst>
   <p:handoutMasterIdLst>
-    <p:handoutMasterId r:id="rId12"/>
+    <p:handoutMasterId r:id="rId25"/>
   </p:handoutMasterIdLst>
   <p:sldIdLst>
     <p:sldId id="327" r:id="rId2"/>
@@ -20,6 +20,19 @@
     <p:sldId id="333" r:id="rId8"/>
     <p:sldId id="334" r:id="rId9"/>
     <p:sldId id="335" r:id="rId10"/>
+    <p:sldId id="336" r:id="rId11"/>
+    <p:sldId id="337" r:id="rId12"/>
+    <p:sldId id="338" r:id="rId13"/>
+    <p:sldId id="339" r:id="rId14"/>
+    <p:sldId id="340" r:id="rId15"/>
+    <p:sldId id="341" r:id="rId16"/>
+    <p:sldId id="342" r:id="rId17"/>
+    <p:sldId id="343" r:id="rId18"/>
+    <p:sldId id="344" r:id="rId19"/>
+    <p:sldId id="345" r:id="rId20"/>
+    <p:sldId id="346" r:id="rId21"/>
+    <p:sldId id="347" r:id="rId22"/>
+    <p:sldId id="349" r:id="rId23"/>
   </p:sldIdLst>
   <p:sldSz cx="9144000" cy="6858000" type="screen4x3"/>
   <p:notesSz cx="7302500" cy="9588500"/>
@@ -272,7 +285,7 @@
               <a:pPr>
                 <a:defRPr/>
               </a:pPr>
-              <a:t>12/14/2015</a:t>
+              <a:t>12/15/2015</a:t>
             </a:fld>
             <a:endParaRPr lang="en-US"/>
           </a:p>
@@ -2465,6 +2478,2284 @@
 </p:sld>
 </file>
 
+<file path=ppt/slides/slide10.xml><?xml version="1.0" encoding="utf-8"?>
+<p:sld xmlns:a="http://schemas.openxmlformats.org/drawingml/2006/main" xmlns:r="http://schemas.openxmlformats.org/officeDocument/2006/relationships" xmlns:p="http://schemas.openxmlformats.org/presentationml/2006/main">
+  <p:cSld>
+    <p:spTree>
+      <p:nvGrpSpPr>
+        <p:cNvPr id="1" name=""/>
+        <p:cNvGrpSpPr/>
+        <p:nvPr/>
+      </p:nvGrpSpPr>
+      <p:grpSpPr>
+        <a:xfrm>
+          <a:off x="0" y="0"/>
+          <a:ext cx="0" cy="0"/>
+          <a:chOff x="0" y="0"/>
+          <a:chExt cx="0" cy="0"/>
+        </a:xfrm>
+      </p:grpSpPr>
+      <p:sp>
+        <p:nvSpPr>
+          <p:cNvPr id="2" name="Title 1"/>
+          <p:cNvSpPr>
+            <a:spLocks noGrp="1"/>
+          </p:cNvSpPr>
+          <p:nvPr>
+            <p:ph type="title"/>
+          </p:nvPr>
+        </p:nvSpPr>
+        <p:spPr/>
+        <p:txBody>
+          <a:bodyPr/>
+          <a:lstStyle/>
+          <a:p>
+            <a:r>
+              <a:rPr lang="en-US" dirty="0" smtClean="0"/>
+              <a:t>Components</a:t>
+            </a:r>
+            <a:endParaRPr lang="en-US" dirty="0"/>
+          </a:p>
+        </p:txBody>
+      </p:sp>
+      <p:sp>
+        <p:nvSpPr>
+          <p:cNvPr id="3" name="Text Placeholder 2"/>
+          <p:cNvSpPr>
+            <a:spLocks noGrp="1"/>
+          </p:cNvSpPr>
+          <p:nvPr>
+            <p:ph type="body" idx="1"/>
+          </p:nvPr>
+        </p:nvSpPr>
+        <p:spPr/>
+        <p:txBody>
+          <a:bodyPr/>
+          <a:lstStyle/>
+          <a:p>
+            <a:r>
+              <a:rPr lang="en-US" dirty="0" smtClean="0"/>
+              <a:t>Components include a template</a:t>
+            </a:r>
+          </a:p>
+          <a:p>
+            <a:pPr lvl="1"/>
+            <a:r>
+              <a:rPr lang="en-US" dirty="0" smtClean="0"/>
+              <a:t>Like directives, can customize HTML</a:t>
+            </a:r>
+            <a:endParaRPr lang="en-US" dirty="0"/>
+          </a:p>
+        </p:txBody>
+      </p:sp>
+      <p:pic>
+        <p:nvPicPr>
+          <p:cNvPr id="4" name="Picture 3"/>
+          <p:cNvPicPr>
+            <a:picLocks noChangeAspect="1"/>
+          </p:cNvPicPr>
+          <p:nvPr/>
+        </p:nvPicPr>
+        <p:blipFill>
+          <a:blip r:embed="rId2"/>
+          <a:stretch>
+            <a:fillRect/>
+          </a:stretch>
+        </p:blipFill>
+        <p:spPr>
+          <a:xfrm>
+            <a:off x="1600200" y="2286000"/>
+            <a:ext cx="5286375" cy="4324350"/>
+          </a:xfrm>
+          <a:prstGeom prst="rect">
+            <a:avLst/>
+          </a:prstGeom>
+        </p:spPr>
+      </p:pic>
+    </p:spTree>
+    <p:extLst>
+      <p:ext uri="{BB962C8B-B14F-4D97-AF65-F5344CB8AC3E}">
+        <p14:creationId xmlns:p14="http://schemas.microsoft.com/office/powerpoint/2010/main" val="308947159"/>
+      </p:ext>
+    </p:extLst>
+  </p:cSld>
+  <p:clrMapOvr>
+    <a:masterClrMapping/>
+  </p:clrMapOvr>
+  <p:transition>
+    <p:fade/>
+  </p:transition>
+  <p:timing>
+    <p:tnLst>
+      <p:par>
+        <p:cTn id="1" dur="indefinite" restart="never" nodeType="tmRoot"/>
+      </p:par>
+    </p:tnLst>
+  </p:timing>
+</p:sld>
+</file>
+
+<file path=ppt/slides/slide11.xml><?xml version="1.0" encoding="utf-8"?>
+<p:sld xmlns:a="http://schemas.openxmlformats.org/drawingml/2006/main" xmlns:r="http://schemas.openxmlformats.org/officeDocument/2006/relationships" xmlns:p="http://schemas.openxmlformats.org/presentationml/2006/main">
+  <p:cSld>
+    <p:spTree>
+      <p:nvGrpSpPr>
+        <p:cNvPr id="1" name=""/>
+        <p:cNvGrpSpPr/>
+        <p:nvPr/>
+      </p:nvGrpSpPr>
+      <p:grpSpPr>
+        <a:xfrm>
+          <a:off x="0" y="0"/>
+          <a:ext cx="0" cy="0"/>
+          <a:chOff x="0" y="0"/>
+          <a:chExt cx="0" cy="0"/>
+        </a:xfrm>
+      </p:grpSpPr>
+      <p:sp>
+        <p:nvSpPr>
+          <p:cNvPr id="2" name="Title 1"/>
+          <p:cNvSpPr>
+            <a:spLocks noGrp="1"/>
+          </p:cNvSpPr>
+          <p:nvPr>
+            <p:ph type="title"/>
+          </p:nvPr>
+        </p:nvSpPr>
+        <p:spPr/>
+        <p:txBody>
+          <a:bodyPr/>
+          <a:lstStyle/>
+          <a:p>
+            <a:r>
+              <a:rPr lang="en-US" dirty="0" smtClean="0"/>
+              <a:t>Templates</a:t>
+            </a:r>
+            <a:endParaRPr lang="en-US" dirty="0"/>
+          </a:p>
+        </p:txBody>
+      </p:sp>
+      <p:sp>
+        <p:nvSpPr>
+          <p:cNvPr id="3" name="Text Placeholder 2"/>
+          <p:cNvSpPr>
+            <a:spLocks noGrp="1"/>
+          </p:cNvSpPr>
+          <p:nvPr>
+            <p:ph type="body" idx="1"/>
+          </p:nvPr>
+        </p:nvSpPr>
+        <p:spPr/>
+        <p:txBody>
+          <a:bodyPr/>
+          <a:lstStyle/>
+          <a:p>
+            <a:r>
+              <a:rPr lang="en-US" dirty="0" smtClean="0"/>
+              <a:t>Responsible for presenting the model</a:t>
+            </a:r>
+          </a:p>
+          <a:p>
+            <a:pPr lvl="1"/>
+            <a:r>
+              <a:rPr lang="en-US" dirty="0" smtClean="0"/>
+              <a:t>Using directives and {{ interpolation }}</a:t>
+            </a:r>
+            <a:endParaRPr lang="en-US" dirty="0"/>
+          </a:p>
+        </p:txBody>
+      </p:sp>
+      <p:pic>
+        <p:nvPicPr>
+          <p:cNvPr id="4" name="Picture 3"/>
+          <p:cNvPicPr>
+            <a:picLocks noChangeAspect="1"/>
+          </p:cNvPicPr>
+          <p:nvPr/>
+        </p:nvPicPr>
+        <p:blipFill>
+          <a:blip r:embed="rId2"/>
+          <a:stretch>
+            <a:fillRect/>
+          </a:stretch>
+        </p:blipFill>
+        <p:spPr>
+          <a:xfrm>
+            <a:off x="1600200" y="2667000"/>
+            <a:ext cx="5716518" cy="2667000"/>
+          </a:xfrm>
+          <a:prstGeom prst="rect">
+            <a:avLst/>
+          </a:prstGeom>
+        </p:spPr>
+      </p:pic>
+    </p:spTree>
+    <p:extLst>
+      <p:ext uri="{BB962C8B-B14F-4D97-AF65-F5344CB8AC3E}">
+        <p14:creationId xmlns:p14="http://schemas.microsoft.com/office/powerpoint/2010/main" val="258812506"/>
+      </p:ext>
+    </p:extLst>
+  </p:cSld>
+  <p:clrMapOvr>
+    <a:masterClrMapping/>
+  </p:clrMapOvr>
+  <p:transition>
+    <p:fade/>
+  </p:transition>
+  <p:timing>
+    <p:tnLst>
+      <p:par>
+        <p:cTn id="1" dur="indefinite" restart="never" nodeType="tmRoot"/>
+      </p:par>
+    </p:tnLst>
+  </p:timing>
+</p:sld>
+</file>
+
+<file path=ppt/slides/slide12.xml><?xml version="1.0" encoding="utf-8"?>
+<p:sld xmlns:a="http://schemas.openxmlformats.org/drawingml/2006/main" xmlns:r="http://schemas.openxmlformats.org/officeDocument/2006/relationships" xmlns:p="http://schemas.openxmlformats.org/presentationml/2006/main">
+  <p:cSld>
+    <p:spTree>
+      <p:nvGrpSpPr>
+        <p:cNvPr id="1" name=""/>
+        <p:cNvGrpSpPr/>
+        <p:nvPr/>
+      </p:nvGrpSpPr>
+      <p:grpSpPr>
+        <a:xfrm>
+          <a:off x="0" y="0"/>
+          <a:ext cx="0" cy="0"/>
+          <a:chOff x="0" y="0"/>
+          <a:chExt cx="0" cy="0"/>
+        </a:xfrm>
+      </p:grpSpPr>
+      <p:sp>
+        <p:nvSpPr>
+          <p:cNvPr id="2" name="Title 1"/>
+          <p:cNvSpPr>
+            <a:spLocks noGrp="1"/>
+          </p:cNvSpPr>
+          <p:nvPr>
+            <p:ph type="title"/>
+          </p:nvPr>
+        </p:nvSpPr>
+        <p:spPr/>
+        <p:txBody>
+          <a:bodyPr/>
+          <a:lstStyle/>
+          <a:p>
+            <a:r>
+              <a:rPr lang="en-US" dirty="0" smtClean="0"/>
+              <a:t>Models</a:t>
+            </a:r>
+            <a:endParaRPr lang="en-US" dirty="0"/>
+          </a:p>
+        </p:txBody>
+      </p:sp>
+      <p:sp>
+        <p:nvSpPr>
+          <p:cNvPr id="3" name="Text Placeholder 2"/>
+          <p:cNvSpPr>
+            <a:spLocks noGrp="1"/>
+          </p:cNvSpPr>
+          <p:nvPr>
+            <p:ph type="body" idx="1"/>
+          </p:nvPr>
+        </p:nvSpPr>
+        <p:spPr/>
+        <p:txBody>
+          <a:bodyPr/>
+          <a:lstStyle/>
+          <a:p>
+            <a:r>
+              <a:rPr lang="en-US" dirty="0" smtClean="0"/>
+              <a:t>Plain Old JavaScript (2015)</a:t>
+            </a:r>
+          </a:p>
+          <a:p>
+            <a:r>
+              <a:rPr lang="en-US" dirty="0" smtClean="0"/>
+              <a:t>Component fields exposed for binding</a:t>
+            </a:r>
+            <a:endParaRPr lang="en-US" dirty="0"/>
+          </a:p>
+        </p:txBody>
+      </p:sp>
+      <p:pic>
+        <p:nvPicPr>
+          <p:cNvPr id="4" name="Picture 3"/>
+          <p:cNvPicPr>
+            <a:picLocks noChangeAspect="1"/>
+          </p:cNvPicPr>
+          <p:nvPr/>
+        </p:nvPicPr>
+        <p:blipFill>
+          <a:blip r:embed="rId2"/>
+          <a:stretch>
+            <a:fillRect/>
+          </a:stretch>
+        </p:blipFill>
+        <p:spPr>
+          <a:xfrm>
+            <a:off x="1676400" y="2209800"/>
+            <a:ext cx="5295900" cy="4476750"/>
+          </a:xfrm>
+          <a:prstGeom prst="rect">
+            <a:avLst/>
+          </a:prstGeom>
+        </p:spPr>
+      </p:pic>
+    </p:spTree>
+    <p:extLst>
+      <p:ext uri="{BB962C8B-B14F-4D97-AF65-F5344CB8AC3E}">
+        <p14:creationId xmlns:p14="http://schemas.microsoft.com/office/powerpoint/2010/main" val="1104661462"/>
+      </p:ext>
+    </p:extLst>
+  </p:cSld>
+  <p:clrMapOvr>
+    <a:masterClrMapping/>
+  </p:clrMapOvr>
+  <p:transition>
+    <p:fade/>
+  </p:transition>
+  <p:timing>
+    <p:tnLst>
+      <p:par>
+        <p:cTn id="1" dur="indefinite" restart="never" nodeType="tmRoot">
+          <p:childTnLst>
+            <p:seq concurrent="1" nextAc="seek">
+              <p:cTn id="2" dur="indefinite" nodeType="mainSeq">
+                <p:childTnLst>
+                  <p:par>
+                    <p:cTn id="3" fill="hold">
+                      <p:stCondLst>
+                        <p:cond delay="indefinite"/>
+                      </p:stCondLst>
+                      <p:childTnLst>
+                        <p:par>
+                          <p:cTn id="4" fill="hold">
+                            <p:stCondLst>
+                              <p:cond delay="0"/>
+                            </p:stCondLst>
+                            <p:childTnLst>
+                              <p:par>
+                                <p:cTn id="5" presetID="10" presetClass="entr" presetSubtype="0" fill="hold" nodeType="clickEffect">
+                                  <p:stCondLst>
+                                    <p:cond delay="0"/>
+                                  </p:stCondLst>
+                                  <p:childTnLst>
+                                    <p:set>
+                                      <p:cBhvr>
+                                        <p:cTn id="6" dur="1" fill="hold">
+                                          <p:stCondLst>
+                                            <p:cond delay="0"/>
+                                          </p:stCondLst>
+                                        </p:cTn>
+                                        <p:tgtEl>
+                                          <p:spTgt spid="4"/>
+                                        </p:tgtEl>
+                                        <p:attrNameLst>
+                                          <p:attrName>style.visibility</p:attrName>
+                                        </p:attrNameLst>
+                                      </p:cBhvr>
+                                      <p:to>
+                                        <p:strVal val="visible"/>
+                                      </p:to>
+                                    </p:set>
+                                    <p:animEffect transition="in" filter="fade">
+                                      <p:cBhvr>
+                                        <p:cTn id="7" dur="500"/>
+                                        <p:tgtEl>
+                                          <p:spTgt spid="4"/>
+                                        </p:tgtEl>
+                                      </p:cBhvr>
+                                    </p:animEffect>
+                                  </p:childTnLst>
+                                </p:cTn>
+                              </p:par>
+                            </p:childTnLst>
+                          </p:cTn>
+                        </p:par>
+                      </p:childTnLst>
+                    </p:cTn>
+                  </p:par>
+                </p:childTnLst>
+              </p:cTn>
+              <p:prevCondLst>
+                <p:cond evt="onPrev" delay="0">
+                  <p:tgtEl>
+                    <p:sldTgt/>
+                  </p:tgtEl>
+                </p:cond>
+              </p:prevCondLst>
+              <p:nextCondLst>
+                <p:cond evt="onNext" delay="0">
+                  <p:tgtEl>
+                    <p:sldTgt/>
+                  </p:tgtEl>
+                </p:cond>
+              </p:nextCondLst>
+            </p:seq>
+          </p:childTnLst>
+        </p:cTn>
+      </p:par>
+    </p:tnLst>
+  </p:timing>
+</p:sld>
+</file>
+
+<file path=ppt/slides/slide13.xml><?xml version="1.0" encoding="utf-8"?>
+<p:sld xmlns:a="http://schemas.openxmlformats.org/drawingml/2006/main" xmlns:r="http://schemas.openxmlformats.org/officeDocument/2006/relationships" xmlns:p="http://schemas.openxmlformats.org/presentationml/2006/main">
+  <p:cSld>
+    <p:spTree>
+      <p:nvGrpSpPr>
+        <p:cNvPr id="1" name=""/>
+        <p:cNvGrpSpPr/>
+        <p:nvPr/>
+      </p:nvGrpSpPr>
+      <p:grpSpPr>
+        <a:xfrm>
+          <a:off x="0" y="0"/>
+          <a:ext cx="0" cy="0"/>
+          <a:chOff x="0" y="0"/>
+          <a:chExt cx="0" cy="0"/>
+        </a:xfrm>
+      </p:grpSpPr>
+      <p:sp>
+        <p:nvSpPr>
+          <p:cNvPr id="2" name="Title 1"/>
+          <p:cNvSpPr>
+            <a:spLocks noGrp="1"/>
+          </p:cNvSpPr>
+          <p:nvPr>
+            <p:ph type="title"/>
+          </p:nvPr>
+        </p:nvSpPr>
+        <p:spPr/>
+        <p:txBody>
+          <a:bodyPr/>
+          <a:lstStyle/>
+          <a:p>
+            <a:r>
+              <a:rPr lang="en-US" dirty="0" smtClean="0"/>
+              <a:t>Essence</a:t>
+            </a:r>
+            <a:endParaRPr lang="en-US" dirty="0"/>
+          </a:p>
+        </p:txBody>
+      </p:sp>
+      <p:sp>
+        <p:nvSpPr>
+          <p:cNvPr id="3" name="Text Placeholder 2"/>
+          <p:cNvSpPr>
+            <a:spLocks noGrp="1"/>
+          </p:cNvSpPr>
+          <p:nvPr>
+            <p:ph type="body" idx="1"/>
+          </p:nvPr>
+        </p:nvSpPr>
+        <p:spPr/>
+        <p:txBody>
+          <a:bodyPr/>
+          <a:lstStyle/>
+          <a:p>
+            <a:r>
+              <a:rPr lang="en-US" dirty="0" smtClean="0"/>
+              <a:t>Components</a:t>
+            </a:r>
+          </a:p>
+          <a:p>
+            <a:pPr lvl="1"/>
+            <a:r>
+              <a:rPr lang="en-US" dirty="0" smtClean="0"/>
+              <a:t>No direct DOM manipulation</a:t>
+            </a:r>
+          </a:p>
+          <a:p>
+            <a:r>
+              <a:rPr lang="en-US" dirty="0" smtClean="0"/>
+              <a:t>Templates</a:t>
+            </a:r>
+          </a:p>
+          <a:p>
+            <a:pPr lvl="1"/>
+            <a:r>
+              <a:rPr lang="en-US" dirty="0" smtClean="0"/>
+              <a:t>No serious model manipulation</a:t>
+            </a:r>
+            <a:endParaRPr lang="en-US" dirty="0"/>
+          </a:p>
+        </p:txBody>
+      </p:sp>
+      <p:sp>
+        <p:nvSpPr>
+          <p:cNvPr id="4" name="Rectangle 3"/>
+          <p:cNvSpPr/>
+          <p:nvPr/>
+        </p:nvSpPr>
+        <p:spPr bwMode="auto">
+          <a:xfrm>
+            <a:off x="5535930" y="1371600"/>
+            <a:ext cx="2819400" cy="990600"/>
+          </a:xfrm>
+          <a:prstGeom prst="rect">
+            <a:avLst/>
+          </a:prstGeom>
+          <a:ln>
+            <a:headEnd/>
+            <a:tailEnd/>
+          </a:ln>
+        </p:spPr>
+        <p:style>
+          <a:lnRef idx="2">
+            <a:schemeClr val="accent2">
+              <a:shade val="50000"/>
+            </a:schemeClr>
+          </a:lnRef>
+          <a:fillRef idx="1">
+            <a:schemeClr val="accent2"/>
+          </a:fillRef>
+          <a:effectRef idx="0">
+            <a:schemeClr val="accent2"/>
+          </a:effectRef>
+          <a:fontRef idx="minor">
+            <a:schemeClr val="lt1"/>
+          </a:fontRef>
+        </p:style>
+        <p:txBody>
+          <a:bodyPr wrap="none" rtlCol="0" anchor="ctr"/>
+          <a:lstStyle/>
+          <a:p>
+            <a:pPr algn="ctr"/>
+            <a:r>
+              <a:rPr lang="en-US" sz="2000" dirty="0" smtClean="0">
+                <a:solidFill>
+                  <a:schemeClr val="tx1"/>
+                </a:solidFill>
+                <a:latin typeface="Tekton Pro" pitchFamily="34" charset="0"/>
+              </a:rPr>
+              <a:t>&lt;template&gt;</a:t>
+            </a:r>
+            <a:endParaRPr lang="en-US" sz="2000" dirty="0">
+              <a:solidFill>
+                <a:schemeClr val="tx1"/>
+              </a:solidFill>
+              <a:latin typeface="Tekton Pro" pitchFamily="34" charset="0"/>
+            </a:endParaRPr>
+          </a:p>
+        </p:txBody>
+      </p:sp>
+      <p:sp>
+        <p:nvSpPr>
+          <p:cNvPr id="5" name="Rectangle 4"/>
+          <p:cNvSpPr/>
+          <p:nvPr/>
+        </p:nvSpPr>
+        <p:spPr bwMode="auto">
+          <a:xfrm>
+            <a:off x="5535930" y="4648200"/>
+            <a:ext cx="2819400" cy="1143000"/>
+          </a:xfrm>
+          <a:prstGeom prst="rect">
+            <a:avLst/>
+          </a:prstGeom>
+          <a:ln>
+            <a:headEnd/>
+            <a:tailEnd/>
+          </a:ln>
+        </p:spPr>
+        <p:style>
+          <a:lnRef idx="2">
+            <a:schemeClr val="accent2">
+              <a:shade val="50000"/>
+            </a:schemeClr>
+          </a:lnRef>
+          <a:fillRef idx="1">
+            <a:schemeClr val="accent2"/>
+          </a:fillRef>
+          <a:effectRef idx="0">
+            <a:schemeClr val="accent2"/>
+          </a:effectRef>
+          <a:fontRef idx="minor">
+            <a:schemeClr val="lt1"/>
+          </a:fontRef>
+        </p:style>
+        <p:txBody>
+          <a:bodyPr wrap="none" rtlCol="0" anchor="ctr"/>
+          <a:lstStyle/>
+          <a:p>
+            <a:pPr algn="ctr"/>
+            <a:r>
+              <a:rPr lang="en-US" sz="2000" dirty="0" smtClean="0">
+                <a:solidFill>
+                  <a:schemeClr val="tx1"/>
+                </a:solidFill>
+                <a:latin typeface="Tekton Pro" pitchFamily="34" charset="0"/>
+              </a:rPr>
+              <a:t>@Component</a:t>
+            </a:r>
+            <a:endParaRPr lang="en-US" sz="2000" dirty="0">
+              <a:solidFill>
+                <a:schemeClr val="tx1"/>
+              </a:solidFill>
+              <a:latin typeface="Tekton Pro" pitchFamily="34" charset="0"/>
+            </a:endParaRPr>
+          </a:p>
+        </p:txBody>
+      </p:sp>
+      <p:sp>
+        <p:nvSpPr>
+          <p:cNvPr id="6" name="Up Arrow 5"/>
+          <p:cNvSpPr/>
+          <p:nvPr/>
+        </p:nvSpPr>
+        <p:spPr bwMode="auto">
+          <a:xfrm>
+            <a:off x="5543550" y="2171700"/>
+            <a:ext cx="914400" cy="2667000"/>
+          </a:xfrm>
+          <a:prstGeom prst="upArrow">
+            <a:avLst/>
+          </a:prstGeom>
+          <a:ln>
+            <a:headEnd/>
+            <a:tailEnd/>
+          </a:ln>
+        </p:spPr>
+        <p:style>
+          <a:lnRef idx="2">
+            <a:schemeClr val="accent6">
+              <a:shade val="50000"/>
+            </a:schemeClr>
+          </a:lnRef>
+          <a:fillRef idx="1">
+            <a:schemeClr val="accent6"/>
+          </a:fillRef>
+          <a:effectRef idx="0">
+            <a:schemeClr val="accent6"/>
+          </a:effectRef>
+          <a:fontRef idx="minor">
+            <a:schemeClr val="lt1"/>
+          </a:fontRef>
+        </p:style>
+        <p:txBody>
+          <a:bodyPr vert="vert" wrap="none" rtlCol="0" anchor="ctr"/>
+          <a:lstStyle/>
+          <a:p>
+            <a:pPr algn="ctr"/>
+            <a:r>
+              <a:rPr lang="en-US" sz="2000" dirty="0" smtClean="0">
+                <a:latin typeface="Tekton Pro" pitchFamily="34" charset="0"/>
+              </a:rPr>
+              <a:t>properties</a:t>
+            </a:r>
+            <a:endParaRPr lang="en-US" sz="2000" dirty="0">
+              <a:latin typeface="Tekton Pro" pitchFamily="34" charset="0"/>
+            </a:endParaRPr>
+          </a:p>
+        </p:txBody>
+      </p:sp>
+      <p:sp>
+        <p:nvSpPr>
+          <p:cNvPr id="9" name="Up Arrow 8"/>
+          <p:cNvSpPr/>
+          <p:nvPr/>
+        </p:nvSpPr>
+        <p:spPr bwMode="auto">
+          <a:xfrm rot="10800000">
+            <a:off x="7463790" y="2209800"/>
+            <a:ext cx="914400" cy="2667000"/>
+          </a:xfrm>
+          <a:prstGeom prst="upArrow">
+            <a:avLst/>
+          </a:prstGeom>
+          <a:ln>
+            <a:headEnd/>
+            <a:tailEnd/>
+          </a:ln>
+        </p:spPr>
+        <p:style>
+          <a:lnRef idx="2">
+            <a:schemeClr val="accent6">
+              <a:shade val="50000"/>
+            </a:schemeClr>
+          </a:lnRef>
+          <a:fillRef idx="1">
+            <a:schemeClr val="accent6"/>
+          </a:fillRef>
+          <a:effectRef idx="0">
+            <a:schemeClr val="accent6"/>
+          </a:effectRef>
+          <a:fontRef idx="minor">
+            <a:schemeClr val="lt1"/>
+          </a:fontRef>
+        </p:style>
+        <p:txBody>
+          <a:bodyPr vert="vert270" wrap="none" rtlCol="0" anchor="ctr"/>
+          <a:lstStyle/>
+          <a:p>
+            <a:pPr algn="ctr"/>
+            <a:r>
+              <a:rPr lang="en-US" sz="2000" dirty="0" smtClean="0">
+                <a:latin typeface="Tekton Pro" pitchFamily="34" charset="0"/>
+              </a:rPr>
+              <a:t>events</a:t>
+            </a:r>
+            <a:endParaRPr lang="en-US" sz="2000" dirty="0">
+              <a:latin typeface="Tekton Pro" pitchFamily="34" charset="0"/>
+            </a:endParaRPr>
+          </a:p>
+        </p:txBody>
+      </p:sp>
+    </p:spTree>
+    <p:extLst>
+      <p:ext uri="{BB962C8B-B14F-4D97-AF65-F5344CB8AC3E}">
+        <p14:creationId xmlns:p14="http://schemas.microsoft.com/office/powerpoint/2010/main" val="122743222"/>
+      </p:ext>
+    </p:extLst>
+  </p:cSld>
+  <p:clrMapOvr>
+    <a:masterClrMapping/>
+  </p:clrMapOvr>
+  <p:transition>
+    <p:fade/>
+  </p:transition>
+  <p:timing>
+    <p:tnLst>
+      <p:par>
+        <p:cTn id="1" dur="indefinite" restart="never" nodeType="tmRoot">
+          <p:childTnLst>
+            <p:seq concurrent="1" nextAc="seek">
+              <p:cTn id="2" dur="indefinite" nodeType="mainSeq">
+                <p:childTnLst>
+                  <p:par>
+                    <p:cTn id="3" fill="hold">
+                      <p:stCondLst>
+                        <p:cond delay="indefinite"/>
+                      </p:stCondLst>
+                      <p:childTnLst>
+                        <p:par>
+                          <p:cTn id="4" fill="hold">
+                            <p:stCondLst>
+                              <p:cond delay="0"/>
+                            </p:stCondLst>
+                            <p:childTnLst>
+                              <p:par>
+                                <p:cTn id="5" presetID="10" presetClass="entr" presetSubtype="0" fill="hold" nodeType="clickEffect">
+                                  <p:stCondLst>
+                                    <p:cond delay="0"/>
+                                  </p:stCondLst>
+                                  <p:childTnLst>
+                                    <p:set>
+                                      <p:cBhvr>
+                                        <p:cTn id="6" dur="1" fill="hold">
+                                          <p:stCondLst>
+                                            <p:cond delay="0"/>
+                                          </p:stCondLst>
+                                        </p:cTn>
+                                        <p:tgtEl>
+                                          <p:spTgt spid="3">
+                                            <p:txEl>
+                                              <p:pRg st="0" end="0"/>
+                                            </p:txEl>
+                                          </p:spTgt>
+                                        </p:tgtEl>
+                                        <p:attrNameLst>
+                                          <p:attrName>style.visibility</p:attrName>
+                                        </p:attrNameLst>
+                                      </p:cBhvr>
+                                      <p:to>
+                                        <p:strVal val="visible"/>
+                                      </p:to>
+                                    </p:set>
+                                    <p:animEffect transition="in" filter="fade">
+                                      <p:cBhvr>
+                                        <p:cTn id="7" dur="500"/>
+                                        <p:tgtEl>
+                                          <p:spTgt spid="3">
+                                            <p:txEl>
+                                              <p:pRg st="0" end="0"/>
+                                            </p:txEl>
+                                          </p:spTgt>
+                                        </p:tgtEl>
+                                      </p:cBhvr>
+                                    </p:animEffect>
+                                  </p:childTnLst>
+                                </p:cTn>
+                              </p:par>
+                              <p:par>
+                                <p:cTn id="8" presetID="10" presetClass="entr" presetSubtype="0" fill="hold" nodeType="withEffect">
+                                  <p:stCondLst>
+                                    <p:cond delay="0"/>
+                                  </p:stCondLst>
+                                  <p:childTnLst>
+                                    <p:set>
+                                      <p:cBhvr>
+                                        <p:cTn id="9" dur="1" fill="hold">
+                                          <p:stCondLst>
+                                            <p:cond delay="0"/>
+                                          </p:stCondLst>
+                                        </p:cTn>
+                                        <p:tgtEl>
+                                          <p:spTgt spid="3">
+                                            <p:txEl>
+                                              <p:pRg st="1" end="1"/>
+                                            </p:txEl>
+                                          </p:spTgt>
+                                        </p:tgtEl>
+                                        <p:attrNameLst>
+                                          <p:attrName>style.visibility</p:attrName>
+                                        </p:attrNameLst>
+                                      </p:cBhvr>
+                                      <p:to>
+                                        <p:strVal val="visible"/>
+                                      </p:to>
+                                    </p:set>
+                                    <p:animEffect transition="in" filter="fade">
+                                      <p:cBhvr>
+                                        <p:cTn id="10" dur="500"/>
+                                        <p:tgtEl>
+                                          <p:spTgt spid="3">
+                                            <p:txEl>
+                                              <p:pRg st="1" end="1"/>
+                                            </p:txEl>
+                                          </p:spTgt>
+                                        </p:tgtEl>
+                                      </p:cBhvr>
+                                    </p:animEffect>
+                                  </p:childTnLst>
+                                </p:cTn>
+                              </p:par>
+                            </p:childTnLst>
+                          </p:cTn>
+                        </p:par>
+                      </p:childTnLst>
+                    </p:cTn>
+                  </p:par>
+                  <p:par>
+                    <p:cTn id="11" fill="hold">
+                      <p:stCondLst>
+                        <p:cond delay="indefinite"/>
+                      </p:stCondLst>
+                      <p:childTnLst>
+                        <p:par>
+                          <p:cTn id="12" fill="hold">
+                            <p:stCondLst>
+                              <p:cond delay="0"/>
+                            </p:stCondLst>
+                            <p:childTnLst>
+                              <p:par>
+                                <p:cTn id="13" presetID="10" presetClass="entr" presetSubtype="0" fill="hold" grpId="0" nodeType="clickEffect">
+                                  <p:stCondLst>
+                                    <p:cond delay="0"/>
+                                  </p:stCondLst>
+                                  <p:childTnLst>
+                                    <p:set>
+                                      <p:cBhvr>
+                                        <p:cTn id="14" dur="1" fill="hold">
+                                          <p:stCondLst>
+                                            <p:cond delay="0"/>
+                                          </p:stCondLst>
+                                        </p:cTn>
+                                        <p:tgtEl>
+                                          <p:spTgt spid="5"/>
+                                        </p:tgtEl>
+                                        <p:attrNameLst>
+                                          <p:attrName>style.visibility</p:attrName>
+                                        </p:attrNameLst>
+                                      </p:cBhvr>
+                                      <p:to>
+                                        <p:strVal val="visible"/>
+                                      </p:to>
+                                    </p:set>
+                                    <p:animEffect transition="in" filter="fade">
+                                      <p:cBhvr>
+                                        <p:cTn id="15" dur="500"/>
+                                        <p:tgtEl>
+                                          <p:spTgt spid="5"/>
+                                        </p:tgtEl>
+                                      </p:cBhvr>
+                                    </p:animEffect>
+                                  </p:childTnLst>
+                                </p:cTn>
+                              </p:par>
+                            </p:childTnLst>
+                          </p:cTn>
+                        </p:par>
+                      </p:childTnLst>
+                    </p:cTn>
+                  </p:par>
+                  <p:par>
+                    <p:cTn id="16" fill="hold">
+                      <p:stCondLst>
+                        <p:cond delay="indefinite"/>
+                      </p:stCondLst>
+                      <p:childTnLst>
+                        <p:par>
+                          <p:cTn id="17" fill="hold">
+                            <p:stCondLst>
+                              <p:cond delay="0"/>
+                            </p:stCondLst>
+                            <p:childTnLst>
+                              <p:par>
+                                <p:cTn id="18" presetID="10" presetClass="entr" presetSubtype="0" fill="hold" nodeType="clickEffect">
+                                  <p:stCondLst>
+                                    <p:cond delay="0"/>
+                                  </p:stCondLst>
+                                  <p:childTnLst>
+                                    <p:set>
+                                      <p:cBhvr>
+                                        <p:cTn id="19" dur="1" fill="hold">
+                                          <p:stCondLst>
+                                            <p:cond delay="0"/>
+                                          </p:stCondLst>
+                                        </p:cTn>
+                                        <p:tgtEl>
+                                          <p:spTgt spid="3">
+                                            <p:txEl>
+                                              <p:pRg st="2" end="2"/>
+                                            </p:txEl>
+                                          </p:spTgt>
+                                        </p:tgtEl>
+                                        <p:attrNameLst>
+                                          <p:attrName>style.visibility</p:attrName>
+                                        </p:attrNameLst>
+                                      </p:cBhvr>
+                                      <p:to>
+                                        <p:strVal val="visible"/>
+                                      </p:to>
+                                    </p:set>
+                                    <p:animEffect transition="in" filter="fade">
+                                      <p:cBhvr>
+                                        <p:cTn id="20" dur="500"/>
+                                        <p:tgtEl>
+                                          <p:spTgt spid="3">
+                                            <p:txEl>
+                                              <p:pRg st="2" end="2"/>
+                                            </p:txEl>
+                                          </p:spTgt>
+                                        </p:tgtEl>
+                                      </p:cBhvr>
+                                    </p:animEffect>
+                                  </p:childTnLst>
+                                </p:cTn>
+                              </p:par>
+                              <p:par>
+                                <p:cTn id="21" presetID="10" presetClass="entr" presetSubtype="0" fill="hold" nodeType="withEffect">
+                                  <p:stCondLst>
+                                    <p:cond delay="0"/>
+                                  </p:stCondLst>
+                                  <p:childTnLst>
+                                    <p:set>
+                                      <p:cBhvr>
+                                        <p:cTn id="22" dur="1" fill="hold">
+                                          <p:stCondLst>
+                                            <p:cond delay="0"/>
+                                          </p:stCondLst>
+                                        </p:cTn>
+                                        <p:tgtEl>
+                                          <p:spTgt spid="3">
+                                            <p:txEl>
+                                              <p:pRg st="3" end="3"/>
+                                            </p:txEl>
+                                          </p:spTgt>
+                                        </p:tgtEl>
+                                        <p:attrNameLst>
+                                          <p:attrName>style.visibility</p:attrName>
+                                        </p:attrNameLst>
+                                      </p:cBhvr>
+                                      <p:to>
+                                        <p:strVal val="visible"/>
+                                      </p:to>
+                                    </p:set>
+                                    <p:animEffect transition="in" filter="fade">
+                                      <p:cBhvr>
+                                        <p:cTn id="23" dur="500"/>
+                                        <p:tgtEl>
+                                          <p:spTgt spid="3">
+                                            <p:txEl>
+                                              <p:pRg st="3" end="3"/>
+                                            </p:txEl>
+                                          </p:spTgt>
+                                        </p:tgtEl>
+                                      </p:cBhvr>
+                                    </p:animEffect>
+                                  </p:childTnLst>
+                                </p:cTn>
+                              </p:par>
+                            </p:childTnLst>
+                          </p:cTn>
+                        </p:par>
+                      </p:childTnLst>
+                    </p:cTn>
+                  </p:par>
+                  <p:par>
+                    <p:cTn id="24" fill="hold">
+                      <p:stCondLst>
+                        <p:cond delay="indefinite"/>
+                      </p:stCondLst>
+                      <p:childTnLst>
+                        <p:par>
+                          <p:cTn id="25" fill="hold">
+                            <p:stCondLst>
+                              <p:cond delay="0"/>
+                            </p:stCondLst>
+                            <p:childTnLst>
+                              <p:par>
+                                <p:cTn id="26" presetID="10" presetClass="entr" presetSubtype="0" fill="hold" grpId="0" nodeType="clickEffect">
+                                  <p:stCondLst>
+                                    <p:cond delay="0"/>
+                                  </p:stCondLst>
+                                  <p:childTnLst>
+                                    <p:set>
+                                      <p:cBhvr>
+                                        <p:cTn id="27" dur="1" fill="hold">
+                                          <p:stCondLst>
+                                            <p:cond delay="0"/>
+                                          </p:stCondLst>
+                                        </p:cTn>
+                                        <p:tgtEl>
+                                          <p:spTgt spid="4"/>
+                                        </p:tgtEl>
+                                        <p:attrNameLst>
+                                          <p:attrName>style.visibility</p:attrName>
+                                        </p:attrNameLst>
+                                      </p:cBhvr>
+                                      <p:to>
+                                        <p:strVal val="visible"/>
+                                      </p:to>
+                                    </p:set>
+                                    <p:animEffect transition="in" filter="fade">
+                                      <p:cBhvr>
+                                        <p:cTn id="28" dur="500"/>
+                                        <p:tgtEl>
+                                          <p:spTgt spid="4"/>
+                                        </p:tgtEl>
+                                      </p:cBhvr>
+                                    </p:animEffect>
+                                  </p:childTnLst>
+                                </p:cTn>
+                              </p:par>
+                            </p:childTnLst>
+                          </p:cTn>
+                        </p:par>
+                      </p:childTnLst>
+                    </p:cTn>
+                  </p:par>
+                  <p:par>
+                    <p:cTn id="29" fill="hold">
+                      <p:stCondLst>
+                        <p:cond delay="indefinite"/>
+                      </p:stCondLst>
+                      <p:childTnLst>
+                        <p:par>
+                          <p:cTn id="30" fill="hold">
+                            <p:stCondLst>
+                              <p:cond delay="0"/>
+                            </p:stCondLst>
+                            <p:childTnLst>
+                              <p:par>
+                                <p:cTn id="31" presetID="10" presetClass="entr" presetSubtype="0" fill="hold" grpId="0" nodeType="clickEffect">
+                                  <p:stCondLst>
+                                    <p:cond delay="0"/>
+                                  </p:stCondLst>
+                                  <p:childTnLst>
+                                    <p:set>
+                                      <p:cBhvr>
+                                        <p:cTn id="32" dur="1" fill="hold">
+                                          <p:stCondLst>
+                                            <p:cond delay="0"/>
+                                          </p:stCondLst>
+                                        </p:cTn>
+                                        <p:tgtEl>
+                                          <p:spTgt spid="6"/>
+                                        </p:tgtEl>
+                                        <p:attrNameLst>
+                                          <p:attrName>style.visibility</p:attrName>
+                                        </p:attrNameLst>
+                                      </p:cBhvr>
+                                      <p:to>
+                                        <p:strVal val="visible"/>
+                                      </p:to>
+                                    </p:set>
+                                    <p:animEffect transition="in" filter="fade">
+                                      <p:cBhvr>
+                                        <p:cTn id="33" dur="500"/>
+                                        <p:tgtEl>
+                                          <p:spTgt spid="6"/>
+                                        </p:tgtEl>
+                                      </p:cBhvr>
+                                    </p:animEffect>
+                                  </p:childTnLst>
+                                </p:cTn>
+                              </p:par>
+                            </p:childTnLst>
+                          </p:cTn>
+                        </p:par>
+                      </p:childTnLst>
+                    </p:cTn>
+                  </p:par>
+                  <p:par>
+                    <p:cTn id="34" fill="hold">
+                      <p:stCondLst>
+                        <p:cond delay="indefinite"/>
+                      </p:stCondLst>
+                      <p:childTnLst>
+                        <p:par>
+                          <p:cTn id="35" fill="hold">
+                            <p:stCondLst>
+                              <p:cond delay="0"/>
+                            </p:stCondLst>
+                            <p:childTnLst>
+                              <p:par>
+                                <p:cTn id="36" presetID="10" presetClass="entr" presetSubtype="0" fill="hold" grpId="0" nodeType="clickEffect">
+                                  <p:stCondLst>
+                                    <p:cond delay="0"/>
+                                  </p:stCondLst>
+                                  <p:childTnLst>
+                                    <p:set>
+                                      <p:cBhvr>
+                                        <p:cTn id="37" dur="1" fill="hold">
+                                          <p:stCondLst>
+                                            <p:cond delay="0"/>
+                                          </p:stCondLst>
+                                        </p:cTn>
+                                        <p:tgtEl>
+                                          <p:spTgt spid="9"/>
+                                        </p:tgtEl>
+                                        <p:attrNameLst>
+                                          <p:attrName>style.visibility</p:attrName>
+                                        </p:attrNameLst>
+                                      </p:cBhvr>
+                                      <p:to>
+                                        <p:strVal val="visible"/>
+                                      </p:to>
+                                    </p:set>
+                                    <p:animEffect transition="in" filter="fade">
+                                      <p:cBhvr>
+                                        <p:cTn id="38" dur="500"/>
+                                        <p:tgtEl>
+                                          <p:spTgt spid="9"/>
+                                        </p:tgtEl>
+                                      </p:cBhvr>
+                                    </p:animEffect>
+                                  </p:childTnLst>
+                                </p:cTn>
+                              </p:par>
+                            </p:childTnLst>
+                          </p:cTn>
+                        </p:par>
+                      </p:childTnLst>
+                    </p:cTn>
+                  </p:par>
+                </p:childTnLst>
+              </p:cTn>
+              <p:prevCondLst>
+                <p:cond evt="onPrev" delay="0">
+                  <p:tgtEl>
+                    <p:sldTgt/>
+                  </p:tgtEl>
+                </p:cond>
+              </p:prevCondLst>
+              <p:nextCondLst>
+                <p:cond evt="onNext" delay="0">
+                  <p:tgtEl>
+                    <p:sldTgt/>
+                  </p:tgtEl>
+                </p:cond>
+              </p:nextCondLst>
+            </p:seq>
+          </p:childTnLst>
+        </p:cTn>
+      </p:par>
+    </p:tnLst>
+    <p:bldLst>
+      <p:bldP spid="4" grpId="0" animBg="1"/>
+      <p:bldP spid="5" grpId="0" animBg="1"/>
+      <p:bldP spid="6" grpId="0" animBg="1"/>
+      <p:bldP spid="9" grpId="0" animBg="1"/>
+    </p:bldLst>
+  </p:timing>
+</p:sld>
+</file>
+
+<file path=ppt/slides/slide14.xml><?xml version="1.0" encoding="utf-8"?>
+<p:sld xmlns:a="http://schemas.openxmlformats.org/drawingml/2006/main" xmlns:r="http://schemas.openxmlformats.org/officeDocument/2006/relationships" xmlns:p="http://schemas.openxmlformats.org/presentationml/2006/main">
+  <p:cSld>
+    <p:spTree>
+      <p:nvGrpSpPr>
+        <p:cNvPr id="1" name=""/>
+        <p:cNvGrpSpPr/>
+        <p:nvPr/>
+      </p:nvGrpSpPr>
+      <p:grpSpPr>
+        <a:xfrm>
+          <a:off x="0" y="0"/>
+          <a:ext cx="0" cy="0"/>
+          <a:chOff x="0" y="0"/>
+          <a:chExt cx="0" cy="0"/>
+        </a:xfrm>
+      </p:grpSpPr>
+      <p:sp>
+        <p:nvSpPr>
+          <p:cNvPr id="2" name="Title 1"/>
+          <p:cNvSpPr>
+            <a:spLocks noGrp="1"/>
+          </p:cNvSpPr>
+          <p:nvPr>
+            <p:ph type="title"/>
+          </p:nvPr>
+        </p:nvSpPr>
+        <p:spPr/>
+        <p:txBody>
+          <a:bodyPr/>
+          <a:lstStyle/>
+          <a:p>
+            <a:r>
+              <a:rPr lang="en-US" dirty="0" smtClean="0"/>
+              <a:t>Template Syntax</a:t>
+            </a:r>
+            <a:endParaRPr lang="en-US" dirty="0"/>
+          </a:p>
+        </p:txBody>
+      </p:sp>
+      <p:sp>
+        <p:nvSpPr>
+          <p:cNvPr id="3" name="Text Placeholder 2"/>
+          <p:cNvSpPr>
+            <a:spLocks noGrp="1"/>
+          </p:cNvSpPr>
+          <p:nvPr>
+            <p:ph type="body" idx="1"/>
+          </p:nvPr>
+        </p:nvSpPr>
+        <p:spPr/>
+        <p:txBody>
+          <a:bodyPr/>
+          <a:lstStyle/>
+          <a:p>
+            <a:r>
+              <a:rPr lang="en-US" dirty="0" smtClean="0"/>
+              <a:t>Display text using {{expressions}}</a:t>
+            </a:r>
+          </a:p>
+          <a:p>
+            <a:r>
+              <a:rPr lang="en-US" dirty="0" smtClean="0"/>
+              <a:t>Set properties using [expressions]</a:t>
+            </a:r>
+          </a:p>
+          <a:p>
+            <a:r>
+              <a:rPr lang="en-US" dirty="0" smtClean="0"/>
+              <a:t>Handle events using (expressions)</a:t>
+            </a:r>
+          </a:p>
+          <a:p>
+            <a:pPr lvl="1"/>
+            <a:r>
+              <a:rPr lang="en-US" dirty="0" smtClean="0"/>
+              <a:t>[] () deal with properties, not attributes</a:t>
+            </a:r>
+          </a:p>
+          <a:p>
+            <a:pPr lvl="1"/>
+            <a:r>
+              <a:rPr lang="en-US" dirty="0" smtClean="0"/>
+              <a:t>Expressions limit side effects and global scope</a:t>
+            </a:r>
+          </a:p>
+          <a:p>
+            <a:endParaRPr lang="en-US" dirty="0" smtClean="0"/>
+          </a:p>
+        </p:txBody>
+      </p:sp>
+      <p:pic>
+        <p:nvPicPr>
+          <p:cNvPr id="4" name="Picture 3"/>
+          <p:cNvPicPr>
+            <a:picLocks noChangeAspect="1"/>
+          </p:cNvPicPr>
+          <p:nvPr/>
+        </p:nvPicPr>
+        <p:blipFill>
+          <a:blip r:embed="rId2"/>
+          <a:stretch>
+            <a:fillRect/>
+          </a:stretch>
+        </p:blipFill>
+        <p:spPr>
+          <a:xfrm>
+            <a:off x="1524000" y="3581400"/>
+            <a:ext cx="5629275" cy="2247900"/>
+          </a:xfrm>
+          <a:prstGeom prst="rect">
+            <a:avLst/>
+          </a:prstGeom>
+        </p:spPr>
+      </p:pic>
+    </p:spTree>
+    <p:extLst>
+      <p:ext uri="{BB962C8B-B14F-4D97-AF65-F5344CB8AC3E}">
+        <p14:creationId xmlns:p14="http://schemas.microsoft.com/office/powerpoint/2010/main" val="1735851690"/>
+      </p:ext>
+    </p:extLst>
+  </p:cSld>
+  <p:clrMapOvr>
+    <a:masterClrMapping/>
+  </p:clrMapOvr>
+  <p:transition>
+    <p:fade/>
+  </p:transition>
+  <p:timing>
+    <p:tnLst>
+      <p:par>
+        <p:cTn id="1" dur="indefinite" restart="never" nodeType="tmRoot">
+          <p:childTnLst>
+            <p:seq concurrent="1" nextAc="seek">
+              <p:cTn id="2" dur="indefinite" nodeType="mainSeq">
+                <p:childTnLst>
+                  <p:par>
+                    <p:cTn id="3" fill="hold">
+                      <p:stCondLst>
+                        <p:cond delay="indefinite"/>
+                      </p:stCondLst>
+                      <p:childTnLst>
+                        <p:par>
+                          <p:cTn id="4" fill="hold">
+                            <p:stCondLst>
+                              <p:cond delay="0"/>
+                            </p:stCondLst>
+                            <p:childTnLst>
+                              <p:par>
+                                <p:cTn id="5" presetID="10" presetClass="entr" presetSubtype="0" fill="hold" nodeType="clickEffect">
+                                  <p:stCondLst>
+                                    <p:cond delay="0"/>
+                                  </p:stCondLst>
+                                  <p:childTnLst>
+                                    <p:set>
+                                      <p:cBhvr>
+                                        <p:cTn id="6" dur="1" fill="hold">
+                                          <p:stCondLst>
+                                            <p:cond delay="0"/>
+                                          </p:stCondLst>
+                                        </p:cTn>
+                                        <p:tgtEl>
+                                          <p:spTgt spid="3">
+                                            <p:txEl>
+                                              <p:pRg st="1" end="1"/>
+                                            </p:txEl>
+                                          </p:spTgt>
+                                        </p:tgtEl>
+                                        <p:attrNameLst>
+                                          <p:attrName>style.visibility</p:attrName>
+                                        </p:attrNameLst>
+                                      </p:cBhvr>
+                                      <p:to>
+                                        <p:strVal val="visible"/>
+                                      </p:to>
+                                    </p:set>
+                                    <p:animEffect transition="in" filter="fade">
+                                      <p:cBhvr>
+                                        <p:cTn id="7" dur="500"/>
+                                        <p:tgtEl>
+                                          <p:spTgt spid="3">
+                                            <p:txEl>
+                                              <p:pRg st="1" end="1"/>
+                                            </p:txEl>
+                                          </p:spTgt>
+                                        </p:tgtEl>
+                                      </p:cBhvr>
+                                    </p:animEffect>
+                                  </p:childTnLst>
+                                </p:cTn>
+                              </p:par>
+                            </p:childTnLst>
+                          </p:cTn>
+                        </p:par>
+                      </p:childTnLst>
+                    </p:cTn>
+                  </p:par>
+                  <p:par>
+                    <p:cTn id="8" fill="hold">
+                      <p:stCondLst>
+                        <p:cond delay="indefinite"/>
+                      </p:stCondLst>
+                      <p:childTnLst>
+                        <p:par>
+                          <p:cTn id="9" fill="hold">
+                            <p:stCondLst>
+                              <p:cond delay="0"/>
+                            </p:stCondLst>
+                            <p:childTnLst>
+                              <p:par>
+                                <p:cTn id="10" presetID="10" presetClass="entr" presetSubtype="0" fill="hold" nodeType="clickEffect">
+                                  <p:stCondLst>
+                                    <p:cond delay="0"/>
+                                  </p:stCondLst>
+                                  <p:childTnLst>
+                                    <p:set>
+                                      <p:cBhvr>
+                                        <p:cTn id="11" dur="1" fill="hold">
+                                          <p:stCondLst>
+                                            <p:cond delay="0"/>
+                                          </p:stCondLst>
+                                        </p:cTn>
+                                        <p:tgtEl>
+                                          <p:spTgt spid="3">
+                                            <p:txEl>
+                                              <p:pRg st="2" end="2"/>
+                                            </p:txEl>
+                                          </p:spTgt>
+                                        </p:tgtEl>
+                                        <p:attrNameLst>
+                                          <p:attrName>style.visibility</p:attrName>
+                                        </p:attrNameLst>
+                                      </p:cBhvr>
+                                      <p:to>
+                                        <p:strVal val="visible"/>
+                                      </p:to>
+                                    </p:set>
+                                    <p:animEffect transition="in" filter="fade">
+                                      <p:cBhvr>
+                                        <p:cTn id="12" dur="500"/>
+                                        <p:tgtEl>
+                                          <p:spTgt spid="3">
+                                            <p:txEl>
+                                              <p:pRg st="2" end="2"/>
+                                            </p:txEl>
+                                          </p:spTgt>
+                                        </p:tgtEl>
+                                      </p:cBhvr>
+                                    </p:animEffect>
+                                  </p:childTnLst>
+                                </p:cTn>
+                              </p:par>
+                            </p:childTnLst>
+                          </p:cTn>
+                        </p:par>
+                      </p:childTnLst>
+                    </p:cTn>
+                  </p:par>
+                  <p:par>
+                    <p:cTn id="13" fill="hold">
+                      <p:stCondLst>
+                        <p:cond delay="indefinite"/>
+                      </p:stCondLst>
+                      <p:childTnLst>
+                        <p:par>
+                          <p:cTn id="14" fill="hold">
+                            <p:stCondLst>
+                              <p:cond delay="0"/>
+                            </p:stCondLst>
+                            <p:childTnLst>
+                              <p:par>
+                                <p:cTn id="15" presetID="10" presetClass="entr" presetSubtype="0" fill="hold" nodeType="clickEffect">
+                                  <p:stCondLst>
+                                    <p:cond delay="0"/>
+                                  </p:stCondLst>
+                                  <p:childTnLst>
+                                    <p:set>
+                                      <p:cBhvr>
+                                        <p:cTn id="16" dur="1" fill="hold">
+                                          <p:stCondLst>
+                                            <p:cond delay="0"/>
+                                          </p:stCondLst>
+                                        </p:cTn>
+                                        <p:tgtEl>
+                                          <p:spTgt spid="3">
+                                            <p:txEl>
+                                              <p:pRg st="3" end="3"/>
+                                            </p:txEl>
+                                          </p:spTgt>
+                                        </p:tgtEl>
+                                        <p:attrNameLst>
+                                          <p:attrName>style.visibility</p:attrName>
+                                        </p:attrNameLst>
+                                      </p:cBhvr>
+                                      <p:to>
+                                        <p:strVal val="visible"/>
+                                      </p:to>
+                                    </p:set>
+                                    <p:animEffect transition="in" filter="fade">
+                                      <p:cBhvr>
+                                        <p:cTn id="17" dur="500"/>
+                                        <p:tgtEl>
+                                          <p:spTgt spid="3">
+                                            <p:txEl>
+                                              <p:pRg st="3" end="3"/>
+                                            </p:txEl>
+                                          </p:spTgt>
+                                        </p:tgtEl>
+                                      </p:cBhvr>
+                                    </p:animEffect>
+                                  </p:childTnLst>
+                                </p:cTn>
+                              </p:par>
+                            </p:childTnLst>
+                          </p:cTn>
+                        </p:par>
+                      </p:childTnLst>
+                    </p:cTn>
+                  </p:par>
+                  <p:par>
+                    <p:cTn id="18" fill="hold">
+                      <p:stCondLst>
+                        <p:cond delay="indefinite"/>
+                      </p:stCondLst>
+                      <p:childTnLst>
+                        <p:par>
+                          <p:cTn id="19" fill="hold">
+                            <p:stCondLst>
+                              <p:cond delay="0"/>
+                            </p:stCondLst>
+                            <p:childTnLst>
+                              <p:par>
+                                <p:cTn id="20" presetID="10" presetClass="entr" presetSubtype="0" fill="hold" nodeType="clickEffect">
+                                  <p:stCondLst>
+                                    <p:cond delay="0"/>
+                                  </p:stCondLst>
+                                  <p:childTnLst>
+                                    <p:set>
+                                      <p:cBhvr>
+                                        <p:cTn id="21" dur="1" fill="hold">
+                                          <p:stCondLst>
+                                            <p:cond delay="0"/>
+                                          </p:stCondLst>
+                                        </p:cTn>
+                                        <p:tgtEl>
+                                          <p:spTgt spid="3">
+                                            <p:txEl>
+                                              <p:pRg st="4" end="4"/>
+                                            </p:txEl>
+                                          </p:spTgt>
+                                        </p:tgtEl>
+                                        <p:attrNameLst>
+                                          <p:attrName>style.visibility</p:attrName>
+                                        </p:attrNameLst>
+                                      </p:cBhvr>
+                                      <p:to>
+                                        <p:strVal val="visible"/>
+                                      </p:to>
+                                    </p:set>
+                                    <p:animEffect transition="in" filter="fade">
+                                      <p:cBhvr>
+                                        <p:cTn id="22" dur="500"/>
+                                        <p:tgtEl>
+                                          <p:spTgt spid="3">
+                                            <p:txEl>
+                                              <p:pRg st="4" end="4"/>
+                                            </p:txEl>
+                                          </p:spTgt>
+                                        </p:tgtEl>
+                                      </p:cBhvr>
+                                    </p:animEffect>
+                                  </p:childTnLst>
+                                </p:cTn>
+                              </p:par>
+                            </p:childTnLst>
+                          </p:cTn>
+                        </p:par>
+                      </p:childTnLst>
+                    </p:cTn>
+                  </p:par>
+                </p:childTnLst>
+              </p:cTn>
+              <p:prevCondLst>
+                <p:cond evt="onPrev" delay="0">
+                  <p:tgtEl>
+                    <p:sldTgt/>
+                  </p:tgtEl>
+                </p:cond>
+              </p:prevCondLst>
+              <p:nextCondLst>
+                <p:cond evt="onNext" delay="0">
+                  <p:tgtEl>
+                    <p:sldTgt/>
+                  </p:tgtEl>
+                </p:cond>
+              </p:nextCondLst>
+            </p:seq>
+          </p:childTnLst>
+        </p:cTn>
+      </p:par>
+    </p:tnLst>
+  </p:timing>
+</p:sld>
+</file>
+
+<file path=ppt/slides/slide15.xml><?xml version="1.0" encoding="utf-8"?>
+<p:sld xmlns:a="http://schemas.openxmlformats.org/drawingml/2006/main" xmlns:r="http://schemas.openxmlformats.org/officeDocument/2006/relationships" xmlns:p="http://schemas.openxmlformats.org/presentationml/2006/main">
+  <p:cSld>
+    <p:spTree>
+      <p:nvGrpSpPr>
+        <p:cNvPr id="1" name=""/>
+        <p:cNvGrpSpPr/>
+        <p:nvPr/>
+      </p:nvGrpSpPr>
+      <p:grpSpPr>
+        <a:xfrm>
+          <a:off x="0" y="0"/>
+          <a:ext cx="0" cy="0"/>
+          <a:chOff x="0" y="0"/>
+          <a:chExt cx="0" cy="0"/>
+        </a:xfrm>
+      </p:grpSpPr>
+      <p:sp>
+        <p:nvSpPr>
+          <p:cNvPr id="2" name="Title 1"/>
+          <p:cNvSpPr>
+            <a:spLocks noGrp="1"/>
+          </p:cNvSpPr>
+          <p:nvPr>
+            <p:ph type="title"/>
+          </p:nvPr>
+        </p:nvSpPr>
+        <p:spPr/>
+        <p:txBody>
+          <a:bodyPr/>
+          <a:lstStyle/>
+          <a:p>
+            <a:r>
+              <a:rPr lang="en-US" dirty="0" smtClean="0"/>
+              <a:t>Inputs</a:t>
+            </a:r>
+            <a:endParaRPr lang="en-US" dirty="0"/>
+          </a:p>
+        </p:txBody>
+      </p:sp>
+      <p:sp>
+        <p:nvSpPr>
+          <p:cNvPr id="3" name="Text Placeholder 2"/>
+          <p:cNvSpPr>
+            <a:spLocks noGrp="1"/>
+          </p:cNvSpPr>
+          <p:nvPr>
+            <p:ph type="body" idx="1"/>
+          </p:nvPr>
+        </p:nvSpPr>
+        <p:spPr/>
+        <p:txBody>
+          <a:bodyPr/>
+          <a:lstStyle/>
+          <a:p>
+            <a:r>
+              <a:rPr lang="en-US" dirty="0" smtClean="0"/>
+              <a:t>Two way data binding and change notification</a:t>
+            </a:r>
+            <a:endParaRPr lang="en-US" dirty="0"/>
+          </a:p>
+        </p:txBody>
+      </p:sp>
+      <p:pic>
+        <p:nvPicPr>
+          <p:cNvPr id="4" name="Picture 3"/>
+          <p:cNvPicPr>
+            <a:picLocks noChangeAspect="1"/>
+          </p:cNvPicPr>
+          <p:nvPr/>
+        </p:nvPicPr>
+        <p:blipFill>
+          <a:blip r:embed="rId2"/>
+          <a:stretch>
+            <a:fillRect/>
+          </a:stretch>
+        </p:blipFill>
+        <p:spPr>
+          <a:xfrm>
+            <a:off x="397723" y="2667000"/>
+            <a:ext cx="8252066" cy="1604963"/>
+          </a:xfrm>
+          <a:prstGeom prst="rect">
+            <a:avLst/>
+          </a:prstGeom>
+        </p:spPr>
+      </p:pic>
+    </p:spTree>
+    <p:extLst>
+      <p:ext uri="{BB962C8B-B14F-4D97-AF65-F5344CB8AC3E}">
+        <p14:creationId xmlns:p14="http://schemas.microsoft.com/office/powerpoint/2010/main" val="3736789927"/>
+      </p:ext>
+    </p:extLst>
+  </p:cSld>
+  <p:clrMapOvr>
+    <a:masterClrMapping/>
+  </p:clrMapOvr>
+  <p:transition>
+    <p:fade/>
+  </p:transition>
+  <p:timing>
+    <p:tnLst>
+      <p:par>
+        <p:cTn id="1" dur="indefinite" restart="never" nodeType="tmRoot"/>
+      </p:par>
+    </p:tnLst>
+  </p:timing>
+</p:sld>
+</file>
+
+<file path=ppt/slides/slide16.xml><?xml version="1.0" encoding="utf-8"?>
+<p:sld xmlns:a="http://schemas.openxmlformats.org/drawingml/2006/main" xmlns:r="http://schemas.openxmlformats.org/officeDocument/2006/relationships" xmlns:p="http://schemas.openxmlformats.org/presentationml/2006/main">
+  <p:cSld>
+    <p:spTree>
+      <p:nvGrpSpPr>
+        <p:cNvPr id="1" name=""/>
+        <p:cNvGrpSpPr/>
+        <p:nvPr/>
+      </p:nvGrpSpPr>
+      <p:grpSpPr>
+        <a:xfrm>
+          <a:off x="0" y="0"/>
+          <a:ext cx="0" cy="0"/>
+          <a:chOff x="0" y="0"/>
+          <a:chExt cx="0" cy="0"/>
+        </a:xfrm>
+      </p:grpSpPr>
+      <p:sp>
+        <p:nvSpPr>
+          <p:cNvPr id="2" name="Title 1"/>
+          <p:cNvSpPr>
+            <a:spLocks noGrp="1"/>
+          </p:cNvSpPr>
+          <p:nvPr>
+            <p:ph type="title"/>
+          </p:nvPr>
+        </p:nvSpPr>
+        <p:spPr/>
+        <p:txBody>
+          <a:bodyPr/>
+          <a:lstStyle/>
+          <a:p>
+            <a:r>
+              <a:rPr lang="en-US" dirty="0" smtClean="0"/>
+              <a:t>Forms</a:t>
+            </a:r>
+            <a:endParaRPr lang="en-US" dirty="0"/>
+          </a:p>
+        </p:txBody>
+      </p:sp>
+      <p:sp>
+        <p:nvSpPr>
+          <p:cNvPr id="3" name="Text Placeholder 2"/>
+          <p:cNvSpPr>
+            <a:spLocks noGrp="1"/>
+          </p:cNvSpPr>
+          <p:nvPr>
+            <p:ph type="body" idx="1"/>
+          </p:nvPr>
+        </p:nvSpPr>
+        <p:spPr/>
+        <p:txBody>
+          <a:bodyPr/>
+          <a:lstStyle/>
+          <a:p>
+            <a:r>
+              <a:rPr lang="en-US" dirty="0" smtClean="0"/>
+              <a:t>Support for validation and dirty flags</a:t>
+            </a:r>
+          </a:p>
+          <a:p>
+            <a:r>
+              <a:rPr lang="en-US" dirty="0" smtClean="0"/>
+              <a:t>Use </a:t>
+            </a:r>
+            <a:r>
+              <a:rPr lang="en-US" dirty="0" err="1" smtClean="0"/>
+              <a:t>ngModel</a:t>
+            </a:r>
+            <a:r>
+              <a:rPr lang="en-US" dirty="0" smtClean="0"/>
+              <a:t> in combination with:</a:t>
+            </a:r>
+          </a:p>
+          <a:p>
+            <a:pPr lvl="1"/>
+            <a:r>
+              <a:rPr lang="en-US" dirty="0" err="1" smtClean="0"/>
+              <a:t>ngSubmit</a:t>
+            </a:r>
+            <a:endParaRPr lang="en-US" dirty="0" smtClean="0"/>
+          </a:p>
+          <a:p>
+            <a:pPr lvl="1"/>
+            <a:r>
+              <a:rPr lang="en-US" dirty="0" err="1" smtClean="0"/>
+              <a:t>ngControl</a:t>
+            </a:r>
+            <a:endParaRPr lang="en-US" dirty="0" smtClean="0"/>
+          </a:p>
+          <a:p>
+            <a:pPr lvl="1"/>
+            <a:r>
+              <a:rPr lang="en-US" dirty="0" err="1" smtClean="0"/>
+              <a:t>ngForm</a:t>
+            </a:r>
+            <a:endParaRPr lang="en-US" dirty="0"/>
+          </a:p>
+        </p:txBody>
+      </p:sp>
+      <p:pic>
+        <p:nvPicPr>
+          <p:cNvPr id="4" name="Picture 3"/>
+          <p:cNvPicPr>
+            <a:picLocks noChangeAspect="1"/>
+          </p:cNvPicPr>
+          <p:nvPr/>
+        </p:nvPicPr>
+        <p:blipFill>
+          <a:blip r:embed="rId2"/>
+          <a:stretch>
+            <a:fillRect/>
+          </a:stretch>
+        </p:blipFill>
+        <p:spPr>
+          <a:xfrm>
+            <a:off x="1905000" y="3695700"/>
+            <a:ext cx="4229100" cy="1590675"/>
+          </a:xfrm>
+          <a:prstGeom prst="rect">
+            <a:avLst/>
+          </a:prstGeom>
+        </p:spPr>
+      </p:pic>
+    </p:spTree>
+    <p:extLst>
+      <p:ext uri="{BB962C8B-B14F-4D97-AF65-F5344CB8AC3E}">
+        <p14:creationId xmlns:p14="http://schemas.microsoft.com/office/powerpoint/2010/main" val="4044431088"/>
+      </p:ext>
+    </p:extLst>
+  </p:cSld>
+  <p:clrMapOvr>
+    <a:masterClrMapping/>
+  </p:clrMapOvr>
+  <p:transition>
+    <p:fade/>
+  </p:transition>
+  <p:timing>
+    <p:tnLst>
+      <p:par>
+        <p:cTn id="1" dur="indefinite" restart="never" nodeType="tmRoot"/>
+      </p:par>
+    </p:tnLst>
+  </p:timing>
+</p:sld>
+</file>
+
+<file path=ppt/slides/slide17.xml><?xml version="1.0" encoding="utf-8"?>
+<p:sld xmlns:a="http://schemas.openxmlformats.org/drawingml/2006/main" xmlns:r="http://schemas.openxmlformats.org/officeDocument/2006/relationships" xmlns:p="http://schemas.openxmlformats.org/presentationml/2006/main">
+  <p:cSld>
+    <p:spTree>
+      <p:nvGrpSpPr>
+        <p:cNvPr id="1" name=""/>
+        <p:cNvGrpSpPr/>
+        <p:nvPr/>
+      </p:nvGrpSpPr>
+      <p:grpSpPr>
+        <a:xfrm>
+          <a:off x="0" y="0"/>
+          <a:ext cx="0" cy="0"/>
+          <a:chOff x="0" y="0"/>
+          <a:chExt cx="0" cy="0"/>
+        </a:xfrm>
+      </p:grpSpPr>
+      <p:sp>
+        <p:nvSpPr>
+          <p:cNvPr id="2" name="Title 1"/>
+          <p:cNvSpPr>
+            <a:spLocks noGrp="1"/>
+          </p:cNvSpPr>
+          <p:nvPr>
+            <p:ph type="title"/>
+          </p:nvPr>
+        </p:nvSpPr>
+        <p:spPr/>
+        <p:txBody>
+          <a:bodyPr/>
+          <a:lstStyle/>
+          <a:p>
+            <a:r>
+              <a:rPr lang="en-US" dirty="0" smtClean="0"/>
+              <a:t>Angular</a:t>
+            </a:r>
+            <a:r>
+              <a:rPr lang="en-US" dirty="0" smtClean="0"/>
+              <a:t> </a:t>
+            </a:r>
+            <a:r>
+              <a:rPr lang="en-US" dirty="0" smtClean="0"/>
+              <a:t>versus Unobtrusive JavaScript</a:t>
+            </a:r>
+            <a:endParaRPr lang="en-US" dirty="0"/>
+          </a:p>
+        </p:txBody>
+      </p:sp>
+      <p:sp>
+        <p:nvSpPr>
+          <p:cNvPr id="3" name="Text Placeholder 2"/>
+          <p:cNvSpPr>
+            <a:spLocks noGrp="1"/>
+          </p:cNvSpPr>
+          <p:nvPr>
+            <p:ph type="body" idx="1"/>
+          </p:nvPr>
+        </p:nvSpPr>
+        <p:spPr/>
+        <p:txBody>
+          <a:bodyPr/>
+          <a:lstStyle/>
+          <a:p>
+            <a:r>
+              <a:rPr lang="en-US" dirty="0" smtClean="0"/>
+              <a:t>Everyone is using JavaScript</a:t>
+            </a:r>
+          </a:p>
+          <a:p>
+            <a:r>
+              <a:rPr lang="en-US" dirty="0" smtClean="0"/>
+              <a:t>Angular behaves the same across browsers</a:t>
+            </a:r>
+          </a:p>
+          <a:p>
+            <a:r>
+              <a:rPr lang="en-US" dirty="0" smtClean="0"/>
+              <a:t>Expressions not evaluated in global scope</a:t>
+            </a:r>
+          </a:p>
+          <a:p>
+            <a:endParaRPr lang="en-US" dirty="0" smtClean="0"/>
+          </a:p>
+          <a:p>
+            <a:endParaRPr lang="en-US" dirty="0"/>
+          </a:p>
+        </p:txBody>
+      </p:sp>
+      <p:pic>
+        <p:nvPicPr>
+          <p:cNvPr id="5" name="Picture 4"/>
+          <p:cNvPicPr>
+            <a:picLocks noChangeAspect="1"/>
+          </p:cNvPicPr>
+          <p:nvPr/>
+        </p:nvPicPr>
+        <p:blipFill>
+          <a:blip r:embed="rId2"/>
+          <a:stretch>
+            <a:fillRect/>
+          </a:stretch>
+        </p:blipFill>
+        <p:spPr>
+          <a:xfrm>
+            <a:off x="1981200" y="3352800"/>
+            <a:ext cx="4229100" cy="1590675"/>
+          </a:xfrm>
+          <a:prstGeom prst="rect">
+            <a:avLst/>
+          </a:prstGeom>
+        </p:spPr>
+      </p:pic>
+    </p:spTree>
+    <p:extLst>
+      <p:ext uri="{BB962C8B-B14F-4D97-AF65-F5344CB8AC3E}">
+        <p14:creationId xmlns:p14="http://schemas.microsoft.com/office/powerpoint/2010/main" val="686790238"/>
+      </p:ext>
+    </p:extLst>
+  </p:cSld>
+  <p:clrMapOvr>
+    <a:masterClrMapping/>
+  </p:clrMapOvr>
+  <p:transition>
+    <p:fade/>
+  </p:transition>
+  <p:timing>
+    <p:tnLst>
+      <p:par>
+        <p:cTn id="1" dur="indefinite" restart="never" nodeType="tmRoot"/>
+      </p:par>
+    </p:tnLst>
+  </p:timing>
+</p:sld>
+</file>
+
+<file path=ppt/slides/slide18.xml><?xml version="1.0" encoding="utf-8"?>
+<p:sld xmlns:a="http://schemas.openxmlformats.org/drawingml/2006/main" xmlns:r="http://schemas.openxmlformats.org/officeDocument/2006/relationships" xmlns:p="http://schemas.openxmlformats.org/presentationml/2006/main">
+  <p:cSld>
+    <p:spTree>
+      <p:nvGrpSpPr>
+        <p:cNvPr id="1" name=""/>
+        <p:cNvGrpSpPr/>
+        <p:nvPr/>
+      </p:nvGrpSpPr>
+      <p:grpSpPr>
+        <a:xfrm>
+          <a:off x="0" y="0"/>
+          <a:ext cx="0" cy="0"/>
+          <a:chOff x="0" y="0"/>
+          <a:chExt cx="0" cy="0"/>
+        </a:xfrm>
+      </p:grpSpPr>
+      <p:sp>
+        <p:nvSpPr>
+          <p:cNvPr id="2" name="Title 1"/>
+          <p:cNvSpPr>
+            <a:spLocks noGrp="1"/>
+          </p:cNvSpPr>
+          <p:nvPr>
+            <p:ph type="title"/>
+          </p:nvPr>
+        </p:nvSpPr>
+        <p:spPr/>
+        <p:txBody>
+          <a:bodyPr/>
+          <a:lstStyle/>
+          <a:p>
+            <a:r>
+              <a:rPr lang="en-US" dirty="0" smtClean="0"/>
+              <a:t>Lists and Tables</a:t>
+            </a:r>
+            <a:endParaRPr lang="en-US" dirty="0"/>
+          </a:p>
+        </p:txBody>
+      </p:sp>
+      <p:sp>
+        <p:nvSpPr>
+          <p:cNvPr id="3" name="Text Placeholder 2"/>
+          <p:cNvSpPr>
+            <a:spLocks noGrp="1"/>
+          </p:cNvSpPr>
+          <p:nvPr>
+            <p:ph type="body" idx="1"/>
+          </p:nvPr>
+        </p:nvSpPr>
+        <p:spPr/>
+        <p:txBody>
+          <a:bodyPr/>
+          <a:lstStyle/>
+          <a:p>
+            <a:r>
+              <a:rPr lang="en-US" dirty="0" smtClean="0"/>
+              <a:t>Use </a:t>
+            </a:r>
+            <a:r>
+              <a:rPr lang="en-US" dirty="0" err="1" smtClean="0"/>
+              <a:t>ngFor</a:t>
+            </a:r>
+            <a:endParaRPr lang="en-US" dirty="0" smtClean="0"/>
+          </a:p>
+          <a:p>
+            <a:pPr lvl="1"/>
+            <a:r>
+              <a:rPr lang="en-US" dirty="0" smtClean="0"/>
+              <a:t>Semantics similar to the new for-of loop in ES2015</a:t>
+            </a:r>
+          </a:p>
+          <a:p>
+            <a:pPr lvl="1"/>
+            <a:r>
+              <a:rPr lang="en-US" dirty="0" smtClean="0"/>
+              <a:t>Works with any iterable</a:t>
+            </a:r>
+          </a:p>
+          <a:p>
+            <a:pPr lvl="1"/>
+            <a:r>
+              <a:rPr lang="en-US" dirty="0" smtClean="0"/>
+              <a:t>Updates the screen if collection changes</a:t>
+            </a:r>
+            <a:endParaRPr lang="en-US" dirty="0"/>
+          </a:p>
+        </p:txBody>
+      </p:sp>
+      <p:pic>
+        <p:nvPicPr>
+          <p:cNvPr id="4" name="Picture 3"/>
+          <p:cNvPicPr>
+            <a:picLocks noChangeAspect="1"/>
+          </p:cNvPicPr>
+          <p:nvPr/>
+        </p:nvPicPr>
+        <p:blipFill>
+          <a:blip r:embed="rId2"/>
+          <a:stretch>
+            <a:fillRect/>
+          </a:stretch>
+        </p:blipFill>
+        <p:spPr>
+          <a:xfrm>
+            <a:off x="1447800" y="3200400"/>
+            <a:ext cx="5260532" cy="2895600"/>
+          </a:xfrm>
+          <a:prstGeom prst="rect">
+            <a:avLst/>
+          </a:prstGeom>
+        </p:spPr>
+      </p:pic>
+    </p:spTree>
+    <p:extLst>
+      <p:ext uri="{BB962C8B-B14F-4D97-AF65-F5344CB8AC3E}">
+        <p14:creationId xmlns:p14="http://schemas.microsoft.com/office/powerpoint/2010/main" val="2968117420"/>
+      </p:ext>
+    </p:extLst>
+  </p:cSld>
+  <p:clrMapOvr>
+    <a:masterClrMapping/>
+  </p:clrMapOvr>
+  <p:transition>
+    <p:fade/>
+  </p:transition>
+  <p:timing>
+    <p:tnLst>
+      <p:par>
+        <p:cTn id="1" dur="indefinite" restart="never" nodeType="tmRoot"/>
+      </p:par>
+    </p:tnLst>
+  </p:timing>
+</p:sld>
+</file>
+
+<file path=ppt/slides/slide19.xml><?xml version="1.0" encoding="utf-8"?>
+<p:sld xmlns:a="http://schemas.openxmlformats.org/drawingml/2006/main" xmlns:r="http://schemas.openxmlformats.org/officeDocument/2006/relationships" xmlns:p="http://schemas.openxmlformats.org/presentationml/2006/main">
+  <p:cSld>
+    <p:spTree>
+      <p:nvGrpSpPr>
+        <p:cNvPr id="1" name=""/>
+        <p:cNvGrpSpPr/>
+        <p:nvPr/>
+      </p:nvGrpSpPr>
+      <p:grpSpPr>
+        <a:xfrm>
+          <a:off x="0" y="0"/>
+          <a:ext cx="0" cy="0"/>
+          <a:chOff x="0" y="0"/>
+          <a:chExt cx="0" cy="0"/>
+        </a:xfrm>
+      </p:grpSpPr>
+      <p:sp>
+        <p:nvSpPr>
+          <p:cNvPr id="2" name="Title 1"/>
+          <p:cNvSpPr>
+            <a:spLocks noGrp="1"/>
+          </p:cNvSpPr>
+          <p:nvPr>
+            <p:ph type="title"/>
+          </p:nvPr>
+        </p:nvSpPr>
+        <p:spPr/>
+        <p:txBody>
+          <a:bodyPr/>
+          <a:lstStyle/>
+          <a:p>
+            <a:r>
+              <a:rPr lang="en-US" dirty="0" smtClean="0"/>
+              <a:t>Hiding and Showing</a:t>
+            </a:r>
+            <a:endParaRPr lang="en-US" dirty="0"/>
+          </a:p>
+        </p:txBody>
+      </p:sp>
+      <p:sp>
+        <p:nvSpPr>
+          <p:cNvPr id="3" name="Text Placeholder 2"/>
+          <p:cNvSpPr>
+            <a:spLocks noGrp="1"/>
+          </p:cNvSpPr>
+          <p:nvPr>
+            <p:ph type="body" idx="1"/>
+          </p:nvPr>
+        </p:nvSpPr>
+        <p:spPr/>
+        <p:txBody>
+          <a:bodyPr/>
+          <a:lstStyle/>
+          <a:p>
+            <a:r>
+              <a:rPr lang="en-US" dirty="0" smtClean="0"/>
+              <a:t>Several approaches</a:t>
+            </a:r>
+          </a:p>
+          <a:p>
+            <a:pPr lvl="1"/>
+            <a:r>
+              <a:rPr lang="en-US" dirty="0" smtClean="0"/>
+              <a:t>Use *</a:t>
+            </a:r>
+            <a:r>
+              <a:rPr lang="en-US" dirty="0" err="1" smtClean="0"/>
+              <a:t>ngIf</a:t>
+            </a:r>
+            <a:endParaRPr lang="en-US" dirty="0" smtClean="0"/>
+          </a:p>
+          <a:p>
+            <a:pPr lvl="1"/>
+            <a:r>
+              <a:rPr lang="en-US" dirty="0" smtClean="0"/>
+              <a:t>Bind to the hidden property</a:t>
+            </a:r>
+          </a:p>
+          <a:p>
+            <a:pPr lvl="1"/>
+            <a:r>
+              <a:rPr lang="en-US" dirty="0" smtClean="0"/>
+              <a:t>Bind to the </a:t>
+            </a:r>
+            <a:r>
+              <a:rPr lang="en-US" dirty="0" err="1" smtClean="0"/>
+              <a:t>style.display</a:t>
+            </a:r>
+            <a:r>
+              <a:rPr lang="en-US" dirty="0" smtClean="0"/>
+              <a:t> property</a:t>
+            </a:r>
+            <a:endParaRPr lang="en-US" dirty="0"/>
+          </a:p>
+        </p:txBody>
+      </p:sp>
+      <p:pic>
+        <p:nvPicPr>
+          <p:cNvPr id="4" name="Picture 3"/>
+          <p:cNvPicPr>
+            <a:picLocks noChangeAspect="1"/>
+          </p:cNvPicPr>
+          <p:nvPr/>
+        </p:nvPicPr>
+        <p:blipFill>
+          <a:blip r:embed="rId2"/>
+          <a:stretch>
+            <a:fillRect/>
+          </a:stretch>
+        </p:blipFill>
+        <p:spPr>
+          <a:xfrm>
+            <a:off x="128095" y="3200400"/>
+            <a:ext cx="8887810" cy="1676400"/>
+          </a:xfrm>
+          <a:prstGeom prst="rect">
+            <a:avLst/>
+          </a:prstGeom>
+        </p:spPr>
+      </p:pic>
+    </p:spTree>
+    <p:extLst>
+      <p:ext uri="{BB962C8B-B14F-4D97-AF65-F5344CB8AC3E}">
+        <p14:creationId xmlns:p14="http://schemas.microsoft.com/office/powerpoint/2010/main" val="3310555310"/>
+      </p:ext>
+    </p:extLst>
+  </p:cSld>
+  <p:clrMapOvr>
+    <a:masterClrMapping/>
+  </p:clrMapOvr>
+  <p:transition>
+    <p:fade/>
+  </p:transition>
+  <p:timing>
+    <p:tnLst>
+      <p:par>
+        <p:cTn id="1" dur="indefinite" restart="never" nodeType="tmRoot"/>
+      </p:par>
+    </p:tnLst>
+  </p:timing>
+</p:sld>
+</file>
+
 <file path=ppt/slides/slide2.xml><?xml version="1.0" encoding="utf-8"?>
 <p:sld xmlns:a="http://schemas.openxmlformats.org/drawingml/2006/main" xmlns:r="http://schemas.openxmlformats.org/officeDocument/2006/relationships" xmlns:p="http://schemas.openxmlformats.org/presentationml/2006/main">
   <p:cSld>
@@ -2644,6 +4935,405 @@
 </p:sld>
 </file>
 
+<file path=ppt/slides/slide20.xml><?xml version="1.0" encoding="utf-8"?>
+<p:sld xmlns:a="http://schemas.openxmlformats.org/drawingml/2006/main" xmlns:r="http://schemas.openxmlformats.org/officeDocument/2006/relationships" xmlns:p="http://schemas.openxmlformats.org/presentationml/2006/main">
+  <p:cSld>
+    <p:spTree>
+      <p:nvGrpSpPr>
+        <p:cNvPr id="1" name=""/>
+        <p:cNvGrpSpPr/>
+        <p:nvPr/>
+      </p:nvGrpSpPr>
+      <p:grpSpPr>
+        <a:xfrm>
+          <a:off x="0" y="0"/>
+          <a:ext cx="0" cy="0"/>
+          <a:chOff x="0" y="0"/>
+          <a:chExt cx="0" cy="0"/>
+        </a:xfrm>
+      </p:grpSpPr>
+      <p:sp>
+        <p:nvSpPr>
+          <p:cNvPr id="2" name="Title 1"/>
+          <p:cNvSpPr>
+            <a:spLocks noGrp="1"/>
+          </p:cNvSpPr>
+          <p:nvPr>
+            <p:ph type="title"/>
+          </p:nvPr>
+        </p:nvSpPr>
+        <p:spPr/>
+        <p:txBody>
+          <a:bodyPr/>
+          <a:lstStyle/>
+          <a:p>
+            <a:r>
+              <a:rPr lang="en-US" dirty="0" smtClean="0"/>
+              <a:t>Styles</a:t>
+            </a:r>
+            <a:endParaRPr lang="en-US" dirty="0"/>
+          </a:p>
+        </p:txBody>
+      </p:sp>
+      <p:sp>
+        <p:nvSpPr>
+          <p:cNvPr id="3" name="Text Placeholder 2"/>
+          <p:cNvSpPr>
+            <a:spLocks noGrp="1"/>
+          </p:cNvSpPr>
+          <p:nvPr>
+            <p:ph type="body" idx="1"/>
+          </p:nvPr>
+        </p:nvSpPr>
+        <p:spPr/>
+        <p:txBody>
+          <a:bodyPr/>
+          <a:lstStyle/>
+          <a:p>
+            <a:r>
+              <a:rPr lang="en-US" dirty="0" smtClean="0"/>
+              <a:t>Use the </a:t>
+            </a:r>
+            <a:r>
+              <a:rPr lang="en-US" dirty="0" err="1" smtClean="0"/>
+              <a:t>ngClass</a:t>
+            </a:r>
+            <a:r>
+              <a:rPr lang="en-US" dirty="0" smtClean="0"/>
+              <a:t> directive </a:t>
+            </a:r>
+          </a:p>
+          <a:p>
+            <a:pPr lvl="1"/>
+            <a:r>
+              <a:rPr lang="en-US" dirty="0" smtClean="0"/>
+              <a:t>Adds class names for </a:t>
+            </a:r>
+            <a:r>
+              <a:rPr lang="en-US" dirty="0" err="1" smtClean="0"/>
+              <a:t>truthy</a:t>
+            </a:r>
+            <a:r>
+              <a:rPr lang="en-US" dirty="0" smtClean="0"/>
+              <a:t> values</a:t>
+            </a:r>
+            <a:endParaRPr lang="en-US" dirty="0"/>
+          </a:p>
+        </p:txBody>
+      </p:sp>
+      <p:pic>
+        <p:nvPicPr>
+          <p:cNvPr id="4" name="Picture 3"/>
+          <p:cNvPicPr>
+            <a:picLocks noChangeAspect="1"/>
+          </p:cNvPicPr>
+          <p:nvPr/>
+        </p:nvPicPr>
+        <p:blipFill>
+          <a:blip r:embed="rId2"/>
+          <a:stretch>
+            <a:fillRect/>
+          </a:stretch>
+        </p:blipFill>
+        <p:spPr>
+          <a:xfrm>
+            <a:off x="457200" y="2895600"/>
+            <a:ext cx="7938213" cy="923925"/>
+          </a:xfrm>
+          <a:prstGeom prst="rect">
+            <a:avLst/>
+          </a:prstGeom>
+        </p:spPr>
+      </p:pic>
+    </p:spTree>
+    <p:extLst>
+      <p:ext uri="{BB962C8B-B14F-4D97-AF65-F5344CB8AC3E}">
+        <p14:creationId xmlns:p14="http://schemas.microsoft.com/office/powerpoint/2010/main" val="1399393236"/>
+      </p:ext>
+    </p:extLst>
+  </p:cSld>
+  <p:clrMapOvr>
+    <a:masterClrMapping/>
+  </p:clrMapOvr>
+  <p:transition>
+    <p:fade/>
+  </p:transition>
+  <p:timing>
+    <p:tnLst>
+      <p:par>
+        <p:cTn id="1" dur="indefinite" restart="never" nodeType="tmRoot"/>
+      </p:par>
+    </p:tnLst>
+  </p:timing>
+</p:sld>
+</file>
+
+<file path=ppt/slides/slide21.xml><?xml version="1.0" encoding="utf-8"?>
+<p:sld xmlns:a="http://schemas.openxmlformats.org/drawingml/2006/main" xmlns:r="http://schemas.openxmlformats.org/officeDocument/2006/relationships" xmlns:p="http://schemas.openxmlformats.org/presentationml/2006/main">
+  <p:cSld>
+    <p:spTree>
+      <p:nvGrpSpPr>
+        <p:cNvPr id="1" name=""/>
+        <p:cNvGrpSpPr/>
+        <p:nvPr/>
+      </p:nvGrpSpPr>
+      <p:grpSpPr>
+        <a:xfrm>
+          <a:off x="0" y="0"/>
+          <a:ext cx="0" cy="0"/>
+          <a:chOff x="0" y="0"/>
+          <a:chExt cx="0" cy="0"/>
+        </a:xfrm>
+      </p:grpSpPr>
+      <p:sp>
+        <p:nvSpPr>
+          <p:cNvPr id="2" name="Title 1"/>
+          <p:cNvSpPr>
+            <a:spLocks noGrp="1"/>
+          </p:cNvSpPr>
+          <p:nvPr>
+            <p:ph type="title"/>
+          </p:nvPr>
+        </p:nvSpPr>
+        <p:spPr/>
+        <p:txBody>
+          <a:bodyPr/>
+          <a:lstStyle/>
+          <a:p>
+            <a:r>
+              <a:rPr lang="en-US" dirty="0" smtClean="0"/>
+              <a:t>Debugging</a:t>
+            </a:r>
+            <a:endParaRPr lang="en-US" dirty="0"/>
+          </a:p>
+        </p:txBody>
+      </p:sp>
+      <p:sp>
+        <p:nvSpPr>
+          <p:cNvPr id="3" name="Text Placeholder 2"/>
+          <p:cNvSpPr>
+            <a:spLocks noGrp="1"/>
+          </p:cNvSpPr>
+          <p:nvPr>
+            <p:ph type="body" idx="1"/>
+          </p:nvPr>
+        </p:nvSpPr>
+        <p:spPr/>
+        <p:txBody>
+          <a:bodyPr/>
+          <a:lstStyle/>
+          <a:p>
+            <a:r>
+              <a:rPr lang="en-US" dirty="0" smtClean="0"/>
+              <a:t>Source maps let you step through </a:t>
+            </a:r>
+            <a:r>
+              <a:rPr lang="en-US" dirty="0" err="1" smtClean="0"/>
+              <a:t>TypeScript</a:t>
+            </a:r>
+            <a:endParaRPr lang="en-US" dirty="0"/>
+          </a:p>
+        </p:txBody>
+      </p:sp>
+      <p:pic>
+        <p:nvPicPr>
+          <p:cNvPr id="4" name="Picture 3"/>
+          <p:cNvPicPr>
+            <a:picLocks noChangeAspect="1"/>
+          </p:cNvPicPr>
+          <p:nvPr/>
+        </p:nvPicPr>
+        <p:blipFill>
+          <a:blip r:embed="rId2"/>
+          <a:stretch>
+            <a:fillRect/>
+          </a:stretch>
+        </p:blipFill>
+        <p:spPr>
+          <a:xfrm>
+            <a:off x="1447800" y="2895600"/>
+            <a:ext cx="5553075" cy="2038350"/>
+          </a:xfrm>
+          <a:prstGeom prst="rect">
+            <a:avLst/>
+          </a:prstGeom>
+        </p:spPr>
+      </p:pic>
+    </p:spTree>
+    <p:extLst>
+      <p:ext uri="{BB962C8B-B14F-4D97-AF65-F5344CB8AC3E}">
+        <p14:creationId xmlns:p14="http://schemas.microsoft.com/office/powerpoint/2010/main" val="1156462374"/>
+      </p:ext>
+    </p:extLst>
+  </p:cSld>
+  <p:clrMapOvr>
+    <a:masterClrMapping/>
+  </p:clrMapOvr>
+  <p:transition>
+    <p:fade/>
+  </p:transition>
+  <p:timing>
+    <p:tnLst>
+      <p:par>
+        <p:cTn id="1" dur="indefinite" restart="never" nodeType="tmRoot"/>
+      </p:par>
+    </p:tnLst>
+  </p:timing>
+</p:sld>
+</file>
+
+<file path=ppt/slides/slide22.xml><?xml version="1.0" encoding="utf-8"?>
+<p:sld xmlns:a="http://schemas.openxmlformats.org/drawingml/2006/main" xmlns:r="http://schemas.openxmlformats.org/officeDocument/2006/relationships" xmlns:p="http://schemas.openxmlformats.org/presentationml/2006/main">
+  <p:cSld>
+    <p:spTree>
+      <p:nvGrpSpPr>
+        <p:cNvPr id="1" name=""/>
+        <p:cNvGrpSpPr/>
+        <p:nvPr/>
+      </p:nvGrpSpPr>
+      <p:grpSpPr>
+        <a:xfrm>
+          <a:off x="0" y="0"/>
+          <a:ext cx="0" cy="0"/>
+          <a:chOff x="0" y="0"/>
+          <a:chExt cx="0" cy="0"/>
+        </a:xfrm>
+      </p:grpSpPr>
+      <p:sp>
+        <p:nvSpPr>
+          <p:cNvPr id="2" name="Title 1"/>
+          <p:cNvSpPr>
+            <a:spLocks noGrp="1"/>
+          </p:cNvSpPr>
+          <p:nvPr>
+            <p:ph type="title"/>
+          </p:nvPr>
+        </p:nvSpPr>
+        <p:spPr/>
+        <p:txBody>
+          <a:bodyPr/>
+          <a:lstStyle/>
+          <a:p>
+            <a:r>
+              <a:rPr lang="en-US" dirty="0" smtClean="0"/>
+              <a:t>Summary</a:t>
+            </a:r>
+            <a:endParaRPr lang="en-US" dirty="0"/>
+          </a:p>
+        </p:txBody>
+      </p:sp>
+      <p:sp>
+        <p:nvSpPr>
+          <p:cNvPr id="3" name="Text Placeholder 2"/>
+          <p:cNvSpPr>
+            <a:spLocks noGrp="1"/>
+          </p:cNvSpPr>
+          <p:nvPr>
+            <p:ph type="body" idx="1"/>
+          </p:nvPr>
+        </p:nvSpPr>
+        <p:spPr/>
+        <p:txBody>
+          <a:bodyPr/>
+          <a:lstStyle/>
+          <a:p>
+            <a:r>
+              <a:rPr lang="en-US" dirty="0" smtClean="0"/>
+              <a:t>Angular2 </a:t>
+            </a:r>
+            <a:r>
+              <a:rPr lang="en-US" dirty="0" smtClean="0"/>
+              <a:t>is an application framework</a:t>
+            </a:r>
+          </a:p>
+          <a:p>
+            <a:pPr lvl="1"/>
+            <a:r>
+              <a:rPr lang="en-US" dirty="0" smtClean="0"/>
+              <a:t>Similar to an MVVM design</a:t>
+            </a:r>
+          </a:p>
+          <a:p>
+            <a:r>
+              <a:rPr lang="en-US" dirty="0" smtClean="0"/>
+              <a:t>Extensible</a:t>
+            </a:r>
+            <a:r>
+              <a:rPr lang="en-US" dirty="0" smtClean="0"/>
+              <a:t>, modular, </a:t>
+            </a:r>
+            <a:r>
+              <a:rPr lang="en-US" dirty="0" smtClean="0"/>
+              <a:t>testable</a:t>
+            </a:r>
+            <a:endParaRPr lang="en-US" dirty="0" smtClean="0"/>
+          </a:p>
+        </p:txBody>
+      </p:sp>
+      <p:pic>
+        <p:nvPicPr>
+          <p:cNvPr id="4" name="Picture 2" descr="http://angularjs.org/img/AngularJS-large.png"/>
+          <p:cNvPicPr>
+            <a:picLocks noChangeAspect="1" noChangeArrowheads="1"/>
+          </p:cNvPicPr>
+          <p:nvPr/>
+        </p:nvPicPr>
+        <p:blipFill>
+          <a:blip r:embed="rId2">
+            <a:extLst>
+              <a:ext uri="{28A0092B-C50C-407E-A947-70E740481C1C}">
+                <a14:useLocalDpi xmlns:a14="http://schemas.microsoft.com/office/drawing/2010/main" val="0"/>
+              </a:ext>
+            </a:extLst>
+          </a:blip>
+          <a:srcRect/>
+          <a:stretch>
+            <a:fillRect/>
+          </a:stretch>
+        </p:blipFill>
+        <p:spPr bwMode="auto">
+          <a:xfrm>
+            <a:off x="2438400" y="3181349"/>
+            <a:ext cx="3648075" cy="1028701"/>
+          </a:xfrm>
+          <a:prstGeom prst="rect">
+            <a:avLst/>
+          </a:prstGeom>
+          <a:noFill/>
+          <a:extLst>
+            <a:ext uri="{909E8E84-426E-40DD-AFC4-6F175D3DCCD1}">
+              <a14:hiddenFill xmlns:a14="http://schemas.microsoft.com/office/drawing/2010/main">
+                <a:solidFill>
+                  <a:srgbClr val="FFFFFF"/>
+                </a:solidFill>
+              </a14:hiddenFill>
+            </a:ext>
+          </a:extLst>
+        </p:spPr>
+      </p:pic>
+    </p:spTree>
+    <p:extLst>
+      <p:ext uri="{BB962C8B-B14F-4D97-AF65-F5344CB8AC3E}">
+        <p14:creationId xmlns:p14="http://schemas.microsoft.com/office/powerpoint/2010/main" val="1164403621"/>
+      </p:ext>
+    </p:extLst>
+  </p:cSld>
+  <p:clrMapOvr>
+    <a:masterClrMapping/>
+  </p:clrMapOvr>
+  <p:transition>
+    <p:fade/>
+  </p:transition>
+  <p:timing>
+    <p:tnLst>
+      <p:par>
+        <p:cTn id="1" dur="indefinite" restart="never" nodeType="tmRoot"/>
+      </p:par>
+    </p:tnLst>
+  </p:timing>
+</p:sld>
+</file>
+
 <file path=ppt/slides/slide3.xml><?xml version="1.0" encoding="utf-8"?>
 <p:sld xmlns:a="http://schemas.openxmlformats.org/drawingml/2006/main" xmlns:r="http://schemas.openxmlformats.org/officeDocument/2006/relationships" xmlns:p="http://schemas.openxmlformats.org/presentationml/2006/main">
   <p:cSld>
@@ -2745,12 +5435,6 @@
               </a:rPr>
               <a:t>of</a:t>
             </a:r>
-            <a:endParaRPr lang="en-US" sz="2000" dirty="0" smtClean="0">
-              <a:solidFill>
-                <a:schemeClr val="tx1"/>
-              </a:solidFill>
-              <a:latin typeface="Tekton Pro" pitchFamily="34" charset="0"/>
-            </a:endParaRPr>
           </a:p>
           <a:p>
             <a:pPr algn="ctr"/>
@@ -3665,13 +6349,43 @@
               <a:rPr lang="en-US" sz="2000" dirty="0" err="1" smtClean="0">
                 <a:latin typeface="Consolas" panose="020B0609020204030204" pitchFamily="49" charset="0"/>
               </a:rPr>
-              <a:t>systemjs</a:t>
+              <a:t>rxjs</a:t>
+            </a:r>
+            <a:endParaRPr lang="en-US" sz="2000" dirty="0" smtClean="0">
+              <a:latin typeface="Consolas" panose="020B0609020204030204" pitchFamily="49" charset="0"/>
+            </a:endParaRPr>
+          </a:p>
+          <a:p>
+            <a:pPr algn="l"/>
+            <a:r>
+              <a:rPr lang="en-US" sz="2000" dirty="0">
+                <a:latin typeface="Consolas" panose="020B0609020204030204" pitchFamily="49" charset="0"/>
+              </a:rPr>
+              <a:t> </a:t>
             </a:r>
             <a:r>
               <a:rPr lang="en-US" sz="2000" dirty="0" smtClean="0">
                 <a:latin typeface="Consolas" panose="020B0609020204030204" pitchFamily="49" charset="0"/>
               </a:rPr>
-              <a:t> --save</a:t>
+              <a:t>           </a:t>
+            </a:r>
+            <a:r>
+              <a:rPr lang="en-US" sz="2000" dirty="0" err="1" smtClean="0">
+                <a:latin typeface="Consolas" panose="020B0609020204030204" pitchFamily="49" charset="0"/>
+              </a:rPr>
+              <a:t>systemjs</a:t>
+            </a:r>
+            <a:r>
+              <a:rPr lang="en-US" sz="2000" dirty="0" smtClean="0">
+                <a:latin typeface="Consolas" panose="020B0609020204030204" pitchFamily="49" charset="0"/>
+              </a:rPr>
+              <a:t> reflect-metadata --</a:t>
+            </a:r>
+            <a:r>
+              <a:rPr lang="en-US" sz="2000" dirty="0" smtClean="0">
+                <a:latin typeface="Consolas" panose="020B0609020204030204" pitchFamily="49" charset="0"/>
+              </a:rPr>
+              <a:t>save</a:t>
             </a:r>
           </a:p>
           <a:p>
@@ -4029,7 +6743,7 @@
       </p:sp>
       <p:pic>
         <p:nvPicPr>
-          <p:cNvPr id="5" name="Picture 4"/>
+          <p:cNvPr id="4" name="Picture 3"/>
           <p:cNvPicPr>
             <a:picLocks noChangeAspect="1"/>
           </p:cNvPicPr>
@@ -4043,8 +6757,8 @@
         </p:blipFill>
         <p:spPr>
           <a:xfrm>
-            <a:off x="381000" y="1066800"/>
-            <a:ext cx="8476939" cy="5553075"/>
+            <a:off x="838200" y="951786"/>
+            <a:ext cx="7239000" cy="5487828"/>
           </a:xfrm>
           <a:prstGeom prst="rect">
             <a:avLst/>
@@ -4135,7 +6849,7 @@
       </p:sp>
       <p:pic>
         <p:nvPicPr>
-          <p:cNvPr id="4" name="Picture 3"/>
+          <p:cNvPr id="5" name="Picture 4"/>
           <p:cNvPicPr>
             <a:picLocks noChangeAspect="1"/>
           </p:cNvPicPr>
@@ -4149,8 +6863,8 @@
         </p:blipFill>
         <p:spPr>
           <a:xfrm>
-            <a:off x="176212" y="1400175"/>
-            <a:ext cx="8791575" cy="4057650"/>
+            <a:off x="1295400" y="1478280"/>
+            <a:ext cx="6296025" cy="4206955"/>
           </a:xfrm>
           <a:prstGeom prst="rect">
             <a:avLst/>
@@ -4815,7 +7529,11 @@
           <a:bodyPr/>
           <a:lstStyle/>
           <a:p>
-            <a:endParaRPr lang="en-US"/>
+            <a:r>
+              <a:rPr lang="en-US" dirty="0" smtClean="0"/>
+              <a:t>Directives</a:t>
+            </a:r>
+            <a:endParaRPr lang="en-US" dirty="0"/>
           </a:p>
         </p:txBody>
       </p:sp>
@@ -4834,10 +7552,68 @@
           <a:bodyPr/>
           <a:lstStyle/>
           <a:p>
-            <a:endParaRPr lang="en-US"/>
+            <a:r>
+              <a:rPr lang="en-US" dirty="0" smtClean="0"/>
+              <a:t>Directives extend HTML</a:t>
+            </a:r>
+          </a:p>
+          <a:p>
+            <a:pPr lvl="1"/>
+            <a:r>
+              <a:rPr lang="en-US" dirty="0" smtClean="0"/>
+              <a:t>Add behavior or change the appearance of the DOM</a:t>
+            </a:r>
+          </a:p>
+          <a:p>
+            <a:pPr lvl="1"/>
+            <a:r>
+              <a:rPr lang="en-US" dirty="0" smtClean="0"/>
+              <a:t>Angular compiles markup to process directives</a:t>
+            </a:r>
+          </a:p>
+          <a:p>
+            <a:r>
+              <a:rPr lang="en-US" dirty="0" smtClean="0"/>
+              <a:t>You can build your own directives</a:t>
+            </a:r>
+          </a:p>
+          <a:p>
+            <a:pPr lvl="1"/>
+            <a:r>
+              <a:rPr lang="en-US" dirty="0" smtClean="0"/>
+              <a:t>In fact, this is encouraged</a:t>
+            </a:r>
+          </a:p>
+          <a:p>
+            <a:pPr lvl="1"/>
+            <a:endParaRPr lang="en-US" dirty="0"/>
           </a:p>
         </p:txBody>
       </p:sp>
+      <p:pic>
+        <p:nvPicPr>
+          <p:cNvPr id="4" name="Picture 3"/>
+          <p:cNvPicPr>
+            <a:picLocks noChangeAspect="1"/>
+          </p:cNvPicPr>
+          <p:nvPr/>
+        </p:nvPicPr>
+        <p:blipFill>
+          <a:blip r:embed="rId2"/>
+          <a:stretch>
+            <a:fillRect/>
+          </a:stretch>
+        </p:blipFill>
+        <p:spPr>
+          <a:xfrm>
+            <a:off x="1295400" y="3657600"/>
+            <a:ext cx="6029854" cy="2019300"/>
+          </a:xfrm>
+          <a:prstGeom prst="rect">
+            <a:avLst/>
+          </a:prstGeom>
+        </p:spPr>
+      </p:pic>
     </p:spTree>
     <p:extLst>
       <p:ext uri="{BB962C8B-B14F-4D97-AF65-F5344CB8AC3E}">
@@ -4854,7 +7630,335 @@
   <p:timing>
     <p:tnLst>
       <p:par>
-        <p:cTn id="1" dur="indefinite" restart="never" nodeType="tmRoot"/>
+        <p:cTn id="1" dur="indefinite" restart="never" nodeType="tmRoot">
+          <p:childTnLst>
+            <p:seq concurrent="1" nextAc="seek">
+              <p:cTn id="2" dur="indefinite" nodeType="mainSeq">
+                <p:childTnLst>
+                  <p:par>
+                    <p:cTn id="3" fill="hold">
+                      <p:stCondLst>
+                        <p:cond delay="indefinite"/>
+                      </p:stCondLst>
+                      <p:childTnLst>
+                        <p:par>
+                          <p:cTn id="4" fill="hold">
+                            <p:stCondLst>
+                              <p:cond delay="0"/>
+                            </p:stCondLst>
+                            <p:childTnLst>
+                              <p:par>
+                                <p:cTn id="5" presetID="10" presetClass="entr" presetSubtype="0" fill="hold" nodeType="clickEffect">
+                                  <p:stCondLst>
+                                    <p:cond delay="0"/>
+                                  </p:stCondLst>
+                                  <p:childTnLst>
+                                    <p:set>
+                                      <p:cBhvr>
+                                        <p:cTn id="6" dur="1" fill="hold">
+                                          <p:stCondLst>
+                                            <p:cond delay="0"/>
+                                          </p:stCondLst>
+                                        </p:cTn>
+                                        <p:tgtEl>
+                                          <p:spTgt spid="3">
+                                            <p:txEl>
+                                              <p:pRg st="0" end="0"/>
+                                            </p:txEl>
+                                          </p:spTgt>
+                                        </p:tgtEl>
+                                        <p:attrNameLst>
+                                          <p:attrName>style.visibility</p:attrName>
+                                        </p:attrNameLst>
+                                      </p:cBhvr>
+                                      <p:to>
+                                        <p:strVal val="visible"/>
+                                      </p:to>
+                                    </p:set>
+                                    <p:animEffect transition="in" filter="fade">
+                                      <p:cBhvr>
+                                        <p:cTn id="7" dur="500"/>
+                                        <p:tgtEl>
+                                          <p:spTgt spid="3">
+                                            <p:txEl>
+                                              <p:pRg st="0" end="0"/>
+                                            </p:txEl>
+                                          </p:spTgt>
+                                        </p:tgtEl>
+                                      </p:cBhvr>
+                                    </p:animEffect>
+                                  </p:childTnLst>
+                                </p:cTn>
+                              </p:par>
+                            </p:childTnLst>
+                          </p:cTn>
+                        </p:par>
+                      </p:childTnLst>
+                    </p:cTn>
+                  </p:par>
+                  <p:par>
+                    <p:cTn id="8" fill="hold">
+                      <p:stCondLst>
+                        <p:cond delay="indefinite"/>
+                      </p:stCondLst>
+                      <p:childTnLst>
+                        <p:par>
+                          <p:cTn id="9" fill="hold">
+                            <p:stCondLst>
+                              <p:cond delay="0"/>
+                            </p:stCondLst>
+                            <p:childTnLst>
+                              <p:par>
+                                <p:cTn id="10" presetID="10" presetClass="entr" presetSubtype="0" fill="hold" nodeType="clickEffect">
+                                  <p:stCondLst>
+                                    <p:cond delay="0"/>
+                                  </p:stCondLst>
+                                  <p:childTnLst>
+                                    <p:set>
+                                      <p:cBhvr>
+                                        <p:cTn id="11" dur="1" fill="hold">
+                                          <p:stCondLst>
+                                            <p:cond delay="0"/>
+                                          </p:stCondLst>
+                                        </p:cTn>
+                                        <p:tgtEl>
+                                          <p:spTgt spid="3">
+                                            <p:txEl>
+                                              <p:pRg st="1" end="1"/>
+                                            </p:txEl>
+                                          </p:spTgt>
+                                        </p:tgtEl>
+                                        <p:attrNameLst>
+                                          <p:attrName>style.visibility</p:attrName>
+                                        </p:attrNameLst>
+                                      </p:cBhvr>
+                                      <p:to>
+                                        <p:strVal val="visible"/>
+                                      </p:to>
+                                    </p:set>
+                                    <p:animEffect transition="in" filter="fade">
+                                      <p:cBhvr>
+                                        <p:cTn id="12" dur="500"/>
+                                        <p:tgtEl>
+                                          <p:spTgt spid="3">
+                                            <p:txEl>
+                                              <p:pRg st="1" end="1"/>
+                                            </p:txEl>
+                                          </p:spTgt>
+                                        </p:tgtEl>
+                                      </p:cBhvr>
+                                    </p:animEffect>
+                                  </p:childTnLst>
+                                </p:cTn>
+                              </p:par>
+                            </p:childTnLst>
+                          </p:cTn>
+                        </p:par>
+                      </p:childTnLst>
+                    </p:cTn>
+                  </p:par>
+                  <p:par>
+                    <p:cTn id="13" fill="hold">
+                      <p:stCondLst>
+                        <p:cond delay="indefinite"/>
+                      </p:stCondLst>
+                      <p:childTnLst>
+                        <p:par>
+                          <p:cTn id="14" fill="hold">
+                            <p:stCondLst>
+                              <p:cond delay="0"/>
+                            </p:stCondLst>
+                            <p:childTnLst>
+                              <p:par>
+                                <p:cTn id="15" presetID="10" presetClass="entr" presetSubtype="0" fill="hold" nodeType="clickEffect">
+                                  <p:stCondLst>
+                                    <p:cond delay="0"/>
+                                  </p:stCondLst>
+                                  <p:childTnLst>
+                                    <p:set>
+                                      <p:cBhvr>
+                                        <p:cTn id="16" dur="1" fill="hold">
+                                          <p:stCondLst>
+                                            <p:cond delay="0"/>
+                                          </p:stCondLst>
+                                        </p:cTn>
+                                        <p:tgtEl>
+                                          <p:spTgt spid="3">
+                                            <p:txEl>
+                                              <p:pRg st="2" end="2"/>
+                                            </p:txEl>
+                                          </p:spTgt>
+                                        </p:tgtEl>
+                                        <p:attrNameLst>
+                                          <p:attrName>style.visibility</p:attrName>
+                                        </p:attrNameLst>
+                                      </p:cBhvr>
+                                      <p:to>
+                                        <p:strVal val="visible"/>
+                                      </p:to>
+                                    </p:set>
+                                    <p:animEffect transition="in" filter="fade">
+                                      <p:cBhvr>
+                                        <p:cTn id="17" dur="500"/>
+                                        <p:tgtEl>
+                                          <p:spTgt spid="3">
+                                            <p:txEl>
+                                              <p:pRg st="2" end="2"/>
+                                            </p:txEl>
+                                          </p:spTgt>
+                                        </p:tgtEl>
+                                      </p:cBhvr>
+                                    </p:animEffect>
+                                  </p:childTnLst>
+                                </p:cTn>
+                              </p:par>
+                            </p:childTnLst>
+                          </p:cTn>
+                        </p:par>
+                      </p:childTnLst>
+                    </p:cTn>
+                  </p:par>
+                  <p:par>
+                    <p:cTn id="18" fill="hold">
+                      <p:stCondLst>
+                        <p:cond delay="indefinite"/>
+                      </p:stCondLst>
+                      <p:childTnLst>
+                        <p:par>
+                          <p:cTn id="19" fill="hold">
+                            <p:stCondLst>
+                              <p:cond delay="0"/>
+                            </p:stCondLst>
+                            <p:childTnLst>
+                              <p:par>
+                                <p:cTn id="20" presetID="10" presetClass="entr" presetSubtype="0" fill="hold" nodeType="clickEffect">
+                                  <p:stCondLst>
+                                    <p:cond delay="0"/>
+                                  </p:stCondLst>
+                                  <p:childTnLst>
+                                    <p:set>
+                                      <p:cBhvr>
+                                        <p:cTn id="21" dur="1" fill="hold">
+                                          <p:stCondLst>
+                                            <p:cond delay="0"/>
+                                          </p:stCondLst>
+                                        </p:cTn>
+                                        <p:tgtEl>
+                                          <p:spTgt spid="3">
+                                            <p:txEl>
+                                              <p:pRg st="3" end="3"/>
+                                            </p:txEl>
+                                          </p:spTgt>
+                                        </p:tgtEl>
+                                        <p:attrNameLst>
+                                          <p:attrName>style.visibility</p:attrName>
+                                        </p:attrNameLst>
+                                      </p:cBhvr>
+                                      <p:to>
+                                        <p:strVal val="visible"/>
+                                      </p:to>
+                                    </p:set>
+                                    <p:animEffect transition="in" filter="fade">
+                                      <p:cBhvr>
+                                        <p:cTn id="22" dur="500"/>
+                                        <p:tgtEl>
+                                          <p:spTgt spid="3">
+                                            <p:txEl>
+                                              <p:pRg st="3" end="3"/>
+                                            </p:txEl>
+                                          </p:spTgt>
+                                        </p:tgtEl>
+                                      </p:cBhvr>
+                                    </p:animEffect>
+                                  </p:childTnLst>
+                                </p:cTn>
+                              </p:par>
+                            </p:childTnLst>
+                          </p:cTn>
+                        </p:par>
+                      </p:childTnLst>
+                    </p:cTn>
+                  </p:par>
+                  <p:par>
+                    <p:cTn id="23" fill="hold">
+                      <p:stCondLst>
+                        <p:cond delay="indefinite"/>
+                      </p:stCondLst>
+                      <p:childTnLst>
+                        <p:par>
+                          <p:cTn id="24" fill="hold">
+                            <p:stCondLst>
+                              <p:cond delay="0"/>
+                            </p:stCondLst>
+                            <p:childTnLst>
+                              <p:par>
+                                <p:cTn id="25" presetID="10" presetClass="entr" presetSubtype="0" fill="hold" nodeType="clickEffect">
+                                  <p:stCondLst>
+                                    <p:cond delay="0"/>
+                                  </p:stCondLst>
+                                  <p:childTnLst>
+                                    <p:set>
+                                      <p:cBhvr>
+                                        <p:cTn id="26" dur="1" fill="hold">
+                                          <p:stCondLst>
+                                            <p:cond delay="0"/>
+                                          </p:stCondLst>
+                                        </p:cTn>
+                                        <p:tgtEl>
+                                          <p:spTgt spid="3">
+                                            <p:txEl>
+                                              <p:pRg st="4" end="4"/>
+                                            </p:txEl>
+                                          </p:spTgt>
+                                        </p:tgtEl>
+                                        <p:attrNameLst>
+                                          <p:attrName>style.visibility</p:attrName>
+                                        </p:attrNameLst>
+                                      </p:cBhvr>
+                                      <p:to>
+                                        <p:strVal val="visible"/>
+                                      </p:to>
+                                    </p:set>
+                                    <p:animEffect transition="in" filter="fade">
+                                      <p:cBhvr>
+                                        <p:cTn id="27" dur="500"/>
+                                        <p:tgtEl>
+                                          <p:spTgt spid="3">
+                                            <p:txEl>
+                                              <p:pRg st="4" end="4"/>
+                                            </p:txEl>
+                                          </p:spTgt>
+                                        </p:tgtEl>
+                                      </p:cBhvr>
+                                    </p:animEffect>
+                                  </p:childTnLst>
+                                </p:cTn>
+                              </p:par>
+                            </p:childTnLst>
+                          </p:cTn>
+                        </p:par>
+                      </p:childTnLst>
+                    </p:cTn>
+                  </p:par>
+                </p:childTnLst>
+              </p:cTn>
+              <p:prevCondLst>
+                <p:cond evt="onPrev" delay="0">
+                  <p:tgtEl>
+                    <p:sldTgt/>
+                  </p:tgtEl>
+                </p:cond>
+              </p:prevCondLst>
+              <p:nextCondLst>
+                <p:cond evt="onNext" delay="0">
+                  <p:tgtEl>
+                    <p:sldTgt/>
+                  </p:tgtEl>
+                </p:cond>
+              </p:nextCondLst>
+            </p:seq>
+          </p:childTnLst>
+        </p:cTn>
       </p:par>
     </p:tnLst>
   </p:timing>

--- a/angular2/slides/01_Introduction.pptx
+++ b/angular2/slides/01_Introduction.pptx
@@ -285,7 +285,7 @@
               <a:pPr>
                 <a:defRPr/>
               </a:pPr>
-              <a:t>12/15/2015</a:t>
+              <a:t>12/18/2015</a:t>
             </a:fld>
             <a:endParaRPr lang="en-US"/>
           </a:p>
@@ -1895,13 +1895,6 @@
   <p:transition>
     <p:fade/>
   </p:transition>
-  <p:timing>
-    <p:tnLst>
-      <p:par>
-        <p:cTn id="1" dur="indefinite" restart="never" nodeType="tmRoot"/>
-      </p:par>
-    </p:tnLst>
-  </p:timing>
   <p:txStyles>
     <p:titleStyle>
       <a:lvl1pPr marL="342900" indent="-342900" algn="ctr" defTabSz="-13873163" rtl="0" eaLnBrk="1" fontAlgn="base" hangingPunct="1">
@@ -2413,7 +2406,7 @@
           <a:p>
             <a:pPr defTabSz="914400" eaLnBrk="1" hangingPunct="1"/>
             <a:r>
-              <a:rPr lang="en-US" dirty="0" smtClean="0"/>
+              <a:rPr lang="en-US" b="1" dirty="0" smtClean="0"/>
               <a:t>An Introduction To Angular 2</a:t>
             </a:r>
           </a:p>
@@ -2468,13 +2461,6 @@
   <p:transition>
     <p:fade/>
   </p:transition>
-  <p:timing>
-    <p:tnLst>
-      <p:par>
-        <p:cTn id="1" dur="indefinite" restart="never" nodeType="tmRoot"/>
-      </p:par>
-    </p:tnLst>
-  </p:timing>
 </p:sld>
 </file>
 
@@ -2585,13 +2571,6 @@
   <p:transition>
     <p:fade/>
   </p:transition>
-  <p:timing>
-    <p:tnLst>
-      <p:par>
-        <p:cTn id="1" dur="indefinite" restart="never" nodeType="tmRoot"/>
-      </p:par>
-    </p:tnLst>
-  </p:timing>
 </p:sld>
 </file>
 
@@ -2702,13 +2681,6 @@
   <p:transition>
     <p:fade/>
   </p:transition>
-  <p:timing>
-    <p:tnLst>
-      <p:par>
-        <p:cTn id="1" dur="indefinite" restart="never" nodeType="tmRoot"/>
-      </p:par>
-    </p:tnLst>
-  </p:timing>
 </p:sld>
 </file>
 
@@ -4184,13 +4156,6 @@
   <p:transition>
     <p:fade/>
   </p:transition>
-  <p:timing>
-    <p:tnLst>
-      <p:par>
-        <p:cTn id="1" dur="indefinite" restart="never" nodeType="tmRoot"/>
-      </p:par>
-    </p:tnLst>
-  </p:timing>
 </p:sld>
 </file>
 
@@ -4331,13 +4296,6 @@
   <p:transition>
     <p:fade/>
   </p:transition>
-  <p:timing>
-    <p:tnLst>
-      <p:par>
-        <p:cTn id="1" dur="indefinite" restart="never" nodeType="tmRoot"/>
-      </p:par>
-    </p:tnLst>
-  </p:timing>
 </p:sld>
 </file>
 
@@ -4375,15 +4333,7 @@
           <a:p>
             <a:r>
               <a:rPr lang="en-US" dirty="0" smtClean="0"/>
-              <a:t>Angular</a:t>
-            </a:r>
-            <a:r>
-              <a:rPr lang="en-US" dirty="0" smtClean="0"/>
-              <a:t> </a:t>
-            </a:r>
-            <a:r>
-              <a:rPr lang="en-US" dirty="0" smtClean="0"/>
-              <a:t>versus Unobtrusive JavaScript</a:t>
+              <a:t>Angular versus Unobtrusive JavaScript</a:t>
             </a:r>
             <a:endParaRPr lang="en-US" dirty="0"/>
           </a:p>
@@ -4466,13 +4416,6 @@
   <p:transition>
     <p:fade/>
   </p:transition>
-  <p:timing>
-    <p:tnLst>
-      <p:par>
-        <p:cTn id="1" dur="indefinite" restart="never" nodeType="tmRoot"/>
-      </p:par>
-    </p:tnLst>
-  </p:timing>
 </p:sld>
 </file>
 
@@ -4602,13 +4545,6 @@
   <p:transition>
     <p:fade/>
   </p:transition>
-  <p:timing>
-    <p:tnLst>
-      <p:par>
-        <p:cTn id="1" dur="indefinite" restart="never" nodeType="tmRoot"/>
-      </p:par>
-    </p:tnLst>
-  </p:timing>
 </p:sld>
 </file>
 
@@ -4746,13 +4682,6 @@
   <p:transition>
     <p:fade/>
   </p:transition>
-  <p:timing>
-    <p:tnLst>
-      <p:par>
-        <p:cTn id="1" dur="indefinite" restart="never" nodeType="tmRoot"/>
-      </p:par>
-    </p:tnLst>
-  </p:timing>
 </p:sld>
 </file>
 
@@ -4925,13 +4854,6 @@
   <p:transition>
     <p:fade/>
   </p:transition>
-  <p:timing>
-    <p:tnLst>
-      <p:par>
-        <p:cTn id="1" dur="indefinite" restart="never" nodeType="tmRoot"/>
-      </p:par>
-    </p:tnLst>
-  </p:timing>
 </p:sld>
 </file>
 
@@ -5058,13 +4980,6 @@
   <p:transition>
     <p:fade/>
   </p:transition>
-  <p:timing>
-    <p:tnLst>
-      <p:par>
-        <p:cTn id="1" dur="indefinite" restart="never" nodeType="tmRoot"/>
-      </p:par>
-    </p:tnLst>
-  </p:timing>
 </p:sld>
 </file>
 
@@ -5172,13 +5087,6 @@
   <p:transition>
     <p:fade/>
   </p:transition>
-  <p:timing>
-    <p:tnLst>
-      <p:par>
-        <p:cTn id="1" dur="indefinite" restart="never" nodeType="tmRoot"/>
-      </p:par>
-    </p:tnLst>
-  </p:timing>
 </p:sld>
 </file>
 
@@ -5239,11 +5147,7 @@
           <a:p>
             <a:r>
               <a:rPr lang="en-US" dirty="0" smtClean="0"/>
-              <a:t>Angular2 </a:t>
-            </a:r>
-            <a:r>
-              <a:rPr lang="en-US" dirty="0" smtClean="0"/>
-              <a:t>is an application framework</a:t>
+              <a:t>Angular2 is an application framework</a:t>
             </a:r>
           </a:p>
           <a:p>
@@ -5256,17 +5160,8 @@
           <a:p>
             <a:r>
               <a:rPr lang="en-US" dirty="0" smtClean="0"/>
-              <a:t>Extensible</a:t>
-            </a:r>
-            <a:r>
-              <a:rPr lang="en-US" dirty="0" smtClean="0"/>
-              <a:t>, modular, </a:t>
-            </a:r>
-            <a:r>
-              <a:rPr lang="en-US" dirty="0" smtClean="0"/>
-              <a:t>testable</a:t>
-            </a:r>
-            <a:endParaRPr lang="en-US" dirty="0" smtClean="0"/>
+              <a:t>Extensible, modular, testable</a:t>
+            </a:r>
           </a:p>
         </p:txBody>
       </p:sp>
@@ -5324,13 +5219,6 @@
   <p:transition>
     <p:fade/>
   </p:transition>
-  <p:timing>
-    <p:tnLst>
-      <p:par>
-        <p:cTn id="1" dur="indefinite" restart="never" nodeType="tmRoot"/>
-      </p:par>
-    </p:tnLst>
-  </p:timing>
 </p:sld>
 </file>
 
@@ -6379,13 +6267,7 @@
               <a:rPr lang="en-US" sz="2000" dirty="0" smtClean="0">
                 <a:latin typeface="Consolas" panose="020B0609020204030204" pitchFamily="49" charset="0"/>
               </a:rPr>
-              <a:t> reflect-metadata --</a:t>
-            </a:r>
-            <a:r>
-              <a:rPr lang="en-US" sz="2000" dirty="0" smtClean="0">
-                <a:latin typeface="Consolas" panose="020B0609020204030204" pitchFamily="49" charset="0"/>
-              </a:rPr>
-              <a:t>save</a:t>
+              <a:t> reflect-metadata --save</a:t>
             </a:r>
           </a:p>
           <a:p>
@@ -6778,13 +6660,6 @@
   <p:transition>
     <p:fade/>
   </p:transition>
-  <p:timing>
-    <p:tnLst>
-      <p:par>
-        <p:cTn id="1" dur="indefinite" restart="never" nodeType="tmRoot"/>
-      </p:par>
-    </p:tnLst>
-  </p:timing>
 </p:sld>
 </file>
 
@@ -6884,13 +6759,6 @@
   <p:transition>
     <p:fade/>
   </p:transition>
-  <p:timing>
-    <p:tnLst>
-      <p:par>
-        <p:cTn id="1" dur="indefinite" restart="never" nodeType="tmRoot"/>
-      </p:par>
-    </p:tnLst>
-  </p:timing>
 </p:sld>
 </file>
 

--- a/angular2/slides/01_Introduction.pptx
+++ b/angular2/slides/01_Introduction.pptx
@@ -285,7 +285,7 @@
               <a:pPr>
                 <a:defRPr/>
               </a:pPr>
-              <a:t>12/18/2015</a:t>
+              <a:t>1/10/2016</a:t>
             </a:fld>
             <a:endParaRPr lang="en-US"/>
           </a:p>

--- a/angular2/slides/01_Introduction.pptx
+++ b/angular2/slides/01_Introduction.pptx
@@ -15,12 +15,12 @@
     <p:sldId id="329" r:id="rId3"/>
     <p:sldId id="328" r:id="rId4"/>
     <p:sldId id="330" r:id="rId5"/>
-    <p:sldId id="331" r:id="rId6"/>
-    <p:sldId id="332" r:id="rId7"/>
-    <p:sldId id="333" r:id="rId8"/>
-    <p:sldId id="334" r:id="rId9"/>
-    <p:sldId id="335" r:id="rId10"/>
-    <p:sldId id="336" r:id="rId11"/>
+    <p:sldId id="336" r:id="rId6"/>
+    <p:sldId id="331" r:id="rId7"/>
+    <p:sldId id="332" r:id="rId8"/>
+    <p:sldId id="333" r:id="rId9"/>
+    <p:sldId id="334" r:id="rId10"/>
+    <p:sldId id="335" r:id="rId11"/>
     <p:sldId id="337" r:id="rId12"/>
     <p:sldId id="338" r:id="rId13"/>
     <p:sldId id="339" r:id="rId14"/>
@@ -285,7 +285,7 @@
               <a:pPr>
                 <a:defRPr/>
               </a:pPr>
-              <a:t>1/10/2016</a:t>
+              <a:t>6/5/2016</a:t>
             </a:fld>
             <a:endParaRPr lang="en-US"/>
           </a:p>
@@ -559,35 +559,35 @@
           <a:p>
             <a:pPr lvl="0"/>
             <a:r>
-              <a:rPr lang="en-US" noProof="0" smtClean="0"/>
+              <a:rPr lang="en-US" noProof="0"/>
               <a:t>Click to edit Master text styles</a:t>
             </a:r>
           </a:p>
           <a:p>
             <a:pPr lvl="1"/>
             <a:r>
-              <a:rPr lang="en-US" noProof="0" smtClean="0"/>
+              <a:rPr lang="en-US" noProof="0"/>
               <a:t>Second level</a:t>
             </a:r>
           </a:p>
           <a:p>
             <a:pPr lvl="2"/>
             <a:r>
-              <a:rPr lang="en-US" noProof="0" smtClean="0"/>
+              <a:rPr lang="en-US" noProof="0"/>
               <a:t>Third level</a:t>
             </a:r>
           </a:p>
           <a:p>
             <a:pPr lvl="3"/>
             <a:r>
-              <a:rPr lang="en-US" noProof="0" smtClean="0"/>
+              <a:rPr lang="en-US" noProof="0"/>
               <a:t>Fourth level</a:t>
             </a:r>
           </a:p>
           <a:p>
             <a:pPr lvl="4"/>
             <a:r>
-              <a:rPr lang="en-US" noProof="0" smtClean="0"/>
+              <a:rPr lang="en-US" noProof="0"/>
               <a:t>Fifth level</a:t>
             </a:r>
           </a:p>
@@ -868,7 +868,7 @@
               <a:pPr/>
               <a:t>1</a:t>
             </a:fld>
-            <a:endParaRPr lang="en-US" smtClean="0"/>
+            <a:endParaRPr lang="en-US"/>
           </a:p>
         </p:txBody>
       </p:sp>
@@ -909,7 +909,7 @@
           <a:lstStyle/>
           <a:p>
             <a:pPr eaLnBrk="1" hangingPunct="1"/>
-            <a:endParaRPr lang="en-US" smtClean="0"/>
+            <a:endParaRPr lang="en-US"/>
           </a:p>
         </p:txBody>
       </p:sp>
@@ -972,7 +972,7 @@
           </a:lstStyle>
           <a:p>
             <a:r>
-              <a:rPr lang="en-US" smtClean="0"/>
+              <a:rPr lang="en-US"/>
               <a:t>Click to edit Master title style</a:t>
             </a:r>
             <a:endParaRPr lang="en-US" dirty="0"/>
@@ -1008,7 +1008,7 @@
           </a:lstStyle>
           <a:p>
             <a:r>
-              <a:rPr lang="en-US" smtClean="0"/>
+              <a:rPr lang="en-US"/>
               <a:t>Click to edit Master subtitle style</a:t>
             </a:r>
             <a:endParaRPr lang="en-US" dirty="0"/>
@@ -1096,7 +1096,7 @@
           </a:lstStyle>
           <a:p>
             <a:r>
-              <a:rPr lang="en-US" smtClean="0"/>
+              <a:rPr lang="en-US"/>
               <a:t>Click to edit Master title style</a:t>
             </a:r>
             <a:endParaRPr lang="en-US" dirty="0"/>
@@ -1161,35 +1161,35 @@
           <a:p>
             <a:pPr lvl="0"/>
             <a:r>
-              <a:rPr lang="en-US" smtClean="0"/>
+              <a:rPr lang="en-US"/>
               <a:t>Click to edit Master text styles</a:t>
             </a:r>
           </a:p>
           <a:p>
             <a:pPr lvl="1"/>
             <a:r>
-              <a:rPr lang="en-US" smtClean="0"/>
+              <a:rPr lang="en-US"/>
               <a:t>Second level</a:t>
             </a:r>
           </a:p>
           <a:p>
             <a:pPr lvl="2"/>
             <a:r>
-              <a:rPr lang="en-US" smtClean="0"/>
+              <a:rPr lang="en-US"/>
               <a:t>Third level</a:t>
             </a:r>
           </a:p>
           <a:p>
             <a:pPr lvl="3"/>
             <a:r>
-              <a:rPr lang="en-US" smtClean="0"/>
+              <a:rPr lang="en-US"/>
               <a:t>Fourth level</a:t>
             </a:r>
           </a:p>
           <a:p>
             <a:pPr lvl="4"/>
             <a:r>
-              <a:rPr lang="en-US" smtClean="0"/>
+              <a:rPr lang="en-US"/>
               <a:t>Fifth level</a:t>
             </a:r>
             <a:endParaRPr lang="en-US" dirty="0"/>
@@ -1253,10 +1253,9 @@
           </a:lstStyle>
           <a:p>
             <a:r>
-              <a:rPr lang="en-US" dirty="0" smtClean="0"/>
+              <a:rPr lang="en-US" dirty="0"/>
               <a:t>References</a:t>
             </a:r>
-            <a:endParaRPr lang="en-US" dirty="0"/>
           </a:p>
         </p:txBody>
       </p:sp>
@@ -1318,35 +1317,35 @@
           <a:p>
             <a:pPr lvl="0"/>
             <a:r>
-              <a:rPr lang="en-US" smtClean="0"/>
+              <a:rPr lang="en-US"/>
               <a:t>Click to edit Master text styles</a:t>
             </a:r>
           </a:p>
           <a:p>
             <a:pPr lvl="1"/>
             <a:r>
-              <a:rPr lang="en-US" smtClean="0"/>
+              <a:rPr lang="en-US"/>
               <a:t>Second level</a:t>
             </a:r>
           </a:p>
           <a:p>
             <a:pPr lvl="2"/>
             <a:r>
-              <a:rPr lang="en-US" smtClean="0"/>
+              <a:rPr lang="en-US"/>
               <a:t>Third level</a:t>
             </a:r>
           </a:p>
           <a:p>
             <a:pPr lvl="3"/>
             <a:r>
-              <a:rPr lang="en-US" smtClean="0"/>
+              <a:rPr lang="en-US"/>
               <a:t>Fourth level</a:t>
             </a:r>
           </a:p>
           <a:p>
             <a:pPr lvl="4"/>
             <a:r>
-              <a:rPr lang="en-US" smtClean="0"/>
+              <a:rPr lang="en-US"/>
               <a:t>Fifth level</a:t>
             </a:r>
             <a:endParaRPr lang="en-US" dirty="0"/>
@@ -1402,10 +1401,9 @@
           <a:lstStyle/>
           <a:p>
             <a:r>
-              <a:rPr lang="en-US" smtClean="0"/>
+              <a:rPr lang="en-US"/>
               <a:t>Click to edit Master title style</a:t>
             </a:r>
-            <a:endParaRPr lang="en-US"/>
           </a:p>
         </p:txBody>
       </p:sp>
@@ -1446,7 +1444,7 @@
           <a:p>
             <a:pPr lvl="0"/>
             <a:r>
-              <a:rPr lang="en-US" smtClean="0"/>
+              <a:rPr lang="en-US"/>
               <a:t>Click to edit Master text styles</a:t>
             </a:r>
           </a:p>
@@ -1501,10 +1499,9 @@
           <a:lstStyle/>
           <a:p>
             <a:r>
-              <a:rPr lang="en-US" smtClean="0"/>
+              <a:rPr lang="en-US"/>
               <a:t>Click to edit Master title style</a:t>
             </a:r>
-            <a:endParaRPr lang="en-US"/>
           </a:p>
         </p:txBody>
       </p:sp>
@@ -1557,10 +1554,9 @@
           <a:lstStyle/>
           <a:p>
             <a:r>
-              <a:rPr lang="en-US" smtClean="0"/>
+              <a:rPr lang="en-US"/>
               <a:t>Click to edit Master title style</a:t>
             </a:r>
-            <a:endParaRPr lang="en-US"/>
           </a:p>
         </p:txBody>
       </p:sp>
@@ -1601,7 +1597,7 @@
           <a:p>
             <a:pPr lvl="0"/>
             <a:r>
-              <a:rPr lang="en-US" smtClean="0"/>
+              <a:rPr lang="en-US"/>
               <a:t>Click to edit Master text styles</a:t>
             </a:r>
           </a:p>
@@ -1651,10 +1647,9 @@
           <a:lstStyle/>
           <a:p>
             <a:r>
-              <a:rPr lang="en-US" smtClean="0"/>
+              <a:rPr lang="en-US"/>
               <a:t>Click to edit Master title style</a:t>
             </a:r>
-            <a:endParaRPr lang="en-US"/>
           </a:p>
         </p:txBody>
       </p:sp>
@@ -1730,35 +1725,35 @@
           <a:p>
             <a:pPr lvl="0"/>
             <a:r>
-              <a:rPr lang="en-US" smtClean="0"/>
+              <a:rPr lang="en-US"/>
               <a:t>Click to edit Master text styles</a:t>
             </a:r>
           </a:p>
           <a:p>
             <a:pPr lvl="1"/>
             <a:r>
-              <a:rPr lang="en-US" smtClean="0"/>
+              <a:rPr lang="en-US"/>
               <a:t>Second level</a:t>
             </a:r>
           </a:p>
           <a:p>
             <a:pPr lvl="2"/>
             <a:r>
-              <a:rPr lang="en-US" smtClean="0"/>
+              <a:rPr lang="en-US"/>
               <a:t>Third level</a:t>
             </a:r>
           </a:p>
           <a:p>
             <a:pPr lvl="3"/>
             <a:r>
-              <a:rPr lang="en-US" smtClean="0"/>
+              <a:rPr lang="en-US"/>
               <a:t>Fourth level</a:t>
             </a:r>
           </a:p>
           <a:p>
             <a:pPr lvl="4"/>
             <a:r>
-              <a:rPr lang="en-US" smtClean="0"/>
+              <a:rPr lang="en-US"/>
               <a:t>Fifth level</a:t>
             </a:r>
           </a:p>
@@ -1800,7 +1795,7 @@
           <a:p>
             <a:pPr lvl="0"/>
             <a:r>
-              <a:rPr lang="en-US" smtClean="0"/>
+              <a:rPr lang="en-US"/>
               <a:t>Click to edit Master title style</a:t>
             </a:r>
           </a:p>
@@ -2406,7 +2401,7 @@
           <a:p>
             <a:pPr defTabSz="914400" eaLnBrk="1" hangingPunct="1"/>
             <a:r>
-              <a:rPr lang="en-US" b="1" dirty="0" smtClean="0"/>
+              <a:rPr lang="en-US" b="1" dirty="0"/>
               <a:t>An Introduction To Angular 2</a:t>
             </a:r>
           </a:p>
@@ -2497,10 +2492,9 @@
           <a:lstStyle/>
           <a:p>
             <a:r>
-              <a:rPr lang="en-US" dirty="0" smtClean="0"/>
-              <a:t>Components</a:t>
-            </a:r>
-            <a:endParaRPr lang="en-US" dirty="0"/>
+              <a:rPr lang="en-US" dirty="0"/>
+              <a:t>Directives</a:t>
+            </a:r>
           </a:p>
         </p:txBody>
       </p:sp>
@@ -2520,16 +2514,39 @@
           <a:lstStyle/>
           <a:p>
             <a:r>
-              <a:rPr lang="en-US" dirty="0" smtClean="0"/>
-              <a:t>Components include a template</a:t>
+              <a:rPr lang="en-US" dirty="0"/>
+              <a:t>Directives extend HTML</a:t>
             </a:r>
           </a:p>
           <a:p>
             <a:pPr lvl="1"/>
             <a:r>
-              <a:rPr lang="en-US" dirty="0" smtClean="0"/>
-              <a:t>Like directives, can customize HTML</a:t>
-            </a:r>
+              <a:rPr lang="en-US" dirty="0"/>
+              <a:t>Add behavior or change the appearance of the DOM</a:t>
+            </a:r>
+          </a:p>
+          <a:p>
+            <a:pPr lvl="1"/>
+            <a:r>
+              <a:rPr lang="en-US" dirty="0"/>
+              <a:t>Angular compiles markup to process directives</a:t>
+            </a:r>
+          </a:p>
+          <a:p>
+            <a:r>
+              <a:rPr lang="en-US" dirty="0"/>
+              <a:t>You can build your own directives</a:t>
+            </a:r>
+          </a:p>
+          <a:p>
+            <a:pPr lvl="1"/>
+            <a:r>
+              <a:rPr lang="en-US" dirty="0"/>
+              <a:t>In fact, this is encouraged</a:t>
+            </a:r>
+          </a:p>
+          <a:p>
+            <a:pPr lvl="1"/>
             <a:endParaRPr lang="en-US" dirty="0"/>
           </a:p>
         </p:txBody>
@@ -2550,8 +2567,8 @@
         </p:blipFill>
         <p:spPr>
           <a:xfrm>
-            <a:off x="1600200" y="2286000"/>
-            <a:ext cx="5286375" cy="4324350"/>
+            <a:off x="1295400" y="3657600"/>
+            <a:ext cx="6029854" cy="2019300"/>
           </a:xfrm>
           <a:prstGeom prst="rect">
             <a:avLst/>
@@ -2561,7 +2578,7 @@
     </p:spTree>
     <p:extLst>
       <p:ext uri="{BB962C8B-B14F-4D97-AF65-F5344CB8AC3E}">
-        <p14:creationId xmlns:p14="http://schemas.microsoft.com/office/powerpoint/2010/main" val="308947159"/>
+        <p14:creationId xmlns:p14="http://schemas.microsoft.com/office/powerpoint/2010/main" val="318770962"/>
       </p:ext>
     </p:extLst>
   </p:cSld>
@@ -2571,6 +2588,341 @@
   <p:transition>
     <p:fade/>
   </p:transition>
+  <p:timing>
+    <p:tnLst>
+      <p:par>
+        <p:cTn id="1" dur="indefinite" restart="never" nodeType="tmRoot">
+          <p:childTnLst>
+            <p:seq concurrent="1" nextAc="seek">
+              <p:cTn id="2" dur="indefinite" nodeType="mainSeq">
+                <p:childTnLst>
+                  <p:par>
+                    <p:cTn id="3" fill="hold">
+                      <p:stCondLst>
+                        <p:cond delay="indefinite"/>
+                      </p:stCondLst>
+                      <p:childTnLst>
+                        <p:par>
+                          <p:cTn id="4" fill="hold">
+                            <p:stCondLst>
+                              <p:cond delay="0"/>
+                            </p:stCondLst>
+                            <p:childTnLst>
+                              <p:par>
+                                <p:cTn id="5" presetID="10" presetClass="entr" presetSubtype="0" fill="hold" nodeType="clickEffect">
+                                  <p:stCondLst>
+                                    <p:cond delay="0"/>
+                                  </p:stCondLst>
+                                  <p:childTnLst>
+                                    <p:set>
+                                      <p:cBhvr>
+                                        <p:cTn id="6" dur="1" fill="hold">
+                                          <p:stCondLst>
+                                            <p:cond delay="0"/>
+                                          </p:stCondLst>
+                                        </p:cTn>
+                                        <p:tgtEl>
+                                          <p:spTgt spid="3">
+                                            <p:txEl>
+                                              <p:pRg st="0" end="0"/>
+                                            </p:txEl>
+                                          </p:spTgt>
+                                        </p:tgtEl>
+                                        <p:attrNameLst>
+                                          <p:attrName>style.visibility</p:attrName>
+                                        </p:attrNameLst>
+                                      </p:cBhvr>
+                                      <p:to>
+                                        <p:strVal val="visible"/>
+                                      </p:to>
+                                    </p:set>
+                                    <p:animEffect transition="in" filter="fade">
+                                      <p:cBhvr>
+                                        <p:cTn id="7" dur="500"/>
+                                        <p:tgtEl>
+                                          <p:spTgt spid="3">
+                                            <p:txEl>
+                                              <p:pRg st="0" end="0"/>
+                                            </p:txEl>
+                                          </p:spTgt>
+                                        </p:tgtEl>
+                                      </p:cBhvr>
+                                    </p:animEffect>
+                                  </p:childTnLst>
+                                </p:cTn>
+                              </p:par>
+                            </p:childTnLst>
+                          </p:cTn>
+                        </p:par>
+                      </p:childTnLst>
+                    </p:cTn>
+                  </p:par>
+                  <p:par>
+                    <p:cTn id="8" fill="hold">
+                      <p:stCondLst>
+                        <p:cond delay="indefinite"/>
+                      </p:stCondLst>
+                      <p:childTnLst>
+                        <p:par>
+                          <p:cTn id="9" fill="hold">
+                            <p:stCondLst>
+                              <p:cond delay="0"/>
+                            </p:stCondLst>
+                            <p:childTnLst>
+                              <p:par>
+                                <p:cTn id="10" presetID="10" presetClass="entr" presetSubtype="0" fill="hold" nodeType="clickEffect">
+                                  <p:stCondLst>
+                                    <p:cond delay="0"/>
+                                  </p:stCondLst>
+                                  <p:childTnLst>
+                                    <p:set>
+                                      <p:cBhvr>
+                                        <p:cTn id="11" dur="1" fill="hold">
+                                          <p:stCondLst>
+                                            <p:cond delay="0"/>
+                                          </p:stCondLst>
+                                        </p:cTn>
+                                        <p:tgtEl>
+                                          <p:spTgt spid="3">
+                                            <p:txEl>
+                                              <p:pRg st="1" end="1"/>
+                                            </p:txEl>
+                                          </p:spTgt>
+                                        </p:tgtEl>
+                                        <p:attrNameLst>
+                                          <p:attrName>style.visibility</p:attrName>
+                                        </p:attrNameLst>
+                                      </p:cBhvr>
+                                      <p:to>
+                                        <p:strVal val="visible"/>
+                                      </p:to>
+                                    </p:set>
+                                    <p:animEffect transition="in" filter="fade">
+                                      <p:cBhvr>
+                                        <p:cTn id="12" dur="500"/>
+                                        <p:tgtEl>
+                                          <p:spTgt spid="3">
+                                            <p:txEl>
+                                              <p:pRg st="1" end="1"/>
+                                            </p:txEl>
+                                          </p:spTgt>
+                                        </p:tgtEl>
+                                      </p:cBhvr>
+                                    </p:animEffect>
+                                  </p:childTnLst>
+                                </p:cTn>
+                              </p:par>
+                            </p:childTnLst>
+                          </p:cTn>
+                        </p:par>
+                      </p:childTnLst>
+                    </p:cTn>
+                  </p:par>
+                  <p:par>
+                    <p:cTn id="13" fill="hold">
+                      <p:stCondLst>
+                        <p:cond delay="indefinite"/>
+                      </p:stCondLst>
+                      <p:childTnLst>
+                        <p:par>
+                          <p:cTn id="14" fill="hold">
+                            <p:stCondLst>
+                              <p:cond delay="0"/>
+                            </p:stCondLst>
+                            <p:childTnLst>
+                              <p:par>
+                                <p:cTn id="15" presetID="10" presetClass="entr" presetSubtype="0" fill="hold" nodeType="clickEffect">
+                                  <p:stCondLst>
+                                    <p:cond delay="0"/>
+                                  </p:stCondLst>
+                                  <p:childTnLst>
+                                    <p:set>
+                                      <p:cBhvr>
+                                        <p:cTn id="16" dur="1" fill="hold">
+                                          <p:stCondLst>
+                                            <p:cond delay="0"/>
+                                          </p:stCondLst>
+                                        </p:cTn>
+                                        <p:tgtEl>
+                                          <p:spTgt spid="3">
+                                            <p:txEl>
+                                              <p:pRg st="2" end="2"/>
+                                            </p:txEl>
+                                          </p:spTgt>
+                                        </p:tgtEl>
+                                        <p:attrNameLst>
+                                          <p:attrName>style.visibility</p:attrName>
+                                        </p:attrNameLst>
+                                      </p:cBhvr>
+                                      <p:to>
+                                        <p:strVal val="visible"/>
+                                      </p:to>
+                                    </p:set>
+                                    <p:animEffect transition="in" filter="fade">
+                                      <p:cBhvr>
+                                        <p:cTn id="17" dur="500"/>
+                                        <p:tgtEl>
+                                          <p:spTgt spid="3">
+                                            <p:txEl>
+                                              <p:pRg st="2" end="2"/>
+                                            </p:txEl>
+                                          </p:spTgt>
+                                        </p:tgtEl>
+                                      </p:cBhvr>
+                                    </p:animEffect>
+                                  </p:childTnLst>
+                                </p:cTn>
+                              </p:par>
+                            </p:childTnLst>
+                          </p:cTn>
+                        </p:par>
+                      </p:childTnLst>
+                    </p:cTn>
+                  </p:par>
+                  <p:par>
+                    <p:cTn id="18" fill="hold">
+                      <p:stCondLst>
+                        <p:cond delay="indefinite"/>
+                      </p:stCondLst>
+                      <p:childTnLst>
+                        <p:par>
+                          <p:cTn id="19" fill="hold">
+                            <p:stCondLst>
+                              <p:cond delay="0"/>
+                            </p:stCondLst>
+                            <p:childTnLst>
+                              <p:par>
+                                <p:cTn id="20" presetID="10" presetClass="entr" presetSubtype="0" fill="hold" nodeType="clickEffect">
+                                  <p:stCondLst>
+                                    <p:cond delay="0"/>
+                                  </p:stCondLst>
+                                  <p:childTnLst>
+                                    <p:set>
+                                      <p:cBhvr>
+                                        <p:cTn id="21" dur="1" fill="hold">
+                                          <p:stCondLst>
+                                            <p:cond delay="0"/>
+                                          </p:stCondLst>
+                                        </p:cTn>
+                                        <p:tgtEl>
+                                          <p:spTgt spid="3">
+                                            <p:txEl>
+                                              <p:pRg st="3" end="3"/>
+                                            </p:txEl>
+                                          </p:spTgt>
+                                        </p:tgtEl>
+                                        <p:attrNameLst>
+                                          <p:attrName>style.visibility</p:attrName>
+                                        </p:attrNameLst>
+                                      </p:cBhvr>
+                                      <p:to>
+                                        <p:strVal val="visible"/>
+                                      </p:to>
+                                    </p:set>
+                                    <p:animEffect transition="in" filter="fade">
+                                      <p:cBhvr>
+                                        <p:cTn id="22" dur="500"/>
+                                        <p:tgtEl>
+                                          <p:spTgt spid="3">
+                                            <p:txEl>
+                                              <p:pRg st="3" end="3"/>
+                                            </p:txEl>
+                                          </p:spTgt>
+                                        </p:tgtEl>
+                                      </p:cBhvr>
+                                    </p:animEffect>
+                                  </p:childTnLst>
+                                </p:cTn>
+                              </p:par>
+                            </p:childTnLst>
+                          </p:cTn>
+                        </p:par>
+                      </p:childTnLst>
+                    </p:cTn>
+                  </p:par>
+                  <p:par>
+                    <p:cTn id="23" fill="hold">
+                      <p:stCondLst>
+                        <p:cond delay="indefinite"/>
+                      </p:stCondLst>
+                      <p:childTnLst>
+                        <p:par>
+                          <p:cTn id="24" fill="hold">
+                            <p:stCondLst>
+                              <p:cond delay="0"/>
+                            </p:stCondLst>
+                            <p:childTnLst>
+                              <p:par>
+                                <p:cTn id="25" presetID="10" presetClass="entr" presetSubtype="0" fill="hold" nodeType="clickEffect">
+                                  <p:stCondLst>
+                                    <p:cond delay="0"/>
+                                  </p:stCondLst>
+                                  <p:childTnLst>
+                                    <p:set>
+                                      <p:cBhvr>
+                                        <p:cTn id="26" dur="1" fill="hold">
+                                          <p:stCondLst>
+                                            <p:cond delay="0"/>
+                                          </p:stCondLst>
+                                        </p:cTn>
+                                        <p:tgtEl>
+                                          <p:spTgt spid="3">
+                                            <p:txEl>
+                                              <p:pRg st="4" end="4"/>
+                                            </p:txEl>
+                                          </p:spTgt>
+                                        </p:tgtEl>
+                                        <p:attrNameLst>
+                                          <p:attrName>style.visibility</p:attrName>
+                                        </p:attrNameLst>
+                                      </p:cBhvr>
+                                      <p:to>
+                                        <p:strVal val="visible"/>
+                                      </p:to>
+                                    </p:set>
+                                    <p:animEffect transition="in" filter="fade">
+                                      <p:cBhvr>
+                                        <p:cTn id="27" dur="500"/>
+                                        <p:tgtEl>
+                                          <p:spTgt spid="3">
+                                            <p:txEl>
+                                              <p:pRg st="4" end="4"/>
+                                            </p:txEl>
+                                          </p:spTgt>
+                                        </p:tgtEl>
+                                      </p:cBhvr>
+                                    </p:animEffect>
+                                  </p:childTnLst>
+                                </p:cTn>
+                              </p:par>
+                            </p:childTnLst>
+                          </p:cTn>
+                        </p:par>
+                      </p:childTnLst>
+                    </p:cTn>
+                  </p:par>
+                </p:childTnLst>
+              </p:cTn>
+              <p:prevCondLst>
+                <p:cond evt="onPrev" delay="0">
+                  <p:tgtEl>
+                    <p:sldTgt/>
+                  </p:tgtEl>
+                </p:cond>
+              </p:prevCondLst>
+              <p:nextCondLst>
+                <p:cond evt="onNext" delay="0">
+                  <p:tgtEl>
+                    <p:sldTgt/>
+                  </p:tgtEl>
+                </p:cond>
+              </p:nextCondLst>
+            </p:seq>
+          </p:childTnLst>
+        </p:cTn>
+      </p:par>
+    </p:tnLst>
+  </p:timing>
 </p:sld>
 </file>
 
@@ -2607,10 +2959,9 @@
           <a:lstStyle/>
           <a:p>
             <a:r>
-              <a:rPr lang="en-US" dirty="0" smtClean="0"/>
+              <a:rPr lang="en-US" dirty="0"/>
               <a:t>Templates</a:t>
             </a:r>
-            <a:endParaRPr lang="en-US" dirty="0"/>
           </a:p>
         </p:txBody>
       </p:sp>
@@ -2630,17 +2981,16 @@
           <a:lstStyle/>
           <a:p>
             <a:r>
-              <a:rPr lang="en-US" dirty="0" smtClean="0"/>
+              <a:rPr lang="en-US" dirty="0"/>
               <a:t>Responsible for presenting the model</a:t>
             </a:r>
           </a:p>
           <a:p>
             <a:pPr lvl="1"/>
             <a:r>
-              <a:rPr lang="en-US" dirty="0" smtClean="0"/>
+              <a:rPr lang="en-US" dirty="0"/>
               <a:t>Using directives and {{ interpolation }}</a:t>
             </a:r>
-            <a:endParaRPr lang="en-US" dirty="0"/>
           </a:p>
         </p:txBody>
       </p:sp>
@@ -2717,10 +3067,9 @@
           <a:lstStyle/>
           <a:p>
             <a:r>
-              <a:rPr lang="en-US" dirty="0" smtClean="0"/>
+              <a:rPr lang="en-US" dirty="0"/>
               <a:t>Models</a:t>
             </a:r>
-            <a:endParaRPr lang="en-US" dirty="0"/>
           </a:p>
         </p:txBody>
       </p:sp>
@@ -2740,16 +3089,15 @@
           <a:lstStyle/>
           <a:p>
             <a:r>
-              <a:rPr lang="en-US" dirty="0" smtClean="0"/>
+              <a:rPr lang="en-US" dirty="0"/>
               <a:t>Plain Old JavaScript (2015)</a:t>
             </a:r>
           </a:p>
           <a:p>
             <a:r>
-              <a:rPr lang="en-US" dirty="0" smtClean="0"/>
+              <a:rPr lang="en-US" dirty="0"/>
               <a:t>Component fields exposed for binding</a:t>
             </a:r>
-            <a:endParaRPr lang="en-US" dirty="0"/>
           </a:p>
         </p:txBody>
       </p:sp>
@@ -2909,10 +3257,9 @@
           <a:lstStyle/>
           <a:p>
             <a:r>
-              <a:rPr lang="en-US" dirty="0" smtClean="0"/>
+              <a:rPr lang="en-US" dirty="0"/>
               <a:t>Essence</a:t>
             </a:r>
-            <a:endParaRPr lang="en-US" dirty="0"/>
           </a:p>
         </p:txBody>
       </p:sp>
@@ -2932,30 +3279,29 @@
           <a:lstStyle/>
           <a:p>
             <a:r>
-              <a:rPr lang="en-US" dirty="0" smtClean="0"/>
+              <a:rPr lang="en-US" dirty="0"/>
               <a:t>Components</a:t>
             </a:r>
           </a:p>
           <a:p>
             <a:pPr lvl="1"/>
             <a:r>
-              <a:rPr lang="en-US" dirty="0" smtClean="0"/>
+              <a:rPr lang="en-US" dirty="0"/>
               <a:t>No direct DOM manipulation</a:t>
             </a:r>
           </a:p>
           <a:p>
             <a:r>
-              <a:rPr lang="en-US" dirty="0" smtClean="0"/>
+              <a:rPr lang="en-US" dirty="0"/>
               <a:t>Templates</a:t>
             </a:r>
           </a:p>
           <a:p>
             <a:pPr lvl="1"/>
             <a:r>
-              <a:rPr lang="en-US" dirty="0" smtClean="0"/>
+              <a:rPr lang="en-US" dirty="0"/>
               <a:t>No serious model manipulation</a:t>
             </a:r>
-            <a:endParaRPr lang="en-US" dirty="0"/>
           </a:p>
         </p:txBody>
       </p:sp>
@@ -3000,7 +3346,7 @@
           <a:p>
             <a:pPr algn="ctr"/>
             <a:r>
-              <a:rPr lang="en-US" sz="2000" dirty="0" smtClean="0">
+              <a:rPr lang="en-US" sz="2000" dirty="0">
                 <a:solidFill>
                   <a:schemeClr val="tx1"/>
                 </a:solidFill>
@@ -3008,12 +3354,6 @@
               </a:rPr>
               <a:t>&lt;template&gt;</a:t>
             </a:r>
-            <a:endParaRPr lang="en-US" sz="2000" dirty="0">
-              <a:solidFill>
-                <a:schemeClr val="tx1"/>
-              </a:solidFill>
-              <a:latin typeface="Tekton Pro" pitchFamily="34" charset="0"/>
-            </a:endParaRPr>
           </a:p>
         </p:txBody>
       </p:sp>
@@ -3058,7 +3398,7 @@
           <a:p>
             <a:pPr algn="ctr"/>
             <a:r>
-              <a:rPr lang="en-US" sz="2000" dirty="0" smtClean="0">
+              <a:rPr lang="en-US" sz="2000" dirty="0">
                 <a:solidFill>
                   <a:schemeClr val="tx1"/>
                 </a:solidFill>
@@ -3066,12 +3406,6 @@
               </a:rPr>
               <a:t>@Component</a:t>
             </a:r>
-            <a:endParaRPr lang="en-US" sz="2000" dirty="0">
-              <a:solidFill>
-                <a:schemeClr val="tx1"/>
-              </a:solidFill>
-              <a:latin typeface="Tekton Pro" pitchFamily="34" charset="0"/>
-            </a:endParaRPr>
           </a:p>
         </p:txBody>
       </p:sp>
@@ -3116,14 +3450,11 @@
           <a:p>
             <a:pPr algn="ctr"/>
             <a:r>
-              <a:rPr lang="en-US" sz="2000" dirty="0" smtClean="0">
+              <a:rPr lang="en-US" sz="2000" dirty="0">
                 <a:latin typeface="Tekton Pro" pitchFamily="34" charset="0"/>
               </a:rPr>
               <a:t>properties</a:t>
             </a:r>
-            <a:endParaRPr lang="en-US" sz="2000" dirty="0">
-              <a:latin typeface="Tekton Pro" pitchFamily="34" charset="0"/>
-            </a:endParaRPr>
           </a:p>
         </p:txBody>
       </p:sp>
@@ -3168,14 +3499,11 @@
           <a:p>
             <a:pPr algn="ctr"/>
             <a:r>
-              <a:rPr lang="en-US" sz="2000" dirty="0" smtClean="0">
+              <a:rPr lang="en-US" sz="2000" dirty="0">
                 <a:latin typeface="Tekton Pro" pitchFamily="34" charset="0"/>
               </a:rPr>
               <a:t>events</a:t>
             </a:r>
-            <a:endParaRPr lang="en-US" sz="2000" dirty="0">
-              <a:latin typeface="Tekton Pro" pitchFamily="34" charset="0"/>
-            </a:endParaRPr>
           </a:p>
         </p:txBody>
       </p:sp>
@@ -3684,10 +4012,9 @@
           <a:lstStyle/>
           <a:p>
             <a:r>
-              <a:rPr lang="en-US" dirty="0" smtClean="0"/>
+              <a:rPr lang="en-US" dirty="0"/>
               <a:t>Template Syntax</a:t>
             </a:r>
-            <a:endParaRPr lang="en-US" dirty="0"/>
           </a:p>
         </p:txBody>
       </p:sp>
@@ -3707,38 +4034,38 @@
           <a:lstStyle/>
           <a:p>
             <a:r>
-              <a:rPr lang="en-US" dirty="0" smtClean="0"/>
+              <a:rPr lang="en-US" dirty="0"/>
               <a:t>Display text using {{expressions}}</a:t>
             </a:r>
           </a:p>
           <a:p>
             <a:r>
-              <a:rPr lang="en-US" dirty="0" smtClean="0"/>
+              <a:rPr lang="en-US" dirty="0"/>
               <a:t>Set properties using [expressions]</a:t>
             </a:r>
           </a:p>
           <a:p>
             <a:r>
-              <a:rPr lang="en-US" dirty="0" smtClean="0"/>
+              <a:rPr lang="en-US" dirty="0"/>
               <a:t>Handle events using (expressions)</a:t>
             </a:r>
           </a:p>
           <a:p>
             <a:pPr lvl="1"/>
             <a:r>
-              <a:rPr lang="en-US" dirty="0" smtClean="0"/>
+              <a:rPr lang="en-US" dirty="0"/>
               <a:t>[] () deal with properties, not attributes</a:t>
             </a:r>
           </a:p>
           <a:p>
             <a:pPr lvl="1"/>
             <a:r>
-              <a:rPr lang="en-US" dirty="0" smtClean="0"/>
+              <a:rPr lang="en-US" dirty="0"/>
               <a:t>Expressions limit side effects and global scope</a:t>
             </a:r>
           </a:p>
           <a:p>
-            <a:endParaRPr lang="en-US" dirty="0" smtClean="0"/>
+            <a:endParaRPr lang="en-US" dirty="0"/>
           </a:p>
         </p:txBody>
       </p:sp>
@@ -4089,10 +4416,9 @@
           <a:lstStyle/>
           <a:p>
             <a:r>
-              <a:rPr lang="en-US" dirty="0" smtClean="0"/>
+              <a:rPr lang="en-US" dirty="0"/>
               <a:t>Inputs</a:t>
             </a:r>
-            <a:endParaRPr lang="en-US" dirty="0"/>
           </a:p>
         </p:txBody>
       </p:sp>
@@ -4112,10 +4438,9 @@
           <a:lstStyle/>
           <a:p>
             <a:r>
-              <a:rPr lang="en-US" dirty="0" smtClean="0"/>
+              <a:rPr lang="en-US" dirty="0"/>
               <a:t>Two way data binding and change notification</a:t>
             </a:r>
-            <a:endParaRPr lang="en-US" dirty="0"/>
           </a:p>
         </p:txBody>
       </p:sp>
@@ -4192,10 +4517,9 @@
           <a:lstStyle/>
           <a:p>
             <a:r>
-              <a:rPr lang="en-US" dirty="0" smtClean="0"/>
+              <a:rPr lang="en-US" dirty="0"/>
               <a:t>Forms</a:t>
             </a:r>
-            <a:endParaRPr lang="en-US" dirty="0"/>
           </a:p>
         </p:txBody>
       </p:sp>
@@ -4215,44 +4539,44 @@
           <a:lstStyle/>
           <a:p>
             <a:r>
-              <a:rPr lang="en-US" dirty="0" smtClean="0"/>
+              <a:rPr lang="en-US" dirty="0"/>
               <a:t>Support for validation and dirty flags</a:t>
             </a:r>
           </a:p>
           <a:p>
             <a:r>
-              <a:rPr lang="en-US" dirty="0" smtClean="0"/>
+              <a:rPr lang="en-US" dirty="0"/>
               <a:t>Use </a:t>
             </a:r>
             <a:r>
-              <a:rPr lang="en-US" dirty="0" err="1" smtClean="0"/>
+              <a:rPr lang="en-US" dirty="0" err="1"/>
               <a:t>ngModel</a:t>
             </a:r>
             <a:r>
-              <a:rPr lang="en-US" dirty="0" smtClean="0"/>
+              <a:rPr lang="en-US" dirty="0"/>
               <a:t> in combination with:</a:t>
             </a:r>
           </a:p>
           <a:p>
             <a:pPr lvl="1"/>
             <a:r>
-              <a:rPr lang="en-US" dirty="0" err="1" smtClean="0"/>
+              <a:rPr lang="en-US" dirty="0" err="1"/>
               <a:t>ngSubmit</a:t>
             </a:r>
-            <a:endParaRPr lang="en-US" dirty="0" smtClean="0"/>
+            <a:endParaRPr lang="en-US" dirty="0"/>
           </a:p>
           <a:p>
             <a:pPr lvl="1"/>
             <a:r>
-              <a:rPr lang="en-US" dirty="0" err="1" smtClean="0"/>
+              <a:rPr lang="en-US" dirty="0" err="1"/>
               <a:t>ngControl</a:t>
             </a:r>
-            <a:endParaRPr lang="en-US" dirty="0" smtClean="0"/>
+            <a:endParaRPr lang="en-US" dirty="0"/>
           </a:p>
           <a:p>
             <a:pPr lvl="1"/>
             <a:r>
-              <a:rPr lang="en-US" dirty="0" err="1" smtClean="0"/>
+              <a:rPr lang="en-US" dirty="0" err="1"/>
               <a:t>ngForm</a:t>
             </a:r>
             <a:endParaRPr lang="en-US" dirty="0"/>
@@ -4332,10 +4656,9 @@
           <a:lstStyle/>
           <a:p>
             <a:r>
-              <a:rPr lang="en-US" dirty="0" smtClean="0"/>
+              <a:rPr lang="en-US" dirty="0"/>
               <a:t>Angular versus Unobtrusive JavaScript</a:t>
             </a:r>
-            <a:endParaRPr lang="en-US" dirty="0"/>
           </a:p>
         </p:txBody>
       </p:sp>
@@ -4355,24 +4678,24 @@
           <a:lstStyle/>
           <a:p>
             <a:r>
-              <a:rPr lang="en-US" dirty="0" smtClean="0"/>
+              <a:rPr lang="en-US" dirty="0"/>
               <a:t>Everyone is using JavaScript</a:t>
             </a:r>
           </a:p>
           <a:p>
             <a:r>
-              <a:rPr lang="en-US" dirty="0" smtClean="0"/>
+              <a:rPr lang="en-US" dirty="0"/>
               <a:t>Angular behaves the same across browsers</a:t>
             </a:r>
           </a:p>
           <a:p>
             <a:r>
-              <a:rPr lang="en-US" dirty="0" smtClean="0"/>
+              <a:rPr lang="en-US" dirty="0"/>
               <a:t>Expressions not evaluated in global scope</a:t>
             </a:r>
           </a:p>
           <a:p>
-            <a:endParaRPr lang="en-US" dirty="0" smtClean="0"/>
+            <a:endParaRPr lang="en-US" dirty="0"/>
           </a:p>
           <a:p>
             <a:endParaRPr lang="en-US" dirty="0"/>
@@ -4452,10 +4775,9 @@
           <a:lstStyle/>
           <a:p>
             <a:r>
-              <a:rPr lang="en-US" dirty="0" smtClean="0"/>
+              <a:rPr lang="en-US" dirty="0"/>
               <a:t>Lists and Tables</a:t>
             </a:r>
-            <a:endParaRPr lang="en-US" dirty="0"/>
           </a:p>
         </p:txBody>
       </p:sp>
@@ -4475,36 +4797,35 @@
           <a:lstStyle/>
           <a:p>
             <a:r>
-              <a:rPr lang="en-US" dirty="0" smtClean="0"/>
+              <a:rPr lang="en-US" dirty="0"/>
               <a:t>Use </a:t>
             </a:r>
             <a:r>
-              <a:rPr lang="en-US" dirty="0" err="1" smtClean="0"/>
+              <a:rPr lang="en-US" dirty="0" err="1"/>
               <a:t>ngFor</a:t>
             </a:r>
-            <a:endParaRPr lang="en-US" dirty="0" smtClean="0"/>
+            <a:endParaRPr lang="en-US" dirty="0"/>
           </a:p>
           <a:p>
             <a:pPr lvl="1"/>
             <a:r>
-              <a:rPr lang="en-US" dirty="0" smtClean="0"/>
+              <a:rPr lang="en-US" dirty="0"/>
               <a:t>Semantics similar to the new for-of loop in ES2015</a:t>
             </a:r>
           </a:p>
           <a:p>
             <a:pPr lvl="1"/>
             <a:r>
-              <a:rPr lang="en-US" dirty="0" smtClean="0"/>
+              <a:rPr lang="en-US" dirty="0"/>
               <a:t>Works with any iterable</a:t>
             </a:r>
           </a:p>
           <a:p>
             <a:pPr lvl="1"/>
             <a:r>
-              <a:rPr lang="en-US" dirty="0" smtClean="0"/>
+              <a:rPr lang="en-US" dirty="0"/>
               <a:t>Updates the screen if collection changes</a:t>
             </a:r>
-            <a:endParaRPr lang="en-US" dirty="0"/>
           </a:p>
         </p:txBody>
       </p:sp>
@@ -4581,10 +4902,9 @@
           <a:lstStyle/>
           <a:p>
             <a:r>
-              <a:rPr lang="en-US" dirty="0" smtClean="0"/>
+              <a:rPr lang="en-US" dirty="0"/>
               <a:t>Hiding and Showing</a:t>
             </a:r>
-            <a:endParaRPr lang="en-US" dirty="0"/>
           </a:p>
         </p:txBody>
       </p:sp>
@@ -4604,44 +4924,43 @@
           <a:lstStyle/>
           <a:p>
             <a:r>
-              <a:rPr lang="en-US" dirty="0" smtClean="0"/>
+              <a:rPr lang="en-US" dirty="0"/>
               <a:t>Several approaches</a:t>
             </a:r>
           </a:p>
           <a:p>
             <a:pPr lvl="1"/>
             <a:r>
-              <a:rPr lang="en-US" dirty="0" smtClean="0"/>
+              <a:rPr lang="en-US" dirty="0"/>
               <a:t>Use *</a:t>
             </a:r>
             <a:r>
-              <a:rPr lang="en-US" dirty="0" err="1" smtClean="0"/>
+              <a:rPr lang="en-US" dirty="0" err="1"/>
               <a:t>ngIf</a:t>
             </a:r>
-            <a:endParaRPr lang="en-US" dirty="0" smtClean="0"/>
+            <a:endParaRPr lang="en-US" dirty="0"/>
           </a:p>
           <a:p>
             <a:pPr lvl="1"/>
             <a:r>
-              <a:rPr lang="en-US" dirty="0" smtClean="0"/>
+              <a:rPr lang="en-US" dirty="0"/>
               <a:t>Bind to the hidden property</a:t>
             </a:r>
           </a:p>
           <a:p>
             <a:pPr lvl="1"/>
             <a:r>
-              <a:rPr lang="en-US" dirty="0" smtClean="0"/>
+              <a:rPr lang="en-US" dirty="0"/>
               <a:t>Bind to the </a:t>
             </a:r>
             <a:r>
-              <a:rPr lang="en-US" dirty="0" err="1" smtClean="0"/>
+              <a:rPr lang="en-US" dirty="0" err="1"/>
               <a:t>style.display</a:t>
             </a:r>
             <a:r>
-              <a:rPr lang="en-US" dirty="0" smtClean="0"/>
+              <a:rPr lang="en-US" dirty="0"/>
               <a:t> property</a:t>
             </a:r>
-            <a:endParaRPr lang="en-US" dirty="0"/>
           </a:p>
         </p:txBody>
       </p:sp>
@@ -4718,10 +5037,9 @@
           <a:lstStyle/>
           <a:p>
             <a:r>
-              <a:rPr lang="en-US" dirty="0" smtClean="0"/>
+              <a:rPr lang="en-US" dirty="0"/>
               <a:t>History</a:t>
             </a:r>
-            <a:endParaRPr lang="en-US" dirty="0"/>
           </a:p>
         </p:txBody>
       </p:sp>
@@ -4741,13 +5059,13 @@
           <a:lstStyle/>
           <a:p>
             <a:r>
-              <a:rPr lang="en-US" dirty="0" smtClean="0"/>
+              <a:rPr lang="en-US" dirty="0"/>
               <a:t>Started in 2009 @ Google</a:t>
             </a:r>
           </a:p>
           <a:p>
             <a:r>
-              <a:rPr lang="en-US" dirty="0" smtClean="0"/>
+              <a:rPr lang="en-US" dirty="0"/>
               <a:t>Built from experience with large web applications</a:t>
             </a:r>
           </a:p>
@@ -4890,10 +5208,9 @@
           <a:lstStyle/>
           <a:p>
             <a:r>
-              <a:rPr lang="en-US" dirty="0" smtClean="0"/>
+              <a:rPr lang="en-US" dirty="0"/>
               <a:t>Styles</a:t>
             </a:r>
-            <a:endParaRPr lang="en-US" dirty="0"/>
           </a:p>
         </p:txBody>
       </p:sp>
@@ -4913,33 +5230,32 @@
           <a:lstStyle/>
           <a:p>
             <a:r>
-              <a:rPr lang="en-US" dirty="0" smtClean="0"/>
+              <a:rPr lang="en-US" dirty="0"/>
               <a:t>Use the </a:t>
             </a:r>
             <a:r>
-              <a:rPr lang="en-US" dirty="0" err="1" smtClean="0"/>
+              <a:rPr lang="en-US" dirty="0" err="1"/>
               <a:t>ngClass</a:t>
             </a:r>
             <a:r>
-              <a:rPr lang="en-US" dirty="0" smtClean="0"/>
+              <a:rPr lang="en-US" dirty="0"/>
               <a:t> directive </a:t>
             </a:r>
           </a:p>
           <a:p>
             <a:pPr lvl="1"/>
             <a:r>
-              <a:rPr lang="en-US" dirty="0" smtClean="0"/>
+              <a:rPr lang="en-US" dirty="0"/>
               <a:t>Adds class names for </a:t>
             </a:r>
             <a:r>
-              <a:rPr lang="en-US" dirty="0" err="1" smtClean="0"/>
+              <a:rPr lang="en-US" dirty="0" err="1"/>
               <a:t>truthy</a:t>
             </a:r>
             <a:r>
-              <a:rPr lang="en-US" dirty="0" smtClean="0"/>
+              <a:rPr lang="en-US" dirty="0"/>
               <a:t> values</a:t>
             </a:r>
-            <a:endParaRPr lang="en-US" dirty="0"/>
           </a:p>
         </p:txBody>
       </p:sp>
@@ -5016,10 +5332,9 @@
           <a:lstStyle/>
           <a:p>
             <a:r>
-              <a:rPr lang="en-US" dirty="0" smtClean="0"/>
+              <a:rPr lang="en-US" dirty="0"/>
               <a:t>Debugging</a:t>
             </a:r>
-            <a:endParaRPr lang="en-US" dirty="0"/>
           </a:p>
         </p:txBody>
       </p:sp>
@@ -5039,11 +5354,11 @@
           <a:lstStyle/>
           <a:p>
             <a:r>
-              <a:rPr lang="en-US" dirty="0" smtClean="0"/>
+              <a:rPr lang="en-US" dirty="0"/>
               <a:t>Source maps let you step through </a:t>
             </a:r>
             <a:r>
-              <a:rPr lang="en-US" dirty="0" err="1" smtClean="0"/>
+              <a:rPr lang="en-US" dirty="0" err="1"/>
               <a:t>TypeScript</a:t>
             </a:r>
             <a:endParaRPr lang="en-US" dirty="0"/>
@@ -5123,10 +5438,9 @@
           <a:lstStyle/>
           <a:p>
             <a:r>
-              <a:rPr lang="en-US" dirty="0" smtClean="0"/>
+              <a:rPr lang="en-US" dirty="0"/>
               <a:t>Summary</a:t>
             </a:r>
-            <a:endParaRPr lang="en-US" dirty="0"/>
           </a:p>
         </p:txBody>
       </p:sp>
@@ -5146,20 +5460,20 @@
           <a:lstStyle/>
           <a:p>
             <a:r>
-              <a:rPr lang="en-US" dirty="0" smtClean="0"/>
+              <a:rPr lang="en-US" dirty="0"/>
               <a:t>Angular2 is an application framework</a:t>
             </a:r>
           </a:p>
           <a:p>
             <a:pPr lvl="1"/>
             <a:r>
-              <a:rPr lang="en-US" dirty="0" smtClean="0"/>
+              <a:rPr lang="en-US" dirty="0"/>
               <a:t>Similar to an MVVM design</a:t>
             </a:r>
           </a:p>
           <a:p>
             <a:r>
-              <a:rPr lang="en-US" dirty="0" smtClean="0"/>
+              <a:rPr lang="en-US" dirty="0"/>
               <a:t>Extensible, modular, testable</a:t>
             </a:r>
           </a:p>
@@ -5255,10 +5569,9 @@
           <a:lstStyle/>
           <a:p>
             <a:r>
-              <a:rPr lang="en-US" dirty="0" smtClean="0"/>
+              <a:rPr lang="en-US" dirty="0"/>
               <a:t>Concepts and Goals</a:t>
             </a:r>
-            <a:endParaRPr lang="en-US" dirty="0"/>
           </a:p>
         </p:txBody>
       </p:sp>
@@ -5303,7 +5616,7 @@
           <a:p>
             <a:pPr algn="ctr"/>
             <a:r>
-              <a:rPr lang="en-US" sz="2000" dirty="0" smtClean="0">
+              <a:rPr lang="en-US" sz="2000" dirty="0">
                 <a:solidFill>
                   <a:schemeClr val="tx1"/>
                 </a:solidFill>
@@ -5315,7 +5628,7 @@
           <a:p>
             <a:pPr algn="ctr"/>
             <a:r>
-              <a:rPr lang="en-US" sz="2000" dirty="0" smtClean="0">
+              <a:rPr lang="en-US" sz="2000" dirty="0">
                 <a:solidFill>
                   <a:schemeClr val="tx1"/>
                 </a:solidFill>
@@ -5327,7 +5640,7 @@
           <a:p>
             <a:pPr algn="ctr"/>
             <a:r>
-              <a:rPr lang="en-US" sz="2000" dirty="0" smtClean="0">
+              <a:rPr lang="en-US" sz="2000" dirty="0">
                 <a:solidFill>
                   <a:schemeClr val="tx1"/>
                 </a:solidFill>
@@ -5335,12 +5648,6 @@
               </a:rPr>
               <a:t>Concerns</a:t>
             </a:r>
-            <a:endParaRPr lang="en-US" sz="2000" dirty="0">
-              <a:solidFill>
-                <a:schemeClr val="tx1"/>
-              </a:solidFill>
-              <a:latin typeface="Tekton Pro" pitchFamily="34" charset="0"/>
-            </a:endParaRPr>
           </a:p>
         </p:txBody>
       </p:sp>
@@ -5385,7 +5692,7 @@
           <a:p>
             <a:pPr algn="ctr"/>
             <a:r>
-              <a:rPr lang="en-US" sz="2000" dirty="0" smtClean="0">
+              <a:rPr lang="en-US" sz="2000" dirty="0">
                 <a:solidFill>
                   <a:schemeClr val="tx1"/>
                 </a:solidFill>
@@ -5393,12 +5700,6 @@
               </a:rPr>
               <a:t>Testability</a:t>
             </a:r>
-            <a:endParaRPr lang="en-US" sz="2000" dirty="0">
-              <a:solidFill>
-                <a:schemeClr val="tx1"/>
-              </a:solidFill>
-              <a:latin typeface="Tekton Pro" pitchFamily="34" charset="0"/>
-            </a:endParaRPr>
           </a:p>
         </p:txBody>
       </p:sp>
@@ -5443,7 +5744,7 @@
           <a:p>
             <a:pPr algn="ctr"/>
             <a:r>
-              <a:rPr lang="en-US" sz="2000" dirty="0" smtClean="0">
+              <a:rPr lang="en-US" sz="2000" dirty="0">
                 <a:solidFill>
                   <a:schemeClr val="tx1"/>
                 </a:solidFill>
@@ -5451,12 +5752,6 @@
               </a:rPr>
               <a:t>Extensibility</a:t>
             </a:r>
-            <a:endParaRPr lang="en-US" sz="2000" dirty="0">
-              <a:solidFill>
-                <a:schemeClr val="tx1"/>
-              </a:solidFill>
-              <a:latin typeface="Tekton Pro" pitchFamily="34" charset="0"/>
-            </a:endParaRPr>
           </a:p>
         </p:txBody>
       </p:sp>
@@ -5501,7 +5796,7 @@
           <a:p>
             <a:pPr algn="ctr"/>
             <a:r>
-              <a:rPr lang="en-US" sz="2000" dirty="0" smtClean="0">
+              <a:rPr lang="en-US" sz="2000" dirty="0">
                 <a:solidFill>
                   <a:schemeClr val="tx1"/>
                 </a:solidFill>
@@ -5513,7 +5808,7 @@
           <a:p>
             <a:pPr algn="ctr"/>
             <a:r>
-              <a:rPr lang="en-US" sz="2000" dirty="0" smtClean="0">
+              <a:rPr lang="en-US" sz="2000" dirty="0">
                 <a:solidFill>
                   <a:schemeClr val="tx1"/>
                 </a:solidFill>
@@ -5521,12 +5816,6 @@
               </a:rPr>
               <a:t>Looking</a:t>
             </a:r>
-            <a:endParaRPr lang="en-US" sz="2000" dirty="0">
-              <a:solidFill>
-                <a:schemeClr val="tx1"/>
-              </a:solidFill>
-              <a:latin typeface="Tekton Pro" pitchFamily="34" charset="0"/>
-            </a:endParaRPr>
           </a:p>
         </p:txBody>
       </p:sp>
@@ -5827,10 +6116,9 @@
           <a:lstStyle/>
           <a:p>
             <a:r>
-              <a:rPr lang="en-US" dirty="0" smtClean="0"/>
+              <a:rPr lang="en-US" dirty="0"/>
               <a:t>Tools &amp; Languages</a:t>
             </a:r>
-            <a:endParaRPr lang="en-US" dirty="0"/>
           </a:p>
         </p:txBody>
       </p:sp>
@@ -6092,14 +6380,9 @@
           <a:lstStyle/>
           <a:p>
             <a:r>
-              <a:rPr lang="en-US" dirty="0" smtClean="0"/>
-              <a:t>Getting Started </a:t>
-            </a:r>
-            <a:r>
-              <a:rPr lang="en-US" smtClean="0"/>
-              <a:t>: Packages</a:t>
-            </a:r>
-            <a:endParaRPr lang="en-US" dirty="0"/>
+              <a:rPr lang="en-US" dirty="0"/>
+              <a:t>Components</a:t>
+            </a:r>
           </a:p>
         </p:txBody>
       </p:sp>
@@ -6120,37 +6403,137 @@
           <a:p>
             <a:r>
               <a:rPr lang="en-US" dirty="0"/>
-              <a:t>a</a:t>
-            </a:r>
-            <a:r>
-              <a:rPr lang="en-US" dirty="0" smtClean="0"/>
-              <a:t>ngular 2 – the framework</a:t>
-            </a:r>
-          </a:p>
-          <a:p>
+              <a:t>Components define a custom HTML element</a:t>
+            </a:r>
+          </a:p>
+          <a:p>
+            <a:pPr lvl="1"/>
             <a:r>
               <a:rPr lang="en-US" dirty="0"/>
-              <a:t>t</a:t>
-            </a:r>
-            <a:r>
-              <a:rPr lang="en-US" dirty="0" smtClean="0"/>
-              <a:t>ypescript – the language</a:t>
+              <a:t>Data + behavior + template</a:t>
+            </a:r>
+          </a:p>
+        </p:txBody>
+      </p:sp>
+      <p:pic>
+        <p:nvPicPr>
+          <p:cNvPr id="4" name="Picture 3"/>
+          <p:cNvPicPr>
+            <a:picLocks noChangeAspect="1"/>
+          </p:cNvPicPr>
+          <p:nvPr/>
+        </p:nvPicPr>
+        <p:blipFill>
+          <a:blip r:embed="rId2"/>
+          <a:stretch>
+            <a:fillRect/>
+          </a:stretch>
+        </p:blipFill>
+        <p:spPr>
+          <a:xfrm>
+            <a:off x="1676400" y="2286000"/>
+            <a:ext cx="5286375" cy="4324350"/>
+          </a:xfrm>
+          <a:prstGeom prst="rect">
+            <a:avLst/>
+          </a:prstGeom>
+        </p:spPr>
+      </p:pic>
+    </p:spTree>
+    <p:extLst>
+      <p:ext uri="{BB962C8B-B14F-4D97-AF65-F5344CB8AC3E}">
+        <p14:creationId xmlns:p14="http://schemas.microsoft.com/office/powerpoint/2010/main" val="308947159"/>
+      </p:ext>
+    </p:extLst>
+  </p:cSld>
+  <p:clrMapOvr>
+    <a:masterClrMapping/>
+  </p:clrMapOvr>
+  <p:transition>
+    <p:fade/>
+  </p:transition>
+</p:sld>
+</file>
+
+<file path=ppt/slides/slide6.xml><?xml version="1.0" encoding="utf-8"?>
+<p:sld xmlns:a="http://schemas.openxmlformats.org/drawingml/2006/main" xmlns:r="http://schemas.openxmlformats.org/officeDocument/2006/relationships" xmlns:p="http://schemas.openxmlformats.org/presentationml/2006/main">
+  <p:cSld>
+    <p:spTree>
+      <p:nvGrpSpPr>
+        <p:cNvPr id="1" name=""/>
+        <p:cNvGrpSpPr/>
+        <p:nvPr/>
+      </p:nvGrpSpPr>
+      <p:grpSpPr>
+        <a:xfrm>
+          <a:off x="0" y="0"/>
+          <a:ext cx="0" cy="0"/>
+          <a:chOff x="0" y="0"/>
+          <a:chExt cx="0" cy="0"/>
+        </a:xfrm>
+      </p:grpSpPr>
+      <p:sp>
+        <p:nvSpPr>
+          <p:cNvPr id="2" name="Title 1"/>
+          <p:cNvSpPr>
+            <a:spLocks noGrp="1"/>
+          </p:cNvSpPr>
+          <p:nvPr>
+            <p:ph type="title"/>
+          </p:nvPr>
+        </p:nvSpPr>
+        <p:spPr/>
+        <p:txBody>
+          <a:bodyPr/>
+          <a:lstStyle/>
+          <a:p>
+            <a:r>
+              <a:rPr lang="en-US" dirty="0"/>
+              <a:t>Getting Started </a:t>
+            </a:r>
+            <a:r>
+              <a:rPr lang="en-US"/>
+              <a:t>: Packages</a:t>
+            </a:r>
+            <a:endParaRPr lang="en-US" dirty="0"/>
+          </a:p>
+        </p:txBody>
+      </p:sp>
+      <p:sp>
+        <p:nvSpPr>
+          <p:cNvPr id="3" name="Text Placeholder 2"/>
+          <p:cNvSpPr>
+            <a:spLocks noGrp="1"/>
+          </p:cNvSpPr>
+          <p:nvPr>
+            <p:ph type="body" idx="1"/>
+          </p:nvPr>
+        </p:nvSpPr>
+        <p:spPr/>
+        <p:txBody>
+          <a:bodyPr/>
+          <a:lstStyle/>
+          <a:p>
+            <a:r>
+              <a:rPr lang="en-US" dirty="0"/>
+              <a:t>angular 2 – the framework</a:t>
+            </a:r>
+          </a:p>
+          <a:p>
+            <a:r>
+              <a:rPr lang="en-US" dirty="0"/>
+              <a:t>typescript – the language</a:t>
             </a:r>
           </a:p>
           <a:p>
             <a:r>
               <a:rPr lang="en-US" dirty="0" err="1"/>
-              <a:t>s</a:t>
-            </a:r>
-            <a:r>
-              <a:rPr lang="en-US" dirty="0" err="1" smtClean="0"/>
-              <a:t>ystemjs</a:t>
-            </a:r>
-            <a:r>
-              <a:rPr lang="en-US" dirty="0" smtClean="0"/>
+              <a:t>systemjs</a:t>
+            </a:r>
+            <a:r>
+              <a:rPr lang="en-US" dirty="0"/>
               <a:t>  - the module loader</a:t>
             </a:r>
-            <a:endParaRPr lang="en-US" dirty="0"/>
           </a:p>
         </p:txBody>
       </p:sp>
@@ -6195,56 +6578,11 @@
           <a:p>
             <a:pPr algn="l"/>
             <a:r>
-              <a:rPr lang="en-US" sz="2000" dirty="0" err="1" smtClean="0">
+              <a:rPr lang="en-US" sz="2000" dirty="0" err="1">
                 <a:latin typeface="Consolas" panose="020B0609020204030204" pitchFamily="49" charset="0"/>
               </a:rPr>
               <a:t>npm</a:t>
             </a:r>
-            <a:r>
-              <a:rPr lang="en-US" sz="2000" dirty="0" smtClean="0">
-                <a:latin typeface="Consolas" panose="020B0609020204030204" pitchFamily="49" charset="0"/>
-              </a:rPr>
-              <a:t> </a:t>
-            </a:r>
-            <a:r>
-              <a:rPr lang="en-US" sz="2000" dirty="0" err="1" smtClean="0">
-                <a:latin typeface="Consolas" panose="020B0609020204030204" pitchFamily="49" charset="0"/>
-              </a:rPr>
-              <a:t>init</a:t>
-            </a:r>
-            <a:r>
-              <a:rPr lang="en-US" sz="2000" dirty="0" smtClean="0">
-                <a:latin typeface="Consolas" panose="020B0609020204030204" pitchFamily="49" charset="0"/>
-              </a:rPr>
-              <a:t> –y</a:t>
-            </a:r>
-          </a:p>
-          <a:p>
-            <a:pPr algn="l"/>
-            <a:r>
-              <a:rPr lang="en-US" sz="2000" dirty="0" err="1" smtClean="0">
-                <a:latin typeface="Consolas" panose="020B0609020204030204" pitchFamily="49" charset="0"/>
-              </a:rPr>
-              <a:t>npm</a:t>
-            </a:r>
-            <a:r>
-              <a:rPr lang="en-US" sz="2000" dirty="0" smtClean="0">
-                <a:latin typeface="Consolas" panose="020B0609020204030204" pitchFamily="49" charset="0"/>
-              </a:rPr>
-              <a:t> install angular2 typescript </a:t>
-            </a:r>
-            <a:r>
-              <a:rPr lang="en-US" sz="2000" dirty="0" err="1" smtClean="0">
-                <a:latin typeface="Consolas" panose="020B0609020204030204" pitchFamily="49" charset="0"/>
-              </a:rPr>
-              <a:t>rxjs</a:t>
-            </a:r>
-            <a:endParaRPr lang="en-US" sz="2000" dirty="0" smtClean="0">
-              <a:latin typeface="Consolas" panose="020B0609020204030204" pitchFamily="49" charset="0"/>
-            </a:endParaRPr>
-          </a:p>
-          <a:p>
-            <a:pPr algn="l"/>
             <a:r>
               <a:rPr lang="en-US" sz="2000" dirty="0">
                 <a:latin typeface="Consolas" panose="020B0609020204030204" pitchFamily="49" charset="0"/>
@@ -6252,19 +6590,58 @@
               <a:t> </a:t>
             </a:r>
             <a:r>
-              <a:rPr lang="en-US" sz="2000" dirty="0" smtClean="0">
+              <a:rPr lang="en-US" sz="2000" dirty="0" err="1">
                 <a:latin typeface="Consolas" panose="020B0609020204030204" pitchFamily="49" charset="0"/>
               </a:rPr>
-              <a:t>           </a:t>
-            </a:r>
-            <a:r>
-              <a:rPr lang="en-US" sz="2000" dirty="0" err="1" smtClean="0">
+              <a:t>init</a:t>
+            </a:r>
+            <a:r>
+              <a:rPr lang="en-US" sz="2000" dirty="0">
+                <a:latin typeface="Consolas" panose="020B0609020204030204" pitchFamily="49" charset="0"/>
+              </a:rPr>
+              <a:t> –y</a:t>
+            </a:r>
+          </a:p>
+          <a:p>
+            <a:pPr algn="l"/>
+            <a:r>
+              <a:rPr lang="en-US" sz="2000" dirty="0" err="1">
+                <a:latin typeface="Consolas" panose="020B0609020204030204" pitchFamily="49" charset="0"/>
+              </a:rPr>
+              <a:t>npm</a:t>
+            </a:r>
+            <a:r>
+              <a:rPr lang="en-US" sz="2000" dirty="0">
+                <a:latin typeface="Consolas" panose="020B0609020204030204" pitchFamily="49" charset="0"/>
+              </a:rPr>
+              <a:t> install angular2 typescript </a:t>
+            </a:r>
+            <a:r>
+              <a:rPr lang="en-US" sz="2000" dirty="0" err="1">
+                <a:latin typeface="Consolas" panose="020B0609020204030204" pitchFamily="49" charset="0"/>
+              </a:rPr>
+              <a:t>rxjs</a:t>
+            </a:r>
+            <a:endParaRPr lang="en-US" sz="2000" dirty="0">
+              <a:latin typeface="Consolas" panose="020B0609020204030204" pitchFamily="49" charset="0"/>
+            </a:endParaRPr>
+          </a:p>
+          <a:p>
+            <a:pPr algn="l"/>
+            <a:r>
+              <a:rPr lang="en-US" sz="2000" dirty="0">
+                <a:latin typeface="Consolas" panose="020B0609020204030204" pitchFamily="49" charset="0"/>
+              </a:rPr>
+              <a:t>            </a:t>
+            </a:r>
+            <a:r>
+              <a:rPr lang="en-US" sz="2000" dirty="0" err="1">
                 <a:latin typeface="Consolas" panose="020B0609020204030204" pitchFamily="49" charset="0"/>
               </a:rPr>
               <a:t>systemjs</a:t>
             </a:r>
             <a:r>
-              <a:rPr lang="en-US" sz="2000" dirty="0" smtClean="0">
+              <a:rPr lang="en-US" sz="2000" dirty="0">
                 <a:latin typeface="Consolas" panose="020B0609020204030204" pitchFamily="49" charset="0"/>
               </a:rPr>
               <a:t> reflect-metadata --save</a:t>
@@ -6564,105 +6941,6 @@
 </p:sld>
 </file>
 
-<file path=ppt/slides/slide6.xml><?xml version="1.0" encoding="utf-8"?>
-<p:sld xmlns:a="http://schemas.openxmlformats.org/drawingml/2006/main" xmlns:r="http://schemas.openxmlformats.org/officeDocument/2006/relationships" xmlns:p="http://schemas.openxmlformats.org/presentationml/2006/main">
-  <p:cSld>
-    <p:spTree>
-      <p:nvGrpSpPr>
-        <p:cNvPr id="1" name=""/>
-        <p:cNvGrpSpPr/>
-        <p:nvPr/>
-      </p:nvGrpSpPr>
-      <p:grpSpPr>
-        <a:xfrm>
-          <a:off x="0" y="0"/>
-          <a:ext cx="0" cy="0"/>
-          <a:chOff x="0" y="0"/>
-          <a:chExt cx="0" cy="0"/>
-        </a:xfrm>
-      </p:grpSpPr>
-      <p:sp>
-        <p:nvSpPr>
-          <p:cNvPr id="2" name="Title 1"/>
-          <p:cNvSpPr>
-            <a:spLocks noGrp="1"/>
-          </p:cNvSpPr>
-          <p:nvPr>
-            <p:ph type="title"/>
-          </p:nvPr>
-        </p:nvSpPr>
-        <p:spPr/>
-        <p:txBody>
-          <a:bodyPr/>
-          <a:lstStyle/>
-          <a:p>
-            <a:r>
-              <a:rPr lang="en-US" dirty="0" smtClean="0"/>
-              <a:t>Getting Started: Shell Page</a:t>
-            </a:r>
-            <a:endParaRPr lang="en-US" dirty="0"/>
-          </a:p>
-        </p:txBody>
-      </p:sp>
-      <p:sp>
-        <p:nvSpPr>
-          <p:cNvPr id="3" name="Text Placeholder 2"/>
-          <p:cNvSpPr>
-            <a:spLocks noGrp="1"/>
-          </p:cNvSpPr>
-          <p:nvPr>
-            <p:ph type="body" idx="1"/>
-          </p:nvPr>
-        </p:nvSpPr>
-        <p:spPr/>
-        <p:txBody>
-          <a:bodyPr/>
-          <a:lstStyle/>
-          <a:p>
-            <a:endParaRPr lang="en-US"/>
-          </a:p>
-        </p:txBody>
-      </p:sp>
-      <p:pic>
-        <p:nvPicPr>
-          <p:cNvPr id="4" name="Picture 3"/>
-          <p:cNvPicPr>
-            <a:picLocks noChangeAspect="1"/>
-          </p:cNvPicPr>
-          <p:nvPr/>
-        </p:nvPicPr>
-        <p:blipFill>
-          <a:blip r:embed="rId2"/>
-          <a:stretch>
-            <a:fillRect/>
-          </a:stretch>
-        </p:blipFill>
-        <p:spPr>
-          <a:xfrm>
-            <a:off x="838200" y="951786"/>
-            <a:ext cx="7239000" cy="5487828"/>
-          </a:xfrm>
-          <a:prstGeom prst="rect">
-            <a:avLst/>
-          </a:prstGeom>
-        </p:spPr>
-      </p:pic>
-    </p:spTree>
-    <p:extLst>
-      <p:ext uri="{BB962C8B-B14F-4D97-AF65-F5344CB8AC3E}">
-        <p14:creationId xmlns:p14="http://schemas.microsoft.com/office/powerpoint/2010/main" val="2775049998"/>
-      </p:ext>
-    </p:extLst>
-  </p:cSld>
-  <p:clrMapOvr>
-    <a:masterClrMapping/>
-  </p:clrMapOvr>
-  <p:transition>
-    <p:fade/>
-  </p:transition>
-</p:sld>
-</file>
-
 <file path=ppt/slides/slide7.xml><?xml version="1.0" encoding="utf-8"?>
 <p:sld xmlns:a="http://schemas.openxmlformats.org/drawingml/2006/main" xmlns:r="http://schemas.openxmlformats.org/officeDocument/2006/relationships" xmlns:p="http://schemas.openxmlformats.org/presentationml/2006/main">
   <p:cSld>
@@ -6696,10 +6974,9 @@
           <a:lstStyle/>
           <a:p>
             <a:r>
-              <a:rPr lang="en-US" dirty="0" smtClean="0"/>
-              <a:t>Getting Started: First Script</a:t>
-            </a:r>
-            <a:endParaRPr lang="en-US" dirty="0"/>
+              <a:rPr lang="en-US" dirty="0"/>
+              <a:t>Getting Started: Shell Page</a:t>
+            </a:r>
           </a:p>
         </p:txBody>
       </p:sp>
@@ -6724,7 +7001,7 @@
       </p:sp>
       <p:pic>
         <p:nvPicPr>
-          <p:cNvPr id="5" name="Picture 4"/>
+          <p:cNvPr id="4" name="Picture 3"/>
           <p:cNvPicPr>
             <a:picLocks noChangeAspect="1"/>
           </p:cNvPicPr>
@@ -6738,8 +7015,8 @@
         </p:blipFill>
         <p:spPr>
           <a:xfrm>
-            <a:off x="1295400" y="1478280"/>
-            <a:ext cx="6296025" cy="4206955"/>
+            <a:off x="838200" y="951786"/>
+            <a:ext cx="7239000" cy="5487828"/>
           </a:xfrm>
           <a:prstGeom prst="rect">
             <a:avLst/>
@@ -6749,7 +7026,7 @@
     </p:spTree>
     <p:extLst>
       <p:ext uri="{BB962C8B-B14F-4D97-AF65-F5344CB8AC3E}">
-        <p14:creationId xmlns:p14="http://schemas.microsoft.com/office/powerpoint/2010/main" val="467445334"/>
+        <p14:creationId xmlns:p14="http://schemas.microsoft.com/office/powerpoint/2010/main" val="2775049998"/>
       </p:ext>
     </p:extLst>
   </p:cSld>
@@ -6795,10 +7072,9 @@
           <a:lstStyle/>
           <a:p>
             <a:r>
-              <a:rPr lang="en-US" dirty="0" smtClean="0"/>
-              <a:t>Other Starting Points</a:t>
-            </a:r>
-            <a:endParaRPr lang="en-US" dirty="0"/>
+              <a:rPr lang="en-US" dirty="0"/>
+              <a:t>Getting Started: First Script</a:t>
+            </a:r>
           </a:p>
         </p:txBody>
       </p:sp>
@@ -6817,79 +7093,177 @@
           <a:bodyPr/>
           <a:lstStyle/>
           <a:p>
-            <a:r>
-              <a:rPr lang="en-US" dirty="0" smtClean="0"/>
+            <a:endParaRPr lang="en-US"/>
+          </a:p>
+        </p:txBody>
+      </p:sp>
+      <p:pic>
+        <p:nvPicPr>
+          <p:cNvPr id="5" name="Picture 4"/>
+          <p:cNvPicPr>
+            <a:picLocks noChangeAspect="1"/>
+          </p:cNvPicPr>
+          <p:nvPr/>
+        </p:nvPicPr>
+        <p:blipFill>
+          <a:blip r:embed="rId2"/>
+          <a:stretch>
+            <a:fillRect/>
+          </a:stretch>
+        </p:blipFill>
+        <p:spPr>
+          <a:xfrm>
+            <a:off x="1295400" y="1478280"/>
+            <a:ext cx="6296025" cy="4206955"/>
+          </a:xfrm>
+          <a:prstGeom prst="rect">
+            <a:avLst/>
+          </a:prstGeom>
+        </p:spPr>
+      </p:pic>
+    </p:spTree>
+    <p:extLst>
+      <p:ext uri="{BB962C8B-B14F-4D97-AF65-F5344CB8AC3E}">
+        <p14:creationId xmlns:p14="http://schemas.microsoft.com/office/powerpoint/2010/main" val="467445334"/>
+      </p:ext>
+    </p:extLst>
+  </p:cSld>
+  <p:clrMapOvr>
+    <a:masterClrMapping/>
+  </p:clrMapOvr>
+  <p:transition>
+    <p:fade/>
+  </p:transition>
+</p:sld>
+</file>
+
+<file path=ppt/slides/slide9.xml><?xml version="1.0" encoding="utf-8"?>
+<p:sld xmlns:a="http://schemas.openxmlformats.org/drawingml/2006/main" xmlns:r="http://schemas.openxmlformats.org/officeDocument/2006/relationships" xmlns:p="http://schemas.openxmlformats.org/presentationml/2006/main">
+  <p:cSld>
+    <p:spTree>
+      <p:nvGrpSpPr>
+        <p:cNvPr id="1" name=""/>
+        <p:cNvGrpSpPr/>
+        <p:nvPr/>
+      </p:nvGrpSpPr>
+      <p:grpSpPr>
+        <a:xfrm>
+          <a:off x="0" y="0"/>
+          <a:ext cx="0" cy="0"/>
+          <a:chOff x="0" y="0"/>
+          <a:chExt cx="0" cy="0"/>
+        </a:xfrm>
+      </p:grpSpPr>
+      <p:sp>
+        <p:nvSpPr>
+          <p:cNvPr id="2" name="Title 1"/>
+          <p:cNvSpPr>
+            <a:spLocks noGrp="1"/>
+          </p:cNvSpPr>
+          <p:nvPr>
+            <p:ph type="title"/>
+          </p:nvPr>
+        </p:nvSpPr>
+        <p:spPr/>
+        <p:txBody>
+          <a:bodyPr/>
+          <a:lstStyle/>
+          <a:p>
+            <a:r>
+              <a:rPr lang="en-US" dirty="0"/>
+              <a:t>Other Starting Points</a:t>
+            </a:r>
+          </a:p>
+        </p:txBody>
+      </p:sp>
+      <p:sp>
+        <p:nvSpPr>
+          <p:cNvPr id="3" name="Text Placeholder 2"/>
+          <p:cNvSpPr>
+            <a:spLocks noGrp="1"/>
+          </p:cNvSpPr>
+          <p:nvPr>
+            <p:ph type="body" idx="1"/>
+          </p:nvPr>
+        </p:nvSpPr>
+        <p:spPr/>
+        <p:txBody>
+          <a:bodyPr/>
+          <a:lstStyle/>
+          <a:p>
+            <a:r>
+              <a:rPr lang="en-US" dirty="0"/>
               <a:t>Yeoman generators</a:t>
             </a:r>
           </a:p>
           <a:p>
             <a:pPr lvl="1"/>
             <a:r>
-              <a:rPr lang="en-US" dirty="0" smtClean="0"/>
+              <a:rPr lang="en-US" dirty="0"/>
               <a:t>generator-angular2</a:t>
             </a:r>
           </a:p>
           <a:p>
             <a:pPr lvl="1"/>
             <a:r>
-              <a:rPr lang="en-US" dirty="0" smtClean="0"/>
+              <a:rPr lang="en-US" dirty="0"/>
               <a:t>generator-angular2-gulp-webpack</a:t>
             </a:r>
           </a:p>
           <a:p>
             <a:r>
-              <a:rPr lang="en-US" dirty="0" smtClean="0"/>
+              <a:rPr lang="en-US" dirty="0"/>
               <a:t>Seed projects</a:t>
             </a:r>
           </a:p>
           <a:p>
             <a:pPr lvl="1"/>
             <a:r>
-              <a:rPr lang="en-US" dirty="0" smtClean="0"/>
+              <a:rPr lang="en-US" dirty="0"/>
               <a:t>angular2-seed (</a:t>
             </a:r>
             <a:r>
-              <a:rPr lang="en-US" dirty="0" err="1" smtClean="0"/>
+              <a:rPr lang="en-US" dirty="0" err="1"/>
               <a:t>npm</a:t>
             </a:r>
             <a:r>
-              <a:rPr lang="en-US" dirty="0" smtClean="0"/>
+              <a:rPr lang="en-US" dirty="0"/>
               <a:t>)</a:t>
             </a:r>
           </a:p>
           <a:p>
             <a:pPr lvl="1"/>
             <a:r>
-              <a:rPr lang="en-US" dirty="0" smtClean="0"/>
+              <a:rPr lang="en-US" dirty="0"/>
               <a:t>ng2-play (</a:t>
             </a:r>
             <a:r>
-              <a:rPr lang="en-US" dirty="0" err="1" smtClean="0"/>
+              <a:rPr lang="en-US" dirty="0" err="1"/>
               <a:t>github:pkozlowski-opensource</a:t>
             </a:r>
             <a:r>
-              <a:rPr lang="en-US" dirty="0" smtClean="0"/>
+              <a:rPr lang="en-US" dirty="0"/>
               <a:t>)</a:t>
             </a:r>
           </a:p>
           <a:p>
             <a:pPr lvl="1"/>
             <a:r>
-              <a:rPr lang="en-US" dirty="0" smtClean="0"/>
+              <a:rPr lang="en-US" dirty="0"/>
               <a:t>angular-starter (</a:t>
             </a:r>
             <a:r>
-              <a:rPr lang="en-US" dirty="0" err="1" smtClean="0"/>
+              <a:rPr lang="en-US" dirty="0" err="1"/>
               <a:t>github:eladrk</a:t>
             </a:r>
             <a:r>
-              <a:rPr lang="en-US" dirty="0" smtClean="0"/>
+              <a:rPr lang="en-US" dirty="0"/>
               <a:t>)</a:t>
             </a:r>
           </a:p>
           <a:p>
             <a:pPr lvl="1"/>
-            <a:endParaRPr lang="en-US" dirty="0" smtClean="0"/>
+            <a:endParaRPr lang="en-US" dirty="0"/>
           </a:p>
           <a:p>
             <a:pPr lvl="1"/>
@@ -7326,474 +7700,6 @@
                                           <p:spTgt spid="3">
                                             <p:txEl>
                                               <p:pRg st="6" end="6"/>
-                                            </p:txEl>
-                                          </p:spTgt>
-                                        </p:tgtEl>
-                                      </p:cBhvr>
-                                    </p:animEffect>
-                                  </p:childTnLst>
-                                </p:cTn>
-                              </p:par>
-                            </p:childTnLst>
-                          </p:cTn>
-                        </p:par>
-                      </p:childTnLst>
-                    </p:cTn>
-                  </p:par>
-                </p:childTnLst>
-              </p:cTn>
-              <p:prevCondLst>
-                <p:cond evt="onPrev" delay="0">
-                  <p:tgtEl>
-                    <p:sldTgt/>
-                  </p:tgtEl>
-                </p:cond>
-              </p:prevCondLst>
-              <p:nextCondLst>
-                <p:cond evt="onNext" delay="0">
-                  <p:tgtEl>
-                    <p:sldTgt/>
-                  </p:tgtEl>
-                </p:cond>
-              </p:nextCondLst>
-            </p:seq>
-          </p:childTnLst>
-        </p:cTn>
-      </p:par>
-    </p:tnLst>
-  </p:timing>
-</p:sld>
-</file>
-
-<file path=ppt/slides/slide9.xml><?xml version="1.0" encoding="utf-8"?>
-<p:sld xmlns:a="http://schemas.openxmlformats.org/drawingml/2006/main" xmlns:r="http://schemas.openxmlformats.org/officeDocument/2006/relationships" xmlns:p="http://schemas.openxmlformats.org/presentationml/2006/main">
-  <p:cSld>
-    <p:spTree>
-      <p:nvGrpSpPr>
-        <p:cNvPr id="1" name=""/>
-        <p:cNvGrpSpPr/>
-        <p:nvPr/>
-      </p:nvGrpSpPr>
-      <p:grpSpPr>
-        <a:xfrm>
-          <a:off x="0" y="0"/>
-          <a:ext cx="0" cy="0"/>
-          <a:chOff x="0" y="0"/>
-          <a:chExt cx="0" cy="0"/>
-        </a:xfrm>
-      </p:grpSpPr>
-      <p:sp>
-        <p:nvSpPr>
-          <p:cNvPr id="2" name="Title 1"/>
-          <p:cNvSpPr>
-            <a:spLocks noGrp="1"/>
-          </p:cNvSpPr>
-          <p:nvPr>
-            <p:ph type="title"/>
-          </p:nvPr>
-        </p:nvSpPr>
-        <p:spPr/>
-        <p:txBody>
-          <a:bodyPr/>
-          <a:lstStyle/>
-          <a:p>
-            <a:r>
-              <a:rPr lang="en-US" dirty="0" smtClean="0"/>
-              <a:t>Directives</a:t>
-            </a:r>
-            <a:endParaRPr lang="en-US" dirty="0"/>
-          </a:p>
-        </p:txBody>
-      </p:sp>
-      <p:sp>
-        <p:nvSpPr>
-          <p:cNvPr id="3" name="Text Placeholder 2"/>
-          <p:cNvSpPr>
-            <a:spLocks noGrp="1"/>
-          </p:cNvSpPr>
-          <p:nvPr>
-            <p:ph type="body" idx="1"/>
-          </p:nvPr>
-        </p:nvSpPr>
-        <p:spPr/>
-        <p:txBody>
-          <a:bodyPr/>
-          <a:lstStyle/>
-          <a:p>
-            <a:r>
-              <a:rPr lang="en-US" dirty="0" smtClean="0"/>
-              <a:t>Directives extend HTML</a:t>
-            </a:r>
-          </a:p>
-          <a:p>
-            <a:pPr lvl="1"/>
-            <a:r>
-              <a:rPr lang="en-US" dirty="0" smtClean="0"/>
-              <a:t>Add behavior or change the appearance of the DOM</a:t>
-            </a:r>
-          </a:p>
-          <a:p>
-            <a:pPr lvl="1"/>
-            <a:r>
-              <a:rPr lang="en-US" dirty="0" smtClean="0"/>
-              <a:t>Angular compiles markup to process directives</a:t>
-            </a:r>
-          </a:p>
-          <a:p>
-            <a:r>
-              <a:rPr lang="en-US" dirty="0" smtClean="0"/>
-              <a:t>You can build your own directives</a:t>
-            </a:r>
-          </a:p>
-          <a:p>
-            <a:pPr lvl="1"/>
-            <a:r>
-              <a:rPr lang="en-US" dirty="0" smtClean="0"/>
-              <a:t>In fact, this is encouraged</a:t>
-            </a:r>
-          </a:p>
-          <a:p>
-            <a:pPr lvl="1"/>
-            <a:endParaRPr lang="en-US" dirty="0"/>
-          </a:p>
-        </p:txBody>
-      </p:sp>
-      <p:pic>
-        <p:nvPicPr>
-          <p:cNvPr id="4" name="Picture 3"/>
-          <p:cNvPicPr>
-            <a:picLocks noChangeAspect="1"/>
-          </p:cNvPicPr>
-          <p:nvPr/>
-        </p:nvPicPr>
-        <p:blipFill>
-          <a:blip r:embed="rId2"/>
-          <a:stretch>
-            <a:fillRect/>
-          </a:stretch>
-        </p:blipFill>
-        <p:spPr>
-          <a:xfrm>
-            <a:off x="1295400" y="3657600"/>
-            <a:ext cx="6029854" cy="2019300"/>
-          </a:xfrm>
-          <a:prstGeom prst="rect">
-            <a:avLst/>
-          </a:prstGeom>
-        </p:spPr>
-      </p:pic>
-    </p:spTree>
-    <p:extLst>
-      <p:ext uri="{BB962C8B-B14F-4D97-AF65-F5344CB8AC3E}">
-        <p14:creationId xmlns:p14="http://schemas.microsoft.com/office/powerpoint/2010/main" val="318770962"/>
-      </p:ext>
-    </p:extLst>
-  </p:cSld>
-  <p:clrMapOvr>
-    <a:masterClrMapping/>
-  </p:clrMapOvr>
-  <p:transition>
-    <p:fade/>
-  </p:transition>
-  <p:timing>
-    <p:tnLst>
-      <p:par>
-        <p:cTn id="1" dur="indefinite" restart="never" nodeType="tmRoot">
-          <p:childTnLst>
-            <p:seq concurrent="1" nextAc="seek">
-              <p:cTn id="2" dur="indefinite" nodeType="mainSeq">
-                <p:childTnLst>
-                  <p:par>
-                    <p:cTn id="3" fill="hold">
-                      <p:stCondLst>
-                        <p:cond delay="indefinite"/>
-                      </p:stCondLst>
-                      <p:childTnLst>
-                        <p:par>
-                          <p:cTn id="4" fill="hold">
-                            <p:stCondLst>
-                              <p:cond delay="0"/>
-                            </p:stCondLst>
-                            <p:childTnLst>
-                              <p:par>
-                                <p:cTn id="5" presetID="10" presetClass="entr" presetSubtype="0" fill="hold" nodeType="clickEffect">
-                                  <p:stCondLst>
-                                    <p:cond delay="0"/>
-                                  </p:stCondLst>
-                                  <p:childTnLst>
-                                    <p:set>
-                                      <p:cBhvr>
-                                        <p:cTn id="6" dur="1" fill="hold">
-                                          <p:stCondLst>
-                                            <p:cond delay="0"/>
-                                          </p:stCondLst>
-                                        </p:cTn>
-                                        <p:tgtEl>
-                                          <p:spTgt spid="3">
-                                            <p:txEl>
-                                              <p:pRg st="0" end="0"/>
-                                            </p:txEl>
-                                          </p:spTgt>
-                                        </p:tgtEl>
-                                        <p:attrNameLst>
-                                          <p:attrName>style.visibility</p:attrName>
-                                        </p:attrNameLst>
-                                      </p:cBhvr>
-                                      <p:to>
-                                        <p:strVal val="visible"/>
-                                      </p:to>
-                                    </p:set>
-                                    <p:animEffect transition="in" filter="fade">
-                                      <p:cBhvr>
-                                        <p:cTn id="7" dur="500"/>
-                                        <p:tgtEl>
-                                          <p:spTgt spid="3">
-                                            <p:txEl>
-                                              <p:pRg st="0" end="0"/>
-                                            </p:txEl>
-                                          </p:spTgt>
-                                        </p:tgtEl>
-                                      </p:cBhvr>
-                                    </p:animEffect>
-                                  </p:childTnLst>
-                                </p:cTn>
-                              </p:par>
-                            </p:childTnLst>
-                          </p:cTn>
-                        </p:par>
-                      </p:childTnLst>
-                    </p:cTn>
-                  </p:par>
-                  <p:par>
-                    <p:cTn id="8" fill="hold">
-                      <p:stCondLst>
-                        <p:cond delay="indefinite"/>
-                      </p:stCondLst>
-                      <p:childTnLst>
-                        <p:par>
-                          <p:cTn id="9" fill="hold">
-                            <p:stCondLst>
-                              <p:cond delay="0"/>
-                            </p:stCondLst>
-                            <p:childTnLst>
-                              <p:par>
-                                <p:cTn id="10" presetID="10" presetClass="entr" presetSubtype="0" fill="hold" nodeType="clickEffect">
-                                  <p:stCondLst>
-                                    <p:cond delay="0"/>
-                                  </p:stCondLst>
-                                  <p:childTnLst>
-                                    <p:set>
-                                      <p:cBhvr>
-                                        <p:cTn id="11" dur="1" fill="hold">
-                                          <p:stCondLst>
-                                            <p:cond delay="0"/>
-                                          </p:stCondLst>
-                                        </p:cTn>
-                                        <p:tgtEl>
-                                          <p:spTgt spid="3">
-                                            <p:txEl>
-                                              <p:pRg st="1" end="1"/>
-                                            </p:txEl>
-                                          </p:spTgt>
-                                        </p:tgtEl>
-                                        <p:attrNameLst>
-                                          <p:attrName>style.visibility</p:attrName>
-                                        </p:attrNameLst>
-                                      </p:cBhvr>
-                                      <p:to>
-                                        <p:strVal val="visible"/>
-                                      </p:to>
-                                    </p:set>
-                                    <p:animEffect transition="in" filter="fade">
-                                      <p:cBhvr>
-                                        <p:cTn id="12" dur="500"/>
-                                        <p:tgtEl>
-                                          <p:spTgt spid="3">
-                                            <p:txEl>
-                                              <p:pRg st="1" end="1"/>
-                                            </p:txEl>
-                                          </p:spTgt>
-                                        </p:tgtEl>
-                                      </p:cBhvr>
-                                    </p:animEffect>
-                                  </p:childTnLst>
-                                </p:cTn>
-                              </p:par>
-                            </p:childTnLst>
-                          </p:cTn>
-                        </p:par>
-                      </p:childTnLst>
-                    </p:cTn>
-                  </p:par>
-                  <p:par>
-                    <p:cTn id="13" fill="hold">
-                      <p:stCondLst>
-                        <p:cond delay="indefinite"/>
-                      </p:stCondLst>
-                      <p:childTnLst>
-                        <p:par>
-                          <p:cTn id="14" fill="hold">
-                            <p:stCondLst>
-                              <p:cond delay="0"/>
-                            </p:stCondLst>
-                            <p:childTnLst>
-                              <p:par>
-                                <p:cTn id="15" presetID="10" presetClass="entr" presetSubtype="0" fill="hold" nodeType="clickEffect">
-                                  <p:stCondLst>
-                                    <p:cond delay="0"/>
-                                  </p:stCondLst>
-                                  <p:childTnLst>
-                                    <p:set>
-                                      <p:cBhvr>
-                                        <p:cTn id="16" dur="1" fill="hold">
-                                          <p:stCondLst>
-                                            <p:cond delay="0"/>
-                                          </p:stCondLst>
-                                        </p:cTn>
-                                        <p:tgtEl>
-                                          <p:spTgt spid="3">
-                                            <p:txEl>
-                                              <p:pRg st="2" end="2"/>
-                                            </p:txEl>
-                                          </p:spTgt>
-                                        </p:tgtEl>
-                                        <p:attrNameLst>
-                                          <p:attrName>style.visibility</p:attrName>
-                                        </p:attrNameLst>
-                                      </p:cBhvr>
-                                      <p:to>
-                                        <p:strVal val="visible"/>
-                                      </p:to>
-                                    </p:set>
-                                    <p:animEffect transition="in" filter="fade">
-                                      <p:cBhvr>
-                                        <p:cTn id="17" dur="500"/>
-                                        <p:tgtEl>
-                                          <p:spTgt spid="3">
-                                            <p:txEl>
-                                              <p:pRg st="2" end="2"/>
-                                            </p:txEl>
-                                          </p:spTgt>
-                                        </p:tgtEl>
-                                      </p:cBhvr>
-                                    </p:animEffect>
-                                  </p:childTnLst>
-                                </p:cTn>
-                              </p:par>
-                            </p:childTnLst>
-                          </p:cTn>
-                        </p:par>
-                      </p:childTnLst>
-                    </p:cTn>
-                  </p:par>
-                  <p:par>
-                    <p:cTn id="18" fill="hold">
-                      <p:stCondLst>
-                        <p:cond delay="indefinite"/>
-                      </p:stCondLst>
-                      <p:childTnLst>
-                        <p:par>
-                          <p:cTn id="19" fill="hold">
-                            <p:stCondLst>
-                              <p:cond delay="0"/>
-                            </p:stCondLst>
-                            <p:childTnLst>
-                              <p:par>
-                                <p:cTn id="20" presetID="10" presetClass="entr" presetSubtype="0" fill="hold" nodeType="clickEffect">
-                                  <p:stCondLst>
-                                    <p:cond delay="0"/>
-                                  </p:stCondLst>
-                                  <p:childTnLst>
-                                    <p:set>
-                                      <p:cBhvr>
-                                        <p:cTn id="21" dur="1" fill="hold">
-                                          <p:stCondLst>
-                                            <p:cond delay="0"/>
-                                          </p:stCondLst>
-                                        </p:cTn>
-                                        <p:tgtEl>
-                                          <p:spTgt spid="3">
-                                            <p:txEl>
-                                              <p:pRg st="3" end="3"/>
-                                            </p:txEl>
-                                          </p:spTgt>
-                                        </p:tgtEl>
-                                        <p:attrNameLst>
-                                          <p:attrName>style.visibility</p:attrName>
-                                        </p:attrNameLst>
-                                      </p:cBhvr>
-                                      <p:to>
-                                        <p:strVal val="visible"/>
-                                      </p:to>
-                                    </p:set>
-                                    <p:animEffect transition="in" filter="fade">
-                                      <p:cBhvr>
-                                        <p:cTn id="22" dur="500"/>
-                                        <p:tgtEl>
-                                          <p:spTgt spid="3">
-                                            <p:txEl>
-                                              <p:pRg st="3" end="3"/>
-                                            </p:txEl>
-                                          </p:spTgt>
-                                        </p:tgtEl>
-                                      </p:cBhvr>
-                                    </p:animEffect>
-                                  </p:childTnLst>
-                                </p:cTn>
-                              </p:par>
-                            </p:childTnLst>
-                          </p:cTn>
-                        </p:par>
-                      </p:childTnLst>
-                    </p:cTn>
-                  </p:par>
-                  <p:par>
-                    <p:cTn id="23" fill="hold">
-                      <p:stCondLst>
-                        <p:cond delay="indefinite"/>
-                      </p:stCondLst>
-                      <p:childTnLst>
-                        <p:par>
-                          <p:cTn id="24" fill="hold">
-                            <p:stCondLst>
-                              <p:cond delay="0"/>
-                            </p:stCondLst>
-                            <p:childTnLst>
-                              <p:par>
-                                <p:cTn id="25" presetID="10" presetClass="entr" presetSubtype="0" fill="hold" nodeType="clickEffect">
-                                  <p:stCondLst>
-                                    <p:cond delay="0"/>
-                                  </p:stCondLst>
-                                  <p:childTnLst>
-                                    <p:set>
-                                      <p:cBhvr>
-                                        <p:cTn id="26" dur="1" fill="hold">
-                                          <p:stCondLst>
-                                            <p:cond delay="0"/>
-                                          </p:stCondLst>
-                                        </p:cTn>
-                                        <p:tgtEl>
-                                          <p:spTgt spid="3">
-                                            <p:txEl>
-                                              <p:pRg st="4" end="4"/>
-                                            </p:txEl>
-                                          </p:spTgt>
-                                        </p:tgtEl>
-                                        <p:attrNameLst>
-                                          <p:attrName>style.visibility</p:attrName>
-                                        </p:attrNameLst>
-                                      </p:cBhvr>
-                                      <p:to>
-                                        <p:strVal val="visible"/>
-                                      </p:to>
-                                    </p:set>
-                                    <p:animEffect transition="in" filter="fade">
-                                      <p:cBhvr>
-                                        <p:cTn id="27" dur="500"/>
-                                        <p:tgtEl>
-                                          <p:spTgt spid="3">
-                                            <p:txEl>
-                                              <p:pRg st="4" end="4"/>
                                             </p:txEl>
                                           </p:spTgt>
                                         </p:tgtEl>

--- a/angular2/slides/01_Introduction.pptx
+++ b/angular2/slides/01_Introduction.pptx
@@ -5,34 +5,36 @@
     <p:sldMasterId id="2147483772" r:id="rId1"/>
   </p:sldMasterIdLst>
   <p:notesMasterIdLst>
-    <p:notesMasterId r:id="rId24"/>
+    <p:notesMasterId r:id="rId26"/>
   </p:notesMasterIdLst>
   <p:handoutMasterIdLst>
-    <p:handoutMasterId r:id="rId25"/>
+    <p:handoutMasterId r:id="rId27"/>
   </p:handoutMasterIdLst>
   <p:sldIdLst>
     <p:sldId id="327" r:id="rId2"/>
     <p:sldId id="329" r:id="rId3"/>
     <p:sldId id="328" r:id="rId4"/>
-    <p:sldId id="330" r:id="rId5"/>
-    <p:sldId id="336" r:id="rId6"/>
-    <p:sldId id="331" r:id="rId7"/>
-    <p:sldId id="332" r:id="rId8"/>
-    <p:sldId id="333" r:id="rId9"/>
-    <p:sldId id="334" r:id="rId10"/>
-    <p:sldId id="335" r:id="rId11"/>
-    <p:sldId id="337" r:id="rId12"/>
-    <p:sldId id="338" r:id="rId13"/>
-    <p:sldId id="339" r:id="rId14"/>
-    <p:sldId id="340" r:id="rId15"/>
-    <p:sldId id="341" r:id="rId16"/>
-    <p:sldId id="342" r:id="rId17"/>
-    <p:sldId id="343" r:id="rId18"/>
-    <p:sldId id="344" r:id="rId19"/>
-    <p:sldId id="345" r:id="rId20"/>
-    <p:sldId id="346" r:id="rId21"/>
-    <p:sldId id="347" r:id="rId22"/>
-    <p:sldId id="349" r:id="rId23"/>
+    <p:sldId id="351" r:id="rId5"/>
+    <p:sldId id="350" r:id="rId6"/>
+    <p:sldId id="330" r:id="rId7"/>
+    <p:sldId id="352" r:id="rId8"/>
+    <p:sldId id="354" r:id="rId9"/>
+    <p:sldId id="353" r:id="rId10"/>
+    <p:sldId id="336" r:id="rId11"/>
+    <p:sldId id="332" r:id="rId12"/>
+    <p:sldId id="334" r:id="rId13"/>
+    <p:sldId id="335" r:id="rId14"/>
+    <p:sldId id="337" r:id="rId15"/>
+    <p:sldId id="338" r:id="rId16"/>
+    <p:sldId id="339" r:id="rId17"/>
+    <p:sldId id="340" r:id="rId18"/>
+    <p:sldId id="341" r:id="rId19"/>
+    <p:sldId id="342" r:id="rId20"/>
+    <p:sldId id="343" r:id="rId21"/>
+    <p:sldId id="345" r:id="rId22"/>
+    <p:sldId id="346" r:id="rId23"/>
+    <p:sldId id="347" r:id="rId24"/>
+    <p:sldId id="349" r:id="rId25"/>
   </p:sldIdLst>
   <p:sldSz cx="9144000" cy="6858000" type="screen4x3"/>
   <p:notesSz cx="7302500" cy="9588500"/>
@@ -285,7 +287,7 @@
               <a:pPr>
                 <a:defRPr/>
               </a:pPr>
-              <a:t>6/5/2016</a:t>
+              <a:t>7/22/2016</a:t>
             </a:fld>
             <a:endParaRPr lang="en-US"/>
           </a:p>
@@ -2493,6 +2495,1307 @@
           <a:p>
             <a:r>
               <a:rPr lang="en-US" dirty="0"/>
+              <a:t>Components</a:t>
+            </a:r>
+          </a:p>
+        </p:txBody>
+      </p:sp>
+      <p:sp>
+        <p:nvSpPr>
+          <p:cNvPr id="3" name="Text Placeholder 2"/>
+          <p:cNvSpPr>
+            <a:spLocks noGrp="1"/>
+          </p:cNvSpPr>
+          <p:nvPr>
+            <p:ph type="body" idx="1"/>
+          </p:nvPr>
+        </p:nvSpPr>
+        <p:spPr/>
+        <p:txBody>
+          <a:bodyPr/>
+          <a:lstStyle/>
+          <a:p>
+            <a:r>
+              <a:rPr lang="en-US" dirty="0"/>
+              <a:t>Components define a custom HTML element</a:t>
+            </a:r>
+          </a:p>
+          <a:p>
+            <a:pPr lvl="1"/>
+            <a:r>
+              <a:rPr lang="en-US" dirty="0"/>
+              <a:t>Data + behavior + template</a:t>
+            </a:r>
+          </a:p>
+        </p:txBody>
+      </p:sp>
+      <p:pic>
+        <p:nvPicPr>
+          <p:cNvPr id="5" name="Picture 4"/>
+          <p:cNvPicPr>
+            <a:picLocks noChangeAspect="1"/>
+          </p:cNvPicPr>
+          <p:nvPr/>
+        </p:nvPicPr>
+        <p:blipFill>
+          <a:blip r:embed="rId2"/>
+          <a:stretch>
+            <a:fillRect/>
+          </a:stretch>
+        </p:blipFill>
+        <p:spPr>
+          <a:xfrm>
+            <a:off x="1828800" y="2590800"/>
+            <a:ext cx="6115050" cy="3107485"/>
+          </a:xfrm>
+          <a:prstGeom prst="rect">
+            <a:avLst/>
+          </a:prstGeom>
+        </p:spPr>
+      </p:pic>
+    </p:spTree>
+    <p:extLst>
+      <p:ext uri="{BB962C8B-B14F-4D97-AF65-F5344CB8AC3E}">
+        <p14:creationId xmlns:p14="http://schemas.microsoft.com/office/powerpoint/2010/main" val="308947159"/>
+      </p:ext>
+    </p:extLst>
+  </p:cSld>
+  <p:clrMapOvr>
+    <a:masterClrMapping/>
+  </p:clrMapOvr>
+  <p:transition>
+    <p:fade/>
+  </p:transition>
+</p:sld>
+</file>
+
+<file path=ppt/slides/slide11.xml><?xml version="1.0" encoding="utf-8"?>
+<p:sld xmlns:a="http://schemas.openxmlformats.org/drawingml/2006/main" xmlns:r="http://schemas.openxmlformats.org/officeDocument/2006/relationships" xmlns:p="http://schemas.openxmlformats.org/presentationml/2006/main">
+  <p:cSld>
+    <p:spTree>
+      <p:nvGrpSpPr>
+        <p:cNvPr id="1" name=""/>
+        <p:cNvGrpSpPr/>
+        <p:nvPr/>
+      </p:nvGrpSpPr>
+      <p:grpSpPr>
+        <a:xfrm>
+          <a:off x="0" y="0"/>
+          <a:ext cx="0" cy="0"/>
+          <a:chOff x="0" y="0"/>
+          <a:chExt cx="0" cy="0"/>
+        </a:xfrm>
+      </p:grpSpPr>
+      <p:sp>
+        <p:nvSpPr>
+          <p:cNvPr id="2" name="Title 1"/>
+          <p:cNvSpPr>
+            <a:spLocks noGrp="1"/>
+          </p:cNvSpPr>
+          <p:nvPr>
+            <p:ph type="title"/>
+          </p:nvPr>
+        </p:nvSpPr>
+        <p:spPr/>
+        <p:txBody>
+          <a:bodyPr/>
+          <a:lstStyle/>
+          <a:p>
+            <a:r>
+              <a:rPr lang="en-US" dirty="0"/>
+              <a:t>What’s Being Loaded?</a:t>
+            </a:r>
+          </a:p>
+        </p:txBody>
+      </p:sp>
+      <p:sp>
+        <p:nvSpPr>
+          <p:cNvPr id="3" name="Text Placeholder 2"/>
+          <p:cNvSpPr>
+            <a:spLocks noGrp="1"/>
+          </p:cNvSpPr>
+          <p:nvPr>
+            <p:ph type="body" idx="1"/>
+          </p:nvPr>
+        </p:nvSpPr>
+        <p:spPr/>
+        <p:txBody>
+          <a:bodyPr/>
+          <a:lstStyle/>
+          <a:p>
+            <a:endParaRPr lang="en-US" dirty="0"/>
+          </a:p>
+        </p:txBody>
+      </p:sp>
+      <p:sp>
+        <p:nvSpPr>
+          <p:cNvPr id="5" name="Rectangle 4"/>
+          <p:cNvSpPr/>
+          <p:nvPr/>
+        </p:nvSpPr>
+        <p:spPr bwMode="auto">
+          <a:xfrm>
+            <a:off x="457200" y="1315039"/>
+            <a:ext cx="2619080" cy="990600"/>
+          </a:xfrm>
+          <a:prstGeom prst="rect">
+            <a:avLst/>
+          </a:prstGeom>
+          <a:ln>
+            <a:headEnd/>
+            <a:tailEnd/>
+          </a:ln>
+        </p:spPr>
+        <p:style>
+          <a:lnRef idx="2">
+            <a:schemeClr val="accent1">
+              <a:shade val="50000"/>
+            </a:schemeClr>
+          </a:lnRef>
+          <a:fillRef idx="1">
+            <a:schemeClr val="accent1"/>
+          </a:fillRef>
+          <a:effectRef idx="0">
+            <a:schemeClr val="accent1"/>
+          </a:effectRef>
+          <a:fontRef idx="minor">
+            <a:schemeClr val="lt1"/>
+          </a:fontRef>
+        </p:style>
+        <p:txBody>
+          <a:bodyPr wrap="none" rtlCol="0" anchor="ctr"/>
+          <a:lstStyle/>
+          <a:p>
+            <a:pPr algn="ctr"/>
+            <a:r>
+              <a:rPr lang="en-US" sz="2000" dirty="0" err="1">
+                <a:latin typeface="Tekton Pro" pitchFamily="34" charset="0"/>
+              </a:rPr>
+              <a:t>polyfills</a:t>
+            </a:r>
+            <a:endParaRPr lang="en-US" sz="2000" dirty="0">
+              <a:latin typeface="Tekton Pro" pitchFamily="34" charset="0"/>
+            </a:endParaRPr>
+          </a:p>
+        </p:txBody>
+      </p:sp>
+      <p:sp>
+        <p:nvSpPr>
+          <p:cNvPr id="6" name="Rectangle 5"/>
+          <p:cNvSpPr/>
+          <p:nvPr/>
+        </p:nvSpPr>
+        <p:spPr bwMode="auto">
+          <a:xfrm>
+            <a:off x="457200" y="2438400"/>
+            <a:ext cx="2590800" cy="990600"/>
+          </a:xfrm>
+          <a:prstGeom prst="rect">
+            <a:avLst/>
+          </a:prstGeom>
+          <a:ln>
+            <a:headEnd/>
+            <a:tailEnd/>
+          </a:ln>
+        </p:spPr>
+        <p:style>
+          <a:lnRef idx="2">
+            <a:schemeClr val="accent1">
+              <a:shade val="50000"/>
+            </a:schemeClr>
+          </a:lnRef>
+          <a:fillRef idx="1">
+            <a:schemeClr val="accent1"/>
+          </a:fillRef>
+          <a:effectRef idx="0">
+            <a:schemeClr val="accent1"/>
+          </a:effectRef>
+          <a:fontRef idx="minor">
+            <a:schemeClr val="lt1"/>
+          </a:fontRef>
+        </p:style>
+        <p:txBody>
+          <a:bodyPr wrap="none" rtlCol="0" anchor="ctr"/>
+          <a:lstStyle/>
+          <a:p>
+            <a:pPr algn="ctr"/>
+            <a:r>
+              <a:rPr lang="en-US" sz="2000" dirty="0">
+                <a:latin typeface="Tekton Pro" pitchFamily="34" charset="0"/>
+              </a:rPr>
+              <a:t>vendor</a:t>
+            </a:r>
+          </a:p>
+        </p:txBody>
+      </p:sp>
+      <p:sp>
+        <p:nvSpPr>
+          <p:cNvPr id="7" name="Rectangle 6"/>
+          <p:cNvSpPr/>
+          <p:nvPr/>
+        </p:nvSpPr>
+        <p:spPr bwMode="auto">
+          <a:xfrm>
+            <a:off x="485480" y="3581400"/>
+            <a:ext cx="2590800" cy="990600"/>
+          </a:xfrm>
+          <a:prstGeom prst="rect">
+            <a:avLst/>
+          </a:prstGeom>
+          <a:ln>
+            <a:headEnd/>
+            <a:tailEnd/>
+          </a:ln>
+        </p:spPr>
+        <p:style>
+          <a:lnRef idx="2">
+            <a:schemeClr val="accent1">
+              <a:shade val="50000"/>
+            </a:schemeClr>
+          </a:lnRef>
+          <a:fillRef idx="1">
+            <a:schemeClr val="accent1"/>
+          </a:fillRef>
+          <a:effectRef idx="0">
+            <a:schemeClr val="accent1"/>
+          </a:effectRef>
+          <a:fontRef idx="minor">
+            <a:schemeClr val="lt1"/>
+          </a:fontRef>
+        </p:style>
+        <p:txBody>
+          <a:bodyPr wrap="none" rtlCol="0" anchor="ctr"/>
+          <a:lstStyle/>
+          <a:p>
+            <a:pPr algn="ctr"/>
+            <a:r>
+              <a:rPr lang="en-US" sz="2000" dirty="0">
+                <a:latin typeface="Tekton Pro" pitchFamily="34" charset="0"/>
+              </a:rPr>
+              <a:t>app</a:t>
+            </a:r>
+          </a:p>
+        </p:txBody>
+      </p:sp>
+      <p:sp>
+        <p:nvSpPr>
+          <p:cNvPr id="8" name="Rectangle 7"/>
+          <p:cNvSpPr/>
+          <p:nvPr/>
+        </p:nvSpPr>
+        <p:spPr bwMode="auto">
+          <a:xfrm>
+            <a:off x="3657600" y="1447800"/>
+            <a:ext cx="1371600" cy="762000"/>
+          </a:xfrm>
+          <a:prstGeom prst="rect">
+            <a:avLst/>
+          </a:prstGeom>
+          <a:ln>
+            <a:headEnd/>
+            <a:tailEnd/>
+          </a:ln>
+        </p:spPr>
+        <p:style>
+          <a:lnRef idx="2">
+            <a:schemeClr val="accent6">
+              <a:shade val="50000"/>
+            </a:schemeClr>
+          </a:lnRef>
+          <a:fillRef idx="1">
+            <a:schemeClr val="accent6"/>
+          </a:fillRef>
+          <a:effectRef idx="0">
+            <a:schemeClr val="accent6"/>
+          </a:effectRef>
+          <a:fontRef idx="minor">
+            <a:schemeClr val="lt1"/>
+          </a:fontRef>
+        </p:style>
+        <p:txBody>
+          <a:bodyPr wrap="none" rtlCol="0" anchor="ctr"/>
+          <a:lstStyle/>
+          <a:p>
+            <a:pPr algn="ctr"/>
+            <a:r>
+              <a:rPr lang="en-US" sz="2000" dirty="0">
+                <a:latin typeface="Tekton Pro" pitchFamily="34" charset="0"/>
+              </a:rPr>
+              <a:t>es6-shim</a:t>
+            </a:r>
+          </a:p>
+        </p:txBody>
+      </p:sp>
+      <p:sp>
+        <p:nvSpPr>
+          <p:cNvPr id="9" name="Rectangle 8"/>
+          <p:cNvSpPr/>
+          <p:nvPr/>
+        </p:nvSpPr>
+        <p:spPr bwMode="auto">
+          <a:xfrm>
+            <a:off x="5334000" y="1447800"/>
+            <a:ext cx="1371600" cy="762000"/>
+          </a:xfrm>
+          <a:prstGeom prst="rect">
+            <a:avLst/>
+          </a:prstGeom>
+          <a:ln>
+            <a:headEnd/>
+            <a:tailEnd/>
+          </a:ln>
+        </p:spPr>
+        <p:style>
+          <a:lnRef idx="2">
+            <a:schemeClr val="accent6">
+              <a:shade val="50000"/>
+            </a:schemeClr>
+          </a:lnRef>
+          <a:fillRef idx="1">
+            <a:schemeClr val="accent6"/>
+          </a:fillRef>
+          <a:effectRef idx="0">
+            <a:schemeClr val="accent6"/>
+          </a:effectRef>
+          <a:fontRef idx="minor">
+            <a:schemeClr val="lt1"/>
+          </a:fontRef>
+        </p:style>
+        <p:txBody>
+          <a:bodyPr wrap="none" rtlCol="0" anchor="ctr"/>
+          <a:lstStyle/>
+          <a:p>
+            <a:pPr algn="ctr"/>
+            <a:r>
+              <a:rPr lang="en-US" sz="2000" dirty="0">
+                <a:latin typeface="Tekton Pro" pitchFamily="34" charset="0"/>
+              </a:rPr>
+              <a:t>reflect-</a:t>
+            </a:r>
+          </a:p>
+          <a:p>
+            <a:pPr algn="ctr"/>
+            <a:r>
+              <a:rPr lang="en-US" sz="2000" dirty="0">
+                <a:latin typeface="Tekton Pro" pitchFamily="34" charset="0"/>
+              </a:rPr>
+              <a:t>metadata</a:t>
+            </a:r>
+          </a:p>
+        </p:txBody>
+      </p:sp>
+      <p:sp>
+        <p:nvSpPr>
+          <p:cNvPr id="10" name="Rectangle 9"/>
+          <p:cNvSpPr/>
+          <p:nvPr/>
+        </p:nvSpPr>
+        <p:spPr bwMode="auto">
+          <a:xfrm>
+            <a:off x="7035538" y="1445443"/>
+            <a:ext cx="1371600" cy="762000"/>
+          </a:xfrm>
+          <a:prstGeom prst="rect">
+            <a:avLst/>
+          </a:prstGeom>
+          <a:ln>
+            <a:headEnd/>
+            <a:tailEnd/>
+          </a:ln>
+        </p:spPr>
+        <p:style>
+          <a:lnRef idx="2">
+            <a:schemeClr val="accent6">
+              <a:shade val="50000"/>
+            </a:schemeClr>
+          </a:lnRef>
+          <a:fillRef idx="1">
+            <a:schemeClr val="accent6"/>
+          </a:fillRef>
+          <a:effectRef idx="0">
+            <a:schemeClr val="accent6"/>
+          </a:effectRef>
+          <a:fontRef idx="minor">
+            <a:schemeClr val="lt1"/>
+          </a:fontRef>
+        </p:style>
+        <p:txBody>
+          <a:bodyPr wrap="none" rtlCol="0" anchor="ctr"/>
+          <a:lstStyle/>
+          <a:p>
+            <a:pPr algn="ctr"/>
+            <a:r>
+              <a:rPr lang="en-US" sz="2000" dirty="0" err="1">
+                <a:latin typeface="Tekton Pro" pitchFamily="34" charset="0"/>
+              </a:rPr>
+              <a:t>zonejs</a:t>
+            </a:r>
+            <a:endParaRPr lang="en-US" sz="2000" dirty="0">
+              <a:latin typeface="Tekton Pro" pitchFamily="34" charset="0"/>
+            </a:endParaRPr>
+          </a:p>
+        </p:txBody>
+      </p:sp>
+      <p:sp>
+        <p:nvSpPr>
+          <p:cNvPr id="11" name="Rectangle 10"/>
+          <p:cNvSpPr/>
+          <p:nvPr/>
+        </p:nvSpPr>
+        <p:spPr bwMode="auto">
+          <a:xfrm>
+            <a:off x="3657600" y="2579409"/>
+            <a:ext cx="1371600" cy="762000"/>
+          </a:xfrm>
+          <a:prstGeom prst="rect">
+            <a:avLst/>
+          </a:prstGeom>
+          <a:ln>
+            <a:headEnd/>
+            <a:tailEnd/>
+          </a:ln>
+        </p:spPr>
+        <p:style>
+          <a:lnRef idx="2">
+            <a:schemeClr val="accent6">
+              <a:shade val="50000"/>
+            </a:schemeClr>
+          </a:lnRef>
+          <a:fillRef idx="1">
+            <a:schemeClr val="accent6"/>
+          </a:fillRef>
+          <a:effectRef idx="0">
+            <a:schemeClr val="accent6"/>
+          </a:effectRef>
+          <a:fontRef idx="minor">
+            <a:schemeClr val="lt1"/>
+          </a:fontRef>
+        </p:style>
+        <p:txBody>
+          <a:bodyPr wrap="none" rtlCol="0" anchor="ctr"/>
+          <a:lstStyle/>
+          <a:p>
+            <a:pPr algn="ctr"/>
+            <a:r>
+              <a:rPr lang="en-US" sz="2000" dirty="0">
+                <a:latin typeface="Tekton Pro" pitchFamily="34" charset="0"/>
+              </a:rPr>
+              <a:t>angular</a:t>
+            </a:r>
+          </a:p>
+        </p:txBody>
+      </p:sp>
+      <p:sp>
+        <p:nvSpPr>
+          <p:cNvPr id="12" name="Rectangle 11"/>
+          <p:cNvSpPr/>
+          <p:nvPr/>
+        </p:nvSpPr>
+        <p:spPr bwMode="auto">
+          <a:xfrm>
+            <a:off x="5334000" y="2590800"/>
+            <a:ext cx="1371600" cy="762000"/>
+          </a:xfrm>
+          <a:prstGeom prst="rect">
+            <a:avLst/>
+          </a:prstGeom>
+          <a:ln>
+            <a:headEnd/>
+            <a:tailEnd/>
+          </a:ln>
+        </p:spPr>
+        <p:style>
+          <a:lnRef idx="2">
+            <a:schemeClr val="accent6">
+              <a:shade val="50000"/>
+            </a:schemeClr>
+          </a:lnRef>
+          <a:fillRef idx="1">
+            <a:schemeClr val="accent6"/>
+          </a:fillRef>
+          <a:effectRef idx="0">
+            <a:schemeClr val="accent6"/>
+          </a:effectRef>
+          <a:fontRef idx="minor">
+            <a:schemeClr val="lt1"/>
+          </a:fontRef>
+        </p:style>
+        <p:txBody>
+          <a:bodyPr wrap="none" rtlCol="0" anchor="ctr"/>
+          <a:lstStyle/>
+          <a:p>
+            <a:pPr algn="ctr"/>
+            <a:r>
+              <a:rPr lang="en-US" sz="2000" dirty="0" err="1">
+                <a:latin typeface="Tekton Pro" pitchFamily="34" charset="0"/>
+              </a:rPr>
+              <a:t>rx-js</a:t>
+            </a:r>
+            <a:endParaRPr lang="en-US" sz="2000" dirty="0">
+              <a:latin typeface="Tekton Pro" pitchFamily="34" charset="0"/>
+            </a:endParaRPr>
+          </a:p>
+        </p:txBody>
+      </p:sp>
+      <p:sp>
+        <p:nvSpPr>
+          <p:cNvPr id="13" name="Rectangle 12"/>
+          <p:cNvSpPr/>
+          <p:nvPr/>
+        </p:nvSpPr>
+        <p:spPr bwMode="auto">
+          <a:xfrm>
+            <a:off x="3657600" y="3657993"/>
+            <a:ext cx="1371600" cy="762000"/>
+          </a:xfrm>
+          <a:prstGeom prst="rect">
+            <a:avLst/>
+          </a:prstGeom>
+          <a:ln>
+            <a:headEnd/>
+            <a:tailEnd/>
+          </a:ln>
+        </p:spPr>
+        <p:style>
+          <a:lnRef idx="2">
+            <a:schemeClr val="accent6">
+              <a:shade val="50000"/>
+            </a:schemeClr>
+          </a:lnRef>
+          <a:fillRef idx="1">
+            <a:schemeClr val="accent6"/>
+          </a:fillRef>
+          <a:effectRef idx="0">
+            <a:schemeClr val="accent6"/>
+          </a:effectRef>
+          <a:fontRef idx="minor">
+            <a:schemeClr val="lt1"/>
+          </a:fontRef>
+        </p:style>
+        <p:txBody>
+          <a:bodyPr wrap="none" rtlCol="0" anchor="ctr"/>
+          <a:lstStyle/>
+          <a:p>
+            <a:pPr algn="ctr"/>
+            <a:r>
+              <a:rPr lang="en-US" sz="2000" dirty="0">
+                <a:latin typeface="Tekton Pro" pitchFamily="34" charset="0"/>
+              </a:rPr>
+              <a:t>my-code</a:t>
+            </a:r>
+          </a:p>
+        </p:txBody>
+      </p:sp>
+    </p:spTree>
+    <p:extLst>
+      <p:ext uri="{BB962C8B-B14F-4D97-AF65-F5344CB8AC3E}">
+        <p14:creationId xmlns:p14="http://schemas.microsoft.com/office/powerpoint/2010/main" val="2775049998"/>
+      </p:ext>
+    </p:extLst>
+  </p:cSld>
+  <p:clrMapOvr>
+    <a:masterClrMapping/>
+  </p:clrMapOvr>
+  <p:transition>
+    <p:fade/>
+  </p:transition>
+</p:sld>
+</file>
+
+<file path=ppt/slides/slide12.xml><?xml version="1.0" encoding="utf-8"?>
+<p:sld xmlns:a="http://schemas.openxmlformats.org/drawingml/2006/main" xmlns:r="http://schemas.openxmlformats.org/officeDocument/2006/relationships" xmlns:p="http://schemas.openxmlformats.org/presentationml/2006/main">
+  <p:cSld>
+    <p:spTree>
+      <p:nvGrpSpPr>
+        <p:cNvPr id="1" name=""/>
+        <p:cNvGrpSpPr/>
+        <p:nvPr/>
+      </p:nvGrpSpPr>
+      <p:grpSpPr>
+        <a:xfrm>
+          <a:off x="0" y="0"/>
+          <a:ext cx="0" cy="0"/>
+          <a:chOff x="0" y="0"/>
+          <a:chExt cx="0" cy="0"/>
+        </a:xfrm>
+      </p:grpSpPr>
+      <p:sp>
+        <p:nvSpPr>
+          <p:cNvPr id="2" name="Title 1"/>
+          <p:cNvSpPr>
+            <a:spLocks noGrp="1"/>
+          </p:cNvSpPr>
+          <p:nvPr>
+            <p:ph type="title"/>
+          </p:nvPr>
+        </p:nvSpPr>
+        <p:spPr/>
+        <p:txBody>
+          <a:bodyPr/>
+          <a:lstStyle/>
+          <a:p>
+            <a:r>
+              <a:rPr lang="en-US" dirty="0"/>
+              <a:t>Other Starting Points</a:t>
+            </a:r>
+          </a:p>
+        </p:txBody>
+      </p:sp>
+      <p:sp>
+        <p:nvSpPr>
+          <p:cNvPr id="3" name="Text Placeholder 2"/>
+          <p:cNvSpPr>
+            <a:spLocks noGrp="1"/>
+          </p:cNvSpPr>
+          <p:nvPr>
+            <p:ph type="body" idx="1"/>
+          </p:nvPr>
+        </p:nvSpPr>
+        <p:spPr/>
+        <p:txBody>
+          <a:bodyPr/>
+          <a:lstStyle/>
+          <a:p>
+            <a:r>
+              <a:rPr lang="en-US" dirty="0"/>
+              <a:t>Yeoman generators</a:t>
+            </a:r>
+          </a:p>
+          <a:p>
+            <a:pPr lvl="1"/>
+            <a:r>
+              <a:rPr lang="en-US" dirty="0"/>
+              <a:t>generator-angular2</a:t>
+            </a:r>
+          </a:p>
+          <a:p>
+            <a:pPr lvl="1"/>
+            <a:r>
+              <a:rPr lang="en-US" dirty="0"/>
+              <a:t>generator-angular2-gulp-webpack</a:t>
+            </a:r>
+          </a:p>
+          <a:p>
+            <a:r>
+              <a:rPr lang="en-US" dirty="0"/>
+              <a:t>Seed projects</a:t>
+            </a:r>
+          </a:p>
+          <a:p>
+            <a:pPr lvl="1"/>
+            <a:r>
+              <a:rPr lang="en-US" dirty="0"/>
+              <a:t>angular2-seed (</a:t>
+            </a:r>
+            <a:r>
+              <a:rPr lang="en-US" dirty="0" err="1"/>
+              <a:t>npm</a:t>
+            </a:r>
+            <a:r>
+              <a:rPr lang="en-US" dirty="0"/>
+              <a:t>)</a:t>
+            </a:r>
+          </a:p>
+          <a:p>
+            <a:pPr lvl="1"/>
+            <a:r>
+              <a:rPr lang="en-US" dirty="0"/>
+              <a:t>ng2-play (</a:t>
+            </a:r>
+            <a:r>
+              <a:rPr lang="en-US" dirty="0" err="1"/>
+              <a:t>github:pkozlowski-opensource</a:t>
+            </a:r>
+            <a:r>
+              <a:rPr lang="en-US" dirty="0"/>
+              <a:t>)</a:t>
+            </a:r>
+          </a:p>
+          <a:p>
+            <a:pPr lvl="1"/>
+            <a:r>
+              <a:rPr lang="en-US" dirty="0"/>
+              <a:t>angular-starter (</a:t>
+            </a:r>
+            <a:r>
+              <a:rPr lang="en-US" dirty="0" err="1"/>
+              <a:t>github:eladrk</a:t>
+            </a:r>
+            <a:r>
+              <a:rPr lang="en-US" dirty="0"/>
+              <a:t>)</a:t>
+            </a:r>
+          </a:p>
+          <a:p>
+            <a:r>
+              <a:rPr lang="en-US" dirty="0" err="1"/>
+              <a:t>SystemJS</a:t>
+            </a:r>
+            <a:r>
+              <a:rPr lang="en-US" dirty="0"/>
+              <a:t> versus </a:t>
+            </a:r>
+            <a:r>
+              <a:rPr lang="en-US" dirty="0" err="1"/>
+              <a:t>Webpack</a:t>
+            </a:r>
+            <a:endParaRPr lang="en-US" dirty="0"/>
+          </a:p>
+          <a:p>
+            <a:pPr lvl="1"/>
+            <a:endParaRPr lang="en-US" dirty="0"/>
+          </a:p>
+          <a:p>
+            <a:pPr lvl="1"/>
+            <a:endParaRPr lang="en-US" dirty="0"/>
+          </a:p>
+        </p:txBody>
+      </p:sp>
+      <p:pic>
+        <p:nvPicPr>
+          <p:cNvPr id="4" name="Picture 2" descr="http://yeoman.io/assets/img/yeoman-logo.png"/>
+          <p:cNvPicPr>
+            <a:picLocks noChangeAspect="1" noChangeArrowheads="1"/>
+          </p:cNvPicPr>
+          <p:nvPr/>
+        </p:nvPicPr>
+        <p:blipFill>
+          <a:blip r:embed="rId2">
+            <a:extLst>
+              <a:ext uri="{28A0092B-C50C-407E-A947-70E740481C1C}">
+                <a14:useLocalDpi xmlns:a14="http://schemas.microsoft.com/office/drawing/2010/main" val="0"/>
+              </a:ext>
+            </a:extLst>
+          </a:blip>
+          <a:srcRect/>
+          <a:stretch>
+            <a:fillRect/>
+          </a:stretch>
+        </p:blipFill>
+        <p:spPr bwMode="auto">
+          <a:xfrm>
+            <a:off x="6177854" y="1447800"/>
+            <a:ext cx="2512756" cy="2176827"/>
+          </a:xfrm>
+          <a:prstGeom prst="rect">
+            <a:avLst/>
+          </a:prstGeom>
+          <a:noFill/>
+          <a:extLst>
+            <a:ext uri="{909E8E84-426E-40DD-AFC4-6F175D3DCCD1}">
+              <a14:hiddenFill xmlns:a14="http://schemas.microsoft.com/office/drawing/2010/main">
+                <a:solidFill>
+                  <a:srgbClr val="FFFFFF"/>
+                </a:solidFill>
+              </a14:hiddenFill>
+            </a:ext>
+          </a:extLst>
+        </p:spPr>
+      </p:pic>
+    </p:spTree>
+    <p:extLst>
+      <p:ext uri="{BB962C8B-B14F-4D97-AF65-F5344CB8AC3E}">
+        <p14:creationId xmlns:p14="http://schemas.microsoft.com/office/powerpoint/2010/main" val="3300752119"/>
+      </p:ext>
+    </p:extLst>
+  </p:cSld>
+  <p:clrMapOvr>
+    <a:masterClrMapping/>
+  </p:clrMapOvr>
+  <p:transition>
+    <p:fade/>
+  </p:transition>
+  <p:timing>
+    <p:tnLst>
+      <p:par>
+        <p:cTn id="1" dur="indefinite" restart="never" nodeType="tmRoot">
+          <p:childTnLst>
+            <p:seq concurrent="1" nextAc="seek">
+              <p:cTn id="2" dur="indefinite" nodeType="mainSeq">
+                <p:childTnLst>
+                  <p:par>
+                    <p:cTn id="3" fill="hold">
+                      <p:stCondLst>
+                        <p:cond delay="indefinite"/>
+                      </p:stCondLst>
+                      <p:childTnLst>
+                        <p:par>
+                          <p:cTn id="4" fill="hold">
+                            <p:stCondLst>
+                              <p:cond delay="0"/>
+                            </p:stCondLst>
+                            <p:childTnLst>
+                              <p:par>
+                                <p:cTn id="5" presetID="10" presetClass="entr" presetSubtype="0" fill="hold" nodeType="clickEffect">
+                                  <p:stCondLst>
+                                    <p:cond delay="0"/>
+                                  </p:stCondLst>
+                                  <p:childTnLst>
+                                    <p:set>
+                                      <p:cBhvr>
+                                        <p:cTn id="6" dur="1" fill="hold">
+                                          <p:stCondLst>
+                                            <p:cond delay="0"/>
+                                          </p:stCondLst>
+                                        </p:cTn>
+                                        <p:tgtEl>
+                                          <p:spTgt spid="3">
+                                            <p:txEl>
+                                              <p:pRg st="0" end="0"/>
+                                            </p:txEl>
+                                          </p:spTgt>
+                                        </p:tgtEl>
+                                        <p:attrNameLst>
+                                          <p:attrName>style.visibility</p:attrName>
+                                        </p:attrNameLst>
+                                      </p:cBhvr>
+                                      <p:to>
+                                        <p:strVal val="visible"/>
+                                      </p:to>
+                                    </p:set>
+                                    <p:animEffect transition="in" filter="fade">
+                                      <p:cBhvr>
+                                        <p:cTn id="7" dur="500"/>
+                                        <p:tgtEl>
+                                          <p:spTgt spid="3">
+                                            <p:txEl>
+                                              <p:pRg st="0" end="0"/>
+                                            </p:txEl>
+                                          </p:spTgt>
+                                        </p:tgtEl>
+                                      </p:cBhvr>
+                                    </p:animEffect>
+                                  </p:childTnLst>
+                                </p:cTn>
+                              </p:par>
+                              <p:par>
+                                <p:cTn id="8" presetID="10" presetClass="entr" presetSubtype="0" fill="hold" nodeType="withEffect">
+                                  <p:stCondLst>
+                                    <p:cond delay="0"/>
+                                  </p:stCondLst>
+                                  <p:childTnLst>
+                                    <p:set>
+                                      <p:cBhvr>
+                                        <p:cTn id="9" dur="1" fill="hold">
+                                          <p:stCondLst>
+                                            <p:cond delay="0"/>
+                                          </p:stCondLst>
+                                        </p:cTn>
+                                        <p:tgtEl>
+                                          <p:spTgt spid="3">
+                                            <p:txEl>
+                                              <p:pRg st="1" end="1"/>
+                                            </p:txEl>
+                                          </p:spTgt>
+                                        </p:tgtEl>
+                                        <p:attrNameLst>
+                                          <p:attrName>style.visibility</p:attrName>
+                                        </p:attrNameLst>
+                                      </p:cBhvr>
+                                      <p:to>
+                                        <p:strVal val="visible"/>
+                                      </p:to>
+                                    </p:set>
+                                    <p:animEffect transition="in" filter="fade">
+                                      <p:cBhvr>
+                                        <p:cTn id="10" dur="500"/>
+                                        <p:tgtEl>
+                                          <p:spTgt spid="3">
+                                            <p:txEl>
+                                              <p:pRg st="1" end="1"/>
+                                            </p:txEl>
+                                          </p:spTgt>
+                                        </p:tgtEl>
+                                      </p:cBhvr>
+                                    </p:animEffect>
+                                  </p:childTnLst>
+                                </p:cTn>
+                              </p:par>
+                              <p:par>
+                                <p:cTn id="11" presetID="10" presetClass="entr" presetSubtype="0" fill="hold" nodeType="withEffect">
+                                  <p:stCondLst>
+                                    <p:cond delay="0"/>
+                                  </p:stCondLst>
+                                  <p:childTnLst>
+                                    <p:set>
+                                      <p:cBhvr>
+                                        <p:cTn id="12" dur="1" fill="hold">
+                                          <p:stCondLst>
+                                            <p:cond delay="0"/>
+                                          </p:stCondLst>
+                                        </p:cTn>
+                                        <p:tgtEl>
+                                          <p:spTgt spid="3">
+                                            <p:txEl>
+                                              <p:pRg st="2" end="2"/>
+                                            </p:txEl>
+                                          </p:spTgt>
+                                        </p:tgtEl>
+                                        <p:attrNameLst>
+                                          <p:attrName>style.visibility</p:attrName>
+                                        </p:attrNameLst>
+                                      </p:cBhvr>
+                                      <p:to>
+                                        <p:strVal val="visible"/>
+                                      </p:to>
+                                    </p:set>
+                                    <p:animEffect transition="in" filter="fade">
+                                      <p:cBhvr>
+                                        <p:cTn id="13" dur="500"/>
+                                        <p:tgtEl>
+                                          <p:spTgt spid="3">
+                                            <p:txEl>
+                                              <p:pRg st="2" end="2"/>
+                                            </p:txEl>
+                                          </p:spTgt>
+                                        </p:tgtEl>
+                                      </p:cBhvr>
+                                    </p:animEffect>
+                                  </p:childTnLst>
+                                </p:cTn>
+                              </p:par>
+                            </p:childTnLst>
+                          </p:cTn>
+                        </p:par>
+                        <p:par>
+                          <p:cTn id="14" fill="hold">
+                            <p:stCondLst>
+                              <p:cond delay="500"/>
+                            </p:stCondLst>
+                            <p:childTnLst>
+                              <p:par>
+                                <p:cTn id="15" presetID="10" presetClass="entr" presetSubtype="0" fill="hold" nodeType="afterEffect">
+                                  <p:stCondLst>
+                                    <p:cond delay="0"/>
+                                  </p:stCondLst>
+                                  <p:childTnLst>
+                                    <p:set>
+                                      <p:cBhvr>
+                                        <p:cTn id="16" dur="1" fill="hold">
+                                          <p:stCondLst>
+                                            <p:cond delay="0"/>
+                                          </p:stCondLst>
+                                        </p:cTn>
+                                        <p:tgtEl>
+                                          <p:spTgt spid="4"/>
+                                        </p:tgtEl>
+                                        <p:attrNameLst>
+                                          <p:attrName>style.visibility</p:attrName>
+                                        </p:attrNameLst>
+                                      </p:cBhvr>
+                                      <p:to>
+                                        <p:strVal val="visible"/>
+                                      </p:to>
+                                    </p:set>
+                                    <p:animEffect transition="in" filter="fade">
+                                      <p:cBhvr>
+                                        <p:cTn id="17" dur="500"/>
+                                        <p:tgtEl>
+                                          <p:spTgt spid="4"/>
+                                        </p:tgtEl>
+                                      </p:cBhvr>
+                                    </p:animEffect>
+                                  </p:childTnLst>
+                                </p:cTn>
+                              </p:par>
+                            </p:childTnLst>
+                          </p:cTn>
+                        </p:par>
+                      </p:childTnLst>
+                    </p:cTn>
+                  </p:par>
+                  <p:par>
+                    <p:cTn id="18" fill="hold">
+                      <p:stCondLst>
+                        <p:cond delay="indefinite"/>
+                      </p:stCondLst>
+                      <p:childTnLst>
+                        <p:par>
+                          <p:cTn id="19" fill="hold">
+                            <p:stCondLst>
+                              <p:cond delay="0"/>
+                            </p:stCondLst>
+                            <p:childTnLst>
+                              <p:par>
+                                <p:cTn id="20" presetID="10" presetClass="entr" presetSubtype="0" fill="hold" nodeType="clickEffect">
+                                  <p:stCondLst>
+                                    <p:cond delay="0"/>
+                                  </p:stCondLst>
+                                  <p:childTnLst>
+                                    <p:set>
+                                      <p:cBhvr>
+                                        <p:cTn id="21" dur="1" fill="hold">
+                                          <p:stCondLst>
+                                            <p:cond delay="0"/>
+                                          </p:stCondLst>
+                                        </p:cTn>
+                                        <p:tgtEl>
+                                          <p:spTgt spid="3">
+                                            <p:txEl>
+                                              <p:pRg st="3" end="3"/>
+                                            </p:txEl>
+                                          </p:spTgt>
+                                        </p:tgtEl>
+                                        <p:attrNameLst>
+                                          <p:attrName>style.visibility</p:attrName>
+                                        </p:attrNameLst>
+                                      </p:cBhvr>
+                                      <p:to>
+                                        <p:strVal val="visible"/>
+                                      </p:to>
+                                    </p:set>
+                                    <p:animEffect transition="in" filter="fade">
+                                      <p:cBhvr>
+                                        <p:cTn id="22" dur="500"/>
+                                        <p:tgtEl>
+                                          <p:spTgt spid="3">
+                                            <p:txEl>
+                                              <p:pRg st="3" end="3"/>
+                                            </p:txEl>
+                                          </p:spTgt>
+                                        </p:tgtEl>
+                                      </p:cBhvr>
+                                    </p:animEffect>
+                                  </p:childTnLst>
+                                </p:cTn>
+                              </p:par>
+                              <p:par>
+                                <p:cTn id="23" presetID="10" presetClass="entr" presetSubtype="0" fill="hold" nodeType="withEffect">
+                                  <p:stCondLst>
+                                    <p:cond delay="0"/>
+                                  </p:stCondLst>
+                                  <p:childTnLst>
+                                    <p:set>
+                                      <p:cBhvr>
+                                        <p:cTn id="24" dur="1" fill="hold">
+                                          <p:stCondLst>
+                                            <p:cond delay="0"/>
+                                          </p:stCondLst>
+                                        </p:cTn>
+                                        <p:tgtEl>
+                                          <p:spTgt spid="3">
+                                            <p:txEl>
+                                              <p:pRg st="4" end="4"/>
+                                            </p:txEl>
+                                          </p:spTgt>
+                                        </p:tgtEl>
+                                        <p:attrNameLst>
+                                          <p:attrName>style.visibility</p:attrName>
+                                        </p:attrNameLst>
+                                      </p:cBhvr>
+                                      <p:to>
+                                        <p:strVal val="visible"/>
+                                      </p:to>
+                                    </p:set>
+                                    <p:animEffect transition="in" filter="fade">
+                                      <p:cBhvr>
+                                        <p:cTn id="25" dur="500"/>
+                                        <p:tgtEl>
+                                          <p:spTgt spid="3">
+                                            <p:txEl>
+                                              <p:pRg st="4" end="4"/>
+                                            </p:txEl>
+                                          </p:spTgt>
+                                        </p:tgtEl>
+                                      </p:cBhvr>
+                                    </p:animEffect>
+                                  </p:childTnLst>
+                                </p:cTn>
+                              </p:par>
+                              <p:par>
+                                <p:cTn id="26" presetID="10" presetClass="entr" presetSubtype="0" fill="hold" nodeType="withEffect">
+                                  <p:stCondLst>
+                                    <p:cond delay="0"/>
+                                  </p:stCondLst>
+                                  <p:childTnLst>
+                                    <p:set>
+                                      <p:cBhvr>
+                                        <p:cTn id="27" dur="1" fill="hold">
+                                          <p:stCondLst>
+                                            <p:cond delay="0"/>
+                                          </p:stCondLst>
+                                        </p:cTn>
+                                        <p:tgtEl>
+                                          <p:spTgt spid="3">
+                                            <p:txEl>
+                                              <p:pRg st="5" end="5"/>
+                                            </p:txEl>
+                                          </p:spTgt>
+                                        </p:tgtEl>
+                                        <p:attrNameLst>
+                                          <p:attrName>style.visibility</p:attrName>
+                                        </p:attrNameLst>
+                                      </p:cBhvr>
+                                      <p:to>
+                                        <p:strVal val="visible"/>
+                                      </p:to>
+                                    </p:set>
+                                    <p:animEffect transition="in" filter="fade">
+                                      <p:cBhvr>
+                                        <p:cTn id="28" dur="500"/>
+                                        <p:tgtEl>
+                                          <p:spTgt spid="3">
+                                            <p:txEl>
+                                              <p:pRg st="5" end="5"/>
+                                            </p:txEl>
+                                          </p:spTgt>
+                                        </p:tgtEl>
+                                      </p:cBhvr>
+                                    </p:animEffect>
+                                  </p:childTnLst>
+                                </p:cTn>
+                              </p:par>
+                              <p:par>
+                                <p:cTn id="29" presetID="10" presetClass="entr" presetSubtype="0" fill="hold" nodeType="withEffect">
+                                  <p:stCondLst>
+                                    <p:cond delay="0"/>
+                                  </p:stCondLst>
+                                  <p:childTnLst>
+                                    <p:set>
+                                      <p:cBhvr>
+                                        <p:cTn id="30" dur="1" fill="hold">
+                                          <p:stCondLst>
+                                            <p:cond delay="0"/>
+                                          </p:stCondLst>
+                                        </p:cTn>
+                                        <p:tgtEl>
+                                          <p:spTgt spid="3">
+                                            <p:txEl>
+                                              <p:pRg st="6" end="6"/>
+                                            </p:txEl>
+                                          </p:spTgt>
+                                        </p:tgtEl>
+                                        <p:attrNameLst>
+                                          <p:attrName>style.visibility</p:attrName>
+                                        </p:attrNameLst>
+                                      </p:cBhvr>
+                                      <p:to>
+                                        <p:strVal val="visible"/>
+                                      </p:to>
+                                    </p:set>
+                                    <p:animEffect transition="in" filter="fade">
+                                      <p:cBhvr>
+                                        <p:cTn id="31" dur="500"/>
+                                        <p:tgtEl>
+                                          <p:spTgt spid="3">
+                                            <p:txEl>
+                                              <p:pRg st="6" end="6"/>
+                                            </p:txEl>
+                                          </p:spTgt>
+                                        </p:tgtEl>
+                                      </p:cBhvr>
+                                    </p:animEffect>
+                                  </p:childTnLst>
+                                </p:cTn>
+                              </p:par>
+                              <p:par>
+                                <p:cTn id="32" presetID="10" presetClass="entr" presetSubtype="0" fill="hold" nodeType="withEffect">
+                                  <p:stCondLst>
+                                    <p:cond delay="0"/>
+                                  </p:stCondLst>
+                                  <p:childTnLst>
+                                    <p:set>
+                                      <p:cBhvr>
+                                        <p:cTn id="33" dur="1" fill="hold">
+                                          <p:stCondLst>
+                                            <p:cond delay="0"/>
+                                          </p:stCondLst>
+                                        </p:cTn>
+                                        <p:tgtEl>
+                                          <p:spTgt spid="3">
+                                            <p:txEl>
+                                              <p:pRg st="7" end="7"/>
+                                            </p:txEl>
+                                          </p:spTgt>
+                                        </p:tgtEl>
+                                        <p:attrNameLst>
+                                          <p:attrName>style.visibility</p:attrName>
+                                        </p:attrNameLst>
+                                      </p:cBhvr>
+                                      <p:to>
+                                        <p:strVal val="visible"/>
+                                      </p:to>
+                                    </p:set>
+                                    <p:animEffect transition="in" filter="fade">
+                                      <p:cBhvr>
+                                        <p:cTn id="34" dur="500"/>
+                                        <p:tgtEl>
+                                          <p:spTgt spid="3">
+                                            <p:txEl>
+                                              <p:pRg st="7" end="7"/>
+                                            </p:txEl>
+                                          </p:spTgt>
+                                        </p:tgtEl>
+                                      </p:cBhvr>
+                                    </p:animEffect>
+                                  </p:childTnLst>
+                                </p:cTn>
+                              </p:par>
+                            </p:childTnLst>
+                          </p:cTn>
+                        </p:par>
+                      </p:childTnLst>
+                    </p:cTn>
+                  </p:par>
+                </p:childTnLst>
+              </p:cTn>
+              <p:prevCondLst>
+                <p:cond evt="onPrev" delay="0">
+                  <p:tgtEl>
+                    <p:sldTgt/>
+                  </p:tgtEl>
+                </p:cond>
+              </p:prevCondLst>
+              <p:nextCondLst>
+                <p:cond evt="onNext" delay="0">
+                  <p:tgtEl>
+                    <p:sldTgt/>
+                  </p:tgtEl>
+                </p:cond>
+              </p:nextCondLst>
+            </p:seq>
+          </p:childTnLst>
+        </p:cTn>
+      </p:par>
+    </p:tnLst>
+  </p:timing>
+</p:sld>
+</file>
+
+<file path=ppt/slides/slide13.xml><?xml version="1.0" encoding="utf-8"?>
+<p:sld xmlns:a="http://schemas.openxmlformats.org/drawingml/2006/main" xmlns:r="http://schemas.openxmlformats.org/officeDocument/2006/relationships" xmlns:p="http://schemas.openxmlformats.org/presentationml/2006/main">
+  <p:cSld>
+    <p:spTree>
+      <p:nvGrpSpPr>
+        <p:cNvPr id="1" name=""/>
+        <p:cNvGrpSpPr/>
+        <p:nvPr/>
+      </p:nvGrpSpPr>
+      <p:grpSpPr>
+        <a:xfrm>
+          <a:off x="0" y="0"/>
+          <a:ext cx="0" cy="0"/>
+          <a:chOff x="0" y="0"/>
+          <a:chExt cx="0" cy="0"/>
+        </a:xfrm>
+      </p:grpSpPr>
+      <p:sp>
+        <p:nvSpPr>
+          <p:cNvPr id="2" name="Title 1"/>
+          <p:cNvSpPr>
+            <a:spLocks noGrp="1"/>
+          </p:cNvSpPr>
+          <p:nvPr>
+            <p:ph type="title"/>
+          </p:nvPr>
+        </p:nvSpPr>
+        <p:spPr/>
+        <p:txBody>
+          <a:bodyPr/>
+          <a:lstStyle/>
+          <a:p>
+            <a:r>
+              <a:rPr lang="en-US" dirty="0"/>
               <a:t>Directives</a:t>
             </a:r>
           </a:p>
@@ -2926,7 +4229,7 @@
 </p:sld>
 </file>
 
-<file path=ppt/slides/slide11.xml><?xml version="1.0" encoding="utf-8"?>
+<file path=ppt/slides/slide14.xml><?xml version="1.0" encoding="utf-8"?>
 <p:sld xmlns:a="http://schemas.openxmlformats.org/drawingml/2006/main" xmlns:r="http://schemas.openxmlformats.org/officeDocument/2006/relationships" xmlns:p="http://schemas.openxmlformats.org/presentationml/2006/main">
   <p:cSld>
     <p:spTree>
@@ -2996,7 +4299,7 @@
       </p:sp>
       <p:pic>
         <p:nvPicPr>
-          <p:cNvPr id="4" name="Picture 3"/>
+          <p:cNvPr id="5" name="Picture 4"/>
           <p:cNvPicPr>
             <a:picLocks noChangeAspect="1"/>
           </p:cNvPicPr>
@@ -3010,8 +4313,8 @@
         </p:blipFill>
         <p:spPr>
           <a:xfrm>
-            <a:off x="1600200" y="2667000"/>
-            <a:ext cx="5716518" cy="2667000"/>
+            <a:off x="1905000" y="2819400"/>
+            <a:ext cx="5715000" cy="2143125"/>
           </a:xfrm>
           <a:prstGeom prst="rect">
             <a:avLst/>
@@ -3034,7 +4337,7 @@
 </p:sld>
 </file>
 
-<file path=ppt/slides/slide12.xml><?xml version="1.0" encoding="utf-8"?>
+<file path=ppt/slides/slide15.xml><?xml version="1.0" encoding="utf-8"?>
 <p:sld xmlns:a="http://schemas.openxmlformats.org/drawingml/2006/main" xmlns:r="http://schemas.openxmlformats.org/officeDocument/2006/relationships" xmlns:p="http://schemas.openxmlformats.org/presentationml/2006/main">
   <p:cSld>
     <p:spTree>
@@ -3224,7 +4527,7 @@
 </p:sld>
 </file>
 
-<file path=ppt/slides/slide13.xml><?xml version="1.0" encoding="utf-8"?>
+<file path=ppt/slides/slide16.xml><?xml version="1.0" encoding="utf-8"?>
 <p:sld xmlns:a="http://schemas.openxmlformats.org/drawingml/2006/main" xmlns:r="http://schemas.openxmlformats.org/officeDocument/2006/relationships" xmlns:p="http://schemas.openxmlformats.org/presentationml/2006/main">
   <p:cSld>
     <p:spTree>
@@ -3979,7 +5282,7 @@
 </p:sld>
 </file>
 
-<file path=ppt/slides/slide14.xml><?xml version="1.0" encoding="utf-8"?>
+<file path=ppt/slides/slide17.xml><?xml version="1.0" encoding="utf-8"?>
 <p:sld xmlns:a="http://schemas.openxmlformats.org/drawingml/2006/main" xmlns:r="http://schemas.openxmlformats.org/officeDocument/2006/relationships" xmlns:p="http://schemas.openxmlformats.org/presentationml/2006/main">
   <p:cSld>
     <p:spTree>
@@ -4383,365 +5686,6 @@
 </p:sld>
 </file>
 
-<file path=ppt/slides/slide15.xml><?xml version="1.0" encoding="utf-8"?>
-<p:sld xmlns:a="http://schemas.openxmlformats.org/drawingml/2006/main" xmlns:r="http://schemas.openxmlformats.org/officeDocument/2006/relationships" xmlns:p="http://schemas.openxmlformats.org/presentationml/2006/main">
-  <p:cSld>
-    <p:spTree>
-      <p:nvGrpSpPr>
-        <p:cNvPr id="1" name=""/>
-        <p:cNvGrpSpPr/>
-        <p:nvPr/>
-      </p:nvGrpSpPr>
-      <p:grpSpPr>
-        <a:xfrm>
-          <a:off x="0" y="0"/>
-          <a:ext cx="0" cy="0"/>
-          <a:chOff x="0" y="0"/>
-          <a:chExt cx="0" cy="0"/>
-        </a:xfrm>
-      </p:grpSpPr>
-      <p:sp>
-        <p:nvSpPr>
-          <p:cNvPr id="2" name="Title 1"/>
-          <p:cNvSpPr>
-            <a:spLocks noGrp="1"/>
-          </p:cNvSpPr>
-          <p:nvPr>
-            <p:ph type="title"/>
-          </p:nvPr>
-        </p:nvSpPr>
-        <p:spPr/>
-        <p:txBody>
-          <a:bodyPr/>
-          <a:lstStyle/>
-          <a:p>
-            <a:r>
-              <a:rPr lang="en-US" dirty="0"/>
-              <a:t>Inputs</a:t>
-            </a:r>
-          </a:p>
-        </p:txBody>
-      </p:sp>
-      <p:sp>
-        <p:nvSpPr>
-          <p:cNvPr id="3" name="Text Placeholder 2"/>
-          <p:cNvSpPr>
-            <a:spLocks noGrp="1"/>
-          </p:cNvSpPr>
-          <p:nvPr>
-            <p:ph type="body" idx="1"/>
-          </p:nvPr>
-        </p:nvSpPr>
-        <p:spPr/>
-        <p:txBody>
-          <a:bodyPr/>
-          <a:lstStyle/>
-          <a:p>
-            <a:r>
-              <a:rPr lang="en-US" dirty="0"/>
-              <a:t>Two way data binding and change notification</a:t>
-            </a:r>
-          </a:p>
-        </p:txBody>
-      </p:sp>
-      <p:pic>
-        <p:nvPicPr>
-          <p:cNvPr id="4" name="Picture 3"/>
-          <p:cNvPicPr>
-            <a:picLocks noChangeAspect="1"/>
-          </p:cNvPicPr>
-          <p:nvPr/>
-        </p:nvPicPr>
-        <p:blipFill>
-          <a:blip r:embed="rId2"/>
-          <a:stretch>
-            <a:fillRect/>
-          </a:stretch>
-        </p:blipFill>
-        <p:spPr>
-          <a:xfrm>
-            <a:off x="397723" y="2667000"/>
-            <a:ext cx="8252066" cy="1604963"/>
-          </a:xfrm>
-          <a:prstGeom prst="rect">
-            <a:avLst/>
-          </a:prstGeom>
-        </p:spPr>
-      </p:pic>
-    </p:spTree>
-    <p:extLst>
-      <p:ext uri="{BB962C8B-B14F-4D97-AF65-F5344CB8AC3E}">
-        <p14:creationId xmlns:p14="http://schemas.microsoft.com/office/powerpoint/2010/main" val="3736789927"/>
-      </p:ext>
-    </p:extLst>
-  </p:cSld>
-  <p:clrMapOvr>
-    <a:masterClrMapping/>
-  </p:clrMapOvr>
-  <p:transition>
-    <p:fade/>
-  </p:transition>
-</p:sld>
-</file>
-
-<file path=ppt/slides/slide16.xml><?xml version="1.0" encoding="utf-8"?>
-<p:sld xmlns:a="http://schemas.openxmlformats.org/drawingml/2006/main" xmlns:r="http://schemas.openxmlformats.org/officeDocument/2006/relationships" xmlns:p="http://schemas.openxmlformats.org/presentationml/2006/main">
-  <p:cSld>
-    <p:spTree>
-      <p:nvGrpSpPr>
-        <p:cNvPr id="1" name=""/>
-        <p:cNvGrpSpPr/>
-        <p:nvPr/>
-      </p:nvGrpSpPr>
-      <p:grpSpPr>
-        <a:xfrm>
-          <a:off x="0" y="0"/>
-          <a:ext cx="0" cy="0"/>
-          <a:chOff x="0" y="0"/>
-          <a:chExt cx="0" cy="0"/>
-        </a:xfrm>
-      </p:grpSpPr>
-      <p:sp>
-        <p:nvSpPr>
-          <p:cNvPr id="2" name="Title 1"/>
-          <p:cNvSpPr>
-            <a:spLocks noGrp="1"/>
-          </p:cNvSpPr>
-          <p:nvPr>
-            <p:ph type="title"/>
-          </p:nvPr>
-        </p:nvSpPr>
-        <p:spPr/>
-        <p:txBody>
-          <a:bodyPr/>
-          <a:lstStyle/>
-          <a:p>
-            <a:r>
-              <a:rPr lang="en-US" dirty="0"/>
-              <a:t>Forms</a:t>
-            </a:r>
-          </a:p>
-        </p:txBody>
-      </p:sp>
-      <p:sp>
-        <p:nvSpPr>
-          <p:cNvPr id="3" name="Text Placeholder 2"/>
-          <p:cNvSpPr>
-            <a:spLocks noGrp="1"/>
-          </p:cNvSpPr>
-          <p:nvPr>
-            <p:ph type="body" idx="1"/>
-          </p:nvPr>
-        </p:nvSpPr>
-        <p:spPr/>
-        <p:txBody>
-          <a:bodyPr/>
-          <a:lstStyle/>
-          <a:p>
-            <a:r>
-              <a:rPr lang="en-US" dirty="0"/>
-              <a:t>Support for validation and dirty flags</a:t>
-            </a:r>
-          </a:p>
-          <a:p>
-            <a:r>
-              <a:rPr lang="en-US" dirty="0"/>
-              <a:t>Use </a:t>
-            </a:r>
-            <a:r>
-              <a:rPr lang="en-US" dirty="0" err="1"/>
-              <a:t>ngModel</a:t>
-            </a:r>
-            <a:r>
-              <a:rPr lang="en-US" dirty="0"/>
-              <a:t> in combination with:</a:t>
-            </a:r>
-          </a:p>
-          <a:p>
-            <a:pPr lvl="1"/>
-            <a:r>
-              <a:rPr lang="en-US" dirty="0" err="1"/>
-              <a:t>ngSubmit</a:t>
-            </a:r>
-            <a:endParaRPr lang="en-US" dirty="0"/>
-          </a:p>
-          <a:p>
-            <a:pPr lvl="1"/>
-            <a:r>
-              <a:rPr lang="en-US" dirty="0" err="1"/>
-              <a:t>ngControl</a:t>
-            </a:r>
-            <a:endParaRPr lang="en-US" dirty="0"/>
-          </a:p>
-          <a:p>
-            <a:pPr lvl="1"/>
-            <a:r>
-              <a:rPr lang="en-US" dirty="0" err="1"/>
-              <a:t>ngForm</a:t>
-            </a:r>
-            <a:endParaRPr lang="en-US" dirty="0"/>
-          </a:p>
-        </p:txBody>
-      </p:sp>
-      <p:pic>
-        <p:nvPicPr>
-          <p:cNvPr id="4" name="Picture 3"/>
-          <p:cNvPicPr>
-            <a:picLocks noChangeAspect="1"/>
-          </p:cNvPicPr>
-          <p:nvPr/>
-        </p:nvPicPr>
-        <p:blipFill>
-          <a:blip r:embed="rId2"/>
-          <a:stretch>
-            <a:fillRect/>
-          </a:stretch>
-        </p:blipFill>
-        <p:spPr>
-          <a:xfrm>
-            <a:off x="1905000" y="3695700"/>
-            <a:ext cx="4229100" cy="1590675"/>
-          </a:xfrm>
-          <a:prstGeom prst="rect">
-            <a:avLst/>
-          </a:prstGeom>
-        </p:spPr>
-      </p:pic>
-    </p:spTree>
-    <p:extLst>
-      <p:ext uri="{BB962C8B-B14F-4D97-AF65-F5344CB8AC3E}">
-        <p14:creationId xmlns:p14="http://schemas.microsoft.com/office/powerpoint/2010/main" val="4044431088"/>
-      </p:ext>
-    </p:extLst>
-  </p:cSld>
-  <p:clrMapOvr>
-    <a:masterClrMapping/>
-  </p:clrMapOvr>
-  <p:transition>
-    <p:fade/>
-  </p:transition>
-</p:sld>
-</file>
-
-<file path=ppt/slides/slide17.xml><?xml version="1.0" encoding="utf-8"?>
-<p:sld xmlns:a="http://schemas.openxmlformats.org/drawingml/2006/main" xmlns:r="http://schemas.openxmlformats.org/officeDocument/2006/relationships" xmlns:p="http://schemas.openxmlformats.org/presentationml/2006/main">
-  <p:cSld>
-    <p:spTree>
-      <p:nvGrpSpPr>
-        <p:cNvPr id="1" name=""/>
-        <p:cNvGrpSpPr/>
-        <p:nvPr/>
-      </p:nvGrpSpPr>
-      <p:grpSpPr>
-        <a:xfrm>
-          <a:off x="0" y="0"/>
-          <a:ext cx="0" cy="0"/>
-          <a:chOff x="0" y="0"/>
-          <a:chExt cx="0" cy="0"/>
-        </a:xfrm>
-      </p:grpSpPr>
-      <p:sp>
-        <p:nvSpPr>
-          <p:cNvPr id="2" name="Title 1"/>
-          <p:cNvSpPr>
-            <a:spLocks noGrp="1"/>
-          </p:cNvSpPr>
-          <p:nvPr>
-            <p:ph type="title"/>
-          </p:nvPr>
-        </p:nvSpPr>
-        <p:spPr/>
-        <p:txBody>
-          <a:bodyPr/>
-          <a:lstStyle/>
-          <a:p>
-            <a:r>
-              <a:rPr lang="en-US" dirty="0"/>
-              <a:t>Angular versus Unobtrusive JavaScript</a:t>
-            </a:r>
-          </a:p>
-        </p:txBody>
-      </p:sp>
-      <p:sp>
-        <p:nvSpPr>
-          <p:cNvPr id="3" name="Text Placeholder 2"/>
-          <p:cNvSpPr>
-            <a:spLocks noGrp="1"/>
-          </p:cNvSpPr>
-          <p:nvPr>
-            <p:ph type="body" idx="1"/>
-          </p:nvPr>
-        </p:nvSpPr>
-        <p:spPr/>
-        <p:txBody>
-          <a:bodyPr/>
-          <a:lstStyle/>
-          <a:p>
-            <a:r>
-              <a:rPr lang="en-US" dirty="0"/>
-              <a:t>Everyone is using JavaScript</a:t>
-            </a:r>
-          </a:p>
-          <a:p>
-            <a:r>
-              <a:rPr lang="en-US" dirty="0"/>
-              <a:t>Angular behaves the same across browsers</a:t>
-            </a:r>
-          </a:p>
-          <a:p>
-            <a:r>
-              <a:rPr lang="en-US" dirty="0"/>
-              <a:t>Expressions not evaluated in global scope</a:t>
-            </a:r>
-          </a:p>
-          <a:p>
-            <a:endParaRPr lang="en-US" dirty="0"/>
-          </a:p>
-          <a:p>
-            <a:endParaRPr lang="en-US" dirty="0"/>
-          </a:p>
-        </p:txBody>
-      </p:sp>
-      <p:pic>
-        <p:nvPicPr>
-          <p:cNvPr id="5" name="Picture 4"/>
-          <p:cNvPicPr>
-            <a:picLocks noChangeAspect="1"/>
-          </p:cNvPicPr>
-          <p:nvPr/>
-        </p:nvPicPr>
-        <p:blipFill>
-          <a:blip r:embed="rId2"/>
-          <a:stretch>
-            <a:fillRect/>
-          </a:stretch>
-        </p:blipFill>
-        <p:spPr>
-          <a:xfrm>
-            <a:off x="1981200" y="3352800"/>
-            <a:ext cx="4229100" cy="1590675"/>
-          </a:xfrm>
-          <a:prstGeom prst="rect">
-            <a:avLst/>
-          </a:prstGeom>
-        </p:spPr>
-      </p:pic>
-    </p:spTree>
-    <p:extLst>
-      <p:ext uri="{BB962C8B-B14F-4D97-AF65-F5344CB8AC3E}">
-        <p14:creationId xmlns:p14="http://schemas.microsoft.com/office/powerpoint/2010/main" val="686790238"/>
-      </p:ext>
-    </p:extLst>
-  </p:cSld>
-  <p:clrMapOvr>
-    <a:masterClrMapping/>
-  </p:clrMapOvr>
-  <p:transition>
-    <p:fade/>
-  </p:transition>
-</p:sld>
-</file>
-
 <file path=ppt/slides/slide18.xml><?xml version="1.0" encoding="utf-8"?>
 <p:sld xmlns:a="http://schemas.openxmlformats.org/drawingml/2006/main" xmlns:r="http://schemas.openxmlformats.org/officeDocument/2006/relationships" xmlns:p="http://schemas.openxmlformats.org/presentationml/2006/main">
   <p:cSld>
@@ -4776,7 +5720,7 @@
           <a:p>
             <a:r>
               <a:rPr lang="en-US" dirty="0"/>
-              <a:t>Lists and Tables</a:t>
+              <a:t>Inputs</a:t>
             </a:r>
           </a:p>
         </p:txBody>
@@ -4798,33 +5742,7 @@
           <a:p>
             <a:r>
               <a:rPr lang="en-US" dirty="0"/>
-              <a:t>Use </a:t>
-            </a:r>
-            <a:r>
-              <a:rPr lang="en-US" dirty="0" err="1"/>
-              <a:t>ngFor</a:t>
-            </a:r>
-            <a:endParaRPr lang="en-US" dirty="0"/>
-          </a:p>
-          <a:p>
-            <a:pPr lvl="1"/>
-            <a:r>
-              <a:rPr lang="en-US" dirty="0"/>
-              <a:t>Semantics similar to the new for-of loop in ES2015</a:t>
-            </a:r>
-          </a:p>
-          <a:p>
-            <a:pPr lvl="1"/>
-            <a:r>
-              <a:rPr lang="en-US" dirty="0"/>
-              <a:t>Works with any iterable</a:t>
-            </a:r>
-          </a:p>
-          <a:p>
-            <a:pPr lvl="1"/>
-            <a:r>
-              <a:rPr lang="en-US" dirty="0"/>
-              <a:t>Updates the screen if collection changes</a:t>
+              <a:t>Two way data binding and change notification</a:t>
             </a:r>
           </a:p>
         </p:txBody>
@@ -4845,8 +5763,8 @@
         </p:blipFill>
         <p:spPr>
           <a:xfrm>
-            <a:off x="1447800" y="3200400"/>
-            <a:ext cx="5260532" cy="2895600"/>
+            <a:off x="397723" y="2667000"/>
+            <a:ext cx="8252066" cy="1604963"/>
           </a:xfrm>
           <a:prstGeom prst="rect">
             <a:avLst/>
@@ -4856,7 +5774,7 @@
     </p:spTree>
     <p:extLst>
       <p:ext uri="{BB962C8B-B14F-4D97-AF65-F5344CB8AC3E}">
-        <p14:creationId xmlns:p14="http://schemas.microsoft.com/office/powerpoint/2010/main" val="2968117420"/>
+        <p14:creationId xmlns:p14="http://schemas.microsoft.com/office/powerpoint/2010/main" val="3736789927"/>
       </p:ext>
     </p:extLst>
   </p:cSld>
@@ -4903,7 +5821,7 @@
           <a:p>
             <a:r>
               <a:rPr lang="en-US" dirty="0"/>
-              <a:t>Hiding and Showing</a:t>
+              <a:t>Forms</a:t>
             </a:r>
           </a:p>
         </p:txBody>
@@ -4925,42 +5843,46 @@
           <a:p>
             <a:r>
               <a:rPr lang="en-US" dirty="0"/>
-              <a:t>Several approaches</a:t>
+              <a:t>Support for validation and dirty flags</a:t>
+            </a:r>
+          </a:p>
+          <a:p>
+            <a:r>
+              <a:rPr lang="en-US" dirty="0"/>
+              <a:t>Use </a:t>
+            </a:r>
+            <a:r>
+              <a:rPr lang="en-US" dirty="0" err="1"/>
+              <a:t>ngModel</a:t>
+            </a:r>
+            <a:r>
+              <a:rPr lang="en-US" dirty="0"/>
+              <a:t> in combination with:</a:t>
             </a:r>
           </a:p>
           <a:p>
             <a:pPr lvl="1"/>
             <a:r>
-              <a:rPr lang="en-US" dirty="0"/>
-              <a:t>Use *</a:t>
-            </a:r>
-            <a:r>
               <a:rPr lang="en-US" dirty="0" err="1"/>
-              <a:t>ngIf</a:t>
+              <a:t>ngSubmit</a:t>
             </a:r>
             <a:endParaRPr lang="en-US" dirty="0"/>
           </a:p>
           <a:p>
             <a:pPr lvl="1"/>
             <a:r>
-              <a:rPr lang="en-US" dirty="0"/>
-              <a:t>Bind to the hidden property</a:t>
-            </a:r>
+              <a:rPr lang="en-US" dirty="0" err="1"/>
+              <a:t>ngControl</a:t>
+            </a:r>
+            <a:endParaRPr lang="en-US" dirty="0"/>
           </a:p>
           <a:p>
             <a:pPr lvl="1"/>
             <a:r>
-              <a:rPr lang="en-US" dirty="0"/>
-              <a:t>Bind to the </a:t>
-            </a:r>
-            <a:r>
               <a:rPr lang="en-US" dirty="0" err="1"/>
-              <a:t>style.display</a:t>
-            </a:r>
-            <a:r>
-              <a:rPr lang="en-US" dirty="0"/>
-              <a:t> property</a:t>
-            </a:r>
+              <a:t>ngForm</a:t>
+            </a:r>
+            <a:endParaRPr lang="en-US" dirty="0"/>
           </a:p>
         </p:txBody>
       </p:sp>
@@ -4980,8 +5902,8 @@
         </p:blipFill>
         <p:spPr>
           <a:xfrm>
-            <a:off x="128095" y="3200400"/>
-            <a:ext cx="8887810" cy="1676400"/>
+            <a:off x="1905000" y="3695700"/>
+            <a:ext cx="4229100" cy="1590675"/>
           </a:xfrm>
           <a:prstGeom prst="rect">
             <a:avLst/>
@@ -4991,7 +5913,7 @@
     </p:spTree>
     <p:extLst>
       <p:ext uri="{BB962C8B-B14F-4D97-AF65-F5344CB8AC3E}">
-        <p14:creationId xmlns:p14="http://schemas.microsoft.com/office/powerpoint/2010/main" val="3310555310"/>
+        <p14:creationId xmlns:p14="http://schemas.microsoft.com/office/powerpoint/2010/main" val="4044431088"/>
       </p:ext>
     </p:extLst>
   </p:cSld>
@@ -5209,7 +6131,7 @@
           <a:p>
             <a:r>
               <a:rPr lang="en-US" dirty="0"/>
-              <a:t>Styles</a:t>
+              <a:t>Angular versus Unobtrusive JavaScript</a:t>
             </a:r>
           </a:p>
         </p:txBody>
@@ -5231,37 +6153,32 @@
           <a:p>
             <a:r>
               <a:rPr lang="en-US" dirty="0"/>
-              <a:t>Use the </a:t>
-            </a:r>
-            <a:r>
-              <a:rPr lang="en-US" dirty="0" err="1"/>
-              <a:t>ngClass</a:t>
-            </a:r>
+              <a:t>Everyone is using JavaScript</a:t>
+            </a:r>
+          </a:p>
+          <a:p>
             <a:r>
               <a:rPr lang="en-US" dirty="0"/>
-              <a:t> directive </a:t>
-            </a:r>
-          </a:p>
-          <a:p>
-            <a:pPr lvl="1"/>
+              <a:t>Angular behaves the same across browsers</a:t>
+            </a:r>
+          </a:p>
+          <a:p>
             <a:r>
               <a:rPr lang="en-US" dirty="0"/>
-              <a:t>Adds class names for </a:t>
-            </a:r>
-            <a:r>
-              <a:rPr lang="en-US" dirty="0" err="1"/>
-              <a:t>truthy</a:t>
-            </a:r>
-            <a:r>
-              <a:rPr lang="en-US" dirty="0"/>
-              <a:t> values</a:t>
-            </a:r>
+              <a:t>Expressions not evaluated in global scope</a:t>
+            </a:r>
+          </a:p>
+          <a:p>
+            <a:endParaRPr lang="en-US" dirty="0"/>
+          </a:p>
+          <a:p>
+            <a:endParaRPr lang="en-US" dirty="0"/>
           </a:p>
         </p:txBody>
       </p:sp>
       <p:pic>
         <p:nvPicPr>
-          <p:cNvPr id="4" name="Picture 3"/>
+          <p:cNvPr id="5" name="Picture 4"/>
           <p:cNvPicPr>
             <a:picLocks noChangeAspect="1"/>
           </p:cNvPicPr>
@@ -5275,8 +6192,8 @@
         </p:blipFill>
         <p:spPr>
           <a:xfrm>
-            <a:off x="457200" y="2895600"/>
-            <a:ext cx="7938213" cy="923925"/>
+            <a:off x="1981200" y="3352800"/>
+            <a:ext cx="4229100" cy="1590675"/>
           </a:xfrm>
           <a:prstGeom prst="rect">
             <a:avLst/>
@@ -5286,7 +6203,7 @@
     </p:spTree>
     <p:extLst>
       <p:ext uri="{BB962C8B-B14F-4D97-AF65-F5344CB8AC3E}">
-        <p14:creationId xmlns:p14="http://schemas.microsoft.com/office/powerpoint/2010/main" val="1399393236"/>
+        <p14:creationId xmlns:p14="http://schemas.microsoft.com/office/powerpoint/2010/main" val="686790238"/>
       </p:ext>
     </p:extLst>
   </p:cSld>
@@ -5333,6 +6250,265 @@
           <a:p>
             <a:r>
               <a:rPr lang="en-US" dirty="0"/>
+              <a:t>Hiding and Showing</a:t>
+            </a:r>
+          </a:p>
+        </p:txBody>
+      </p:sp>
+      <p:sp>
+        <p:nvSpPr>
+          <p:cNvPr id="3" name="Text Placeholder 2"/>
+          <p:cNvSpPr>
+            <a:spLocks noGrp="1"/>
+          </p:cNvSpPr>
+          <p:nvPr>
+            <p:ph type="body" idx="1"/>
+          </p:nvPr>
+        </p:nvSpPr>
+        <p:spPr/>
+        <p:txBody>
+          <a:bodyPr/>
+          <a:lstStyle/>
+          <a:p>
+            <a:r>
+              <a:rPr lang="en-US" dirty="0"/>
+              <a:t>Several approaches</a:t>
+            </a:r>
+          </a:p>
+          <a:p>
+            <a:pPr lvl="1"/>
+            <a:r>
+              <a:rPr lang="en-US" dirty="0"/>
+              <a:t>Use *</a:t>
+            </a:r>
+            <a:r>
+              <a:rPr lang="en-US" dirty="0" err="1"/>
+              <a:t>ngIf</a:t>
+            </a:r>
+            <a:endParaRPr lang="en-US" dirty="0"/>
+          </a:p>
+          <a:p>
+            <a:pPr lvl="1"/>
+            <a:r>
+              <a:rPr lang="en-US" dirty="0"/>
+              <a:t>Bind to the hidden property</a:t>
+            </a:r>
+          </a:p>
+          <a:p>
+            <a:pPr lvl="1"/>
+            <a:r>
+              <a:rPr lang="en-US" dirty="0"/>
+              <a:t>Bind to the </a:t>
+            </a:r>
+            <a:r>
+              <a:rPr lang="en-US" dirty="0" err="1"/>
+              <a:t>style.display</a:t>
+            </a:r>
+            <a:r>
+              <a:rPr lang="en-US" dirty="0"/>
+              <a:t> property</a:t>
+            </a:r>
+          </a:p>
+        </p:txBody>
+      </p:sp>
+      <p:pic>
+        <p:nvPicPr>
+          <p:cNvPr id="4" name="Picture 3"/>
+          <p:cNvPicPr>
+            <a:picLocks noChangeAspect="1"/>
+          </p:cNvPicPr>
+          <p:nvPr/>
+        </p:nvPicPr>
+        <p:blipFill>
+          <a:blip r:embed="rId2"/>
+          <a:stretch>
+            <a:fillRect/>
+          </a:stretch>
+        </p:blipFill>
+        <p:spPr>
+          <a:xfrm>
+            <a:off x="128095" y="3200400"/>
+            <a:ext cx="8887810" cy="1676400"/>
+          </a:xfrm>
+          <a:prstGeom prst="rect">
+            <a:avLst/>
+          </a:prstGeom>
+        </p:spPr>
+      </p:pic>
+    </p:spTree>
+    <p:extLst>
+      <p:ext uri="{BB962C8B-B14F-4D97-AF65-F5344CB8AC3E}">
+        <p14:creationId xmlns:p14="http://schemas.microsoft.com/office/powerpoint/2010/main" val="3310555310"/>
+      </p:ext>
+    </p:extLst>
+  </p:cSld>
+  <p:clrMapOvr>
+    <a:masterClrMapping/>
+  </p:clrMapOvr>
+  <p:transition>
+    <p:fade/>
+  </p:transition>
+</p:sld>
+</file>
+
+<file path=ppt/slides/slide22.xml><?xml version="1.0" encoding="utf-8"?>
+<p:sld xmlns:a="http://schemas.openxmlformats.org/drawingml/2006/main" xmlns:r="http://schemas.openxmlformats.org/officeDocument/2006/relationships" xmlns:p="http://schemas.openxmlformats.org/presentationml/2006/main">
+  <p:cSld>
+    <p:spTree>
+      <p:nvGrpSpPr>
+        <p:cNvPr id="1" name=""/>
+        <p:cNvGrpSpPr/>
+        <p:nvPr/>
+      </p:nvGrpSpPr>
+      <p:grpSpPr>
+        <a:xfrm>
+          <a:off x="0" y="0"/>
+          <a:ext cx="0" cy="0"/>
+          <a:chOff x="0" y="0"/>
+          <a:chExt cx="0" cy="0"/>
+        </a:xfrm>
+      </p:grpSpPr>
+      <p:sp>
+        <p:nvSpPr>
+          <p:cNvPr id="2" name="Title 1"/>
+          <p:cNvSpPr>
+            <a:spLocks noGrp="1"/>
+          </p:cNvSpPr>
+          <p:nvPr>
+            <p:ph type="title"/>
+          </p:nvPr>
+        </p:nvSpPr>
+        <p:spPr/>
+        <p:txBody>
+          <a:bodyPr/>
+          <a:lstStyle/>
+          <a:p>
+            <a:r>
+              <a:rPr lang="en-US" dirty="0"/>
+              <a:t>Styles</a:t>
+            </a:r>
+          </a:p>
+        </p:txBody>
+      </p:sp>
+      <p:sp>
+        <p:nvSpPr>
+          <p:cNvPr id="3" name="Text Placeholder 2"/>
+          <p:cNvSpPr>
+            <a:spLocks noGrp="1"/>
+          </p:cNvSpPr>
+          <p:nvPr>
+            <p:ph type="body" idx="1"/>
+          </p:nvPr>
+        </p:nvSpPr>
+        <p:spPr/>
+        <p:txBody>
+          <a:bodyPr/>
+          <a:lstStyle/>
+          <a:p>
+            <a:r>
+              <a:rPr lang="en-US" dirty="0"/>
+              <a:t>Use the </a:t>
+            </a:r>
+            <a:r>
+              <a:rPr lang="en-US" dirty="0" err="1"/>
+              <a:t>ngClass</a:t>
+            </a:r>
+            <a:r>
+              <a:rPr lang="en-US" dirty="0"/>
+              <a:t> directive </a:t>
+            </a:r>
+          </a:p>
+          <a:p>
+            <a:pPr lvl="1"/>
+            <a:r>
+              <a:rPr lang="en-US" dirty="0"/>
+              <a:t>Adds class names for </a:t>
+            </a:r>
+            <a:r>
+              <a:rPr lang="en-US" dirty="0" err="1"/>
+              <a:t>truthy</a:t>
+            </a:r>
+            <a:r>
+              <a:rPr lang="en-US" dirty="0"/>
+              <a:t> values</a:t>
+            </a:r>
+          </a:p>
+        </p:txBody>
+      </p:sp>
+      <p:pic>
+        <p:nvPicPr>
+          <p:cNvPr id="5" name="Picture 4"/>
+          <p:cNvPicPr>
+            <a:picLocks noChangeAspect="1"/>
+          </p:cNvPicPr>
+          <p:nvPr/>
+        </p:nvPicPr>
+        <p:blipFill>
+          <a:blip r:embed="rId2"/>
+          <a:stretch>
+            <a:fillRect/>
+          </a:stretch>
+        </p:blipFill>
+        <p:spPr>
+          <a:xfrm>
+            <a:off x="1457325" y="2686050"/>
+            <a:ext cx="6229350" cy="1485900"/>
+          </a:xfrm>
+          <a:prstGeom prst="rect">
+            <a:avLst/>
+          </a:prstGeom>
+        </p:spPr>
+      </p:pic>
+    </p:spTree>
+    <p:extLst>
+      <p:ext uri="{BB962C8B-B14F-4D97-AF65-F5344CB8AC3E}">
+        <p14:creationId xmlns:p14="http://schemas.microsoft.com/office/powerpoint/2010/main" val="1399393236"/>
+      </p:ext>
+    </p:extLst>
+  </p:cSld>
+  <p:clrMapOvr>
+    <a:masterClrMapping/>
+  </p:clrMapOvr>
+  <p:transition>
+    <p:fade/>
+  </p:transition>
+</p:sld>
+</file>
+
+<file path=ppt/slides/slide23.xml><?xml version="1.0" encoding="utf-8"?>
+<p:sld xmlns:a="http://schemas.openxmlformats.org/drawingml/2006/main" xmlns:r="http://schemas.openxmlformats.org/officeDocument/2006/relationships" xmlns:p="http://schemas.openxmlformats.org/presentationml/2006/main">
+  <p:cSld>
+    <p:spTree>
+      <p:nvGrpSpPr>
+        <p:cNvPr id="1" name=""/>
+        <p:cNvGrpSpPr/>
+        <p:nvPr/>
+      </p:nvGrpSpPr>
+      <p:grpSpPr>
+        <a:xfrm>
+          <a:off x="0" y="0"/>
+          <a:ext cx="0" cy="0"/>
+          <a:chOff x="0" y="0"/>
+          <a:chExt cx="0" cy="0"/>
+        </a:xfrm>
+      </p:grpSpPr>
+      <p:sp>
+        <p:nvSpPr>
+          <p:cNvPr id="2" name="Title 1"/>
+          <p:cNvSpPr>
+            <a:spLocks noGrp="1"/>
+          </p:cNvSpPr>
+          <p:nvPr>
+            <p:ph type="title"/>
+          </p:nvPr>
+        </p:nvSpPr>
+        <p:spPr/>
+        <p:txBody>
+          <a:bodyPr/>
+          <a:lstStyle/>
+          <a:p>
+            <a:r>
+              <a:rPr lang="en-US" dirty="0"/>
               <a:t>Debugging</a:t>
             </a:r>
           </a:p>
@@ -5405,7 +6581,7 @@
 </p:sld>
 </file>
 
-<file path=ppt/slides/slide22.xml><?xml version="1.0" encoding="utf-8"?>
+<file path=ppt/slides/slide24.xml><?xml version="1.0" encoding="utf-8"?>
 <p:sld xmlns:a="http://schemas.openxmlformats.org/drawingml/2006/main" xmlns:r="http://schemas.openxmlformats.org/officeDocument/2006/relationships" xmlns:p="http://schemas.openxmlformats.org/presentationml/2006/main">
   <p:cSld>
     <p:spTree>
@@ -5570,7 +6746,7 @@
           <a:p>
             <a:r>
               <a:rPr lang="en-US" dirty="0"/>
-              <a:t>Concepts and Goals</a:t>
+              <a:t>Angular 2 Goals</a:t>
             </a:r>
           </a:p>
         </p:txBody>
@@ -6117,7 +7293,7 @@
           <a:p>
             <a:r>
               <a:rPr lang="en-US" dirty="0"/>
-              <a:t>Tools &amp; Languages</a:t>
+              <a:t>Getting Off The Ground</a:t>
             </a:r>
           </a:p>
         </p:txBody>
@@ -6132,73 +7308,340 @@
             <p:ph type="body" idx="1"/>
           </p:nvPr>
         </p:nvSpPr>
-        <p:spPr/>
+        <p:spPr>
+          <a:xfrm>
+            <a:off x="457200" y="1447800"/>
+            <a:ext cx="2930881" cy="1432872"/>
+          </a:xfrm>
+        </p:spPr>
         <p:txBody>
           <a:bodyPr/>
           <a:lstStyle/>
           <a:p>
-            <a:endParaRPr lang="en-US"/>
+            <a:endParaRPr lang="en-US" dirty="0"/>
+          </a:p>
+        </p:txBody>
+      </p:sp>
+      <p:sp>
+        <p:nvSpPr>
+          <p:cNvPr id="4" name="Rectangle 3"/>
+          <p:cNvSpPr/>
+          <p:nvPr/>
+        </p:nvSpPr>
+        <p:spPr bwMode="auto">
+          <a:xfrm>
+            <a:off x="609600" y="1905000"/>
+            <a:ext cx="2057400" cy="1143000"/>
+          </a:xfrm>
+          <a:prstGeom prst="rect">
+            <a:avLst/>
+          </a:prstGeom>
+          <a:ln>
+            <a:headEnd/>
+            <a:tailEnd/>
+          </a:ln>
+        </p:spPr>
+        <p:style>
+          <a:lnRef idx="2">
+            <a:schemeClr val="accent1">
+              <a:shade val="50000"/>
+            </a:schemeClr>
+          </a:lnRef>
+          <a:fillRef idx="1">
+            <a:schemeClr val="accent1"/>
+          </a:fillRef>
+          <a:effectRef idx="0">
+            <a:schemeClr val="accent1"/>
+          </a:effectRef>
+          <a:fontRef idx="minor">
+            <a:schemeClr val="lt1"/>
+          </a:fontRef>
+        </p:style>
+        <p:txBody>
+          <a:bodyPr wrap="none" rtlCol="0" anchor="ctr"/>
+          <a:lstStyle/>
+          <a:p>
+            <a:pPr algn="ctr"/>
+            <a:r>
+              <a:rPr lang="en-US" sz="2000" dirty="0">
+                <a:latin typeface="Tekton Pro" pitchFamily="34" charset="0"/>
+              </a:rPr>
+              <a:t>Our Code</a:t>
+            </a:r>
+          </a:p>
+        </p:txBody>
+      </p:sp>
+      <p:sp>
+        <p:nvSpPr>
+          <p:cNvPr id="5" name="Rectangle 4"/>
+          <p:cNvSpPr/>
+          <p:nvPr/>
+        </p:nvSpPr>
+        <p:spPr bwMode="auto">
+          <a:xfrm>
+            <a:off x="613719" y="3924300"/>
+            <a:ext cx="2057400" cy="1143000"/>
+          </a:xfrm>
+          <a:prstGeom prst="rect">
+            <a:avLst/>
+          </a:prstGeom>
+          <a:ln>
+            <a:headEnd/>
+            <a:tailEnd/>
+          </a:ln>
+        </p:spPr>
+        <p:style>
+          <a:lnRef idx="2">
+            <a:schemeClr val="accent1">
+              <a:shade val="50000"/>
+            </a:schemeClr>
+          </a:lnRef>
+          <a:fillRef idx="1">
+            <a:schemeClr val="accent1"/>
+          </a:fillRef>
+          <a:effectRef idx="0">
+            <a:schemeClr val="accent1"/>
+          </a:effectRef>
+          <a:fontRef idx="minor">
+            <a:schemeClr val="lt1"/>
+          </a:fontRef>
+        </p:style>
+        <p:txBody>
+          <a:bodyPr wrap="none" rtlCol="0" anchor="ctr"/>
+          <a:lstStyle/>
+          <a:p>
+            <a:pPr algn="ctr"/>
+            <a:r>
+              <a:rPr lang="en-US" sz="2000" dirty="0">
+                <a:latin typeface="Tekton Pro" pitchFamily="34" charset="0"/>
+              </a:rPr>
+              <a:t>Angular 2</a:t>
+            </a:r>
+          </a:p>
+        </p:txBody>
+      </p:sp>
+      <p:sp>
+        <p:nvSpPr>
+          <p:cNvPr id="6" name="Rectangle 5"/>
+          <p:cNvSpPr/>
+          <p:nvPr/>
+        </p:nvSpPr>
+        <p:spPr bwMode="auto">
+          <a:xfrm>
+            <a:off x="3048000" y="2880672"/>
+            <a:ext cx="1905000" cy="1295400"/>
+          </a:xfrm>
+          <a:prstGeom prst="rect">
+            <a:avLst/>
+          </a:prstGeom>
+          <a:ln>
+            <a:headEnd/>
+            <a:tailEnd/>
+          </a:ln>
+        </p:spPr>
+        <p:style>
+          <a:lnRef idx="2">
+            <a:schemeClr val="accent1">
+              <a:shade val="50000"/>
+            </a:schemeClr>
+          </a:lnRef>
+          <a:fillRef idx="1">
+            <a:schemeClr val="accent1"/>
+          </a:fillRef>
+          <a:effectRef idx="0">
+            <a:schemeClr val="accent1"/>
+          </a:effectRef>
+          <a:fontRef idx="minor">
+            <a:schemeClr val="lt1"/>
+          </a:fontRef>
+        </p:style>
+        <p:txBody>
+          <a:bodyPr wrap="none" rtlCol="0" anchor="ctr"/>
+          <a:lstStyle/>
+          <a:p>
+            <a:pPr algn="ctr"/>
+            <a:r>
+              <a:rPr lang="en-US" sz="2000" dirty="0">
+                <a:latin typeface="Tekton Pro" pitchFamily="34" charset="0"/>
+              </a:rPr>
+              <a:t>Compile &amp;</a:t>
+            </a:r>
+          </a:p>
+          <a:p>
+            <a:pPr algn="ctr"/>
+            <a:r>
+              <a:rPr lang="en-US" sz="2000" dirty="0">
+                <a:latin typeface="Tekton Pro" pitchFamily="34" charset="0"/>
+              </a:rPr>
+              <a:t>Package</a:t>
+            </a:r>
           </a:p>
         </p:txBody>
       </p:sp>
       <p:pic>
         <p:nvPicPr>
-          <p:cNvPr id="8" name="Picture 7"/>
+          <p:cNvPr id="2052" name="Picture 4" descr="http://4.bp.blogspot.com/-o0xH5hk56_o/VkCNCunSFgI/AAAAAAAAAx4/1ucIz1UI8XQ/s1600/browsers.png"/>
           <p:cNvPicPr>
-            <a:picLocks noChangeAspect="1"/>
+            <a:picLocks noChangeAspect="1" noChangeArrowheads="1"/>
           </p:cNvPicPr>
           <p:nvPr/>
         </p:nvPicPr>
         <p:blipFill>
-          <a:blip r:embed="rId2"/>
-          <a:stretch>
-            <a:fillRect/>
-          </a:stretch>
-        </p:blipFill>
-        <p:spPr>
-          <a:xfrm>
-            <a:off x="1219200" y="2816180"/>
-            <a:ext cx="2540131" cy="1759040"/>
-          </a:xfrm>
-          <a:prstGeom prst="rect">
-            <a:avLst/>
-          </a:prstGeom>
-        </p:spPr>
-      </p:pic>
-      <p:pic>
-        <p:nvPicPr>
-          <p:cNvPr id="10" name="Picture 9"/>
-          <p:cNvPicPr>
-            <a:picLocks noChangeAspect="1"/>
-          </p:cNvPicPr>
-          <p:nvPr/>
-        </p:nvPicPr>
-        <p:blipFill>
-          <a:blip r:embed="rId3">
+          <a:blip r:embed="rId2" cstate="print">
             <a:extLst>
               <a:ext uri="{28A0092B-C50C-407E-A947-70E740481C1C}">
                 <a14:useLocalDpi xmlns:a14="http://schemas.microsoft.com/office/drawing/2010/main" val="0"/>
               </a:ext>
             </a:extLst>
           </a:blip>
+          <a:srcRect/>
           <a:stretch>
             <a:fillRect/>
           </a:stretch>
         </p:blipFill>
-        <p:spPr>
+        <p:spPr bwMode="auto">
           <a:xfrm>
-            <a:off x="5029200" y="2159192"/>
-            <a:ext cx="3073016" cy="3073016"/>
+            <a:off x="5625499" y="2438400"/>
+            <a:ext cx="3506144" cy="2225857"/>
           </a:xfrm>
           <a:prstGeom prst="rect">
             <a:avLst/>
           </a:prstGeom>
+          <a:noFill/>
+          <a:extLst>
+            <a:ext uri="{909E8E84-426E-40DD-AFC4-6F175D3DCCD1}">
+              <a14:hiddenFill xmlns:a14="http://schemas.microsoft.com/office/drawing/2010/main">
+                <a:solidFill>
+                  <a:srgbClr val="FFFFFF"/>
+                </a:solidFill>
+              </a14:hiddenFill>
+            </a:ext>
+          </a:extLst>
         </p:spPr>
       </p:pic>
+      <p:cxnSp>
+        <p:nvCxnSpPr>
+          <p:cNvPr id="8" name="Straight Arrow Connector 7"/>
+          <p:cNvCxnSpPr>
+            <a:stCxn id="4" idx="3"/>
+            <a:endCxn id="6" idx="1"/>
+          </p:cNvCxnSpPr>
+          <p:nvPr/>
+        </p:nvCxnSpPr>
+        <p:spPr bwMode="auto">
+          <a:xfrm>
+            <a:off x="2667000" y="2476500"/>
+            <a:ext cx="381000" cy="1051872"/>
+          </a:xfrm>
+          <a:prstGeom prst="straightConnector1">
+            <a:avLst/>
+          </a:prstGeom>
+          <a:gradFill rotWithShape="1">
+            <a:gsLst>
+              <a:gs pos="0">
+                <a:srgbClr val="A4D289"/>
+              </a:gs>
+              <a:gs pos="100000">
+                <a:schemeClr val="bg1"/>
+              </a:gs>
+            </a:gsLst>
+            <a:lin ang="5400000" scaled="1"/>
+          </a:gradFill>
+          <a:ln w="9525" cap="flat" cmpd="sng" algn="ctr">
+            <a:solidFill>
+              <a:schemeClr val="tx1"/>
+            </a:solidFill>
+            <a:prstDash val="solid"/>
+            <a:round/>
+            <a:headEnd type="none" w="med" len="med"/>
+            <a:tailEnd type="triangle"/>
+          </a:ln>
+          <a:effectLst/>
+        </p:spPr>
+      </p:cxnSp>
+      <p:cxnSp>
+        <p:nvCxnSpPr>
+          <p:cNvPr id="10" name="Straight Arrow Connector 9"/>
+          <p:cNvCxnSpPr>
+            <a:stCxn id="5" idx="3"/>
+            <a:endCxn id="6" idx="1"/>
+          </p:cNvCxnSpPr>
+          <p:nvPr/>
+        </p:nvCxnSpPr>
+        <p:spPr bwMode="auto">
+          <a:xfrm flipV="1">
+            <a:off x="2671119" y="3528372"/>
+            <a:ext cx="376881" cy="967428"/>
+          </a:xfrm>
+          <a:prstGeom prst="straightConnector1">
+            <a:avLst/>
+          </a:prstGeom>
+          <a:gradFill rotWithShape="1">
+            <a:gsLst>
+              <a:gs pos="0">
+                <a:srgbClr val="A4D289"/>
+              </a:gs>
+              <a:gs pos="100000">
+                <a:schemeClr val="bg1"/>
+              </a:gs>
+            </a:gsLst>
+            <a:lin ang="5400000" scaled="1"/>
+          </a:gradFill>
+          <a:ln w="9525" cap="flat" cmpd="sng" algn="ctr">
+            <a:solidFill>
+              <a:schemeClr val="tx1"/>
+            </a:solidFill>
+            <a:prstDash val="solid"/>
+            <a:round/>
+            <a:headEnd type="none" w="med" len="med"/>
+            <a:tailEnd type="triangle"/>
+          </a:ln>
+          <a:effectLst/>
+        </p:spPr>
+      </p:cxnSp>
+      <p:cxnSp>
+        <p:nvCxnSpPr>
+          <p:cNvPr id="12" name="Straight Arrow Connector 11"/>
+          <p:cNvCxnSpPr>
+            <a:stCxn id="6" idx="3"/>
+          </p:cNvCxnSpPr>
+          <p:nvPr/>
+        </p:nvCxnSpPr>
+        <p:spPr bwMode="auto">
+          <a:xfrm>
+            <a:off x="4953000" y="3528372"/>
+            <a:ext cx="1049380" cy="0"/>
+          </a:xfrm>
+          <a:prstGeom prst="straightConnector1">
+            <a:avLst/>
+          </a:prstGeom>
+          <a:gradFill rotWithShape="1">
+            <a:gsLst>
+              <a:gs pos="0">
+                <a:srgbClr val="A4D289"/>
+              </a:gs>
+              <a:gs pos="100000">
+                <a:schemeClr val="bg1"/>
+              </a:gs>
+            </a:gsLst>
+            <a:lin ang="5400000" scaled="1"/>
+          </a:gradFill>
+          <a:ln w="9525" cap="flat" cmpd="sng" algn="ctr">
+            <a:solidFill>
+              <a:schemeClr val="tx1"/>
+            </a:solidFill>
+            <a:prstDash val="solid"/>
+            <a:round/>
+            <a:headEnd type="none" w="med" len="med"/>
+            <a:tailEnd type="triangle"/>
+          </a:ln>
+          <a:effectLst/>
+        </p:spPr>
+      </p:cxnSp>
     </p:spTree>
     <p:extLst>
       <p:ext uri="{BB962C8B-B14F-4D97-AF65-F5344CB8AC3E}">
-        <p14:creationId xmlns:p14="http://schemas.microsoft.com/office/powerpoint/2010/main" val="2441495391"/>
+        <p14:creationId xmlns:p14="http://schemas.microsoft.com/office/powerpoint/2010/main" val="2020590560"/>
       </p:ext>
     </p:extLst>
   </p:cSld>
@@ -6208,142 +7651,6 @@
   <p:transition>
     <p:fade/>
   </p:transition>
-  <p:timing>
-    <p:tnLst>
-      <p:par>
-        <p:cTn id="1" dur="indefinite" restart="never" nodeType="tmRoot">
-          <p:childTnLst>
-            <p:seq concurrent="1" nextAc="seek">
-              <p:cTn id="2" dur="indefinite" nodeType="mainSeq">
-                <p:childTnLst>
-                  <p:par>
-                    <p:cTn id="3" fill="hold">
-                      <p:stCondLst>
-                        <p:cond delay="indefinite"/>
-                      </p:stCondLst>
-                      <p:childTnLst>
-                        <p:par>
-                          <p:cTn id="4" fill="hold">
-                            <p:stCondLst>
-                              <p:cond delay="0"/>
-                            </p:stCondLst>
-                            <p:childTnLst>
-                              <p:par>
-                                <p:cTn id="5" presetID="10" presetClass="entr" presetSubtype="0" fill="hold" nodeType="clickEffect">
-                                  <p:stCondLst>
-                                    <p:cond delay="0"/>
-                                  </p:stCondLst>
-                                  <p:childTnLst>
-                                    <p:set>
-                                      <p:cBhvr>
-                                        <p:cTn id="6" dur="1" fill="hold">
-                                          <p:stCondLst>
-                                            <p:cond delay="0"/>
-                                          </p:stCondLst>
-                                        </p:cTn>
-                                        <p:tgtEl>
-                                          <p:spTgt spid="8"/>
-                                        </p:tgtEl>
-                                        <p:attrNameLst>
-                                          <p:attrName>style.visibility</p:attrName>
-                                        </p:attrNameLst>
-                                      </p:cBhvr>
-                                      <p:to>
-                                        <p:strVal val="visible"/>
-                                      </p:to>
-                                    </p:set>
-                                    <p:animEffect transition="in" filter="fade">
-                                      <p:cBhvr>
-                                        <p:cTn id="7" dur="500"/>
-                                        <p:tgtEl>
-                                          <p:spTgt spid="8"/>
-                                        </p:tgtEl>
-                                      </p:cBhvr>
-                                    </p:animEffect>
-                                  </p:childTnLst>
-                                </p:cTn>
-                              </p:par>
-                            </p:childTnLst>
-                          </p:cTn>
-                        </p:par>
-                      </p:childTnLst>
-                    </p:cTn>
-                  </p:par>
-                  <p:par>
-                    <p:cTn id="8" fill="hold">
-                      <p:stCondLst>
-                        <p:cond delay="indefinite"/>
-                      </p:stCondLst>
-                      <p:childTnLst>
-                        <p:par>
-                          <p:cTn id="9" fill="hold">
-                            <p:stCondLst>
-                              <p:cond delay="0"/>
-                            </p:stCondLst>
-                            <p:childTnLst>
-                              <p:par>
-                                <p:cTn id="10" presetID="10" presetClass="entr" presetSubtype="0" fill="hold" nodeType="clickEffect">
-                                  <p:stCondLst>
-                                    <p:cond delay="0"/>
-                                  </p:stCondLst>
-                                  <p:childTnLst>
-                                    <p:set>
-                                      <p:cBhvr>
-                                        <p:cTn id="11" dur="1" fill="hold">
-                                          <p:stCondLst>
-                                            <p:cond delay="0"/>
-                                          </p:stCondLst>
-                                        </p:cTn>
-                                        <p:tgtEl>
-                                          <p:spTgt spid="10"/>
-                                        </p:tgtEl>
-                                        <p:attrNameLst>
-                                          <p:attrName>style.visibility</p:attrName>
-                                        </p:attrNameLst>
-                                      </p:cBhvr>
-                                      <p:to>
-                                        <p:strVal val="visible"/>
-                                      </p:to>
-                                    </p:set>
-                                    <p:animEffect transition="in" filter="fade">
-                                      <p:cBhvr>
-                                        <p:cTn id="12" dur="500"/>
-                                        <p:tgtEl>
-                                          <p:spTgt spid="10"/>
-                                        </p:tgtEl>
-                                      </p:cBhvr>
-                                    </p:animEffect>
-                                  </p:childTnLst>
-                                </p:cTn>
-                              </p:par>
-                            </p:childTnLst>
-                          </p:cTn>
-                        </p:par>
-                      </p:childTnLst>
-                    </p:cTn>
-                  </p:par>
-                </p:childTnLst>
-              </p:cTn>
-              <p:prevCondLst>
-                <p:cond evt="onPrev" delay="0">
-                  <p:tgtEl>
-                    <p:sldTgt/>
-                  </p:tgtEl>
-                </p:cond>
-              </p:prevCondLst>
-              <p:nextCondLst>
-                <p:cond evt="onNext" delay="0">
-                  <p:tgtEl>
-                    <p:sldTgt/>
-                  </p:tgtEl>
-                </p:cond>
-              </p:nextCondLst>
-            </p:seq>
-          </p:childTnLst>
-        </p:cTn>
-      </p:par>
-    </p:tnLst>
-  </p:timing>
 </p:sld>
 </file>
 
@@ -6381,68 +7688,97 @@
           <a:p>
             <a:r>
               <a:rPr lang="en-US" dirty="0"/>
-              <a:t>Components</a:t>
-            </a:r>
-          </a:p>
-        </p:txBody>
-      </p:sp>
-      <p:sp>
-        <p:nvSpPr>
-          <p:cNvPr id="3" name="Text Placeholder 2"/>
-          <p:cNvSpPr>
-            <a:spLocks noGrp="1"/>
-          </p:cNvSpPr>
-          <p:nvPr>
-            <p:ph type="body" idx="1"/>
-          </p:nvPr>
-        </p:nvSpPr>
-        <p:spPr/>
-        <p:txBody>
-          <a:bodyPr/>
-          <a:lstStyle/>
-          <a:p>
-            <a:r>
-              <a:rPr lang="en-US" dirty="0"/>
-              <a:t>Components define a custom HTML element</a:t>
-            </a:r>
-          </a:p>
-          <a:p>
-            <a:pPr lvl="1"/>
-            <a:r>
-              <a:rPr lang="en-US" dirty="0"/>
-              <a:t>Data + behavior + template</a:t>
+              <a:t>Getting Started Helpers</a:t>
             </a:r>
           </a:p>
         </p:txBody>
       </p:sp>
       <p:pic>
         <p:nvPicPr>
-          <p:cNvPr id="4" name="Picture 3"/>
+          <p:cNvPr id="1028" name="Picture 4" descr="http://blog.teamtreehouse.com/wp-content/uploads/2014/01/yeoman-logo.png"/>
           <p:cNvPicPr>
-            <a:picLocks noChangeAspect="1"/>
+            <a:picLocks noChangeAspect="1" noChangeArrowheads="1"/>
           </p:cNvPicPr>
           <p:nvPr/>
         </p:nvPicPr>
         <p:blipFill>
-          <a:blip r:embed="rId2"/>
+          <a:blip r:embed="rId2">
+            <a:extLst>
+              <a:ext uri="{28A0092B-C50C-407E-A947-70E740481C1C}">
+                <a14:useLocalDpi xmlns:a14="http://schemas.microsoft.com/office/drawing/2010/main" val="0"/>
+              </a:ext>
+            </a:extLst>
+          </a:blip>
+          <a:srcRect/>
           <a:stretch>
             <a:fillRect/>
           </a:stretch>
         </p:blipFill>
-        <p:spPr>
+        <p:spPr bwMode="auto">
           <a:xfrm>
-            <a:off x="1676400" y="2286000"/>
-            <a:ext cx="5286375" cy="4324350"/>
+            <a:off x="1371600" y="1981200"/>
+            <a:ext cx="2724150" cy="2359960"/>
           </a:xfrm>
           <a:prstGeom prst="rect">
             <a:avLst/>
           </a:prstGeom>
+          <a:noFill/>
+          <a:extLst>
+            <a:ext uri="{909E8E84-426E-40DD-AFC4-6F175D3DCCD1}">
+              <a14:hiddenFill xmlns:a14="http://schemas.microsoft.com/office/drawing/2010/main">
+                <a:solidFill>
+                  <a:srgbClr val="FFFFFF"/>
+                </a:solidFill>
+              </a14:hiddenFill>
+            </a:ext>
+          </a:extLst>
+        </p:spPr>
+      </p:pic>
+      <p:pic>
+        <p:nvPicPr>
+          <p:cNvPr id="1030" name="Picture 6" descr="https://angularclass.com/wp-content/uploads/2015/10/webpack-angular2-starter-logo.png"/>
+          <p:cNvPicPr>
+            <a:picLocks noChangeAspect="1" noChangeArrowheads="1"/>
+          </p:cNvPicPr>
+          <p:nvPr/>
+        </p:nvPicPr>
+        <p:blipFill>
+          <a:blip r:embed="rId3">
+            <a:extLst>
+              <a:ext uri="{28A0092B-C50C-407E-A947-70E740481C1C}">
+                <a14:useLocalDpi xmlns:a14="http://schemas.microsoft.com/office/drawing/2010/main" val="0"/>
+              </a:ext>
+            </a:extLst>
+          </a:blip>
+          <a:srcRect/>
+          <a:stretch>
+            <a:fillRect/>
+          </a:stretch>
+        </p:blipFill>
+        <p:spPr bwMode="auto">
+          <a:xfrm>
+            <a:off x="4800600" y="2121482"/>
+            <a:ext cx="3249055" cy="2079396"/>
+          </a:xfrm>
+          <a:prstGeom prst="rect">
+            <a:avLst/>
+          </a:prstGeom>
+          <a:noFill/>
+          <a:extLst>
+            <a:ext uri="{909E8E84-426E-40DD-AFC4-6F175D3DCCD1}">
+              <a14:hiddenFill xmlns:a14="http://schemas.microsoft.com/office/drawing/2010/main">
+                <a:solidFill>
+                  <a:srgbClr val="FFFFFF"/>
+                </a:solidFill>
+              </a14:hiddenFill>
+            </a:ext>
+          </a:extLst>
         </p:spPr>
       </p:pic>
     </p:spTree>
     <p:extLst>
       <p:ext uri="{BB962C8B-B14F-4D97-AF65-F5344CB8AC3E}">
-        <p14:creationId xmlns:p14="http://schemas.microsoft.com/office/powerpoint/2010/main" val="308947159"/>
+        <p14:creationId xmlns:p14="http://schemas.microsoft.com/office/powerpoint/2010/main" val="452577200"/>
       </p:ext>
     </p:extLst>
   </p:cSld>
@@ -6489,13 +7825,8 @@
           <a:p>
             <a:r>
               <a:rPr lang="en-US" dirty="0"/>
-              <a:t>Getting Started </a:t>
-            </a:r>
-            <a:r>
-              <a:rPr lang="en-US"/>
-              <a:t>: Packages</a:t>
-            </a:r>
-            <a:endParaRPr lang="en-US" dirty="0"/>
+              <a:t>What’s Happening</a:t>
+            </a:r>
           </a:p>
         </p:txBody>
       </p:sp>
@@ -6514,151 +7845,55 @@
           <a:bodyPr/>
           <a:lstStyle/>
           <a:p>
-            <a:r>
-              <a:rPr lang="en-US" dirty="0"/>
-              <a:t>angular 2 – the framework</a:t>
-            </a:r>
-          </a:p>
-          <a:p>
-            <a:r>
-              <a:rPr lang="en-US" dirty="0"/>
-              <a:t>typescript – the language</a:t>
-            </a:r>
-          </a:p>
-          <a:p>
-            <a:r>
-              <a:rPr lang="en-US" dirty="0" err="1"/>
-              <a:t>systemjs</a:t>
-            </a:r>
-            <a:r>
-              <a:rPr lang="en-US" dirty="0"/>
-              <a:t>  - the module loader</a:t>
-            </a:r>
+            <a:endParaRPr lang="en-US" dirty="0"/>
           </a:p>
         </p:txBody>
       </p:sp>
-      <p:sp>
-        <p:nvSpPr>
-          <p:cNvPr id="4" name="Rectangle 3"/>
-          <p:cNvSpPr/>
+      <p:pic>
+        <p:nvPicPr>
+          <p:cNvPr id="3074" name="Picture 2" descr="https://webpack.github.io/assets/what-is-webpack.png"/>
+          <p:cNvPicPr>
+            <a:picLocks noChangeAspect="1" noChangeArrowheads="1"/>
+          </p:cNvPicPr>
           <p:nvPr/>
-        </p:nvSpPr>
+        </p:nvPicPr>
+        <p:blipFill>
+          <a:blip r:embed="rId2" cstate="print">
+            <a:extLst>
+              <a:ext uri="{28A0092B-C50C-407E-A947-70E740481C1C}">
+                <a14:useLocalDpi xmlns:a14="http://schemas.microsoft.com/office/drawing/2010/main" val="0"/>
+              </a:ext>
+            </a:extLst>
+          </a:blip>
+          <a:srcRect/>
+          <a:stretch>
+            <a:fillRect/>
+          </a:stretch>
+        </p:blipFill>
         <p:spPr bwMode="auto">
           <a:xfrm>
-            <a:off x="990600" y="3093720"/>
-            <a:ext cx="7010400" cy="944880"/>
+            <a:off x="1040618" y="1930008"/>
+            <a:ext cx="7062764" cy="3531383"/>
           </a:xfrm>
           <a:prstGeom prst="rect">
             <a:avLst/>
           </a:prstGeom>
-          <a:ln>
-            <a:headEnd/>
-            <a:tailEnd/>
-          </a:ln>
+          <a:noFill/>
+          <a:extLst>
+            <a:ext uri="{909E8E84-426E-40DD-AFC4-6F175D3DCCD1}">
+              <a14:hiddenFill xmlns:a14="http://schemas.microsoft.com/office/drawing/2010/main">
+                <a:solidFill>
+                  <a:srgbClr val="FFFFFF"/>
+                </a:solidFill>
+              </a14:hiddenFill>
+            </a:ext>
+          </a:extLst>
         </p:spPr>
-        <p:style>
-          <a:lnRef idx="2">
-            <a:schemeClr val="dk1">
-              <a:shade val="50000"/>
-            </a:schemeClr>
-          </a:lnRef>
-          <a:fillRef idx="1">
-            <a:schemeClr val="dk1"/>
-          </a:fillRef>
-          <a:effectRef idx="0">
-            <a:schemeClr val="dk1"/>
-          </a:effectRef>
-          <a:fontRef idx="minor">
-            <a:schemeClr val="lt1"/>
-          </a:fontRef>
-        </p:style>
-        <p:txBody>
-          <a:bodyPr wrap="none" rtlCol="0" anchor="t" anchorCtr="0"/>
-          <a:lstStyle/>
-          <a:p>
-            <a:pPr algn="l"/>
-            <a:r>
-              <a:rPr lang="en-US" sz="2000" dirty="0" err="1">
-                <a:latin typeface="Consolas" panose="020B0609020204030204" pitchFamily="49" charset="0"/>
-              </a:rPr>
-              <a:t>npm</a:t>
-            </a:r>
-            <a:r>
-              <a:rPr lang="en-US" sz="2000" dirty="0">
-                <a:latin typeface="Consolas" panose="020B0609020204030204" pitchFamily="49" charset="0"/>
-              </a:rPr>
-              <a:t> </a:t>
-            </a:r>
-            <a:r>
-              <a:rPr lang="en-US" sz="2000" dirty="0" err="1">
-                <a:latin typeface="Consolas" panose="020B0609020204030204" pitchFamily="49" charset="0"/>
-              </a:rPr>
-              <a:t>init</a:t>
-            </a:r>
-            <a:r>
-              <a:rPr lang="en-US" sz="2000" dirty="0">
-                <a:latin typeface="Consolas" panose="020B0609020204030204" pitchFamily="49" charset="0"/>
-              </a:rPr>
-              <a:t> –y</a:t>
-            </a:r>
-          </a:p>
-          <a:p>
-            <a:pPr algn="l"/>
-            <a:r>
-              <a:rPr lang="en-US" sz="2000" dirty="0" err="1">
-                <a:latin typeface="Consolas" panose="020B0609020204030204" pitchFamily="49" charset="0"/>
-              </a:rPr>
-              <a:t>npm</a:t>
-            </a:r>
-            <a:r>
-              <a:rPr lang="en-US" sz="2000" dirty="0">
-                <a:latin typeface="Consolas" panose="020B0609020204030204" pitchFamily="49" charset="0"/>
-              </a:rPr>
-              <a:t> install angular2 typescript </a:t>
-            </a:r>
-            <a:r>
-              <a:rPr lang="en-US" sz="2000" dirty="0" err="1">
-                <a:latin typeface="Consolas" panose="020B0609020204030204" pitchFamily="49" charset="0"/>
-              </a:rPr>
-              <a:t>rxjs</a:t>
-            </a:r>
-            <a:endParaRPr lang="en-US" sz="2000" dirty="0">
-              <a:latin typeface="Consolas" panose="020B0609020204030204" pitchFamily="49" charset="0"/>
-            </a:endParaRPr>
-          </a:p>
-          <a:p>
-            <a:pPr algn="l"/>
-            <a:r>
-              <a:rPr lang="en-US" sz="2000" dirty="0">
-                <a:latin typeface="Consolas" panose="020B0609020204030204" pitchFamily="49" charset="0"/>
-              </a:rPr>
-              <a:t>            </a:t>
-            </a:r>
-            <a:r>
-              <a:rPr lang="en-US" sz="2000" dirty="0" err="1">
-                <a:latin typeface="Consolas" panose="020B0609020204030204" pitchFamily="49" charset="0"/>
-              </a:rPr>
-              <a:t>systemjs</a:t>
-            </a:r>
-            <a:r>
-              <a:rPr lang="en-US" sz="2000" dirty="0">
-                <a:latin typeface="Consolas" panose="020B0609020204030204" pitchFamily="49" charset="0"/>
-              </a:rPr>
-              <a:t> reflect-metadata --save</a:t>
-            </a:r>
-          </a:p>
-          <a:p>
-            <a:pPr algn="l"/>
-            <a:endParaRPr lang="en-US" sz="2000" dirty="0">
-              <a:latin typeface="Consolas" panose="020B0609020204030204" pitchFamily="49" charset="0"/>
-            </a:endParaRPr>
-          </a:p>
-        </p:txBody>
-      </p:sp>
+      </p:pic>
     </p:spTree>
     <p:extLst>
       <p:ext uri="{BB962C8B-B14F-4D97-AF65-F5344CB8AC3E}">
-        <p14:creationId xmlns:p14="http://schemas.microsoft.com/office/powerpoint/2010/main" val="2711029576"/>
+        <p14:creationId xmlns:p14="http://schemas.microsoft.com/office/powerpoint/2010/main" val="2441495391"/>
       </p:ext>
     </p:extLst>
   </p:cSld>
@@ -6668,276 +7903,6 @@
   <p:transition>
     <p:fade/>
   </p:transition>
-  <p:timing>
-    <p:tnLst>
-      <p:par>
-        <p:cTn id="1" dur="indefinite" restart="never" nodeType="tmRoot">
-          <p:childTnLst>
-            <p:seq concurrent="1" nextAc="seek">
-              <p:cTn id="2" dur="indefinite" nodeType="mainSeq">
-                <p:childTnLst>
-                  <p:par>
-                    <p:cTn id="3" fill="hold">
-                      <p:stCondLst>
-                        <p:cond delay="indefinite"/>
-                      </p:stCondLst>
-                      <p:childTnLst>
-                        <p:par>
-                          <p:cTn id="4" fill="hold">
-                            <p:stCondLst>
-                              <p:cond delay="0"/>
-                            </p:stCondLst>
-                            <p:childTnLst>
-                              <p:par>
-                                <p:cTn id="5" presetID="10" presetClass="entr" presetSubtype="0" fill="hold" grpId="0" nodeType="clickEffect">
-                                  <p:stCondLst>
-                                    <p:cond delay="0"/>
-                                  </p:stCondLst>
-                                  <p:childTnLst>
-                                    <p:set>
-                                      <p:cBhvr>
-                                        <p:cTn id="6" dur="1" fill="hold">
-                                          <p:stCondLst>
-                                            <p:cond delay="0"/>
-                                          </p:stCondLst>
-                                        </p:cTn>
-                                        <p:tgtEl>
-                                          <p:spTgt spid="3">
-                                            <p:txEl>
-                                              <p:pRg st="0" end="0"/>
-                                            </p:txEl>
-                                          </p:spTgt>
-                                        </p:tgtEl>
-                                        <p:attrNameLst>
-                                          <p:attrName>style.visibility</p:attrName>
-                                        </p:attrNameLst>
-                                      </p:cBhvr>
-                                      <p:to>
-                                        <p:strVal val="visible"/>
-                                      </p:to>
-                                    </p:set>
-                                    <p:animEffect transition="in" filter="fade">
-                                      <p:cBhvr>
-                                        <p:cTn id="7" dur="500"/>
-                                        <p:tgtEl>
-                                          <p:spTgt spid="3">
-                                            <p:txEl>
-                                              <p:pRg st="0" end="0"/>
-                                            </p:txEl>
-                                          </p:spTgt>
-                                        </p:tgtEl>
-                                      </p:cBhvr>
-                                    </p:animEffect>
-                                  </p:childTnLst>
-                                </p:cTn>
-                              </p:par>
-                            </p:childTnLst>
-                          </p:cTn>
-                        </p:par>
-                      </p:childTnLst>
-                    </p:cTn>
-                  </p:par>
-                  <p:par>
-                    <p:cTn id="8" fill="hold">
-                      <p:stCondLst>
-                        <p:cond delay="indefinite"/>
-                      </p:stCondLst>
-                      <p:childTnLst>
-                        <p:par>
-                          <p:cTn id="9" fill="hold">
-                            <p:stCondLst>
-                              <p:cond delay="0"/>
-                            </p:stCondLst>
-                            <p:childTnLst>
-                              <p:par>
-                                <p:cTn id="10" presetID="10" presetClass="entr" presetSubtype="0" fill="hold" grpId="0" nodeType="clickEffect">
-                                  <p:stCondLst>
-                                    <p:cond delay="0"/>
-                                  </p:stCondLst>
-                                  <p:childTnLst>
-                                    <p:set>
-                                      <p:cBhvr>
-                                        <p:cTn id="11" dur="1" fill="hold">
-                                          <p:stCondLst>
-                                            <p:cond delay="0"/>
-                                          </p:stCondLst>
-                                        </p:cTn>
-                                        <p:tgtEl>
-                                          <p:spTgt spid="3">
-                                            <p:txEl>
-                                              <p:pRg st="1" end="1"/>
-                                            </p:txEl>
-                                          </p:spTgt>
-                                        </p:tgtEl>
-                                        <p:attrNameLst>
-                                          <p:attrName>style.visibility</p:attrName>
-                                        </p:attrNameLst>
-                                      </p:cBhvr>
-                                      <p:to>
-                                        <p:strVal val="visible"/>
-                                      </p:to>
-                                    </p:set>
-                                    <p:animEffect transition="in" filter="fade">
-                                      <p:cBhvr>
-                                        <p:cTn id="12" dur="500"/>
-                                        <p:tgtEl>
-                                          <p:spTgt spid="3">
-                                            <p:txEl>
-                                              <p:pRg st="1" end="1"/>
-                                            </p:txEl>
-                                          </p:spTgt>
-                                        </p:tgtEl>
-                                      </p:cBhvr>
-                                    </p:animEffect>
-                                  </p:childTnLst>
-                                </p:cTn>
-                              </p:par>
-                            </p:childTnLst>
-                          </p:cTn>
-                        </p:par>
-                      </p:childTnLst>
-                    </p:cTn>
-                  </p:par>
-                  <p:par>
-                    <p:cTn id="13" fill="hold">
-                      <p:stCondLst>
-                        <p:cond delay="indefinite"/>
-                      </p:stCondLst>
-                      <p:childTnLst>
-                        <p:par>
-                          <p:cTn id="14" fill="hold">
-                            <p:stCondLst>
-                              <p:cond delay="0"/>
-                            </p:stCondLst>
-                            <p:childTnLst>
-                              <p:par>
-                                <p:cTn id="15" presetID="10" presetClass="entr" presetSubtype="0" fill="hold" grpId="0" nodeType="clickEffect">
-                                  <p:stCondLst>
-                                    <p:cond delay="0"/>
-                                  </p:stCondLst>
-                                  <p:childTnLst>
-                                    <p:set>
-                                      <p:cBhvr>
-                                        <p:cTn id="16" dur="1" fill="hold">
-                                          <p:stCondLst>
-                                            <p:cond delay="0"/>
-                                          </p:stCondLst>
-                                        </p:cTn>
-                                        <p:tgtEl>
-                                          <p:spTgt spid="3">
-                                            <p:txEl>
-                                              <p:pRg st="2" end="2"/>
-                                            </p:txEl>
-                                          </p:spTgt>
-                                        </p:tgtEl>
-                                        <p:attrNameLst>
-                                          <p:attrName>style.visibility</p:attrName>
-                                        </p:attrNameLst>
-                                      </p:cBhvr>
-                                      <p:to>
-                                        <p:strVal val="visible"/>
-                                      </p:to>
-                                    </p:set>
-                                    <p:animEffect transition="in" filter="fade">
-                                      <p:cBhvr>
-                                        <p:cTn id="17" dur="500"/>
-                                        <p:tgtEl>
-                                          <p:spTgt spid="3">
-                                            <p:txEl>
-                                              <p:pRg st="2" end="2"/>
-                                            </p:txEl>
-                                          </p:spTgt>
-                                        </p:tgtEl>
-                                      </p:cBhvr>
-                                    </p:animEffect>
-                                  </p:childTnLst>
-                                </p:cTn>
-                              </p:par>
-                            </p:childTnLst>
-                          </p:cTn>
-                        </p:par>
-                      </p:childTnLst>
-                    </p:cTn>
-                  </p:par>
-                  <p:par>
-                    <p:cTn id="18" fill="hold">
-                      <p:stCondLst>
-                        <p:cond delay="indefinite"/>
-                      </p:stCondLst>
-                      <p:childTnLst>
-                        <p:par>
-                          <p:cTn id="19" fill="hold">
-                            <p:stCondLst>
-                              <p:cond delay="0"/>
-                            </p:stCondLst>
-                            <p:childTnLst>
-                              <p:par>
-                                <p:cTn id="20" presetID="10" presetClass="entr" presetSubtype="0" fill="hold" grpId="0" nodeType="clickEffect">
-                                  <p:stCondLst>
-                                    <p:cond delay="0"/>
-                                  </p:stCondLst>
-                                  <p:childTnLst>
-                                    <p:set>
-                                      <p:cBhvr>
-                                        <p:cTn id="21" dur="1" fill="hold">
-                                          <p:stCondLst>
-                                            <p:cond delay="0"/>
-                                          </p:stCondLst>
-                                        </p:cTn>
-                                        <p:tgtEl>
-                                          <p:spTgt spid="4"/>
-                                        </p:tgtEl>
-                                        <p:attrNameLst>
-                                          <p:attrName>style.visibility</p:attrName>
-                                        </p:attrNameLst>
-                                      </p:cBhvr>
-                                      <p:to>
-                                        <p:strVal val="visible"/>
-                                      </p:to>
-                                    </p:set>
-                                    <p:animEffect transition="in" filter="fade">
-                                      <p:cBhvr>
-                                        <p:cTn id="22" dur="500"/>
-                                        <p:tgtEl>
-                                          <p:spTgt spid="4"/>
-                                        </p:tgtEl>
-                                      </p:cBhvr>
-                                    </p:animEffect>
-                                  </p:childTnLst>
-                                </p:cTn>
-                              </p:par>
-                            </p:childTnLst>
-                          </p:cTn>
-                        </p:par>
-                      </p:childTnLst>
-                    </p:cTn>
-                  </p:par>
-                </p:childTnLst>
-              </p:cTn>
-              <p:prevCondLst>
-                <p:cond evt="onPrev" delay="0">
-                  <p:tgtEl>
-                    <p:sldTgt/>
-                  </p:tgtEl>
-                </p:cond>
-              </p:prevCondLst>
-              <p:nextCondLst>
-                <p:cond evt="onNext" delay="0">
-                  <p:tgtEl>
-                    <p:sldTgt/>
-                  </p:tgtEl>
-                </p:cond>
-              </p:nextCondLst>
-            </p:seq>
-          </p:childTnLst>
-        </p:cTn>
-      </p:par>
-    </p:tnLst>
-    <p:bldLst>
-      <p:bldP spid="3" grpId="0" build="p"/>
-      <p:bldP spid="4" grpId="0" animBg="1"/>
-    </p:bldLst>
-  </p:timing>
 </p:sld>
 </file>
 
@@ -6975,7 +7940,7 @@
           <a:p>
             <a:r>
               <a:rPr lang="en-US" dirty="0"/>
-              <a:t>Getting Started: Shell Page</a:t>
+              <a:t>Follow Along!	</a:t>
             </a:r>
           </a:p>
         </p:txBody>
@@ -6990,43 +7955,62 @@
             <p:ph type="body" idx="1"/>
           </p:nvPr>
         </p:nvSpPr>
-        <p:spPr/>
+        <p:spPr>
+          <a:xfrm>
+            <a:off x="1600200" y="2590800"/>
+            <a:ext cx="6096000" cy="1524000"/>
+          </a:xfrm>
+        </p:spPr>
         <p:txBody>
           <a:bodyPr/>
           <a:lstStyle/>
           <a:p>
-            <a:endParaRPr lang="en-US"/>
+            <a:pPr marL="457200" indent="-457200">
+              <a:buFont typeface="+mj-lt"/>
+              <a:buAutoNum type="arabicPeriod"/>
+            </a:pPr>
+            <a:r>
+              <a:rPr lang="en-US" dirty="0"/>
+              <a:t>Clone https://github.com/odetocode/ngclass</a:t>
+            </a:r>
+          </a:p>
+          <a:p>
+            <a:pPr marL="457200" indent="-457200">
+              <a:buFont typeface="+mj-lt"/>
+              <a:buAutoNum type="arabicPeriod"/>
+            </a:pPr>
+            <a:r>
+              <a:rPr lang="en-US" dirty="0" err="1"/>
+              <a:t>npm</a:t>
+            </a:r>
+            <a:r>
+              <a:rPr lang="en-US" dirty="0"/>
+              <a:t> install</a:t>
+            </a:r>
+          </a:p>
+          <a:p>
+            <a:pPr marL="457200" indent="-457200">
+              <a:buFont typeface="+mj-lt"/>
+              <a:buAutoNum type="arabicPeriod"/>
+            </a:pPr>
+            <a:r>
+              <a:rPr lang="en-US" dirty="0" err="1"/>
+              <a:t>npm</a:t>
+            </a:r>
+            <a:r>
+              <a:rPr lang="en-US" dirty="0"/>
+              <a:t> start</a:t>
+            </a:r>
+          </a:p>
+          <a:p>
+            <a:endParaRPr lang="en-US" dirty="0"/>
           </a:p>
         </p:txBody>
       </p:sp>
-      <p:pic>
-        <p:nvPicPr>
-          <p:cNvPr id="4" name="Picture 3"/>
-          <p:cNvPicPr>
-            <a:picLocks noChangeAspect="1"/>
-          </p:cNvPicPr>
-          <p:nvPr/>
-        </p:nvPicPr>
-        <p:blipFill>
-          <a:blip r:embed="rId2"/>
-          <a:stretch>
-            <a:fillRect/>
-          </a:stretch>
-        </p:blipFill>
-        <p:spPr>
-          <a:xfrm>
-            <a:off x="838200" y="951786"/>
-            <a:ext cx="7239000" cy="5487828"/>
-          </a:xfrm>
-          <a:prstGeom prst="rect">
-            <a:avLst/>
-          </a:prstGeom>
-        </p:spPr>
-      </p:pic>
     </p:spTree>
     <p:extLst>
       <p:ext uri="{BB962C8B-B14F-4D97-AF65-F5344CB8AC3E}">
-        <p14:creationId xmlns:p14="http://schemas.microsoft.com/office/powerpoint/2010/main" val="2775049998"/>
+        <p14:creationId xmlns:p14="http://schemas.microsoft.com/office/powerpoint/2010/main" val="1172242512"/>
       </p:ext>
     </p:extLst>
   </p:cSld>
@@ -7071,9 +8055,12 @@
           <a:bodyPr/>
           <a:lstStyle/>
           <a:p>
-            <a:r>
+            <a:br>
               <a:rPr lang="en-US" dirty="0"/>
-              <a:t>Getting Started: First Script</a:t>
+            </a:br>
+            <a:r>
+              <a:rPr lang="en-US" dirty="0"/>
+              <a:t>Shell Page</a:t>
             </a:r>
           </a:p>
         </p:txBody>
@@ -7099,7 +8086,7 @@
       </p:sp>
       <p:pic>
         <p:nvPicPr>
-          <p:cNvPr id="5" name="Picture 4"/>
+          <p:cNvPr id="4" name="Picture 3"/>
           <p:cNvPicPr>
             <a:picLocks noChangeAspect="1"/>
           </p:cNvPicPr>
@@ -7113,8 +8100,8 @@
         </p:blipFill>
         <p:spPr>
           <a:xfrm>
-            <a:off x="1295400" y="1478280"/>
-            <a:ext cx="6296025" cy="4206955"/>
+            <a:off x="882195" y="2286000"/>
+            <a:ext cx="7804605" cy="3124200"/>
           </a:xfrm>
           <a:prstGeom prst="rect">
             <a:avLst/>
@@ -7124,7 +8111,7 @@
     </p:spTree>
     <p:extLst>
       <p:ext uri="{BB962C8B-B14F-4D97-AF65-F5344CB8AC3E}">
-        <p14:creationId xmlns:p14="http://schemas.microsoft.com/office/powerpoint/2010/main" val="467445334"/>
+        <p14:creationId xmlns:p14="http://schemas.microsoft.com/office/powerpoint/2010/main" val="2296551747"/>
       </p:ext>
     </p:extLst>
   </p:cSld>
@@ -7171,7 +8158,7 @@
           <a:p>
             <a:r>
               <a:rPr lang="en-US" dirty="0"/>
-              <a:t>Other Starting Points</a:t>
+              <a:t>Bootstrapping</a:t>
             </a:r>
           </a:p>
         </p:txBody>
@@ -7191,131 +8178,38 @@
           <a:bodyPr/>
           <a:lstStyle/>
           <a:p>
-            <a:r>
-              <a:rPr lang="en-US" dirty="0"/>
-              <a:t>Yeoman generators</a:t>
-            </a:r>
-          </a:p>
-          <a:p>
-            <a:pPr lvl="1"/>
-            <a:r>
-              <a:rPr lang="en-US" dirty="0"/>
-              <a:t>generator-angular2</a:t>
-            </a:r>
-          </a:p>
-          <a:p>
-            <a:pPr lvl="1"/>
-            <a:r>
-              <a:rPr lang="en-US" dirty="0"/>
-              <a:t>generator-angular2-gulp-webpack</a:t>
-            </a:r>
-          </a:p>
-          <a:p>
-            <a:r>
-              <a:rPr lang="en-US" dirty="0"/>
-              <a:t>Seed projects</a:t>
-            </a:r>
-          </a:p>
-          <a:p>
-            <a:pPr lvl="1"/>
-            <a:r>
-              <a:rPr lang="en-US" dirty="0"/>
-              <a:t>angular2-seed (</a:t>
-            </a:r>
-            <a:r>
-              <a:rPr lang="en-US" dirty="0" err="1"/>
-              <a:t>npm</a:t>
-            </a:r>
-            <a:r>
-              <a:rPr lang="en-US" dirty="0"/>
-              <a:t>)</a:t>
-            </a:r>
-          </a:p>
-          <a:p>
-            <a:pPr lvl="1"/>
-            <a:r>
-              <a:rPr lang="en-US" dirty="0"/>
-              <a:t>ng2-play (</a:t>
-            </a:r>
-            <a:r>
-              <a:rPr lang="en-US" dirty="0" err="1"/>
-              <a:t>github:pkozlowski-opensource</a:t>
-            </a:r>
-            <a:r>
-              <a:rPr lang="en-US" dirty="0"/>
-              <a:t>)</a:t>
-            </a:r>
-          </a:p>
-          <a:p>
-            <a:pPr lvl="1"/>
-            <a:r>
-              <a:rPr lang="en-US" dirty="0"/>
-              <a:t>angular-starter (</a:t>
-            </a:r>
-            <a:r>
-              <a:rPr lang="en-US" dirty="0" err="1"/>
-              <a:t>github:eladrk</a:t>
-            </a:r>
-            <a:r>
-              <a:rPr lang="en-US" dirty="0"/>
-              <a:t>)</a:t>
-            </a:r>
-          </a:p>
-          <a:p>
-            <a:pPr lvl="1"/>
-            <a:endParaRPr lang="en-US" dirty="0"/>
-          </a:p>
-          <a:p>
-            <a:pPr lvl="1"/>
-            <a:endParaRPr lang="en-US" dirty="0"/>
+            <a:endParaRPr lang="en-US"/>
           </a:p>
         </p:txBody>
       </p:sp>
       <p:pic>
         <p:nvPicPr>
-          <p:cNvPr id="4" name="Picture 2" descr="http://yeoman.io/assets/img/yeoman-logo.png"/>
+          <p:cNvPr id="4" name="Picture 3"/>
           <p:cNvPicPr>
-            <a:picLocks noChangeAspect="1" noChangeArrowheads="1"/>
+            <a:picLocks noChangeAspect="1"/>
           </p:cNvPicPr>
           <p:nvPr/>
         </p:nvPicPr>
         <p:blipFill>
-          <a:blip r:embed="rId2">
-            <a:extLst>
-              <a:ext uri="{28A0092B-C50C-407E-A947-70E740481C1C}">
-                <a14:useLocalDpi xmlns:a14="http://schemas.microsoft.com/office/drawing/2010/main" val="0"/>
-              </a:ext>
-            </a:extLst>
-          </a:blip>
-          <a:srcRect/>
+          <a:blip r:embed="rId2"/>
           <a:stretch>
             <a:fillRect/>
           </a:stretch>
         </p:blipFill>
-        <p:spPr bwMode="auto">
+        <p:spPr>
           <a:xfrm>
-            <a:off x="6177854" y="1447800"/>
-            <a:ext cx="2512756" cy="2176827"/>
+            <a:off x="990600" y="2514600"/>
+            <a:ext cx="7391400" cy="1194806"/>
           </a:xfrm>
           <a:prstGeom prst="rect">
             <a:avLst/>
           </a:prstGeom>
-          <a:noFill/>
-          <a:extLst>
-            <a:ext uri="{909E8E84-426E-40DD-AFC4-6F175D3DCCD1}">
-              <a14:hiddenFill xmlns:a14="http://schemas.microsoft.com/office/drawing/2010/main">
-                <a:solidFill>
-                  <a:srgbClr val="FFFFFF"/>
-                </a:solidFill>
-              </a14:hiddenFill>
-            </a:ext>
-          </a:extLst>
         </p:spPr>
       </p:pic>
     </p:spTree>
     <p:extLst>
       <p:ext uri="{BB962C8B-B14F-4D97-AF65-F5344CB8AC3E}">
-        <p14:creationId xmlns:p14="http://schemas.microsoft.com/office/powerpoint/2010/main" val="3300752119"/>
+        <p14:creationId xmlns:p14="http://schemas.microsoft.com/office/powerpoint/2010/main" val="318710140"/>
       </p:ext>
     </p:extLst>
   </p:cSld>
@@ -7325,417 +8219,6 @@
   <p:transition>
     <p:fade/>
   </p:transition>
-  <p:timing>
-    <p:tnLst>
-      <p:par>
-        <p:cTn id="1" dur="indefinite" restart="never" nodeType="tmRoot">
-          <p:childTnLst>
-            <p:seq concurrent="1" nextAc="seek">
-              <p:cTn id="2" dur="indefinite" nodeType="mainSeq">
-                <p:childTnLst>
-                  <p:par>
-                    <p:cTn id="3" fill="hold">
-                      <p:stCondLst>
-                        <p:cond delay="indefinite"/>
-                      </p:stCondLst>
-                      <p:childTnLst>
-                        <p:par>
-                          <p:cTn id="4" fill="hold">
-                            <p:stCondLst>
-                              <p:cond delay="0"/>
-                            </p:stCondLst>
-                            <p:childTnLst>
-                              <p:par>
-                                <p:cTn id="5" presetID="10" presetClass="entr" presetSubtype="0" fill="hold" nodeType="clickEffect">
-                                  <p:stCondLst>
-                                    <p:cond delay="0"/>
-                                  </p:stCondLst>
-                                  <p:childTnLst>
-                                    <p:set>
-                                      <p:cBhvr>
-                                        <p:cTn id="6" dur="1" fill="hold">
-                                          <p:stCondLst>
-                                            <p:cond delay="0"/>
-                                          </p:stCondLst>
-                                        </p:cTn>
-                                        <p:tgtEl>
-                                          <p:spTgt spid="3">
-                                            <p:txEl>
-                                              <p:pRg st="0" end="0"/>
-                                            </p:txEl>
-                                          </p:spTgt>
-                                        </p:tgtEl>
-                                        <p:attrNameLst>
-                                          <p:attrName>style.visibility</p:attrName>
-                                        </p:attrNameLst>
-                                      </p:cBhvr>
-                                      <p:to>
-                                        <p:strVal val="visible"/>
-                                      </p:to>
-                                    </p:set>
-                                    <p:animEffect transition="in" filter="fade">
-                                      <p:cBhvr>
-                                        <p:cTn id="7" dur="500"/>
-                                        <p:tgtEl>
-                                          <p:spTgt spid="3">
-                                            <p:txEl>
-                                              <p:pRg st="0" end="0"/>
-                                            </p:txEl>
-                                          </p:spTgt>
-                                        </p:tgtEl>
-                                      </p:cBhvr>
-                                    </p:animEffect>
-                                  </p:childTnLst>
-                                </p:cTn>
-                              </p:par>
-                              <p:par>
-                                <p:cTn id="8" presetID="10" presetClass="entr" presetSubtype="0" fill="hold" nodeType="withEffect">
-                                  <p:stCondLst>
-                                    <p:cond delay="0"/>
-                                  </p:stCondLst>
-                                  <p:childTnLst>
-                                    <p:set>
-                                      <p:cBhvr>
-                                        <p:cTn id="9" dur="1" fill="hold">
-                                          <p:stCondLst>
-                                            <p:cond delay="0"/>
-                                          </p:stCondLst>
-                                        </p:cTn>
-                                        <p:tgtEl>
-                                          <p:spTgt spid="3">
-                                            <p:txEl>
-                                              <p:pRg st="1" end="1"/>
-                                            </p:txEl>
-                                          </p:spTgt>
-                                        </p:tgtEl>
-                                        <p:attrNameLst>
-                                          <p:attrName>style.visibility</p:attrName>
-                                        </p:attrNameLst>
-                                      </p:cBhvr>
-                                      <p:to>
-                                        <p:strVal val="visible"/>
-                                      </p:to>
-                                    </p:set>
-                                    <p:animEffect transition="in" filter="fade">
-                                      <p:cBhvr>
-                                        <p:cTn id="10" dur="500"/>
-                                        <p:tgtEl>
-                                          <p:spTgt spid="3">
-                                            <p:txEl>
-                                              <p:pRg st="1" end="1"/>
-                                            </p:txEl>
-                                          </p:spTgt>
-                                        </p:tgtEl>
-                                      </p:cBhvr>
-                                    </p:animEffect>
-                                  </p:childTnLst>
-                                </p:cTn>
-                              </p:par>
-                              <p:par>
-                                <p:cTn id="11" presetID="10" presetClass="entr" presetSubtype="0" fill="hold" nodeType="withEffect">
-                                  <p:stCondLst>
-                                    <p:cond delay="0"/>
-                                  </p:stCondLst>
-                                  <p:childTnLst>
-                                    <p:set>
-                                      <p:cBhvr>
-                                        <p:cTn id="12" dur="1" fill="hold">
-                                          <p:stCondLst>
-                                            <p:cond delay="0"/>
-                                          </p:stCondLst>
-                                        </p:cTn>
-                                        <p:tgtEl>
-                                          <p:spTgt spid="3">
-                                            <p:txEl>
-                                              <p:pRg st="2" end="2"/>
-                                            </p:txEl>
-                                          </p:spTgt>
-                                        </p:tgtEl>
-                                        <p:attrNameLst>
-                                          <p:attrName>style.visibility</p:attrName>
-                                        </p:attrNameLst>
-                                      </p:cBhvr>
-                                      <p:to>
-                                        <p:strVal val="visible"/>
-                                      </p:to>
-                                    </p:set>
-                                    <p:animEffect transition="in" filter="fade">
-                                      <p:cBhvr>
-                                        <p:cTn id="13" dur="500"/>
-                                        <p:tgtEl>
-                                          <p:spTgt spid="3">
-                                            <p:txEl>
-                                              <p:pRg st="2" end="2"/>
-                                            </p:txEl>
-                                          </p:spTgt>
-                                        </p:tgtEl>
-                                      </p:cBhvr>
-                                    </p:animEffect>
-                                  </p:childTnLst>
-                                </p:cTn>
-                              </p:par>
-                            </p:childTnLst>
-                          </p:cTn>
-                        </p:par>
-                        <p:par>
-                          <p:cTn id="14" fill="hold">
-                            <p:stCondLst>
-                              <p:cond delay="500"/>
-                            </p:stCondLst>
-                            <p:childTnLst>
-                              <p:par>
-                                <p:cTn id="15" presetID="10" presetClass="entr" presetSubtype="0" fill="hold" nodeType="afterEffect">
-                                  <p:stCondLst>
-                                    <p:cond delay="0"/>
-                                  </p:stCondLst>
-                                  <p:childTnLst>
-                                    <p:set>
-                                      <p:cBhvr>
-                                        <p:cTn id="16" dur="1" fill="hold">
-                                          <p:stCondLst>
-                                            <p:cond delay="0"/>
-                                          </p:stCondLst>
-                                        </p:cTn>
-                                        <p:tgtEl>
-                                          <p:spTgt spid="4"/>
-                                        </p:tgtEl>
-                                        <p:attrNameLst>
-                                          <p:attrName>style.visibility</p:attrName>
-                                        </p:attrNameLst>
-                                      </p:cBhvr>
-                                      <p:to>
-                                        <p:strVal val="visible"/>
-                                      </p:to>
-                                    </p:set>
-                                    <p:animEffect transition="in" filter="fade">
-                                      <p:cBhvr>
-                                        <p:cTn id="17" dur="500"/>
-                                        <p:tgtEl>
-                                          <p:spTgt spid="4"/>
-                                        </p:tgtEl>
-                                      </p:cBhvr>
-                                    </p:animEffect>
-                                  </p:childTnLst>
-                                </p:cTn>
-                              </p:par>
-                            </p:childTnLst>
-                          </p:cTn>
-                        </p:par>
-                      </p:childTnLst>
-                    </p:cTn>
-                  </p:par>
-                  <p:par>
-                    <p:cTn id="18" fill="hold">
-                      <p:stCondLst>
-                        <p:cond delay="indefinite"/>
-                      </p:stCondLst>
-                      <p:childTnLst>
-                        <p:par>
-                          <p:cTn id="19" fill="hold">
-                            <p:stCondLst>
-                              <p:cond delay="0"/>
-                            </p:stCondLst>
-                            <p:childTnLst>
-                              <p:par>
-                                <p:cTn id="20" presetID="10" presetClass="entr" presetSubtype="0" fill="hold" nodeType="clickEffect">
-                                  <p:stCondLst>
-                                    <p:cond delay="0"/>
-                                  </p:stCondLst>
-                                  <p:childTnLst>
-                                    <p:set>
-                                      <p:cBhvr>
-                                        <p:cTn id="21" dur="1" fill="hold">
-                                          <p:stCondLst>
-                                            <p:cond delay="0"/>
-                                          </p:stCondLst>
-                                        </p:cTn>
-                                        <p:tgtEl>
-                                          <p:spTgt spid="3">
-                                            <p:txEl>
-                                              <p:pRg st="3" end="3"/>
-                                            </p:txEl>
-                                          </p:spTgt>
-                                        </p:tgtEl>
-                                        <p:attrNameLst>
-                                          <p:attrName>style.visibility</p:attrName>
-                                        </p:attrNameLst>
-                                      </p:cBhvr>
-                                      <p:to>
-                                        <p:strVal val="visible"/>
-                                      </p:to>
-                                    </p:set>
-                                    <p:animEffect transition="in" filter="fade">
-                                      <p:cBhvr>
-                                        <p:cTn id="22" dur="500"/>
-                                        <p:tgtEl>
-                                          <p:spTgt spid="3">
-                                            <p:txEl>
-                                              <p:pRg st="3" end="3"/>
-                                            </p:txEl>
-                                          </p:spTgt>
-                                        </p:tgtEl>
-                                      </p:cBhvr>
-                                    </p:animEffect>
-                                  </p:childTnLst>
-                                </p:cTn>
-                              </p:par>
-                              <p:par>
-                                <p:cTn id="23" presetID="10" presetClass="entr" presetSubtype="0" fill="hold" nodeType="withEffect">
-                                  <p:stCondLst>
-                                    <p:cond delay="0"/>
-                                  </p:stCondLst>
-                                  <p:childTnLst>
-                                    <p:set>
-                                      <p:cBhvr>
-                                        <p:cTn id="24" dur="1" fill="hold">
-                                          <p:stCondLst>
-                                            <p:cond delay="0"/>
-                                          </p:stCondLst>
-                                        </p:cTn>
-                                        <p:tgtEl>
-                                          <p:spTgt spid="3">
-                                            <p:txEl>
-                                              <p:pRg st="4" end="4"/>
-                                            </p:txEl>
-                                          </p:spTgt>
-                                        </p:tgtEl>
-                                        <p:attrNameLst>
-                                          <p:attrName>style.visibility</p:attrName>
-                                        </p:attrNameLst>
-                                      </p:cBhvr>
-                                      <p:to>
-                                        <p:strVal val="visible"/>
-                                      </p:to>
-                                    </p:set>
-                                    <p:animEffect transition="in" filter="fade">
-                                      <p:cBhvr>
-                                        <p:cTn id="25" dur="500"/>
-                                        <p:tgtEl>
-                                          <p:spTgt spid="3">
-                                            <p:txEl>
-                                              <p:pRg st="4" end="4"/>
-                                            </p:txEl>
-                                          </p:spTgt>
-                                        </p:tgtEl>
-                                      </p:cBhvr>
-                                    </p:animEffect>
-                                  </p:childTnLst>
-                                </p:cTn>
-                              </p:par>
-                              <p:par>
-                                <p:cTn id="26" presetID="10" presetClass="entr" presetSubtype="0" fill="hold" nodeType="withEffect">
-                                  <p:stCondLst>
-                                    <p:cond delay="0"/>
-                                  </p:stCondLst>
-                                  <p:childTnLst>
-                                    <p:set>
-                                      <p:cBhvr>
-                                        <p:cTn id="27" dur="1" fill="hold">
-                                          <p:stCondLst>
-                                            <p:cond delay="0"/>
-                                          </p:stCondLst>
-                                        </p:cTn>
-                                        <p:tgtEl>
-                                          <p:spTgt spid="3">
-                                            <p:txEl>
-                                              <p:pRg st="5" end="5"/>
-                                            </p:txEl>
-                                          </p:spTgt>
-                                        </p:tgtEl>
-                                        <p:attrNameLst>
-                                          <p:attrName>style.visibility</p:attrName>
-                                        </p:attrNameLst>
-                                      </p:cBhvr>
-                                      <p:to>
-                                        <p:strVal val="visible"/>
-                                      </p:to>
-                                    </p:set>
-                                    <p:animEffect transition="in" filter="fade">
-                                      <p:cBhvr>
-                                        <p:cTn id="28" dur="500"/>
-                                        <p:tgtEl>
-                                          <p:spTgt spid="3">
-                                            <p:txEl>
-                                              <p:pRg st="5" end="5"/>
-                                            </p:txEl>
-                                          </p:spTgt>
-                                        </p:tgtEl>
-                                      </p:cBhvr>
-                                    </p:animEffect>
-                                  </p:childTnLst>
-                                </p:cTn>
-                              </p:par>
-                              <p:par>
-                                <p:cTn id="29" presetID="10" presetClass="entr" presetSubtype="0" fill="hold" nodeType="withEffect">
-                                  <p:stCondLst>
-                                    <p:cond delay="0"/>
-                                  </p:stCondLst>
-                                  <p:childTnLst>
-                                    <p:set>
-                                      <p:cBhvr>
-                                        <p:cTn id="30" dur="1" fill="hold">
-                                          <p:stCondLst>
-                                            <p:cond delay="0"/>
-                                          </p:stCondLst>
-                                        </p:cTn>
-                                        <p:tgtEl>
-                                          <p:spTgt spid="3">
-                                            <p:txEl>
-                                              <p:pRg st="6" end="6"/>
-                                            </p:txEl>
-                                          </p:spTgt>
-                                        </p:tgtEl>
-                                        <p:attrNameLst>
-                                          <p:attrName>style.visibility</p:attrName>
-                                        </p:attrNameLst>
-                                      </p:cBhvr>
-                                      <p:to>
-                                        <p:strVal val="visible"/>
-                                      </p:to>
-                                    </p:set>
-                                    <p:animEffect transition="in" filter="fade">
-                                      <p:cBhvr>
-                                        <p:cTn id="31" dur="500"/>
-                                        <p:tgtEl>
-                                          <p:spTgt spid="3">
-                                            <p:txEl>
-                                              <p:pRg st="6" end="6"/>
-                                            </p:txEl>
-                                          </p:spTgt>
-                                        </p:tgtEl>
-                                      </p:cBhvr>
-                                    </p:animEffect>
-                                  </p:childTnLst>
-                                </p:cTn>
-                              </p:par>
-                            </p:childTnLst>
-                          </p:cTn>
-                        </p:par>
-                      </p:childTnLst>
-                    </p:cTn>
-                  </p:par>
-                </p:childTnLst>
-              </p:cTn>
-              <p:prevCondLst>
-                <p:cond evt="onPrev" delay="0">
-                  <p:tgtEl>
-                    <p:sldTgt/>
-                  </p:tgtEl>
-                </p:cond>
-              </p:prevCondLst>
-              <p:nextCondLst>
-                <p:cond evt="onNext" delay="0">
-                  <p:tgtEl>
-                    <p:sldTgt/>
-                  </p:tgtEl>
-                </p:cond>
-              </p:nextCondLst>
-            </p:seq>
-          </p:childTnLst>
-        </p:cTn>
-      </p:par>
-    </p:tnLst>
-  </p:timing>
 </p:sld>
 </file>
 

--- a/angular2/slides/01_Introduction.pptx
+++ b/angular2/slides/01_Introduction.pptx
@@ -5,10 +5,10 @@
     <p:sldMasterId id="2147483772" r:id="rId1"/>
   </p:sldMasterIdLst>
   <p:notesMasterIdLst>
-    <p:notesMasterId r:id="rId26"/>
+    <p:notesMasterId r:id="rId25"/>
   </p:notesMasterIdLst>
   <p:handoutMasterIdLst>
-    <p:handoutMasterId r:id="rId27"/>
+    <p:handoutMasterId r:id="rId26"/>
   </p:handoutMasterIdLst>
   <p:sldIdLst>
     <p:sldId id="327" r:id="rId2"/>
@@ -28,13 +28,12 @@
     <p:sldId id="338" r:id="rId16"/>
     <p:sldId id="339" r:id="rId17"/>
     <p:sldId id="340" r:id="rId18"/>
-    <p:sldId id="341" r:id="rId19"/>
-    <p:sldId id="342" r:id="rId20"/>
-    <p:sldId id="343" r:id="rId21"/>
-    <p:sldId id="345" r:id="rId22"/>
-    <p:sldId id="346" r:id="rId23"/>
-    <p:sldId id="347" r:id="rId24"/>
-    <p:sldId id="349" r:id="rId25"/>
+    <p:sldId id="342" r:id="rId19"/>
+    <p:sldId id="343" r:id="rId20"/>
+    <p:sldId id="345" r:id="rId21"/>
+    <p:sldId id="346" r:id="rId22"/>
+    <p:sldId id="347" r:id="rId23"/>
+    <p:sldId id="349" r:id="rId24"/>
   </p:sldIdLst>
   <p:sldSz cx="9144000" cy="6858000" type="screen4x3"/>
   <p:notesSz cx="7302500" cy="9588500"/>
@@ -287,7 +286,7 @@
               <a:pPr>
                 <a:defRPr/>
               </a:pPr>
-              <a:t>7/22/2016</a:t>
+              <a:t>7/26/2016</a:t>
             </a:fld>
             <a:endParaRPr lang="en-US"/>
           </a:p>
@@ -5374,7 +5373,7 @@
       </p:sp>
       <p:pic>
         <p:nvPicPr>
-          <p:cNvPr id="4" name="Picture 3"/>
+          <p:cNvPr id="5" name="Picture 4"/>
           <p:cNvPicPr>
             <a:picLocks noChangeAspect="1"/>
           </p:cNvPicPr>
@@ -5388,8 +5387,8 @@
         </p:blipFill>
         <p:spPr>
           <a:xfrm>
-            <a:off x="1524000" y="3581400"/>
-            <a:ext cx="5629275" cy="2247900"/>
+            <a:off x="1219200" y="3695700"/>
+            <a:ext cx="6096000" cy="1990725"/>
           </a:xfrm>
           <a:prstGeom prst="rect">
             <a:avLst/>
@@ -5720,7 +5719,7 @@
           <a:p>
             <a:r>
               <a:rPr lang="en-US" dirty="0"/>
-              <a:t>Inputs</a:t>
+              <a:t>Forms</a:t>
             </a:r>
           </a:p>
         </p:txBody>
@@ -5742,8 +5741,46 @@
           <a:p>
             <a:r>
               <a:rPr lang="en-US" dirty="0"/>
-              <a:t>Two way data binding and change notification</a:t>
-            </a:r>
+              <a:t>Support for validation and dirty flags</a:t>
+            </a:r>
+          </a:p>
+          <a:p>
+            <a:r>
+              <a:rPr lang="en-US" dirty="0"/>
+              <a:t>Use </a:t>
+            </a:r>
+            <a:r>
+              <a:rPr lang="en-US" dirty="0" err="1"/>
+              <a:t>ngModel</a:t>
+            </a:r>
+            <a:r>
+              <a:rPr lang="en-US" dirty="0"/>
+              <a:t> in combination with:</a:t>
+            </a:r>
+          </a:p>
+          <a:p>
+            <a:pPr lvl="1"/>
+            <a:r>
+              <a:rPr lang="en-US" dirty="0" err="1"/>
+              <a:t>ngSubmit</a:t>
+            </a:r>
+            <a:endParaRPr lang="en-US" dirty="0"/>
+          </a:p>
+          <a:p>
+            <a:pPr lvl="1"/>
+            <a:r>
+              <a:rPr lang="en-US" dirty="0" err="1"/>
+              <a:t>ngControl</a:t>
+            </a:r>
+            <a:endParaRPr lang="en-US" dirty="0"/>
+          </a:p>
+          <a:p>
+            <a:pPr lvl="1"/>
+            <a:r>
+              <a:rPr lang="en-US" dirty="0" err="1"/>
+              <a:t>ngForm</a:t>
+            </a:r>
+            <a:endParaRPr lang="en-US" dirty="0"/>
           </a:p>
         </p:txBody>
       </p:sp>
@@ -5763,8 +5800,8 @@
         </p:blipFill>
         <p:spPr>
           <a:xfrm>
-            <a:off x="397723" y="2667000"/>
-            <a:ext cx="8252066" cy="1604963"/>
+            <a:off x="1905000" y="3695700"/>
+            <a:ext cx="4229100" cy="1590675"/>
           </a:xfrm>
           <a:prstGeom prst="rect">
             <a:avLst/>
@@ -5774,7 +5811,7 @@
     </p:spTree>
     <p:extLst>
       <p:ext uri="{BB962C8B-B14F-4D97-AF65-F5344CB8AC3E}">
-        <p14:creationId xmlns:p14="http://schemas.microsoft.com/office/powerpoint/2010/main" val="3736789927"/>
+        <p14:creationId xmlns:p14="http://schemas.microsoft.com/office/powerpoint/2010/main" val="4044431088"/>
       </p:ext>
     </p:extLst>
   </p:cSld>
@@ -5821,7 +5858,7 @@
           <a:p>
             <a:r>
               <a:rPr lang="en-US" dirty="0"/>
-              <a:t>Forms</a:t>
+              <a:t>Angular versus Unobtrusive JavaScript</a:t>
             </a:r>
           </a:p>
         </p:txBody>
@@ -5843,52 +5880,32 @@
           <a:p>
             <a:r>
               <a:rPr lang="en-US" dirty="0"/>
-              <a:t>Support for validation and dirty flags</a:t>
+              <a:t>Everyone is using JavaScript</a:t>
             </a:r>
           </a:p>
           <a:p>
             <a:r>
               <a:rPr lang="en-US" dirty="0"/>
-              <a:t>Use </a:t>
-            </a:r>
-            <a:r>
-              <a:rPr lang="en-US" dirty="0" err="1"/>
-              <a:t>ngModel</a:t>
-            </a:r>
+              <a:t>Angular behaves the same across browsers</a:t>
+            </a:r>
+          </a:p>
+          <a:p>
             <a:r>
               <a:rPr lang="en-US" dirty="0"/>
-              <a:t> in combination with:</a:t>
-            </a:r>
-          </a:p>
-          <a:p>
-            <a:pPr lvl="1"/>
-            <a:r>
-              <a:rPr lang="en-US" dirty="0" err="1"/>
-              <a:t>ngSubmit</a:t>
-            </a:r>
+              <a:t>Expressions not evaluated in global scope</a:t>
+            </a:r>
+          </a:p>
+          <a:p>
             <a:endParaRPr lang="en-US" dirty="0"/>
           </a:p>
           <a:p>
-            <a:pPr lvl="1"/>
-            <a:r>
-              <a:rPr lang="en-US" dirty="0" err="1"/>
-              <a:t>ngControl</a:t>
-            </a:r>
-            <a:endParaRPr lang="en-US" dirty="0"/>
-          </a:p>
-          <a:p>
-            <a:pPr lvl="1"/>
-            <a:r>
-              <a:rPr lang="en-US" dirty="0" err="1"/>
-              <a:t>ngForm</a:t>
-            </a:r>
             <a:endParaRPr lang="en-US" dirty="0"/>
           </a:p>
         </p:txBody>
       </p:sp>
       <p:pic>
         <p:nvPicPr>
-          <p:cNvPr id="4" name="Picture 3"/>
+          <p:cNvPr id="5" name="Picture 4"/>
           <p:cNvPicPr>
             <a:picLocks noChangeAspect="1"/>
           </p:cNvPicPr>
@@ -5902,7 +5919,7 @@
         </p:blipFill>
         <p:spPr>
           <a:xfrm>
-            <a:off x="1905000" y="3695700"/>
+            <a:off x="1981200" y="3352800"/>
             <a:ext cx="4229100" cy="1590675"/>
           </a:xfrm>
           <a:prstGeom prst="rect">
@@ -5913,7 +5930,7 @@
     </p:spTree>
     <p:extLst>
       <p:ext uri="{BB962C8B-B14F-4D97-AF65-F5344CB8AC3E}">
-        <p14:creationId xmlns:p14="http://schemas.microsoft.com/office/powerpoint/2010/main" val="4044431088"/>
+        <p14:creationId xmlns:p14="http://schemas.microsoft.com/office/powerpoint/2010/main" val="686790238"/>
       </p:ext>
     </p:extLst>
   </p:cSld>
@@ -6131,7 +6148,7 @@
           <a:p>
             <a:r>
               <a:rPr lang="en-US" dirty="0"/>
-              <a:t>Angular versus Unobtrusive JavaScript</a:t>
+              <a:t>Hiding and Showing</a:t>
             </a:r>
           </a:p>
         </p:txBody>
@@ -6153,32 +6170,48 @@
           <a:p>
             <a:r>
               <a:rPr lang="en-US" dirty="0"/>
-              <a:t>Everyone is using JavaScript</a:t>
-            </a:r>
-          </a:p>
-          <a:p>
+              <a:t>Several approaches</a:t>
+            </a:r>
+          </a:p>
+          <a:p>
+            <a:pPr lvl="1"/>
             <a:r>
               <a:rPr lang="en-US" dirty="0"/>
-              <a:t>Angular behaves the same across browsers</a:t>
-            </a:r>
-          </a:p>
-          <a:p>
+              <a:t>Use *</a:t>
+            </a:r>
+            <a:r>
+              <a:rPr lang="en-US" dirty="0" err="1"/>
+              <a:t>ngIf</a:t>
+            </a:r>
+            <a:endParaRPr lang="en-US" dirty="0"/>
+          </a:p>
+          <a:p>
+            <a:pPr lvl="1"/>
             <a:r>
               <a:rPr lang="en-US" dirty="0"/>
-              <a:t>Expressions not evaluated in global scope</a:t>
-            </a:r>
-          </a:p>
-          <a:p>
-            <a:endParaRPr lang="en-US" dirty="0"/>
-          </a:p>
-          <a:p>
-            <a:endParaRPr lang="en-US" dirty="0"/>
+              <a:t>Bind to the hidden property</a:t>
+            </a:r>
+          </a:p>
+          <a:p>
+            <a:pPr lvl="1"/>
+            <a:r>
+              <a:rPr lang="en-US" dirty="0"/>
+              <a:t>Bind to the </a:t>
+            </a:r>
+            <a:r>
+              <a:rPr lang="en-US" dirty="0" err="1"/>
+              <a:t>style.display</a:t>
+            </a:r>
+            <a:r>
+              <a:rPr lang="en-US" dirty="0"/>
+              <a:t> property</a:t>
+            </a:r>
           </a:p>
         </p:txBody>
       </p:sp>
       <p:pic>
         <p:nvPicPr>
-          <p:cNvPr id="5" name="Picture 4"/>
+          <p:cNvPr id="4" name="Picture 3"/>
           <p:cNvPicPr>
             <a:picLocks noChangeAspect="1"/>
           </p:cNvPicPr>
@@ -6192,8 +6225,8 @@
         </p:blipFill>
         <p:spPr>
           <a:xfrm>
-            <a:off x="1981200" y="3352800"/>
-            <a:ext cx="4229100" cy="1590675"/>
+            <a:off x="128095" y="3200400"/>
+            <a:ext cx="8887810" cy="1676400"/>
           </a:xfrm>
           <a:prstGeom prst="rect">
             <a:avLst/>
@@ -6203,7 +6236,7 @@
     </p:spTree>
     <p:extLst>
       <p:ext uri="{BB962C8B-B14F-4D97-AF65-F5344CB8AC3E}">
-        <p14:creationId xmlns:p14="http://schemas.microsoft.com/office/powerpoint/2010/main" val="686790238"/>
+        <p14:creationId xmlns:p14="http://schemas.microsoft.com/office/powerpoint/2010/main" val="3310555310"/>
       </p:ext>
     </p:extLst>
   </p:cSld>
@@ -6250,7 +6283,7 @@
           <a:p>
             <a:r>
               <a:rPr lang="en-US" dirty="0"/>
-              <a:t>Hiding and Showing</a:t>
+              <a:t>Styles</a:t>
             </a:r>
           </a:p>
         </p:txBody>
@@ -6272,48 +6305,37 @@
           <a:p>
             <a:r>
               <a:rPr lang="en-US" dirty="0"/>
-              <a:t>Several approaches</a:t>
+              <a:t>Use the </a:t>
+            </a:r>
+            <a:r>
+              <a:rPr lang="en-US" dirty="0" err="1"/>
+              <a:t>ngClass</a:t>
+            </a:r>
+            <a:r>
+              <a:rPr lang="en-US" dirty="0"/>
+              <a:t> directive </a:t>
             </a:r>
           </a:p>
           <a:p>
             <a:pPr lvl="1"/>
             <a:r>
               <a:rPr lang="en-US" dirty="0"/>
-              <a:t>Use *</a:t>
+              <a:t>Adds class names for </a:t>
             </a:r>
             <a:r>
               <a:rPr lang="en-US" dirty="0" err="1"/>
-              <a:t>ngIf</a:t>
-            </a:r>
-            <a:endParaRPr lang="en-US" dirty="0"/>
-          </a:p>
-          <a:p>
-            <a:pPr lvl="1"/>
+              <a:t>truthy</a:t>
+            </a:r>
             <a:r>
               <a:rPr lang="en-US" dirty="0"/>
-              <a:t>Bind to the hidden property</a:t>
-            </a:r>
-          </a:p>
-          <a:p>
-            <a:pPr lvl="1"/>
-            <a:r>
-              <a:rPr lang="en-US" dirty="0"/>
-              <a:t>Bind to the </a:t>
-            </a:r>
-            <a:r>
-              <a:rPr lang="en-US" dirty="0" err="1"/>
-              <a:t>style.display</a:t>
-            </a:r>
-            <a:r>
-              <a:rPr lang="en-US" dirty="0"/>
-              <a:t> property</a:t>
+              <a:t> values</a:t>
             </a:r>
           </a:p>
         </p:txBody>
       </p:sp>
       <p:pic>
         <p:nvPicPr>
-          <p:cNvPr id="4" name="Picture 3"/>
+          <p:cNvPr id="5" name="Picture 4"/>
           <p:cNvPicPr>
             <a:picLocks noChangeAspect="1"/>
           </p:cNvPicPr>
@@ -6327,8 +6349,8 @@
         </p:blipFill>
         <p:spPr>
           <a:xfrm>
-            <a:off x="128095" y="3200400"/>
-            <a:ext cx="8887810" cy="1676400"/>
+            <a:off x="1457325" y="2686050"/>
+            <a:ext cx="6229350" cy="1485900"/>
           </a:xfrm>
           <a:prstGeom prst="rect">
             <a:avLst/>
@@ -6338,7 +6360,7 @@
     </p:spTree>
     <p:extLst>
       <p:ext uri="{BB962C8B-B14F-4D97-AF65-F5344CB8AC3E}">
-        <p14:creationId xmlns:p14="http://schemas.microsoft.com/office/powerpoint/2010/main" val="3310555310"/>
+        <p14:creationId xmlns:p14="http://schemas.microsoft.com/office/powerpoint/2010/main" val="1399393236"/>
       </p:ext>
     </p:extLst>
   </p:cSld>
@@ -6385,130 +6407,6 @@
           <a:p>
             <a:r>
               <a:rPr lang="en-US" dirty="0"/>
-              <a:t>Styles</a:t>
-            </a:r>
-          </a:p>
-        </p:txBody>
-      </p:sp>
-      <p:sp>
-        <p:nvSpPr>
-          <p:cNvPr id="3" name="Text Placeholder 2"/>
-          <p:cNvSpPr>
-            <a:spLocks noGrp="1"/>
-          </p:cNvSpPr>
-          <p:nvPr>
-            <p:ph type="body" idx="1"/>
-          </p:nvPr>
-        </p:nvSpPr>
-        <p:spPr/>
-        <p:txBody>
-          <a:bodyPr/>
-          <a:lstStyle/>
-          <a:p>
-            <a:r>
-              <a:rPr lang="en-US" dirty="0"/>
-              <a:t>Use the </a:t>
-            </a:r>
-            <a:r>
-              <a:rPr lang="en-US" dirty="0" err="1"/>
-              <a:t>ngClass</a:t>
-            </a:r>
-            <a:r>
-              <a:rPr lang="en-US" dirty="0"/>
-              <a:t> directive </a:t>
-            </a:r>
-          </a:p>
-          <a:p>
-            <a:pPr lvl="1"/>
-            <a:r>
-              <a:rPr lang="en-US" dirty="0"/>
-              <a:t>Adds class names for </a:t>
-            </a:r>
-            <a:r>
-              <a:rPr lang="en-US" dirty="0" err="1"/>
-              <a:t>truthy</a:t>
-            </a:r>
-            <a:r>
-              <a:rPr lang="en-US" dirty="0"/>
-              <a:t> values</a:t>
-            </a:r>
-          </a:p>
-        </p:txBody>
-      </p:sp>
-      <p:pic>
-        <p:nvPicPr>
-          <p:cNvPr id="5" name="Picture 4"/>
-          <p:cNvPicPr>
-            <a:picLocks noChangeAspect="1"/>
-          </p:cNvPicPr>
-          <p:nvPr/>
-        </p:nvPicPr>
-        <p:blipFill>
-          <a:blip r:embed="rId2"/>
-          <a:stretch>
-            <a:fillRect/>
-          </a:stretch>
-        </p:blipFill>
-        <p:spPr>
-          <a:xfrm>
-            <a:off x="1457325" y="2686050"/>
-            <a:ext cx="6229350" cy="1485900"/>
-          </a:xfrm>
-          <a:prstGeom prst="rect">
-            <a:avLst/>
-          </a:prstGeom>
-        </p:spPr>
-      </p:pic>
-    </p:spTree>
-    <p:extLst>
-      <p:ext uri="{BB962C8B-B14F-4D97-AF65-F5344CB8AC3E}">
-        <p14:creationId xmlns:p14="http://schemas.microsoft.com/office/powerpoint/2010/main" val="1399393236"/>
-      </p:ext>
-    </p:extLst>
-  </p:cSld>
-  <p:clrMapOvr>
-    <a:masterClrMapping/>
-  </p:clrMapOvr>
-  <p:transition>
-    <p:fade/>
-  </p:transition>
-</p:sld>
-</file>
-
-<file path=ppt/slides/slide23.xml><?xml version="1.0" encoding="utf-8"?>
-<p:sld xmlns:a="http://schemas.openxmlformats.org/drawingml/2006/main" xmlns:r="http://schemas.openxmlformats.org/officeDocument/2006/relationships" xmlns:p="http://schemas.openxmlformats.org/presentationml/2006/main">
-  <p:cSld>
-    <p:spTree>
-      <p:nvGrpSpPr>
-        <p:cNvPr id="1" name=""/>
-        <p:cNvGrpSpPr/>
-        <p:nvPr/>
-      </p:nvGrpSpPr>
-      <p:grpSpPr>
-        <a:xfrm>
-          <a:off x="0" y="0"/>
-          <a:ext cx="0" cy="0"/>
-          <a:chOff x="0" y="0"/>
-          <a:chExt cx="0" cy="0"/>
-        </a:xfrm>
-      </p:grpSpPr>
-      <p:sp>
-        <p:nvSpPr>
-          <p:cNvPr id="2" name="Title 1"/>
-          <p:cNvSpPr>
-            <a:spLocks noGrp="1"/>
-          </p:cNvSpPr>
-          <p:nvPr>
-            <p:ph type="title"/>
-          </p:nvPr>
-        </p:nvSpPr>
-        <p:spPr/>
-        <p:txBody>
-          <a:bodyPr/>
-          <a:lstStyle/>
-          <a:p>
-            <a:r>
-              <a:rPr lang="en-US" dirty="0"/>
               <a:t>Debugging</a:t>
             </a:r>
           </a:p>
@@ -6581,7 +6479,7 @@
 </p:sld>
 </file>
 
-<file path=ppt/slides/slide24.xml><?xml version="1.0" encoding="utf-8"?>
+<file path=ppt/slides/slide23.xml><?xml version="1.0" encoding="utf-8"?>
 <p:sld xmlns:a="http://schemas.openxmlformats.org/drawingml/2006/main" xmlns:r="http://schemas.openxmlformats.org/officeDocument/2006/relationships" xmlns:p="http://schemas.openxmlformats.org/presentationml/2006/main">
   <p:cSld>
     <p:spTree>

--- a/angular2/slides/01_Introduction.pptx
+++ b/angular2/slides/01_Introduction.pptx
@@ -20,9 +20,9 @@
     <p:sldId id="352" r:id="rId8"/>
     <p:sldId id="354" r:id="rId9"/>
     <p:sldId id="353" r:id="rId10"/>
-    <p:sldId id="336" r:id="rId11"/>
-    <p:sldId id="332" r:id="rId12"/>
-    <p:sldId id="334" r:id="rId13"/>
+    <p:sldId id="355" r:id="rId11"/>
+    <p:sldId id="336" r:id="rId12"/>
+    <p:sldId id="332" r:id="rId13"/>
     <p:sldId id="335" r:id="rId14"/>
     <p:sldId id="337" r:id="rId15"/>
     <p:sldId id="338" r:id="rId16"/>
@@ -286,7 +286,7 @@
               <a:pPr>
                 <a:defRPr/>
               </a:pPr>
-              <a:t>7/26/2016</a:t>
+              <a:t>8/31/2016</a:t>
             </a:fld>
             <a:endParaRPr lang="en-US"/>
           </a:p>
@@ -2494,7 +2494,7 @@
           <a:p>
             <a:r>
               <a:rPr lang="en-US" dirty="0"/>
-              <a:t>Components</a:t>
+              <a:t>Modules</a:t>
             </a:r>
           </a:p>
         </p:txBody>
@@ -2516,21 +2516,21 @@
           <a:p>
             <a:r>
               <a:rPr lang="en-US" dirty="0"/>
-              <a:t>Components define a custom HTML element</a:t>
+              <a:t>Organize large applications into modules of functionality</a:t>
             </a:r>
           </a:p>
           <a:p>
             <a:pPr lvl="1"/>
             <a:r>
               <a:rPr lang="en-US" dirty="0"/>
-              <a:t>Data + behavior + template</a:t>
+              <a:t>Module object tells Angular how to execute module code</a:t>
             </a:r>
           </a:p>
         </p:txBody>
       </p:sp>
       <p:pic>
         <p:nvPicPr>
-          <p:cNvPr id="5" name="Picture 4"/>
+          <p:cNvPr id="4" name="Picture 3"/>
           <p:cNvPicPr>
             <a:picLocks noChangeAspect="1"/>
           </p:cNvPicPr>
@@ -2544,8 +2544,116 @@
         </p:blipFill>
         <p:spPr>
           <a:xfrm>
-            <a:off x="1828800" y="2590800"/>
-            <a:ext cx="6115050" cy="3107485"/>
+            <a:off x="1676400" y="2895600"/>
+            <a:ext cx="6105525" cy="2790825"/>
+          </a:xfrm>
+          <a:prstGeom prst="rect">
+            <a:avLst/>
+          </a:prstGeom>
+        </p:spPr>
+      </p:pic>
+    </p:spTree>
+    <p:extLst>
+      <p:ext uri="{BB962C8B-B14F-4D97-AF65-F5344CB8AC3E}">
+        <p14:creationId xmlns:p14="http://schemas.microsoft.com/office/powerpoint/2010/main" val="2223652595"/>
+      </p:ext>
+    </p:extLst>
+  </p:cSld>
+  <p:clrMapOvr>
+    <a:masterClrMapping/>
+  </p:clrMapOvr>
+  <p:transition>
+    <p:fade/>
+  </p:transition>
+</p:sld>
+</file>
+
+<file path=ppt/slides/slide11.xml><?xml version="1.0" encoding="utf-8"?>
+<p:sld xmlns:a="http://schemas.openxmlformats.org/drawingml/2006/main" xmlns:r="http://schemas.openxmlformats.org/officeDocument/2006/relationships" xmlns:p="http://schemas.openxmlformats.org/presentationml/2006/main">
+  <p:cSld>
+    <p:spTree>
+      <p:nvGrpSpPr>
+        <p:cNvPr id="1" name=""/>
+        <p:cNvGrpSpPr/>
+        <p:nvPr/>
+      </p:nvGrpSpPr>
+      <p:grpSpPr>
+        <a:xfrm>
+          <a:off x="0" y="0"/>
+          <a:ext cx="0" cy="0"/>
+          <a:chOff x="0" y="0"/>
+          <a:chExt cx="0" cy="0"/>
+        </a:xfrm>
+      </p:grpSpPr>
+      <p:sp>
+        <p:nvSpPr>
+          <p:cNvPr id="2" name="Title 1"/>
+          <p:cNvSpPr>
+            <a:spLocks noGrp="1"/>
+          </p:cNvSpPr>
+          <p:nvPr>
+            <p:ph type="title"/>
+          </p:nvPr>
+        </p:nvSpPr>
+        <p:spPr/>
+        <p:txBody>
+          <a:bodyPr/>
+          <a:lstStyle/>
+          <a:p>
+            <a:r>
+              <a:rPr lang="en-US" dirty="0"/>
+              <a:t>Components</a:t>
+            </a:r>
+          </a:p>
+        </p:txBody>
+      </p:sp>
+      <p:sp>
+        <p:nvSpPr>
+          <p:cNvPr id="3" name="Text Placeholder 2"/>
+          <p:cNvSpPr>
+            <a:spLocks noGrp="1"/>
+          </p:cNvSpPr>
+          <p:nvPr>
+            <p:ph type="body" idx="1"/>
+          </p:nvPr>
+        </p:nvSpPr>
+        <p:spPr/>
+        <p:txBody>
+          <a:bodyPr/>
+          <a:lstStyle/>
+          <a:p>
+            <a:r>
+              <a:rPr lang="en-US" dirty="0"/>
+              <a:t>Components define a custom HTML element</a:t>
+            </a:r>
+          </a:p>
+          <a:p>
+            <a:pPr lvl="1"/>
+            <a:r>
+              <a:rPr lang="en-US" dirty="0"/>
+              <a:t>Data + behavior + template</a:t>
+            </a:r>
+          </a:p>
+        </p:txBody>
+      </p:sp>
+      <p:pic>
+        <p:nvPicPr>
+          <p:cNvPr id="4" name="Picture 3"/>
+          <p:cNvPicPr>
+            <a:picLocks noChangeAspect="1"/>
+          </p:cNvPicPr>
+          <p:nvPr/>
+        </p:nvPicPr>
+        <p:blipFill>
+          <a:blip r:embed="rId2"/>
+          <a:stretch>
+            <a:fillRect/>
+          </a:stretch>
+        </p:blipFill>
+        <p:spPr>
+          <a:xfrm>
+            <a:off x="2209800" y="2819400"/>
+            <a:ext cx="4724400" cy="2085975"/>
           </a:xfrm>
           <a:prstGeom prst="rect">
             <a:avLst/>
@@ -2568,7 +2676,7 @@
 </p:sld>
 </file>
 
-<file path=ppt/slides/slide11.xml><?xml version="1.0" encoding="utf-8"?>
+<file path=ppt/slides/slide12.xml><?xml version="1.0" encoding="utf-8"?>
 <p:sld xmlns:a="http://schemas.openxmlformats.org/drawingml/2006/main" xmlns:r="http://schemas.openxmlformats.org/officeDocument/2006/relationships" xmlns:p="http://schemas.openxmlformats.org/presentationml/2006/main">
   <p:cSld>
     <p:spTree>
@@ -3098,666 +3206,6 @@
   <p:transition>
     <p:fade/>
   </p:transition>
-</p:sld>
-</file>
-
-<file path=ppt/slides/slide12.xml><?xml version="1.0" encoding="utf-8"?>
-<p:sld xmlns:a="http://schemas.openxmlformats.org/drawingml/2006/main" xmlns:r="http://schemas.openxmlformats.org/officeDocument/2006/relationships" xmlns:p="http://schemas.openxmlformats.org/presentationml/2006/main">
-  <p:cSld>
-    <p:spTree>
-      <p:nvGrpSpPr>
-        <p:cNvPr id="1" name=""/>
-        <p:cNvGrpSpPr/>
-        <p:nvPr/>
-      </p:nvGrpSpPr>
-      <p:grpSpPr>
-        <a:xfrm>
-          <a:off x="0" y="0"/>
-          <a:ext cx="0" cy="0"/>
-          <a:chOff x="0" y="0"/>
-          <a:chExt cx="0" cy="0"/>
-        </a:xfrm>
-      </p:grpSpPr>
-      <p:sp>
-        <p:nvSpPr>
-          <p:cNvPr id="2" name="Title 1"/>
-          <p:cNvSpPr>
-            <a:spLocks noGrp="1"/>
-          </p:cNvSpPr>
-          <p:nvPr>
-            <p:ph type="title"/>
-          </p:nvPr>
-        </p:nvSpPr>
-        <p:spPr/>
-        <p:txBody>
-          <a:bodyPr/>
-          <a:lstStyle/>
-          <a:p>
-            <a:r>
-              <a:rPr lang="en-US" dirty="0"/>
-              <a:t>Other Starting Points</a:t>
-            </a:r>
-          </a:p>
-        </p:txBody>
-      </p:sp>
-      <p:sp>
-        <p:nvSpPr>
-          <p:cNvPr id="3" name="Text Placeholder 2"/>
-          <p:cNvSpPr>
-            <a:spLocks noGrp="1"/>
-          </p:cNvSpPr>
-          <p:nvPr>
-            <p:ph type="body" idx="1"/>
-          </p:nvPr>
-        </p:nvSpPr>
-        <p:spPr/>
-        <p:txBody>
-          <a:bodyPr/>
-          <a:lstStyle/>
-          <a:p>
-            <a:r>
-              <a:rPr lang="en-US" dirty="0"/>
-              <a:t>Yeoman generators</a:t>
-            </a:r>
-          </a:p>
-          <a:p>
-            <a:pPr lvl="1"/>
-            <a:r>
-              <a:rPr lang="en-US" dirty="0"/>
-              <a:t>generator-angular2</a:t>
-            </a:r>
-          </a:p>
-          <a:p>
-            <a:pPr lvl="1"/>
-            <a:r>
-              <a:rPr lang="en-US" dirty="0"/>
-              <a:t>generator-angular2-gulp-webpack</a:t>
-            </a:r>
-          </a:p>
-          <a:p>
-            <a:r>
-              <a:rPr lang="en-US" dirty="0"/>
-              <a:t>Seed projects</a:t>
-            </a:r>
-          </a:p>
-          <a:p>
-            <a:pPr lvl="1"/>
-            <a:r>
-              <a:rPr lang="en-US" dirty="0"/>
-              <a:t>angular2-seed (</a:t>
-            </a:r>
-            <a:r>
-              <a:rPr lang="en-US" dirty="0" err="1"/>
-              <a:t>npm</a:t>
-            </a:r>
-            <a:r>
-              <a:rPr lang="en-US" dirty="0"/>
-              <a:t>)</a:t>
-            </a:r>
-          </a:p>
-          <a:p>
-            <a:pPr lvl="1"/>
-            <a:r>
-              <a:rPr lang="en-US" dirty="0"/>
-              <a:t>ng2-play (</a:t>
-            </a:r>
-            <a:r>
-              <a:rPr lang="en-US" dirty="0" err="1"/>
-              <a:t>github:pkozlowski-opensource</a:t>
-            </a:r>
-            <a:r>
-              <a:rPr lang="en-US" dirty="0"/>
-              <a:t>)</a:t>
-            </a:r>
-          </a:p>
-          <a:p>
-            <a:pPr lvl="1"/>
-            <a:r>
-              <a:rPr lang="en-US" dirty="0"/>
-              <a:t>angular-starter (</a:t>
-            </a:r>
-            <a:r>
-              <a:rPr lang="en-US" dirty="0" err="1"/>
-              <a:t>github:eladrk</a:t>
-            </a:r>
-            <a:r>
-              <a:rPr lang="en-US" dirty="0"/>
-              <a:t>)</a:t>
-            </a:r>
-          </a:p>
-          <a:p>
-            <a:r>
-              <a:rPr lang="en-US" dirty="0" err="1"/>
-              <a:t>SystemJS</a:t>
-            </a:r>
-            <a:r>
-              <a:rPr lang="en-US" dirty="0"/>
-              <a:t> versus </a:t>
-            </a:r>
-            <a:r>
-              <a:rPr lang="en-US" dirty="0" err="1"/>
-              <a:t>Webpack</a:t>
-            </a:r>
-            <a:endParaRPr lang="en-US" dirty="0"/>
-          </a:p>
-          <a:p>
-            <a:pPr lvl="1"/>
-            <a:endParaRPr lang="en-US" dirty="0"/>
-          </a:p>
-          <a:p>
-            <a:pPr lvl="1"/>
-            <a:endParaRPr lang="en-US" dirty="0"/>
-          </a:p>
-        </p:txBody>
-      </p:sp>
-      <p:pic>
-        <p:nvPicPr>
-          <p:cNvPr id="4" name="Picture 2" descr="http://yeoman.io/assets/img/yeoman-logo.png"/>
-          <p:cNvPicPr>
-            <a:picLocks noChangeAspect="1" noChangeArrowheads="1"/>
-          </p:cNvPicPr>
-          <p:nvPr/>
-        </p:nvPicPr>
-        <p:blipFill>
-          <a:blip r:embed="rId2">
-            <a:extLst>
-              <a:ext uri="{28A0092B-C50C-407E-A947-70E740481C1C}">
-                <a14:useLocalDpi xmlns:a14="http://schemas.microsoft.com/office/drawing/2010/main" val="0"/>
-              </a:ext>
-            </a:extLst>
-          </a:blip>
-          <a:srcRect/>
-          <a:stretch>
-            <a:fillRect/>
-          </a:stretch>
-        </p:blipFill>
-        <p:spPr bwMode="auto">
-          <a:xfrm>
-            <a:off x="6177854" y="1447800"/>
-            <a:ext cx="2512756" cy="2176827"/>
-          </a:xfrm>
-          <a:prstGeom prst="rect">
-            <a:avLst/>
-          </a:prstGeom>
-          <a:noFill/>
-          <a:extLst>
-            <a:ext uri="{909E8E84-426E-40DD-AFC4-6F175D3DCCD1}">
-              <a14:hiddenFill xmlns:a14="http://schemas.microsoft.com/office/drawing/2010/main">
-                <a:solidFill>
-                  <a:srgbClr val="FFFFFF"/>
-                </a:solidFill>
-              </a14:hiddenFill>
-            </a:ext>
-          </a:extLst>
-        </p:spPr>
-      </p:pic>
-    </p:spTree>
-    <p:extLst>
-      <p:ext uri="{BB962C8B-B14F-4D97-AF65-F5344CB8AC3E}">
-        <p14:creationId xmlns:p14="http://schemas.microsoft.com/office/powerpoint/2010/main" val="3300752119"/>
-      </p:ext>
-    </p:extLst>
-  </p:cSld>
-  <p:clrMapOvr>
-    <a:masterClrMapping/>
-  </p:clrMapOvr>
-  <p:transition>
-    <p:fade/>
-  </p:transition>
-  <p:timing>
-    <p:tnLst>
-      <p:par>
-        <p:cTn id="1" dur="indefinite" restart="never" nodeType="tmRoot">
-          <p:childTnLst>
-            <p:seq concurrent="1" nextAc="seek">
-              <p:cTn id="2" dur="indefinite" nodeType="mainSeq">
-                <p:childTnLst>
-                  <p:par>
-                    <p:cTn id="3" fill="hold">
-                      <p:stCondLst>
-                        <p:cond delay="indefinite"/>
-                      </p:stCondLst>
-                      <p:childTnLst>
-                        <p:par>
-                          <p:cTn id="4" fill="hold">
-                            <p:stCondLst>
-                              <p:cond delay="0"/>
-                            </p:stCondLst>
-                            <p:childTnLst>
-                              <p:par>
-                                <p:cTn id="5" presetID="10" presetClass="entr" presetSubtype="0" fill="hold" nodeType="clickEffect">
-                                  <p:stCondLst>
-                                    <p:cond delay="0"/>
-                                  </p:stCondLst>
-                                  <p:childTnLst>
-                                    <p:set>
-                                      <p:cBhvr>
-                                        <p:cTn id="6" dur="1" fill="hold">
-                                          <p:stCondLst>
-                                            <p:cond delay="0"/>
-                                          </p:stCondLst>
-                                        </p:cTn>
-                                        <p:tgtEl>
-                                          <p:spTgt spid="3">
-                                            <p:txEl>
-                                              <p:pRg st="0" end="0"/>
-                                            </p:txEl>
-                                          </p:spTgt>
-                                        </p:tgtEl>
-                                        <p:attrNameLst>
-                                          <p:attrName>style.visibility</p:attrName>
-                                        </p:attrNameLst>
-                                      </p:cBhvr>
-                                      <p:to>
-                                        <p:strVal val="visible"/>
-                                      </p:to>
-                                    </p:set>
-                                    <p:animEffect transition="in" filter="fade">
-                                      <p:cBhvr>
-                                        <p:cTn id="7" dur="500"/>
-                                        <p:tgtEl>
-                                          <p:spTgt spid="3">
-                                            <p:txEl>
-                                              <p:pRg st="0" end="0"/>
-                                            </p:txEl>
-                                          </p:spTgt>
-                                        </p:tgtEl>
-                                      </p:cBhvr>
-                                    </p:animEffect>
-                                  </p:childTnLst>
-                                </p:cTn>
-                              </p:par>
-                              <p:par>
-                                <p:cTn id="8" presetID="10" presetClass="entr" presetSubtype="0" fill="hold" nodeType="withEffect">
-                                  <p:stCondLst>
-                                    <p:cond delay="0"/>
-                                  </p:stCondLst>
-                                  <p:childTnLst>
-                                    <p:set>
-                                      <p:cBhvr>
-                                        <p:cTn id="9" dur="1" fill="hold">
-                                          <p:stCondLst>
-                                            <p:cond delay="0"/>
-                                          </p:stCondLst>
-                                        </p:cTn>
-                                        <p:tgtEl>
-                                          <p:spTgt spid="3">
-                                            <p:txEl>
-                                              <p:pRg st="1" end="1"/>
-                                            </p:txEl>
-                                          </p:spTgt>
-                                        </p:tgtEl>
-                                        <p:attrNameLst>
-                                          <p:attrName>style.visibility</p:attrName>
-                                        </p:attrNameLst>
-                                      </p:cBhvr>
-                                      <p:to>
-                                        <p:strVal val="visible"/>
-                                      </p:to>
-                                    </p:set>
-                                    <p:animEffect transition="in" filter="fade">
-                                      <p:cBhvr>
-                                        <p:cTn id="10" dur="500"/>
-                                        <p:tgtEl>
-                                          <p:spTgt spid="3">
-                                            <p:txEl>
-                                              <p:pRg st="1" end="1"/>
-                                            </p:txEl>
-                                          </p:spTgt>
-                                        </p:tgtEl>
-                                      </p:cBhvr>
-                                    </p:animEffect>
-                                  </p:childTnLst>
-                                </p:cTn>
-                              </p:par>
-                              <p:par>
-                                <p:cTn id="11" presetID="10" presetClass="entr" presetSubtype="0" fill="hold" nodeType="withEffect">
-                                  <p:stCondLst>
-                                    <p:cond delay="0"/>
-                                  </p:stCondLst>
-                                  <p:childTnLst>
-                                    <p:set>
-                                      <p:cBhvr>
-                                        <p:cTn id="12" dur="1" fill="hold">
-                                          <p:stCondLst>
-                                            <p:cond delay="0"/>
-                                          </p:stCondLst>
-                                        </p:cTn>
-                                        <p:tgtEl>
-                                          <p:spTgt spid="3">
-                                            <p:txEl>
-                                              <p:pRg st="2" end="2"/>
-                                            </p:txEl>
-                                          </p:spTgt>
-                                        </p:tgtEl>
-                                        <p:attrNameLst>
-                                          <p:attrName>style.visibility</p:attrName>
-                                        </p:attrNameLst>
-                                      </p:cBhvr>
-                                      <p:to>
-                                        <p:strVal val="visible"/>
-                                      </p:to>
-                                    </p:set>
-                                    <p:animEffect transition="in" filter="fade">
-                                      <p:cBhvr>
-                                        <p:cTn id="13" dur="500"/>
-                                        <p:tgtEl>
-                                          <p:spTgt spid="3">
-                                            <p:txEl>
-                                              <p:pRg st="2" end="2"/>
-                                            </p:txEl>
-                                          </p:spTgt>
-                                        </p:tgtEl>
-                                      </p:cBhvr>
-                                    </p:animEffect>
-                                  </p:childTnLst>
-                                </p:cTn>
-                              </p:par>
-                            </p:childTnLst>
-                          </p:cTn>
-                        </p:par>
-                        <p:par>
-                          <p:cTn id="14" fill="hold">
-                            <p:stCondLst>
-                              <p:cond delay="500"/>
-                            </p:stCondLst>
-                            <p:childTnLst>
-                              <p:par>
-                                <p:cTn id="15" presetID="10" presetClass="entr" presetSubtype="0" fill="hold" nodeType="afterEffect">
-                                  <p:stCondLst>
-                                    <p:cond delay="0"/>
-                                  </p:stCondLst>
-                                  <p:childTnLst>
-                                    <p:set>
-                                      <p:cBhvr>
-                                        <p:cTn id="16" dur="1" fill="hold">
-                                          <p:stCondLst>
-                                            <p:cond delay="0"/>
-                                          </p:stCondLst>
-                                        </p:cTn>
-                                        <p:tgtEl>
-                                          <p:spTgt spid="4"/>
-                                        </p:tgtEl>
-                                        <p:attrNameLst>
-                                          <p:attrName>style.visibility</p:attrName>
-                                        </p:attrNameLst>
-                                      </p:cBhvr>
-                                      <p:to>
-                                        <p:strVal val="visible"/>
-                                      </p:to>
-                                    </p:set>
-                                    <p:animEffect transition="in" filter="fade">
-                                      <p:cBhvr>
-                                        <p:cTn id="17" dur="500"/>
-                                        <p:tgtEl>
-                                          <p:spTgt spid="4"/>
-                                        </p:tgtEl>
-                                      </p:cBhvr>
-                                    </p:animEffect>
-                                  </p:childTnLst>
-                                </p:cTn>
-                              </p:par>
-                            </p:childTnLst>
-                          </p:cTn>
-                        </p:par>
-                      </p:childTnLst>
-                    </p:cTn>
-                  </p:par>
-                  <p:par>
-                    <p:cTn id="18" fill="hold">
-                      <p:stCondLst>
-                        <p:cond delay="indefinite"/>
-                      </p:stCondLst>
-                      <p:childTnLst>
-                        <p:par>
-                          <p:cTn id="19" fill="hold">
-                            <p:stCondLst>
-                              <p:cond delay="0"/>
-                            </p:stCondLst>
-                            <p:childTnLst>
-                              <p:par>
-                                <p:cTn id="20" presetID="10" presetClass="entr" presetSubtype="0" fill="hold" nodeType="clickEffect">
-                                  <p:stCondLst>
-                                    <p:cond delay="0"/>
-                                  </p:stCondLst>
-                                  <p:childTnLst>
-                                    <p:set>
-                                      <p:cBhvr>
-                                        <p:cTn id="21" dur="1" fill="hold">
-                                          <p:stCondLst>
-                                            <p:cond delay="0"/>
-                                          </p:stCondLst>
-                                        </p:cTn>
-                                        <p:tgtEl>
-                                          <p:spTgt spid="3">
-                                            <p:txEl>
-                                              <p:pRg st="3" end="3"/>
-                                            </p:txEl>
-                                          </p:spTgt>
-                                        </p:tgtEl>
-                                        <p:attrNameLst>
-                                          <p:attrName>style.visibility</p:attrName>
-                                        </p:attrNameLst>
-                                      </p:cBhvr>
-                                      <p:to>
-                                        <p:strVal val="visible"/>
-                                      </p:to>
-                                    </p:set>
-                                    <p:animEffect transition="in" filter="fade">
-                                      <p:cBhvr>
-                                        <p:cTn id="22" dur="500"/>
-                                        <p:tgtEl>
-                                          <p:spTgt spid="3">
-                                            <p:txEl>
-                                              <p:pRg st="3" end="3"/>
-                                            </p:txEl>
-                                          </p:spTgt>
-                                        </p:tgtEl>
-                                      </p:cBhvr>
-                                    </p:animEffect>
-                                  </p:childTnLst>
-                                </p:cTn>
-                              </p:par>
-                              <p:par>
-                                <p:cTn id="23" presetID="10" presetClass="entr" presetSubtype="0" fill="hold" nodeType="withEffect">
-                                  <p:stCondLst>
-                                    <p:cond delay="0"/>
-                                  </p:stCondLst>
-                                  <p:childTnLst>
-                                    <p:set>
-                                      <p:cBhvr>
-                                        <p:cTn id="24" dur="1" fill="hold">
-                                          <p:stCondLst>
-                                            <p:cond delay="0"/>
-                                          </p:stCondLst>
-                                        </p:cTn>
-                                        <p:tgtEl>
-                                          <p:spTgt spid="3">
-                                            <p:txEl>
-                                              <p:pRg st="4" end="4"/>
-                                            </p:txEl>
-                                          </p:spTgt>
-                                        </p:tgtEl>
-                                        <p:attrNameLst>
-                                          <p:attrName>style.visibility</p:attrName>
-                                        </p:attrNameLst>
-                                      </p:cBhvr>
-                                      <p:to>
-                                        <p:strVal val="visible"/>
-                                      </p:to>
-                                    </p:set>
-                                    <p:animEffect transition="in" filter="fade">
-                                      <p:cBhvr>
-                                        <p:cTn id="25" dur="500"/>
-                                        <p:tgtEl>
-                                          <p:spTgt spid="3">
-                                            <p:txEl>
-                                              <p:pRg st="4" end="4"/>
-                                            </p:txEl>
-                                          </p:spTgt>
-                                        </p:tgtEl>
-                                      </p:cBhvr>
-                                    </p:animEffect>
-                                  </p:childTnLst>
-                                </p:cTn>
-                              </p:par>
-                              <p:par>
-                                <p:cTn id="26" presetID="10" presetClass="entr" presetSubtype="0" fill="hold" nodeType="withEffect">
-                                  <p:stCondLst>
-                                    <p:cond delay="0"/>
-                                  </p:stCondLst>
-                                  <p:childTnLst>
-                                    <p:set>
-                                      <p:cBhvr>
-                                        <p:cTn id="27" dur="1" fill="hold">
-                                          <p:stCondLst>
-                                            <p:cond delay="0"/>
-                                          </p:stCondLst>
-                                        </p:cTn>
-                                        <p:tgtEl>
-                                          <p:spTgt spid="3">
-                                            <p:txEl>
-                                              <p:pRg st="5" end="5"/>
-                                            </p:txEl>
-                                          </p:spTgt>
-                                        </p:tgtEl>
-                                        <p:attrNameLst>
-                                          <p:attrName>style.visibility</p:attrName>
-                                        </p:attrNameLst>
-                                      </p:cBhvr>
-                                      <p:to>
-                                        <p:strVal val="visible"/>
-                                      </p:to>
-                                    </p:set>
-                                    <p:animEffect transition="in" filter="fade">
-                                      <p:cBhvr>
-                                        <p:cTn id="28" dur="500"/>
-                                        <p:tgtEl>
-                                          <p:spTgt spid="3">
-                                            <p:txEl>
-                                              <p:pRg st="5" end="5"/>
-                                            </p:txEl>
-                                          </p:spTgt>
-                                        </p:tgtEl>
-                                      </p:cBhvr>
-                                    </p:animEffect>
-                                  </p:childTnLst>
-                                </p:cTn>
-                              </p:par>
-                              <p:par>
-                                <p:cTn id="29" presetID="10" presetClass="entr" presetSubtype="0" fill="hold" nodeType="withEffect">
-                                  <p:stCondLst>
-                                    <p:cond delay="0"/>
-                                  </p:stCondLst>
-                                  <p:childTnLst>
-                                    <p:set>
-                                      <p:cBhvr>
-                                        <p:cTn id="30" dur="1" fill="hold">
-                                          <p:stCondLst>
-                                            <p:cond delay="0"/>
-                                          </p:stCondLst>
-                                        </p:cTn>
-                                        <p:tgtEl>
-                                          <p:spTgt spid="3">
-                                            <p:txEl>
-                                              <p:pRg st="6" end="6"/>
-                                            </p:txEl>
-                                          </p:spTgt>
-                                        </p:tgtEl>
-                                        <p:attrNameLst>
-                                          <p:attrName>style.visibility</p:attrName>
-                                        </p:attrNameLst>
-                                      </p:cBhvr>
-                                      <p:to>
-                                        <p:strVal val="visible"/>
-                                      </p:to>
-                                    </p:set>
-                                    <p:animEffect transition="in" filter="fade">
-                                      <p:cBhvr>
-                                        <p:cTn id="31" dur="500"/>
-                                        <p:tgtEl>
-                                          <p:spTgt spid="3">
-                                            <p:txEl>
-                                              <p:pRg st="6" end="6"/>
-                                            </p:txEl>
-                                          </p:spTgt>
-                                        </p:tgtEl>
-                                      </p:cBhvr>
-                                    </p:animEffect>
-                                  </p:childTnLst>
-                                </p:cTn>
-                              </p:par>
-                              <p:par>
-                                <p:cTn id="32" presetID="10" presetClass="entr" presetSubtype="0" fill="hold" nodeType="withEffect">
-                                  <p:stCondLst>
-                                    <p:cond delay="0"/>
-                                  </p:stCondLst>
-                                  <p:childTnLst>
-                                    <p:set>
-                                      <p:cBhvr>
-                                        <p:cTn id="33" dur="1" fill="hold">
-                                          <p:stCondLst>
-                                            <p:cond delay="0"/>
-                                          </p:stCondLst>
-                                        </p:cTn>
-                                        <p:tgtEl>
-                                          <p:spTgt spid="3">
-                                            <p:txEl>
-                                              <p:pRg st="7" end="7"/>
-                                            </p:txEl>
-                                          </p:spTgt>
-                                        </p:tgtEl>
-                                        <p:attrNameLst>
-                                          <p:attrName>style.visibility</p:attrName>
-                                        </p:attrNameLst>
-                                      </p:cBhvr>
-                                      <p:to>
-                                        <p:strVal val="visible"/>
-                                      </p:to>
-                                    </p:set>
-                                    <p:animEffect transition="in" filter="fade">
-                                      <p:cBhvr>
-                                        <p:cTn id="34" dur="500"/>
-                                        <p:tgtEl>
-                                          <p:spTgt spid="3">
-                                            <p:txEl>
-                                              <p:pRg st="7" end="7"/>
-                                            </p:txEl>
-                                          </p:spTgt>
-                                        </p:tgtEl>
-                                      </p:cBhvr>
-                                    </p:animEffect>
-                                  </p:childTnLst>
-                                </p:cTn>
-                              </p:par>
-                            </p:childTnLst>
-                          </p:cTn>
-                        </p:par>
-                      </p:childTnLst>
-                    </p:cTn>
-                  </p:par>
-                </p:childTnLst>
-              </p:cTn>
-              <p:prevCondLst>
-                <p:cond evt="onPrev" delay="0">
-                  <p:tgtEl>
-                    <p:sldTgt/>
-                  </p:tgtEl>
-                </p:cond>
-              </p:prevCondLst>
-              <p:nextCondLst>
-                <p:cond evt="onNext" delay="0">
-                  <p:tgtEl>
-                    <p:sldTgt/>
-                  </p:tgtEl>
-                </p:cond>
-              </p:nextCondLst>
-            </p:seq>
-          </p:childTnLst>
-        </p:cTn>
-      </p:par>
-    </p:tnLst>
-  </p:timing>
 </p:sld>
 </file>
 
@@ -8076,13 +7524,30 @@
           <a:bodyPr/>
           <a:lstStyle/>
           <a:p>
-            <a:endParaRPr lang="en-US"/>
+            <a:r>
+              <a:rPr lang="en-US" dirty="0"/>
+              <a:t>Initializes the Angular framework</a:t>
+            </a:r>
+          </a:p>
+          <a:p>
+            <a:pPr lvl="1"/>
+            <a:r>
+              <a:rPr lang="en-US" dirty="0"/>
+              <a:t>Brings your application to life</a:t>
+            </a:r>
+          </a:p>
+          <a:p>
+            <a:pPr lvl="1"/>
+            <a:r>
+              <a:rPr lang="en-US" dirty="0"/>
+              <a:t>You bootstrap a specific module</a:t>
+            </a:r>
           </a:p>
         </p:txBody>
       </p:sp>
       <p:pic>
         <p:nvPicPr>
-          <p:cNvPr id="4" name="Picture 3"/>
+          <p:cNvPr id="5" name="Picture 4"/>
           <p:cNvPicPr>
             <a:picLocks noChangeAspect="1"/>
           </p:cNvPicPr>
@@ -8096,8 +7561,8 @@
         </p:blipFill>
         <p:spPr>
           <a:xfrm>
-            <a:off x="990600" y="2514600"/>
-            <a:ext cx="7391400" cy="1194806"/>
+            <a:off x="1066800" y="3352800"/>
+            <a:ext cx="7248525" cy="1095375"/>
           </a:xfrm>
           <a:prstGeom prst="rect">
             <a:avLst/>

--- a/angular2/slides/01_Introduction.pptx
+++ b/angular2/slides/01_Introduction.pptx
@@ -5,10 +5,10 @@
     <p:sldMasterId id="2147483772" r:id="rId1"/>
   </p:sldMasterIdLst>
   <p:notesMasterIdLst>
-    <p:notesMasterId r:id="rId25"/>
+    <p:notesMasterId r:id="rId24"/>
   </p:notesMasterIdLst>
   <p:handoutMasterIdLst>
-    <p:handoutMasterId r:id="rId26"/>
+    <p:handoutMasterId r:id="rId25"/>
   </p:handoutMasterIdLst>
   <p:sldIdLst>
     <p:sldId id="327" r:id="rId2"/>
@@ -17,23 +17,22 @@
     <p:sldId id="351" r:id="rId5"/>
     <p:sldId id="350" r:id="rId6"/>
     <p:sldId id="330" r:id="rId7"/>
-    <p:sldId id="352" r:id="rId8"/>
-    <p:sldId id="354" r:id="rId9"/>
-    <p:sldId id="353" r:id="rId10"/>
-    <p:sldId id="355" r:id="rId11"/>
-    <p:sldId id="336" r:id="rId12"/>
-    <p:sldId id="332" r:id="rId13"/>
-    <p:sldId id="335" r:id="rId14"/>
-    <p:sldId id="337" r:id="rId15"/>
-    <p:sldId id="338" r:id="rId16"/>
-    <p:sldId id="339" r:id="rId17"/>
-    <p:sldId id="340" r:id="rId18"/>
-    <p:sldId id="342" r:id="rId19"/>
-    <p:sldId id="343" r:id="rId20"/>
-    <p:sldId id="345" r:id="rId21"/>
-    <p:sldId id="346" r:id="rId22"/>
-    <p:sldId id="347" r:id="rId23"/>
-    <p:sldId id="349" r:id="rId24"/>
+    <p:sldId id="354" r:id="rId8"/>
+    <p:sldId id="353" r:id="rId9"/>
+    <p:sldId id="355" r:id="rId10"/>
+    <p:sldId id="336" r:id="rId11"/>
+    <p:sldId id="332" r:id="rId12"/>
+    <p:sldId id="335" r:id="rId13"/>
+    <p:sldId id="337" r:id="rId14"/>
+    <p:sldId id="338" r:id="rId15"/>
+    <p:sldId id="339" r:id="rId16"/>
+    <p:sldId id="340" r:id="rId17"/>
+    <p:sldId id="342" r:id="rId18"/>
+    <p:sldId id="343" r:id="rId19"/>
+    <p:sldId id="345" r:id="rId20"/>
+    <p:sldId id="346" r:id="rId21"/>
+    <p:sldId id="347" r:id="rId22"/>
+    <p:sldId id="349" r:id="rId23"/>
   </p:sldIdLst>
   <p:sldSz cx="9144000" cy="6858000" type="screen4x3"/>
   <p:notesSz cx="7302500" cy="9588500"/>
@@ -286,7 +285,7 @@
               <a:pPr>
                 <a:defRPr/>
               </a:pPr>
-              <a:t>8/31/2016</a:t>
+              <a:t>11/4/2016</a:t>
             </a:fld>
             <a:endParaRPr lang="en-US"/>
           </a:p>
@@ -2494,7 +2493,7 @@
           <a:p>
             <a:r>
               <a:rPr lang="en-US" dirty="0"/>
-              <a:t>Modules</a:t>
+              <a:t>Components</a:t>
             </a:r>
           </a:p>
         </p:txBody>
@@ -2516,14 +2515,14 @@
           <a:p>
             <a:r>
               <a:rPr lang="en-US" dirty="0"/>
-              <a:t>Organize large applications into modules of functionality</a:t>
+              <a:t>Components define a custom HTML element</a:t>
             </a:r>
           </a:p>
           <a:p>
             <a:pPr lvl="1"/>
             <a:r>
               <a:rPr lang="en-US" dirty="0"/>
-              <a:t>Module object tells Angular how to execute module code</a:t>
+              <a:t>Data + behavior + template</a:t>
             </a:r>
           </a:p>
         </p:txBody>
@@ -2544,8 +2543,8 @@
         </p:blipFill>
         <p:spPr>
           <a:xfrm>
-            <a:off x="1676400" y="2895600"/>
-            <a:ext cx="6105525" cy="2790825"/>
+            <a:off x="2209800" y="2819400"/>
+            <a:ext cx="4724400" cy="2085975"/>
           </a:xfrm>
           <a:prstGeom prst="rect">
             <a:avLst/>
@@ -2555,7 +2554,7 @@
     </p:spTree>
     <p:extLst>
       <p:ext uri="{BB962C8B-B14F-4D97-AF65-F5344CB8AC3E}">
-        <p14:creationId xmlns:p14="http://schemas.microsoft.com/office/powerpoint/2010/main" val="2223652595"/>
+        <p14:creationId xmlns:p14="http://schemas.microsoft.com/office/powerpoint/2010/main" val="308947159"/>
       </p:ext>
     </p:extLst>
   </p:cSld>
@@ -2602,135 +2601,8 @@
           <a:p>
             <a:r>
               <a:rPr lang="en-US" dirty="0"/>
-              <a:t>Components</a:t>
-            </a:r>
-          </a:p>
-        </p:txBody>
-      </p:sp>
-      <p:sp>
-        <p:nvSpPr>
-          <p:cNvPr id="3" name="Text Placeholder 2"/>
-          <p:cNvSpPr>
-            <a:spLocks noGrp="1"/>
-          </p:cNvSpPr>
-          <p:nvPr>
-            <p:ph type="body" idx="1"/>
-          </p:nvPr>
-        </p:nvSpPr>
-        <p:spPr/>
-        <p:txBody>
-          <a:bodyPr/>
-          <a:lstStyle/>
-          <a:p>
-            <a:r>
-              <a:rPr lang="en-US" dirty="0"/>
-              <a:t>Components define a custom HTML element</a:t>
-            </a:r>
-          </a:p>
-          <a:p>
-            <a:pPr lvl="1"/>
-            <a:r>
-              <a:rPr lang="en-US" dirty="0"/>
-              <a:t>Data + behavior + template</a:t>
-            </a:r>
-          </a:p>
-        </p:txBody>
-      </p:sp>
-      <p:pic>
-        <p:nvPicPr>
-          <p:cNvPr id="4" name="Picture 3"/>
-          <p:cNvPicPr>
-            <a:picLocks noChangeAspect="1"/>
-          </p:cNvPicPr>
-          <p:nvPr/>
-        </p:nvPicPr>
-        <p:blipFill>
-          <a:blip r:embed="rId2"/>
-          <a:stretch>
-            <a:fillRect/>
-          </a:stretch>
-        </p:blipFill>
-        <p:spPr>
-          <a:xfrm>
-            <a:off x="2209800" y="2819400"/>
-            <a:ext cx="4724400" cy="2085975"/>
-          </a:xfrm>
-          <a:prstGeom prst="rect">
-            <a:avLst/>
-          </a:prstGeom>
-        </p:spPr>
-      </p:pic>
-    </p:spTree>
-    <p:extLst>
-      <p:ext uri="{BB962C8B-B14F-4D97-AF65-F5344CB8AC3E}">
-        <p14:creationId xmlns:p14="http://schemas.microsoft.com/office/powerpoint/2010/main" val="308947159"/>
-      </p:ext>
-    </p:extLst>
-  </p:cSld>
-  <p:clrMapOvr>
-    <a:masterClrMapping/>
-  </p:clrMapOvr>
-  <p:transition>
-    <p:fade/>
-  </p:transition>
-</p:sld>
-</file>
-
-<file path=ppt/slides/slide12.xml><?xml version="1.0" encoding="utf-8"?>
-<p:sld xmlns:a="http://schemas.openxmlformats.org/drawingml/2006/main" xmlns:r="http://schemas.openxmlformats.org/officeDocument/2006/relationships" xmlns:p="http://schemas.openxmlformats.org/presentationml/2006/main">
-  <p:cSld>
-    <p:spTree>
-      <p:nvGrpSpPr>
-        <p:cNvPr id="1" name=""/>
-        <p:cNvGrpSpPr/>
-        <p:nvPr/>
-      </p:nvGrpSpPr>
-      <p:grpSpPr>
-        <a:xfrm>
-          <a:off x="0" y="0"/>
-          <a:ext cx="0" cy="0"/>
-          <a:chOff x="0" y="0"/>
-          <a:chExt cx="0" cy="0"/>
-        </a:xfrm>
-      </p:grpSpPr>
-      <p:sp>
-        <p:nvSpPr>
-          <p:cNvPr id="2" name="Title 1"/>
-          <p:cNvSpPr>
-            <a:spLocks noGrp="1"/>
-          </p:cNvSpPr>
-          <p:nvPr>
-            <p:ph type="title"/>
-          </p:nvPr>
-        </p:nvSpPr>
-        <p:spPr/>
-        <p:txBody>
-          <a:bodyPr/>
-          <a:lstStyle/>
-          <a:p>
-            <a:r>
-              <a:rPr lang="en-US" dirty="0"/>
               <a:t>What’s Being Loaded?</a:t>
             </a:r>
-          </a:p>
-        </p:txBody>
-      </p:sp>
-      <p:sp>
-        <p:nvSpPr>
-          <p:cNvPr id="3" name="Text Placeholder 2"/>
-          <p:cNvSpPr>
-            <a:spLocks noGrp="1"/>
-          </p:cNvSpPr>
-          <p:nvPr>
-            <p:ph type="body" idx="1"/>
-          </p:nvPr>
-        </p:nvSpPr>
-        <p:spPr/>
-        <p:txBody>
-          <a:bodyPr/>
-          <a:lstStyle/>
-          <a:p>
-            <a:endParaRPr lang="en-US" dirty="0"/>
           </a:p>
         </p:txBody>
       </p:sp>
@@ -2742,7 +2614,7 @@
         </p:nvSpPr>
         <p:spPr bwMode="auto">
           <a:xfrm>
-            <a:off x="457200" y="1315039"/>
+            <a:off x="722722" y="2077039"/>
             <a:ext cx="2619080" cy="990600"/>
           </a:xfrm>
           <a:prstGeom prst="rect">
@@ -2794,7 +2666,7 @@
         </p:nvSpPr>
         <p:spPr bwMode="auto">
           <a:xfrm>
-            <a:off x="457200" y="2438400"/>
+            <a:off x="722722" y="3200400"/>
             <a:ext cx="2590800" cy="990600"/>
           </a:xfrm>
           <a:prstGeom prst="rect">
@@ -2843,7 +2715,7 @@
         </p:nvSpPr>
         <p:spPr bwMode="auto">
           <a:xfrm>
-            <a:off x="485480" y="3581400"/>
+            <a:off x="751002" y="4343400"/>
             <a:ext cx="2590800" cy="990600"/>
           </a:xfrm>
           <a:prstGeom prst="rect">
@@ -2892,7 +2764,7 @@
         </p:nvSpPr>
         <p:spPr bwMode="auto">
           <a:xfrm>
-            <a:off x="3657600" y="1447800"/>
+            <a:off x="3923122" y="2209800"/>
             <a:ext cx="1371600" cy="762000"/>
           </a:xfrm>
           <a:prstGeom prst="rect">
@@ -2941,7 +2813,7 @@
         </p:nvSpPr>
         <p:spPr bwMode="auto">
           <a:xfrm>
-            <a:off x="5334000" y="1447800"/>
+            <a:off x="5599522" y="2209800"/>
             <a:ext cx="1371600" cy="762000"/>
           </a:xfrm>
           <a:prstGeom prst="rect">
@@ -2999,7 +2871,7 @@
         </p:nvSpPr>
         <p:spPr bwMode="auto">
           <a:xfrm>
-            <a:off x="7035538" y="1445443"/>
+            <a:off x="7301060" y="2207443"/>
             <a:ext cx="1371600" cy="762000"/>
           </a:xfrm>
           <a:prstGeom prst="rect">
@@ -3051,7 +2923,7 @@
         </p:nvSpPr>
         <p:spPr bwMode="auto">
           <a:xfrm>
-            <a:off x="3657600" y="2579409"/>
+            <a:off x="3923122" y="3341409"/>
             <a:ext cx="1371600" cy="762000"/>
           </a:xfrm>
           <a:prstGeom prst="rect">
@@ -3100,7 +2972,7 @@
         </p:nvSpPr>
         <p:spPr bwMode="auto">
           <a:xfrm>
-            <a:off x="5334000" y="2590800"/>
+            <a:off x="5599522" y="3352800"/>
             <a:ext cx="1371600" cy="762000"/>
           </a:xfrm>
           <a:prstGeom prst="rect">
@@ -3152,7 +3024,7 @@
         </p:nvSpPr>
         <p:spPr bwMode="auto">
           <a:xfrm>
-            <a:off x="3657600" y="3657993"/>
+            <a:off x="3923122" y="4419993"/>
             <a:ext cx="1371600" cy="762000"/>
           </a:xfrm>
           <a:prstGeom prst="rect">
@@ -3209,7 +3081,7 @@
 </p:sld>
 </file>
 
-<file path=ppt/slides/slide13.xml><?xml version="1.0" encoding="utf-8"?>
+<file path=ppt/slides/slide12.xml><?xml version="1.0" encoding="utf-8"?>
 <p:sld xmlns:a="http://schemas.openxmlformats.org/drawingml/2006/main" xmlns:r="http://schemas.openxmlformats.org/officeDocument/2006/relationships" xmlns:p="http://schemas.openxmlformats.org/presentationml/2006/main">
   <p:cSld>
     <p:spTree>
@@ -3676,7 +3548,7 @@
 </p:sld>
 </file>
 
-<file path=ppt/slides/slide14.xml><?xml version="1.0" encoding="utf-8"?>
+<file path=ppt/slides/slide13.xml><?xml version="1.0" encoding="utf-8"?>
 <p:sld xmlns:a="http://schemas.openxmlformats.org/drawingml/2006/main" xmlns:r="http://schemas.openxmlformats.org/officeDocument/2006/relationships" xmlns:p="http://schemas.openxmlformats.org/presentationml/2006/main">
   <p:cSld>
     <p:spTree>
@@ -3784,7 +3656,7 @@
 </p:sld>
 </file>
 
-<file path=ppt/slides/slide15.xml><?xml version="1.0" encoding="utf-8"?>
+<file path=ppt/slides/slide14.xml><?xml version="1.0" encoding="utf-8"?>
 <p:sld xmlns:a="http://schemas.openxmlformats.org/drawingml/2006/main" xmlns:r="http://schemas.openxmlformats.org/officeDocument/2006/relationships" xmlns:p="http://schemas.openxmlformats.org/presentationml/2006/main">
   <p:cSld>
     <p:spTree>
@@ -3974,7 +3846,7 @@
 </p:sld>
 </file>
 
-<file path=ppt/slides/slide16.xml><?xml version="1.0" encoding="utf-8"?>
+<file path=ppt/slides/slide15.xml><?xml version="1.0" encoding="utf-8"?>
 <p:sld xmlns:a="http://schemas.openxmlformats.org/drawingml/2006/main" xmlns:r="http://schemas.openxmlformats.org/officeDocument/2006/relationships" xmlns:p="http://schemas.openxmlformats.org/presentationml/2006/main">
   <p:cSld>
     <p:spTree>
@@ -4729,7 +4601,7 @@
 </p:sld>
 </file>
 
-<file path=ppt/slides/slide17.xml><?xml version="1.0" encoding="utf-8"?>
+<file path=ppt/slides/slide16.xml><?xml version="1.0" encoding="utf-8"?>
 <p:sld xmlns:a="http://schemas.openxmlformats.org/drawingml/2006/main" xmlns:r="http://schemas.openxmlformats.org/officeDocument/2006/relationships" xmlns:p="http://schemas.openxmlformats.org/presentationml/2006/main">
   <p:cSld>
     <p:spTree>
@@ -5133,6 +5005,145 @@
 </p:sld>
 </file>
 
+<file path=ppt/slides/slide17.xml><?xml version="1.0" encoding="utf-8"?>
+<p:sld xmlns:a="http://schemas.openxmlformats.org/drawingml/2006/main" xmlns:r="http://schemas.openxmlformats.org/officeDocument/2006/relationships" xmlns:p="http://schemas.openxmlformats.org/presentationml/2006/main">
+  <p:cSld>
+    <p:spTree>
+      <p:nvGrpSpPr>
+        <p:cNvPr id="1" name=""/>
+        <p:cNvGrpSpPr/>
+        <p:nvPr/>
+      </p:nvGrpSpPr>
+      <p:grpSpPr>
+        <a:xfrm>
+          <a:off x="0" y="0"/>
+          <a:ext cx="0" cy="0"/>
+          <a:chOff x="0" y="0"/>
+          <a:chExt cx="0" cy="0"/>
+        </a:xfrm>
+      </p:grpSpPr>
+      <p:sp>
+        <p:nvSpPr>
+          <p:cNvPr id="2" name="Title 1"/>
+          <p:cNvSpPr>
+            <a:spLocks noGrp="1"/>
+          </p:cNvSpPr>
+          <p:nvPr>
+            <p:ph type="title"/>
+          </p:nvPr>
+        </p:nvSpPr>
+        <p:spPr/>
+        <p:txBody>
+          <a:bodyPr/>
+          <a:lstStyle/>
+          <a:p>
+            <a:r>
+              <a:rPr lang="en-US" dirty="0"/>
+              <a:t>Forms</a:t>
+            </a:r>
+          </a:p>
+        </p:txBody>
+      </p:sp>
+      <p:sp>
+        <p:nvSpPr>
+          <p:cNvPr id="3" name="Text Placeholder 2"/>
+          <p:cNvSpPr>
+            <a:spLocks noGrp="1"/>
+          </p:cNvSpPr>
+          <p:nvPr>
+            <p:ph type="body" idx="1"/>
+          </p:nvPr>
+        </p:nvSpPr>
+        <p:spPr/>
+        <p:txBody>
+          <a:bodyPr/>
+          <a:lstStyle/>
+          <a:p>
+            <a:r>
+              <a:rPr lang="en-US" dirty="0"/>
+              <a:t>Support for validation and dirty flags</a:t>
+            </a:r>
+          </a:p>
+          <a:p>
+            <a:r>
+              <a:rPr lang="en-US" dirty="0"/>
+              <a:t>Use </a:t>
+            </a:r>
+            <a:r>
+              <a:rPr lang="en-US" dirty="0" err="1"/>
+              <a:t>ngModel</a:t>
+            </a:r>
+            <a:r>
+              <a:rPr lang="en-US" dirty="0"/>
+              <a:t> in combination with:</a:t>
+            </a:r>
+          </a:p>
+          <a:p>
+            <a:pPr lvl="1"/>
+            <a:r>
+              <a:rPr lang="en-US" dirty="0" err="1"/>
+              <a:t>ngSubmit</a:t>
+            </a:r>
+            <a:endParaRPr lang="en-US" dirty="0"/>
+          </a:p>
+          <a:p>
+            <a:pPr lvl="1"/>
+            <a:r>
+              <a:rPr lang="en-US" dirty="0" err="1"/>
+              <a:t>ngControl</a:t>
+            </a:r>
+            <a:endParaRPr lang="en-US" dirty="0"/>
+          </a:p>
+          <a:p>
+            <a:pPr lvl="1"/>
+            <a:r>
+              <a:rPr lang="en-US" dirty="0" err="1"/>
+              <a:t>ngForm</a:t>
+            </a:r>
+            <a:endParaRPr lang="en-US" dirty="0"/>
+          </a:p>
+        </p:txBody>
+      </p:sp>
+      <p:pic>
+        <p:nvPicPr>
+          <p:cNvPr id="4" name="Picture 3"/>
+          <p:cNvPicPr>
+            <a:picLocks noChangeAspect="1"/>
+          </p:cNvPicPr>
+          <p:nvPr/>
+        </p:nvPicPr>
+        <p:blipFill>
+          <a:blip r:embed="rId2"/>
+          <a:stretch>
+            <a:fillRect/>
+          </a:stretch>
+        </p:blipFill>
+        <p:spPr>
+          <a:xfrm>
+            <a:off x="1905000" y="3695700"/>
+            <a:ext cx="4229100" cy="1590675"/>
+          </a:xfrm>
+          <a:prstGeom prst="rect">
+            <a:avLst/>
+          </a:prstGeom>
+        </p:spPr>
+      </p:pic>
+    </p:spTree>
+    <p:extLst>
+      <p:ext uri="{BB962C8B-B14F-4D97-AF65-F5344CB8AC3E}">
+        <p14:creationId xmlns:p14="http://schemas.microsoft.com/office/powerpoint/2010/main" val="4044431088"/>
+      </p:ext>
+    </p:extLst>
+  </p:cSld>
+  <p:clrMapOvr>
+    <a:masterClrMapping/>
+  </p:clrMapOvr>
+  <p:transition>
+    <p:fade/>
+  </p:transition>
+</p:sld>
+</file>
+
 <file path=ppt/slides/slide18.xml><?xml version="1.0" encoding="utf-8"?>
 <p:sld xmlns:a="http://schemas.openxmlformats.org/drawingml/2006/main" xmlns:r="http://schemas.openxmlformats.org/officeDocument/2006/relationships" xmlns:p="http://schemas.openxmlformats.org/presentationml/2006/main">
   <p:cSld>
@@ -5167,7 +5178,7 @@
           <a:p>
             <a:r>
               <a:rPr lang="en-US" dirty="0"/>
-              <a:t>Forms</a:t>
+              <a:t>Angular versus Unobtrusive JavaScript</a:t>
             </a:r>
           </a:p>
         </p:txBody>
@@ -5189,52 +5200,32 @@
           <a:p>
             <a:r>
               <a:rPr lang="en-US" dirty="0"/>
-              <a:t>Support for validation and dirty flags</a:t>
+              <a:t>Everyone is using JavaScript</a:t>
             </a:r>
           </a:p>
           <a:p>
             <a:r>
               <a:rPr lang="en-US" dirty="0"/>
-              <a:t>Use </a:t>
-            </a:r>
-            <a:r>
-              <a:rPr lang="en-US" dirty="0" err="1"/>
-              <a:t>ngModel</a:t>
-            </a:r>
+              <a:t>Angular behaves the same across browsers</a:t>
+            </a:r>
+          </a:p>
+          <a:p>
             <a:r>
               <a:rPr lang="en-US" dirty="0"/>
-              <a:t> in combination with:</a:t>
-            </a:r>
-          </a:p>
-          <a:p>
-            <a:pPr lvl="1"/>
-            <a:r>
-              <a:rPr lang="en-US" dirty="0" err="1"/>
-              <a:t>ngSubmit</a:t>
-            </a:r>
+              <a:t>Expressions not evaluated in global scope</a:t>
+            </a:r>
+          </a:p>
+          <a:p>
             <a:endParaRPr lang="en-US" dirty="0"/>
           </a:p>
           <a:p>
-            <a:pPr lvl="1"/>
-            <a:r>
-              <a:rPr lang="en-US" dirty="0" err="1"/>
-              <a:t>ngControl</a:t>
-            </a:r>
-            <a:endParaRPr lang="en-US" dirty="0"/>
-          </a:p>
-          <a:p>
-            <a:pPr lvl="1"/>
-            <a:r>
-              <a:rPr lang="en-US" dirty="0" err="1"/>
-              <a:t>ngForm</a:t>
-            </a:r>
             <a:endParaRPr lang="en-US" dirty="0"/>
           </a:p>
         </p:txBody>
       </p:sp>
       <p:pic>
         <p:nvPicPr>
-          <p:cNvPr id="4" name="Picture 3"/>
+          <p:cNvPr id="5" name="Picture 4"/>
           <p:cNvPicPr>
             <a:picLocks noChangeAspect="1"/>
           </p:cNvPicPr>
@@ -5248,7 +5239,7 @@
         </p:blipFill>
         <p:spPr>
           <a:xfrm>
-            <a:off x="1905000" y="3695700"/>
+            <a:off x="1981200" y="3352800"/>
             <a:ext cx="4229100" cy="1590675"/>
           </a:xfrm>
           <a:prstGeom prst="rect">
@@ -5259,7 +5250,7 @@
     </p:spTree>
     <p:extLst>
       <p:ext uri="{BB962C8B-B14F-4D97-AF65-F5344CB8AC3E}">
-        <p14:creationId xmlns:p14="http://schemas.microsoft.com/office/powerpoint/2010/main" val="4044431088"/>
+        <p14:creationId xmlns:p14="http://schemas.microsoft.com/office/powerpoint/2010/main" val="686790238"/>
       </p:ext>
     </p:extLst>
   </p:cSld>
@@ -5306,7 +5297,7 @@
           <a:p>
             <a:r>
               <a:rPr lang="en-US" dirty="0"/>
-              <a:t>Angular versus Unobtrusive JavaScript</a:t>
+              <a:t>Hiding and Showing</a:t>
             </a:r>
           </a:p>
         </p:txBody>
@@ -5328,32 +5319,48 @@
           <a:p>
             <a:r>
               <a:rPr lang="en-US" dirty="0"/>
-              <a:t>Everyone is using JavaScript</a:t>
-            </a:r>
-          </a:p>
-          <a:p>
+              <a:t>Several approaches</a:t>
+            </a:r>
+          </a:p>
+          <a:p>
+            <a:pPr lvl="1"/>
             <a:r>
               <a:rPr lang="en-US" dirty="0"/>
-              <a:t>Angular behaves the same across browsers</a:t>
-            </a:r>
-          </a:p>
-          <a:p>
+              <a:t>Use *</a:t>
+            </a:r>
+            <a:r>
+              <a:rPr lang="en-US" dirty="0" err="1"/>
+              <a:t>ngIf</a:t>
+            </a:r>
+            <a:endParaRPr lang="en-US" dirty="0"/>
+          </a:p>
+          <a:p>
+            <a:pPr lvl="1"/>
             <a:r>
               <a:rPr lang="en-US" dirty="0"/>
-              <a:t>Expressions not evaluated in global scope</a:t>
-            </a:r>
-          </a:p>
-          <a:p>
-            <a:endParaRPr lang="en-US" dirty="0"/>
-          </a:p>
-          <a:p>
-            <a:endParaRPr lang="en-US" dirty="0"/>
+              <a:t>Bind to the hidden property</a:t>
+            </a:r>
+          </a:p>
+          <a:p>
+            <a:pPr lvl="1"/>
+            <a:r>
+              <a:rPr lang="en-US" dirty="0"/>
+              <a:t>Bind to the </a:t>
+            </a:r>
+            <a:r>
+              <a:rPr lang="en-US" dirty="0" err="1"/>
+              <a:t>style.display</a:t>
+            </a:r>
+            <a:r>
+              <a:rPr lang="en-US" dirty="0"/>
+              <a:t> property</a:t>
+            </a:r>
           </a:p>
         </p:txBody>
       </p:sp>
       <p:pic>
         <p:nvPicPr>
-          <p:cNvPr id="5" name="Picture 4"/>
+          <p:cNvPr id="4" name="Picture 3"/>
           <p:cNvPicPr>
             <a:picLocks noChangeAspect="1"/>
           </p:cNvPicPr>
@@ -5367,8 +5374,8 @@
         </p:blipFill>
         <p:spPr>
           <a:xfrm>
-            <a:off x="1981200" y="3352800"/>
-            <a:ext cx="4229100" cy="1590675"/>
+            <a:off x="128095" y="3200400"/>
+            <a:ext cx="8887810" cy="1676400"/>
           </a:xfrm>
           <a:prstGeom prst="rect">
             <a:avLst/>
@@ -5378,7 +5385,7 @@
     </p:spTree>
     <p:extLst>
       <p:ext uri="{BB962C8B-B14F-4D97-AF65-F5344CB8AC3E}">
-        <p14:creationId xmlns:p14="http://schemas.microsoft.com/office/powerpoint/2010/main" val="686790238"/>
+        <p14:creationId xmlns:p14="http://schemas.microsoft.com/office/powerpoint/2010/main" val="3310555310"/>
       </p:ext>
     </p:extLst>
   </p:cSld>
@@ -5596,7 +5603,7 @@
           <a:p>
             <a:r>
               <a:rPr lang="en-US" dirty="0"/>
-              <a:t>Hiding and Showing</a:t>
+              <a:t>Styles</a:t>
             </a:r>
           </a:p>
         </p:txBody>
@@ -5618,48 +5625,37 @@
           <a:p>
             <a:r>
               <a:rPr lang="en-US" dirty="0"/>
-              <a:t>Several approaches</a:t>
+              <a:t>Use the </a:t>
+            </a:r>
+            <a:r>
+              <a:rPr lang="en-US" dirty="0" err="1"/>
+              <a:t>ngClass</a:t>
+            </a:r>
+            <a:r>
+              <a:rPr lang="en-US" dirty="0"/>
+              <a:t> directive </a:t>
             </a:r>
           </a:p>
           <a:p>
             <a:pPr lvl="1"/>
             <a:r>
               <a:rPr lang="en-US" dirty="0"/>
-              <a:t>Use *</a:t>
+              <a:t>Adds class names for </a:t>
             </a:r>
             <a:r>
               <a:rPr lang="en-US" dirty="0" err="1"/>
-              <a:t>ngIf</a:t>
-            </a:r>
-            <a:endParaRPr lang="en-US" dirty="0"/>
-          </a:p>
-          <a:p>
-            <a:pPr lvl="1"/>
+              <a:t>truthy</a:t>
+            </a:r>
             <a:r>
               <a:rPr lang="en-US" dirty="0"/>
-              <a:t>Bind to the hidden property</a:t>
-            </a:r>
-          </a:p>
-          <a:p>
-            <a:pPr lvl="1"/>
-            <a:r>
-              <a:rPr lang="en-US" dirty="0"/>
-              <a:t>Bind to the </a:t>
-            </a:r>
-            <a:r>
-              <a:rPr lang="en-US" dirty="0" err="1"/>
-              <a:t>style.display</a:t>
-            </a:r>
-            <a:r>
-              <a:rPr lang="en-US" dirty="0"/>
-              <a:t> property</a:t>
+              <a:t> values</a:t>
             </a:r>
           </a:p>
         </p:txBody>
       </p:sp>
       <p:pic>
         <p:nvPicPr>
-          <p:cNvPr id="4" name="Picture 3"/>
+          <p:cNvPr id="5" name="Picture 4"/>
           <p:cNvPicPr>
             <a:picLocks noChangeAspect="1"/>
           </p:cNvPicPr>
@@ -5673,8 +5669,8 @@
         </p:blipFill>
         <p:spPr>
           <a:xfrm>
-            <a:off x="128095" y="3200400"/>
-            <a:ext cx="8887810" cy="1676400"/>
+            <a:off x="1457325" y="2686050"/>
+            <a:ext cx="6229350" cy="1485900"/>
           </a:xfrm>
           <a:prstGeom prst="rect">
             <a:avLst/>
@@ -5684,7 +5680,7 @@
     </p:spTree>
     <p:extLst>
       <p:ext uri="{BB962C8B-B14F-4D97-AF65-F5344CB8AC3E}">
-        <p14:creationId xmlns:p14="http://schemas.microsoft.com/office/powerpoint/2010/main" val="3310555310"/>
+        <p14:creationId xmlns:p14="http://schemas.microsoft.com/office/powerpoint/2010/main" val="1399393236"/>
       </p:ext>
     </p:extLst>
   </p:cSld>
@@ -5731,130 +5727,6 @@
           <a:p>
             <a:r>
               <a:rPr lang="en-US" dirty="0"/>
-              <a:t>Styles</a:t>
-            </a:r>
-          </a:p>
-        </p:txBody>
-      </p:sp>
-      <p:sp>
-        <p:nvSpPr>
-          <p:cNvPr id="3" name="Text Placeholder 2"/>
-          <p:cNvSpPr>
-            <a:spLocks noGrp="1"/>
-          </p:cNvSpPr>
-          <p:nvPr>
-            <p:ph type="body" idx="1"/>
-          </p:nvPr>
-        </p:nvSpPr>
-        <p:spPr/>
-        <p:txBody>
-          <a:bodyPr/>
-          <a:lstStyle/>
-          <a:p>
-            <a:r>
-              <a:rPr lang="en-US" dirty="0"/>
-              <a:t>Use the </a:t>
-            </a:r>
-            <a:r>
-              <a:rPr lang="en-US" dirty="0" err="1"/>
-              <a:t>ngClass</a:t>
-            </a:r>
-            <a:r>
-              <a:rPr lang="en-US" dirty="0"/>
-              <a:t> directive </a:t>
-            </a:r>
-          </a:p>
-          <a:p>
-            <a:pPr lvl="1"/>
-            <a:r>
-              <a:rPr lang="en-US" dirty="0"/>
-              <a:t>Adds class names for </a:t>
-            </a:r>
-            <a:r>
-              <a:rPr lang="en-US" dirty="0" err="1"/>
-              <a:t>truthy</a:t>
-            </a:r>
-            <a:r>
-              <a:rPr lang="en-US" dirty="0"/>
-              <a:t> values</a:t>
-            </a:r>
-          </a:p>
-        </p:txBody>
-      </p:sp>
-      <p:pic>
-        <p:nvPicPr>
-          <p:cNvPr id="5" name="Picture 4"/>
-          <p:cNvPicPr>
-            <a:picLocks noChangeAspect="1"/>
-          </p:cNvPicPr>
-          <p:nvPr/>
-        </p:nvPicPr>
-        <p:blipFill>
-          <a:blip r:embed="rId2"/>
-          <a:stretch>
-            <a:fillRect/>
-          </a:stretch>
-        </p:blipFill>
-        <p:spPr>
-          <a:xfrm>
-            <a:off x="1457325" y="2686050"/>
-            <a:ext cx="6229350" cy="1485900"/>
-          </a:xfrm>
-          <a:prstGeom prst="rect">
-            <a:avLst/>
-          </a:prstGeom>
-        </p:spPr>
-      </p:pic>
-    </p:spTree>
-    <p:extLst>
-      <p:ext uri="{BB962C8B-B14F-4D97-AF65-F5344CB8AC3E}">
-        <p14:creationId xmlns:p14="http://schemas.microsoft.com/office/powerpoint/2010/main" val="1399393236"/>
-      </p:ext>
-    </p:extLst>
-  </p:cSld>
-  <p:clrMapOvr>
-    <a:masterClrMapping/>
-  </p:clrMapOvr>
-  <p:transition>
-    <p:fade/>
-  </p:transition>
-</p:sld>
-</file>
-
-<file path=ppt/slides/slide22.xml><?xml version="1.0" encoding="utf-8"?>
-<p:sld xmlns:a="http://schemas.openxmlformats.org/drawingml/2006/main" xmlns:r="http://schemas.openxmlformats.org/officeDocument/2006/relationships" xmlns:p="http://schemas.openxmlformats.org/presentationml/2006/main">
-  <p:cSld>
-    <p:spTree>
-      <p:nvGrpSpPr>
-        <p:cNvPr id="1" name=""/>
-        <p:cNvGrpSpPr/>
-        <p:nvPr/>
-      </p:nvGrpSpPr>
-      <p:grpSpPr>
-        <a:xfrm>
-          <a:off x="0" y="0"/>
-          <a:ext cx="0" cy="0"/>
-          <a:chOff x="0" y="0"/>
-          <a:chExt cx="0" cy="0"/>
-        </a:xfrm>
-      </p:grpSpPr>
-      <p:sp>
-        <p:nvSpPr>
-          <p:cNvPr id="2" name="Title 1"/>
-          <p:cNvSpPr>
-            <a:spLocks noGrp="1"/>
-          </p:cNvSpPr>
-          <p:nvPr>
-            <p:ph type="title"/>
-          </p:nvPr>
-        </p:nvSpPr>
-        <p:spPr/>
-        <p:txBody>
-          <a:bodyPr/>
-          <a:lstStyle/>
-          <a:p>
-            <a:r>
-              <a:rPr lang="en-US" dirty="0"/>
               <a:t>Debugging</a:t>
             </a:r>
           </a:p>
@@ -5927,7 +5799,7 @@
 </p:sld>
 </file>
 
-<file path=ppt/slides/slide23.xml><?xml version="1.0" encoding="utf-8"?>
+<file path=ppt/slides/slide22.xml><?xml version="1.0" encoding="utf-8"?>
 <p:sld xmlns:a="http://schemas.openxmlformats.org/drawingml/2006/main" xmlns:r="http://schemas.openxmlformats.org/officeDocument/2006/relationships" xmlns:p="http://schemas.openxmlformats.org/presentationml/2006/main">
   <p:cSld>
     <p:spTree>
@@ -7062,7 +6934,7 @@
         </p:blipFill>
         <p:spPr bwMode="auto">
           <a:xfrm>
-            <a:off x="1371600" y="1981200"/>
+            <a:off x="1371600" y="2438400"/>
             <a:ext cx="2724150" cy="2359960"/>
           </a:xfrm>
           <a:prstGeom prst="rect">
@@ -7103,7 +6975,7 @@
         </p:blipFill>
         <p:spPr bwMode="auto">
           <a:xfrm>
-            <a:off x="4800600" y="2121482"/>
+            <a:off x="4800600" y="2578682"/>
             <a:ext cx="3249055" cy="2079396"/>
           </a:xfrm>
           <a:prstGeom prst="rect">
@@ -7284,9 +7156,12 @@
           <a:bodyPr/>
           <a:lstStyle/>
           <a:p>
-            <a:r>
+            <a:br>
               <a:rPr lang="en-US" dirty="0"/>
-              <a:t>Follow Along!	</a:t>
+            </a:br>
+            <a:r>
+              <a:rPr lang="en-US" dirty="0"/>
+              <a:t>Shell Page</a:t>
             </a:r>
           </a:p>
         </p:txBody>
@@ -7301,62 +7176,43 @@
             <p:ph type="body" idx="1"/>
           </p:nvPr>
         </p:nvSpPr>
-        <p:spPr>
-          <a:xfrm>
-            <a:off x="1600200" y="2590800"/>
-            <a:ext cx="6096000" cy="1524000"/>
-          </a:xfrm>
-        </p:spPr>
+        <p:spPr/>
         <p:txBody>
           <a:bodyPr/>
           <a:lstStyle/>
           <a:p>
-            <a:pPr marL="457200" indent="-457200">
-              <a:buFont typeface="+mj-lt"/>
-              <a:buAutoNum type="arabicPeriod"/>
-            </a:pPr>
-            <a:r>
-              <a:rPr lang="en-US" dirty="0"/>
-              <a:t>Clone https://github.com/odetocode/ngclass</a:t>
-            </a:r>
-          </a:p>
-          <a:p>
-            <a:pPr marL="457200" indent="-457200">
-              <a:buFont typeface="+mj-lt"/>
-              <a:buAutoNum type="arabicPeriod"/>
-            </a:pPr>
-            <a:r>
-              <a:rPr lang="en-US" dirty="0" err="1"/>
-              <a:t>npm</a:t>
-            </a:r>
-            <a:r>
-              <a:rPr lang="en-US" dirty="0"/>
-              <a:t> install</a:t>
-            </a:r>
-          </a:p>
-          <a:p>
-            <a:pPr marL="457200" indent="-457200">
-              <a:buFont typeface="+mj-lt"/>
-              <a:buAutoNum type="arabicPeriod"/>
-            </a:pPr>
-            <a:r>
-              <a:rPr lang="en-US" dirty="0" err="1"/>
-              <a:t>npm</a:t>
-            </a:r>
-            <a:r>
-              <a:rPr lang="en-US" dirty="0"/>
-              <a:t> start</a:t>
-            </a:r>
-          </a:p>
-          <a:p>
-            <a:endParaRPr lang="en-US" dirty="0"/>
+            <a:endParaRPr lang="en-US"/>
           </a:p>
         </p:txBody>
       </p:sp>
+      <p:pic>
+        <p:nvPicPr>
+          <p:cNvPr id="4" name="Picture 3"/>
+          <p:cNvPicPr>
+            <a:picLocks noChangeAspect="1"/>
+          </p:cNvPicPr>
+          <p:nvPr/>
+        </p:nvPicPr>
+        <p:blipFill>
+          <a:blip r:embed="rId2"/>
+          <a:stretch>
+            <a:fillRect/>
+          </a:stretch>
+        </p:blipFill>
+        <p:spPr>
+          <a:xfrm>
+            <a:off x="882195" y="2286000"/>
+            <a:ext cx="7804605" cy="3124200"/>
+          </a:xfrm>
+          <a:prstGeom prst="rect">
+            <a:avLst/>
+          </a:prstGeom>
+        </p:spPr>
+      </p:pic>
     </p:spTree>
     <p:extLst>
       <p:ext uri="{BB962C8B-B14F-4D97-AF65-F5344CB8AC3E}">
-        <p14:creationId xmlns:p14="http://schemas.microsoft.com/office/powerpoint/2010/main" val="1172242512"/>
+        <p14:creationId xmlns:p14="http://schemas.microsoft.com/office/powerpoint/2010/main" val="2296551747"/>
       </p:ext>
     </p:extLst>
   </p:cSld>
@@ -7401,12 +7257,9 @@
           <a:bodyPr/>
           <a:lstStyle/>
           <a:p>
-            <a:br>
+            <a:r>
               <a:rPr lang="en-US" dirty="0"/>
-            </a:br>
-            <a:r>
-              <a:rPr lang="en-US" dirty="0"/>
-              <a:t>Shell Page</a:t>
+              <a:t>Bootstrapping</a:t>
             </a:r>
           </a:p>
         </p:txBody>
@@ -7426,13 +7279,30 @@
           <a:bodyPr/>
           <a:lstStyle/>
           <a:p>
-            <a:endParaRPr lang="en-US"/>
+            <a:r>
+              <a:rPr lang="en-US" dirty="0"/>
+              <a:t>Initializes the Angular framework</a:t>
+            </a:r>
+          </a:p>
+          <a:p>
+            <a:pPr lvl="1"/>
+            <a:r>
+              <a:rPr lang="en-US" dirty="0"/>
+              <a:t>Brings your application to life</a:t>
+            </a:r>
+          </a:p>
+          <a:p>
+            <a:pPr lvl="1"/>
+            <a:r>
+              <a:rPr lang="en-US" dirty="0"/>
+              <a:t>You bootstrap a specific module</a:t>
+            </a:r>
           </a:p>
         </p:txBody>
       </p:sp>
       <p:pic>
         <p:nvPicPr>
-          <p:cNvPr id="4" name="Picture 3"/>
+          <p:cNvPr id="5" name="Picture 4"/>
           <p:cNvPicPr>
             <a:picLocks noChangeAspect="1"/>
           </p:cNvPicPr>
@@ -7446,8 +7316,8 @@
         </p:blipFill>
         <p:spPr>
           <a:xfrm>
-            <a:off x="882195" y="2286000"/>
-            <a:ext cx="7804605" cy="3124200"/>
+            <a:off x="1066800" y="3352800"/>
+            <a:ext cx="7248525" cy="1095375"/>
           </a:xfrm>
           <a:prstGeom prst="rect">
             <a:avLst/>
@@ -7457,7 +7327,7 @@
     </p:spTree>
     <p:extLst>
       <p:ext uri="{BB962C8B-B14F-4D97-AF65-F5344CB8AC3E}">
-        <p14:creationId xmlns:p14="http://schemas.microsoft.com/office/powerpoint/2010/main" val="2296551747"/>
+        <p14:creationId xmlns:p14="http://schemas.microsoft.com/office/powerpoint/2010/main" val="318710140"/>
       </p:ext>
     </p:extLst>
   </p:cSld>
@@ -7504,7 +7374,7 @@
           <a:p>
             <a:r>
               <a:rPr lang="en-US" dirty="0"/>
-              <a:t>Bootstrapping</a:t>
+              <a:t>Modules</a:t>
             </a:r>
           </a:p>
         </p:txBody>
@@ -7526,28 +7396,21 @@
           <a:p>
             <a:r>
               <a:rPr lang="en-US" dirty="0"/>
-              <a:t>Initializes the Angular framework</a:t>
+              <a:t>Organize large applications into modules of functionality</a:t>
             </a:r>
           </a:p>
           <a:p>
             <a:pPr lvl="1"/>
             <a:r>
               <a:rPr lang="en-US" dirty="0"/>
-              <a:t>Brings your application to life</a:t>
-            </a:r>
-          </a:p>
-          <a:p>
-            <a:pPr lvl="1"/>
-            <a:r>
-              <a:rPr lang="en-US" dirty="0"/>
-              <a:t>You bootstrap a specific module</a:t>
+              <a:t>Module object tells Angular how to execute module code</a:t>
             </a:r>
           </a:p>
         </p:txBody>
       </p:sp>
       <p:pic>
         <p:nvPicPr>
-          <p:cNvPr id="5" name="Picture 4"/>
+          <p:cNvPr id="4" name="Picture 3"/>
           <p:cNvPicPr>
             <a:picLocks noChangeAspect="1"/>
           </p:cNvPicPr>
@@ -7561,8 +7424,8 @@
         </p:blipFill>
         <p:spPr>
           <a:xfrm>
-            <a:off x="1066800" y="3352800"/>
-            <a:ext cx="7248525" cy="1095375"/>
+            <a:off x="1676400" y="2895600"/>
+            <a:ext cx="6105525" cy="2790825"/>
           </a:xfrm>
           <a:prstGeom prst="rect">
             <a:avLst/>
@@ -7572,7 +7435,7 @@
     </p:spTree>
     <p:extLst>
       <p:ext uri="{BB962C8B-B14F-4D97-AF65-F5344CB8AC3E}">
-        <p14:creationId xmlns:p14="http://schemas.microsoft.com/office/powerpoint/2010/main" val="318710140"/>
+        <p14:creationId xmlns:p14="http://schemas.microsoft.com/office/powerpoint/2010/main" val="2223652595"/>
       </p:ext>
     </p:extLst>
   </p:cSld>
